--- a/LectureSlides/09Design3.pptx
+++ b/LectureSlides/09Design3.pptx
@@ -6,6 +6,17 @@
   </p:sldMasterIdLst>
   <p:sldIdLst>
     <p:sldId id="256" r:id="rId2"/>
+    <p:sldId id="257" r:id="rId3"/>
+    <p:sldId id="258" r:id="rId4"/>
+    <p:sldId id="261" r:id="rId5"/>
+    <p:sldId id="259" r:id="rId6"/>
+    <p:sldId id="262" r:id="rId7"/>
+    <p:sldId id="263" r:id="rId8"/>
+    <p:sldId id="264" r:id="rId9"/>
+    <p:sldId id="265" r:id="rId10"/>
+    <p:sldId id="260" r:id="rId11"/>
+    <p:sldId id="266" r:id="rId12"/>
+    <p:sldId id="267" r:id="rId13"/>
   </p:sldIdLst>
   <p:sldSz cx="12192000" cy="6858000"/>
   <p:notesSz cx="6858000" cy="9144000"/>
@@ -3980,6 +3991,1490 @@
 </p:sld>
 </file>
 
+<file path=ppt/slides/slide10.xml><?xml version="1.0" encoding="utf-8"?>
+<p:sld xmlns:a="http://schemas.openxmlformats.org/drawingml/2006/main" xmlns:r="http://schemas.openxmlformats.org/officeDocument/2006/relationships" xmlns:p="http://schemas.openxmlformats.org/presentationml/2006/main">
+  <p:cSld>
+    <p:spTree>
+      <p:nvGrpSpPr>
+        <p:cNvPr id="1" name=""/>
+        <p:cNvGrpSpPr/>
+        <p:nvPr/>
+      </p:nvGrpSpPr>
+      <p:grpSpPr>
+        <a:xfrm>
+          <a:off x="0" y="0"/>
+          <a:ext cx="0" cy="0"/>
+          <a:chOff x="0" y="0"/>
+          <a:chExt cx="0" cy="0"/>
+        </a:xfrm>
+      </p:grpSpPr>
+      <p:sp>
+        <p:nvSpPr>
+          <p:cNvPr id="2" name="Title 1">
+            <a:extLst>
+              <a:ext uri="{FF2B5EF4-FFF2-40B4-BE49-F238E27FC236}">
+                <a16:creationId xmlns:a16="http://schemas.microsoft.com/office/drawing/2014/main" id="{93340A0C-EAC1-42AA-32D7-0F0485DF424E}"/>
+              </a:ext>
+            </a:extLst>
+          </p:cNvPr>
+          <p:cNvSpPr>
+            <a:spLocks noGrp="1"/>
+          </p:cNvSpPr>
+          <p:nvPr>
+            <p:ph type="title"/>
+          </p:nvPr>
+        </p:nvSpPr>
+        <p:spPr/>
+        <p:txBody>
+          <a:bodyPr/>
+          <a:lstStyle/>
+          <a:p>
+            <a:r>
+              <a:rPr lang="en-US" dirty="0"/>
+              <a:t>Interpreting Qualitative Data</a:t>
+            </a:r>
+          </a:p>
+        </p:txBody>
+      </p:sp>
+      <p:sp>
+        <p:nvSpPr>
+          <p:cNvPr id="3" name="Content Placeholder 2">
+            <a:extLst>
+              <a:ext uri="{FF2B5EF4-FFF2-40B4-BE49-F238E27FC236}">
+                <a16:creationId xmlns:a16="http://schemas.microsoft.com/office/drawing/2014/main" id="{39257BD6-EA54-3978-EFDB-AB707C5FEE2B}"/>
+              </a:ext>
+            </a:extLst>
+          </p:cNvPr>
+          <p:cNvSpPr>
+            <a:spLocks noGrp="1"/>
+          </p:cNvSpPr>
+          <p:nvPr>
+            <p:ph idx="1"/>
+          </p:nvPr>
+        </p:nvSpPr>
+        <p:spPr/>
+        <p:txBody>
+          <a:bodyPr/>
+          <a:lstStyle/>
+          <a:p>
+            <a:r>
+              <a:rPr lang="en-US" b="1" dirty="0"/>
+              <a:t>Challenge:</a:t>
+            </a:r>
+            <a:r>
+              <a:rPr lang="en-US" dirty="0"/>
+              <a:t> How do we let the data speak for themselves, without enforcing our own pre-existing ideas?</a:t>
+            </a:r>
+            <a:endParaRPr lang="en-US" b="1" dirty="0"/>
+          </a:p>
+          <a:p>
+            <a:r>
+              <a:rPr lang="en-US" dirty="0"/>
+              <a:t>Our own perspective will </a:t>
+            </a:r>
+            <a:r>
+              <a:rPr lang="en-US" b="1" dirty="0"/>
+              <a:t>always </a:t>
+            </a:r>
+            <a:r>
+              <a:rPr lang="en-US" dirty="0"/>
+              <a:t>play a role, but rigorous analysis methods can help guide us</a:t>
+            </a:r>
+          </a:p>
+          <a:p>
+            <a:r>
+              <a:rPr lang="en-US" b="1" dirty="0"/>
+              <a:t>Grounded theory method:</a:t>
+            </a:r>
+            <a:r>
+              <a:rPr lang="en-US" dirty="0"/>
+              <a:t> Three-round analysis that emphasizes approaching the data without prior hypotheses</a:t>
+            </a:r>
+          </a:p>
+          <a:p>
+            <a:r>
+              <a:rPr lang="en-US" b="1" dirty="0"/>
+              <a:t>Thematic analysis: </a:t>
+            </a:r>
+            <a:r>
+              <a:rPr lang="en-US" dirty="0"/>
+              <a:t>Six-step method that allows for prior hypothesis</a:t>
+            </a:r>
+            <a:endParaRPr lang="en-US" b="1" dirty="0"/>
+          </a:p>
+        </p:txBody>
+      </p:sp>
+    </p:spTree>
+    <p:extLst>
+      <p:ext uri="{BB962C8B-B14F-4D97-AF65-F5344CB8AC3E}">
+        <p14:creationId xmlns:p14="http://schemas.microsoft.com/office/powerpoint/2010/main" val="2852547438"/>
+      </p:ext>
+    </p:extLst>
+  </p:cSld>
+  <p:clrMapOvr>
+    <a:masterClrMapping/>
+  </p:clrMapOvr>
+</p:sld>
+</file>
+
+<file path=ppt/slides/slide11.xml><?xml version="1.0" encoding="utf-8"?>
+<p:sld xmlns:a="http://schemas.openxmlformats.org/drawingml/2006/main" xmlns:r="http://schemas.openxmlformats.org/officeDocument/2006/relationships" xmlns:p="http://schemas.openxmlformats.org/presentationml/2006/main">
+  <p:cSld>
+    <p:spTree>
+      <p:nvGrpSpPr>
+        <p:cNvPr id="1" name=""/>
+        <p:cNvGrpSpPr/>
+        <p:nvPr/>
+      </p:nvGrpSpPr>
+      <p:grpSpPr>
+        <a:xfrm>
+          <a:off x="0" y="0"/>
+          <a:ext cx="0" cy="0"/>
+          <a:chOff x="0" y="0"/>
+          <a:chExt cx="0" cy="0"/>
+        </a:xfrm>
+      </p:grpSpPr>
+      <p:sp>
+        <p:nvSpPr>
+          <p:cNvPr id="2" name="Title 1">
+            <a:extLst>
+              <a:ext uri="{FF2B5EF4-FFF2-40B4-BE49-F238E27FC236}">
+                <a16:creationId xmlns:a16="http://schemas.microsoft.com/office/drawing/2014/main" id="{8F44466F-E98E-BF18-7202-5BA0DF7FBA46}"/>
+              </a:ext>
+            </a:extLst>
+          </p:cNvPr>
+          <p:cNvSpPr>
+            <a:spLocks noGrp="1"/>
+          </p:cNvSpPr>
+          <p:nvPr>
+            <p:ph type="title"/>
+          </p:nvPr>
+        </p:nvSpPr>
+        <p:spPr/>
+        <p:txBody>
+          <a:bodyPr/>
+          <a:lstStyle/>
+          <a:p>
+            <a:r>
+              <a:rPr lang="en-US" dirty="0"/>
+              <a:t>Grounded Theory Primer</a:t>
+            </a:r>
+          </a:p>
+        </p:txBody>
+      </p:sp>
+      <p:sp>
+        <p:nvSpPr>
+          <p:cNvPr id="3" name="Content Placeholder 2">
+            <a:extLst>
+              <a:ext uri="{FF2B5EF4-FFF2-40B4-BE49-F238E27FC236}">
+                <a16:creationId xmlns:a16="http://schemas.microsoft.com/office/drawing/2014/main" id="{7AFB4AA9-AA24-8B29-E4F7-CF1D5B165F4B}"/>
+              </a:ext>
+            </a:extLst>
+          </p:cNvPr>
+          <p:cNvSpPr>
+            <a:spLocks noGrp="1"/>
+          </p:cNvSpPr>
+          <p:nvPr>
+            <p:ph idx="1"/>
+          </p:nvPr>
+        </p:nvSpPr>
+        <p:spPr/>
+        <p:txBody>
+          <a:bodyPr/>
+          <a:lstStyle/>
+          <a:p>
+            <a:r>
+              <a:rPr lang="en-US" dirty="0"/>
+              <a:t>Coding != Programming !?</a:t>
+            </a:r>
+          </a:p>
+          <a:p>
+            <a:r>
+              <a:rPr lang="en-US" dirty="0"/>
+              <a:t>Coding = “Assigning descriptive labels, called </a:t>
+            </a:r>
+            <a:r>
+              <a:rPr lang="en-US" i="1" dirty="0"/>
+              <a:t>codes</a:t>
+            </a:r>
+            <a:r>
+              <a:rPr lang="en-US" dirty="0"/>
+              <a:t>, to data”</a:t>
+            </a:r>
+          </a:p>
+          <a:p>
+            <a:r>
+              <a:rPr lang="en-US" b="1" dirty="0"/>
+              <a:t>Open coding: </a:t>
+            </a:r>
+            <a:r>
+              <a:rPr lang="en-US" dirty="0"/>
+              <a:t>Initial labels, closely connected to data</a:t>
+            </a:r>
+          </a:p>
+          <a:p>
+            <a:r>
+              <a:rPr lang="en-US" b="1" dirty="0"/>
+              <a:t>Axial coding: </a:t>
+            </a:r>
+            <a:r>
+              <a:rPr lang="en-US" dirty="0"/>
+              <a:t>Second round of labels, groups together open codes</a:t>
+            </a:r>
+          </a:p>
+          <a:p>
+            <a:r>
+              <a:rPr lang="en-US" b="1" dirty="0"/>
+              <a:t>Selective coding:</a:t>
+            </a:r>
+            <a:r>
+              <a:rPr lang="en-US" dirty="0"/>
+              <a:t> Captures overall conclusion of axial codes</a:t>
+            </a:r>
+            <a:endParaRPr lang="en-US" b="1" dirty="0"/>
+          </a:p>
+        </p:txBody>
+      </p:sp>
+    </p:spTree>
+    <p:extLst>
+      <p:ext uri="{BB962C8B-B14F-4D97-AF65-F5344CB8AC3E}">
+        <p14:creationId xmlns:p14="http://schemas.microsoft.com/office/powerpoint/2010/main" val="4197185827"/>
+      </p:ext>
+    </p:extLst>
+  </p:cSld>
+  <p:clrMapOvr>
+    <a:masterClrMapping/>
+  </p:clrMapOvr>
+</p:sld>
+</file>
+
+<file path=ppt/slides/slide12.xml><?xml version="1.0" encoding="utf-8"?>
+<p:sld xmlns:a="http://schemas.openxmlformats.org/drawingml/2006/main" xmlns:r="http://schemas.openxmlformats.org/officeDocument/2006/relationships" xmlns:p="http://schemas.openxmlformats.org/presentationml/2006/main">
+  <p:cSld>
+    <p:spTree>
+      <p:nvGrpSpPr>
+        <p:cNvPr id="1" name=""/>
+        <p:cNvGrpSpPr/>
+        <p:nvPr/>
+      </p:nvGrpSpPr>
+      <p:grpSpPr>
+        <a:xfrm>
+          <a:off x="0" y="0"/>
+          <a:ext cx="0" cy="0"/>
+          <a:chOff x="0" y="0"/>
+          <a:chExt cx="0" cy="0"/>
+        </a:xfrm>
+      </p:grpSpPr>
+      <p:sp>
+        <p:nvSpPr>
+          <p:cNvPr id="2" name="Title 1">
+            <a:extLst>
+              <a:ext uri="{FF2B5EF4-FFF2-40B4-BE49-F238E27FC236}">
+                <a16:creationId xmlns:a16="http://schemas.microsoft.com/office/drawing/2014/main" id="{BEB27D35-DA10-0DE9-FCF9-E7E0B043D5D2}"/>
+              </a:ext>
+            </a:extLst>
+          </p:cNvPr>
+          <p:cNvSpPr>
+            <a:spLocks noGrp="1"/>
+          </p:cNvSpPr>
+          <p:nvPr>
+            <p:ph type="title"/>
+          </p:nvPr>
+        </p:nvSpPr>
+        <p:spPr/>
+        <p:txBody>
+          <a:bodyPr/>
+          <a:lstStyle/>
+          <a:p>
+            <a:r>
+              <a:rPr lang="en-US" dirty="0"/>
+              <a:t>Grounded Theory Example (</a:t>
+            </a:r>
+            <a:r>
+              <a:rPr lang="en-US" dirty="0" err="1"/>
+              <a:t>Gallicano</a:t>
+            </a:r>
+            <a:r>
+              <a:rPr lang="en-US" dirty="0"/>
+              <a:t>)</a:t>
+            </a:r>
+          </a:p>
+        </p:txBody>
+      </p:sp>
+      <p:sp>
+        <p:nvSpPr>
+          <p:cNvPr id="3" name="Content Placeholder 2">
+            <a:extLst>
+              <a:ext uri="{FF2B5EF4-FFF2-40B4-BE49-F238E27FC236}">
+                <a16:creationId xmlns:a16="http://schemas.microsoft.com/office/drawing/2014/main" id="{CD39B642-A3A1-D9FE-406C-5E30ED079771}"/>
+              </a:ext>
+            </a:extLst>
+          </p:cNvPr>
+          <p:cNvSpPr>
+            <a:spLocks noGrp="1"/>
+          </p:cNvSpPr>
+          <p:nvPr>
+            <p:ph idx="1"/>
+          </p:nvPr>
+        </p:nvSpPr>
+        <p:spPr/>
+        <p:txBody>
+          <a:bodyPr/>
+          <a:lstStyle/>
+          <a:p>
+            <a:r>
+              <a:rPr lang="en-US" dirty="0"/>
+              <a:t>Research question: “What irritates or upsets Millennials when receiving feedback on their work?”</a:t>
+            </a:r>
+          </a:p>
+          <a:p>
+            <a:r>
+              <a:rPr lang="en-US" dirty="0"/>
+              <a:t>Open codes:</a:t>
+            </a:r>
+          </a:p>
+          <a:p>
+            <a:pPr lvl="1"/>
+            <a:r>
+              <a:rPr lang="en-US" dirty="0"/>
+              <a:t>“Getting called out”</a:t>
+            </a:r>
+          </a:p>
+          <a:p>
+            <a:pPr lvl="1"/>
+            <a:r>
+              <a:rPr lang="en-US" dirty="0"/>
+              <a:t>“Not being heard”</a:t>
+            </a:r>
+          </a:p>
+          <a:p>
+            <a:pPr lvl="1"/>
+            <a:r>
+              <a:rPr lang="en-US" dirty="0"/>
+              <a:t>“ Mind reading and </a:t>
+            </a:r>
+            <a:br>
+              <a:rPr lang="en-US" dirty="0"/>
+            </a:br>
+            <a:r>
+              <a:rPr lang="en-US" dirty="0"/>
+              <a:t>miracle-worker expectations”</a:t>
+            </a:r>
+          </a:p>
+        </p:txBody>
+      </p:sp>
+      <p:sp>
+        <p:nvSpPr>
+          <p:cNvPr id="4" name="TextBox 3">
+            <a:extLst>
+              <a:ext uri="{FF2B5EF4-FFF2-40B4-BE49-F238E27FC236}">
+                <a16:creationId xmlns:a16="http://schemas.microsoft.com/office/drawing/2014/main" id="{9FDE6320-396E-F52B-27EE-DAD18BEA0D78}"/>
+              </a:ext>
+            </a:extLst>
+          </p:cNvPr>
+          <p:cNvSpPr txBox="1"/>
+          <p:nvPr/>
+        </p:nvSpPr>
+        <p:spPr>
+          <a:xfrm>
+            <a:off x="5861785" y="2781702"/>
+            <a:ext cx="2261937" cy="1938992"/>
+          </a:xfrm>
+          <a:prstGeom prst="rect">
+            <a:avLst/>
+          </a:prstGeom>
+          <a:noFill/>
+        </p:spPr>
+        <p:txBody>
+          <a:bodyPr wrap="square" rtlCol="0">
+            <a:spAutoFit/>
+          </a:bodyPr>
+          <a:lstStyle/>
+          <a:p>
+            <a:r>
+              <a:rPr lang="en-US" sz="2400" dirty="0"/>
+              <a:t>Axial Codes:</a:t>
+            </a:r>
+            <a:br>
+              <a:rPr lang="en-US" sz="2400" dirty="0"/>
+            </a:br>
+            <a:r>
+              <a:rPr lang="en-US" sz="2400" dirty="0"/>
+              <a:t>Public shaming</a:t>
+            </a:r>
+            <a:br>
+              <a:rPr lang="en-US" sz="2400" dirty="0"/>
+            </a:br>
+            <a:endParaRPr lang="en-US" sz="2400" dirty="0"/>
+          </a:p>
+          <a:p>
+            <a:r>
+              <a:rPr lang="en-US" sz="2400" dirty="0"/>
+              <a:t>Communication</a:t>
+            </a:r>
+            <a:br>
+              <a:rPr lang="en-US" sz="2400" dirty="0"/>
+            </a:br>
+            <a:r>
+              <a:rPr lang="en-US" sz="2400" dirty="0"/>
+              <a:t>failures</a:t>
+            </a:r>
+          </a:p>
+        </p:txBody>
+      </p:sp>
+      <p:sp>
+        <p:nvSpPr>
+          <p:cNvPr id="5" name="TextBox 4">
+            <a:extLst>
+              <a:ext uri="{FF2B5EF4-FFF2-40B4-BE49-F238E27FC236}">
+                <a16:creationId xmlns:a16="http://schemas.microsoft.com/office/drawing/2014/main" id="{B7CEF0DA-A022-2AB5-B480-9AA7F30C898A}"/>
+              </a:ext>
+            </a:extLst>
+          </p:cNvPr>
+          <p:cNvSpPr txBox="1"/>
+          <p:nvPr/>
+        </p:nvSpPr>
+        <p:spPr>
+          <a:xfrm>
+            <a:off x="9278753" y="2781702"/>
+            <a:ext cx="2261937" cy="1938992"/>
+          </a:xfrm>
+          <a:prstGeom prst="rect">
+            <a:avLst/>
+          </a:prstGeom>
+          <a:noFill/>
+        </p:spPr>
+        <p:txBody>
+          <a:bodyPr wrap="square" rtlCol="0">
+            <a:spAutoFit/>
+          </a:bodyPr>
+          <a:lstStyle/>
+          <a:p>
+            <a:r>
+              <a:rPr lang="en-US" sz="2400" dirty="0"/>
+              <a:t>Selective code:</a:t>
+            </a:r>
+            <a:br>
+              <a:rPr lang="en-US" sz="2400" dirty="0"/>
+            </a:br>
+            <a:r>
+              <a:rPr lang="en-US" sz="2400" dirty="0"/>
+              <a:t>Absence of nurturing communication style</a:t>
+            </a:r>
+          </a:p>
+        </p:txBody>
+      </p:sp>
+    </p:spTree>
+    <p:extLst>
+      <p:ext uri="{BB962C8B-B14F-4D97-AF65-F5344CB8AC3E}">
+        <p14:creationId xmlns:p14="http://schemas.microsoft.com/office/powerpoint/2010/main" val="3451878624"/>
+      </p:ext>
+    </p:extLst>
+  </p:cSld>
+  <p:clrMapOvr>
+    <a:masterClrMapping/>
+  </p:clrMapOvr>
+</p:sld>
+</file>
+
+<file path=ppt/slides/slide2.xml><?xml version="1.0" encoding="utf-8"?>
+<p:sld xmlns:a="http://schemas.openxmlformats.org/drawingml/2006/main" xmlns:r="http://schemas.openxmlformats.org/officeDocument/2006/relationships" xmlns:p="http://schemas.openxmlformats.org/presentationml/2006/main">
+  <p:cSld>
+    <p:spTree>
+      <p:nvGrpSpPr>
+        <p:cNvPr id="1" name=""/>
+        <p:cNvGrpSpPr/>
+        <p:nvPr/>
+      </p:nvGrpSpPr>
+      <p:grpSpPr>
+        <a:xfrm>
+          <a:off x="0" y="0"/>
+          <a:ext cx="0" cy="0"/>
+          <a:chOff x="0" y="0"/>
+          <a:chExt cx="0" cy="0"/>
+        </a:xfrm>
+      </p:grpSpPr>
+      <p:sp>
+        <p:nvSpPr>
+          <p:cNvPr id="2" name="Title 1">
+            <a:extLst>
+              <a:ext uri="{FF2B5EF4-FFF2-40B4-BE49-F238E27FC236}">
+                <a16:creationId xmlns:a16="http://schemas.microsoft.com/office/drawing/2014/main" id="{A9B3E2A0-E408-4151-98B8-DAB549BC5516}"/>
+              </a:ext>
+            </a:extLst>
+          </p:cNvPr>
+          <p:cNvSpPr>
+            <a:spLocks noGrp="1"/>
+          </p:cNvSpPr>
+          <p:nvPr>
+            <p:ph type="title"/>
+          </p:nvPr>
+        </p:nvSpPr>
+        <p:spPr/>
+        <p:txBody>
+          <a:bodyPr/>
+          <a:lstStyle/>
+          <a:p>
+            <a:r>
+              <a:rPr lang="en-US" dirty="0"/>
+              <a:t>Outline</a:t>
+            </a:r>
+          </a:p>
+        </p:txBody>
+      </p:sp>
+      <p:sp>
+        <p:nvSpPr>
+          <p:cNvPr id="3" name="Content Placeholder 2">
+            <a:extLst>
+              <a:ext uri="{FF2B5EF4-FFF2-40B4-BE49-F238E27FC236}">
+                <a16:creationId xmlns:a16="http://schemas.microsoft.com/office/drawing/2014/main" id="{4C039A2E-ED0D-C689-85DB-452D49E78617}"/>
+              </a:ext>
+            </a:extLst>
+          </p:cNvPr>
+          <p:cNvSpPr>
+            <a:spLocks noGrp="1"/>
+          </p:cNvSpPr>
+          <p:nvPr>
+            <p:ph idx="1"/>
+          </p:nvPr>
+        </p:nvSpPr>
+        <p:spPr/>
+        <p:txBody>
+          <a:bodyPr/>
+          <a:lstStyle/>
+          <a:p>
+            <a:r>
+              <a:rPr lang="en-US" dirty="0"/>
+              <a:t>Interviews</a:t>
+            </a:r>
+          </a:p>
+          <a:p>
+            <a:r>
+              <a:rPr lang="en-US" dirty="0"/>
+              <a:t>Observational Studies</a:t>
+            </a:r>
+          </a:p>
+          <a:p>
+            <a:r>
+              <a:rPr lang="en-US" dirty="0"/>
+              <a:t>Interpreting Qualitative Data</a:t>
+            </a:r>
+          </a:p>
+        </p:txBody>
+      </p:sp>
+    </p:spTree>
+    <p:extLst>
+      <p:ext uri="{BB962C8B-B14F-4D97-AF65-F5344CB8AC3E}">
+        <p14:creationId xmlns:p14="http://schemas.microsoft.com/office/powerpoint/2010/main" val="3028605644"/>
+      </p:ext>
+    </p:extLst>
+  </p:cSld>
+  <p:clrMapOvr>
+    <a:masterClrMapping/>
+  </p:clrMapOvr>
+</p:sld>
+</file>
+
+<file path=ppt/slides/slide3.xml><?xml version="1.0" encoding="utf-8"?>
+<p:sld xmlns:a="http://schemas.openxmlformats.org/drawingml/2006/main" xmlns:r="http://schemas.openxmlformats.org/officeDocument/2006/relationships" xmlns:p="http://schemas.openxmlformats.org/presentationml/2006/main">
+  <p:cSld>
+    <p:spTree>
+      <p:nvGrpSpPr>
+        <p:cNvPr id="1" name=""/>
+        <p:cNvGrpSpPr/>
+        <p:nvPr/>
+      </p:nvGrpSpPr>
+      <p:grpSpPr>
+        <a:xfrm>
+          <a:off x="0" y="0"/>
+          <a:ext cx="0" cy="0"/>
+          <a:chOff x="0" y="0"/>
+          <a:chExt cx="0" cy="0"/>
+        </a:xfrm>
+      </p:grpSpPr>
+      <p:sp>
+        <p:nvSpPr>
+          <p:cNvPr id="2" name="Title 1">
+            <a:extLst>
+              <a:ext uri="{FF2B5EF4-FFF2-40B4-BE49-F238E27FC236}">
+                <a16:creationId xmlns:a16="http://schemas.microsoft.com/office/drawing/2014/main" id="{3C0C9D27-1DBE-217D-2D9B-D86B541001D9}"/>
+              </a:ext>
+            </a:extLst>
+          </p:cNvPr>
+          <p:cNvSpPr>
+            <a:spLocks noGrp="1"/>
+          </p:cNvSpPr>
+          <p:nvPr>
+            <p:ph type="title"/>
+          </p:nvPr>
+        </p:nvSpPr>
+        <p:spPr/>
+        <p:txBody>
+          <a:bodyPr/>
+          <a:lstStyle/>
+          <a:p>
+            <a:r>
+              <a:rPr lang="en-US" dirty="0"/>
+              <a:t>Interviews</a:t>
+            </a:r>
+          </a:p>
+        </p:txBody>
+      </p:sp>
+      <p:sp>
+        <p:nvSpPr>
+          <p:cNvPr id="3" name="Content Placeholder 2">
+            <a:extLst>
+              <a:ext uri="{FF2B5EF4-FFF2-40B4-BE49-F238E27FC236}">
+                <a16:creationId xmlns:a16="http://schemas.microsoft.com/office/drawing/2014/main" id="{E3BAD25D-EE33-D401-E0D6-E4063DAF840F}"/>
+              </a:ext>
+            </a:extLst>
+          </p:cNvPr>
+          <p:cNvSpPr>
+            <a:spLocks noGrp="1"/>
+          </p:cNvSpPr>
+          <p:nvPr>
+            <p:ph idx="1"/>
+          </p:nvPr>
+        </p:nvSpPr>
+        <p:spPr/>
+        <p:txBody>
+          <a:bodyPr>
+            <a:normAutofit lnSpcReduction="10000"/>
+          </a:bodyPr>
+          <a:lstStyle/>
+          <a:p>
+            <a:r>
+              <a:rPr lang="en-US" dirty="0"/>
+              <a:t>Common tool for collecting qualitative data from subjects</a:t>
+            </a:r>
+          </a:p>
+          <a:p>
+            <a:r>
+              <a:rPr lang="en-US" b="1" dirty="0"/>
+              <a:t>Pro:</a:t>
+            </a:r>
+            <a:r>
+              <a:rPr lang="en-US" dirty="0"/>
+              <a:t> Provides greater flexibility than a survey. You can ask follow-up questions, clarify, etc.</a:t>
+            </a:r>
+          </a:p>
+          <a:p>
+            <a:r>
+              <a:rPr lang="en-US" b="1" dirty="0"/>
+              <a:t>Con: </a:t>
+            </a:r>
+            <a:r>
+              <a:rPr lang="en-US" dirty="0"/>
+              <a:t>Takes more time to perform and to analyze that survey</a:t>
+            </a:r>
+          </a:p>
+          <a:p>
+            <a:r>
+              <a:rPr lang="en-US" b="1" dirty="0"/>
+              <a:t>Preparing for an Interview:</a:t>
+            </a:r>
+          </a:p>
+          <a:p>
+            <a:pPr lvl="1"/>
+            <a:r>
+              <a:rPr lang="en-US" b="1" dirty="0"/>
+              <a:t>Write a script</a:t>
+            </a:r>
+            <a:endParaRPr lang="en-US" dirty="0"/>
+          </a:p>
+          <a:p>
+            <a:pPr lvl="1"/>
+            <a:r>
+              <a:rPr lang="en-US" dirty="0"/>
+              <a:t>Understand how you will use the script</a:t>
+            </a:r>
+          </a:p>
+          <a:p>
+            <a:pPr lvl="1"/>
+            <a:r>
+              <a:rPr lang="en-US" dirty="0"/>
+              <a:t>Consider a semi-structured interview, where some deviation from the script is allowed</a:t>
+            </a:r>
+          </a:p>
+        </p:txBody>
+      </p:sp>
+    </p:spTree>
+    <p:extLst>
+      <p:ext uri="{BB962C8B-B14F-4D97-AF65-F5344CB8AC3E}">
+        <p14:creationId xmlns:p14="http://schemas.microsoft.com/office/powerpoint/2010/main" val="941542469"/>
+      </p:ext>
+    </p:extLst>
+  </p:cSld>
+  <p:clrMapOvr>
+    <a:masterClrMapping/>
+  </p:clrMapOvr>
+</p:sld>
+</file>
+
+<file path=ppt/slides/slide4.xml><?xml version="1.0" encoding="utf-8"?>
+<p:sld xmlns:a="http://schemas.openxmlformats.org/drawingml/2006/main" xmlns:r="http://schemas.openxmlformats.org/officeDocument/2006/relationships" xmlns:p="http://schemas.openxmlformats.org/presentationml/2006/main">
+  <p:cSld>
+    <p:spTree>
+      <p:nvGrpSpPr>
+        <p:cNvPr id="1" name=""/>
+        <p:cNvGrpSpPr/>
+        <p:nvPr/>
+      </p:nvGrpSpPr>
+      <p:grpSpPr>
+        <a:xfrm>
+          <a:off x="0" y="0"/>
+          <a:ext cx="0" cy="0"/>
+          <a:chOff x="0" y="0"/>
+          <a:chExt cx="0" cy="0"/>
+        </a:xfrm>
+      </p:grpSpPr>
+      <p:sp>
+        <p:nvSpPr>
+          <p:cNvPr id="2" name="Title 1">
+            <a:extLst>
+              <a:ext uri="{FF2B5EF4-FFF2-40B4-BE49-F238E27FC236}">
+                <a16:creationId xmlns:a16="http://schemas.microsoft.com/office/drawing/2014/main" id="{C98F40F6-8C2E-0AA6-5CAD-E496626B1D0D}"/>
+              </a:ext>
+            </a:extLst>
+          </p:cNvPr>
+          <p:cNvSpPr>
+            <a:spLocks noGrp="1"/>
+          </p:cNvSpPr>
+          <p:nvPr>
+            <p:ph type="title"/>
+          </p:nvPr>
+        </p:nvSpPr>
+        <p:spPr/>
+        <p:txBody>
+          <a:bodyPr/>
+          <a:lstStyle/>
+          <a:p>
+            <a:r>
+              <a:rPr lang="en-US" dirty="0"/>
+              <a:t>Writing an Interview Script</a:t>
+            </a:r>
+          </a:p>
+        </p:txBody>
+      </p:sp>
+      <p:sp>
+        <p:nvSpPr>
+          <p:cNvPr id="3" name="Content Placeholder 2">
+            <a:extLst>
+              <a:ext uri="{FF2B5EF4-FFF2-40B4-BE49-F238E27FC236}">
+                <a16:creationId xmlns:a16="http://schemas.microsoft.com/office/drawing/2014/main" id="{0DBF1762-6FB7-A770-0AE5-CCE1A6FA785F}"/>
+              </a:ext>
+            </a:extLst>
+          </p:cNvPr>
+          <p:cNvSpPr>
+            <a:spLocks noGrp="1"/>
+          </p:cNvSpPr>
+          <p:nvPr>
+            <p:ph idx="1"/>
+          </p:nvPr>
+        </p:nvSpPr>
+        <p:spPr/>
+        <p:txBody>
+          <a:bodyPr>
+            <a:normAutofit fontScale="92500" lnSpcReduction="10000"/>
+          </a:bodyPr>
+          <a:lstStyle/>
+          <a:p>
+            <a:r>
+              <a:rPr lang="en-US" dirty="0"/>
+              <a:t>1. First question: Do they consent to recording the interview?</a:t>
+            </a:r>
+          </a:p>
+          <a:p>
+            <a:pPr lvl="1"/>
+            <a:r>
+              <a:rPr lang="en-US" dirty="0"/>
+              <a:t>Recording is a helpful standard practice, so you need not rely on written notes</a:t>
+            </a:r>
+          </a:p>
+          <a:p>
+            <a:r>
+              <a:rPr lang="en-US" dirty="0"/>
+              <a:t>2. Write your core questions</a:t>
+            </a:r>
+          </a:p>
+          <a:p>
+            <a:pPr lvl="1"/>
+            <a:r>
+              <a:rPr lang="en-US" dirty="0"/>
+              <a:t>What are the core research questions you want to answer? How?</a:t>
+            </a:r>
+          </a:p>
+          <a:p>
+            <a:r>
+              <a:rPr lang="en-US" dirty="0"/>
+              <a:t>3. Write follow-ups, including probes</a:t>
+            </a:r>
+          </a:p>
+          <a:p>
+            <a:pPr lvl="1"/>
+            <a:r>
+              <a:rPr lang="en-US" dirty="0"/>
+              <a:t>“How do you mean that?”</a:t>
+            </a:r>
+          </a:p>
+          <a:p>
+            <a:pPr lvl="1"/>
+            <a:r>
+              <a:rPr lang="en-US" dirty="0"/>
+              <a:t>“Tell me more about that”</a:t>
+            </a:r>
+          </a:p>
+          <a:p>
+            <a:pPr lvl="1"/>
+            <a:r>
+              <a:rPr lang="en-US" dirty="0"/>
+              <a:t>“Anything else?”</a:t>
+            </a:r>
+          </a:p>
+          <a:p>
+            <a:r>
+              <a:rPr lang="en-US" dirty="0"/>
+              <a:t>Probe sometimes gets </a:t>
+            </a:r>
+            <a:r>
+              <a:rPr lang="en-US" b="1" dirty="0"/>
+              <a:t>more </a:t>
+            </a:r>
+            <a:r>
+              <a:rPr lang="en-US" dirty="0"/>
+              <a:t>answers than original</a:t>
+            </a:r>
+            <a:br>
+              <a:rPr lang="en-US" dirty="0"/>
+            </a:br>
+            <a:r>
+              <a:rPr lang="en-US" dirty="0"/>
+              <a:t>Use neutral tone, no leading questions</a:t>
+            </a:r>
+          </a:p>
+          <a:p>
+            <a:pPr lvl="1"/>
+            <a:endParaRPr lang="en-US" dirty="0"/>
+          </a:p>
+        </p:txBody>
+      </p:sp>
+    </p:spTree>
+    <p:extLst>
+      <p:ext uri="{BB962C8B-B14F-4D97-AF65-F5344CB8AC3E}">
+        <p14:creationId xmlns:p14="http://schemas.microsoft.com/office/powerpoint/2010/main" val="2262986844"/>
+      </p:ext>
+    </p:extLst>
+  </p:cSld>
+  <p:clrMapOvr>
+    <a:masterClrMapping/>
+  </p:clrMapOvr>
+</p:sld>
+</file>
+
+<file path=ppt/slides/slide5.xml><?xml version="1.0" encoding="utf-8"?>
+<p:sld xmlns:a="http://schemas.openxmlformats.org/drawingml/2006/main" xmlns:r="http://schemas.openxmlformats.org/officeDocument/2006/relationships" xmlns:p="http://schemas.openxmlformats.org/presentationml/2006/main">
+  <p:cSld>
+    <p:spTree>
+      <p:nvGrpSpPr>
+        <p:cNvPr id="1" name=""/>
+        <p:cNvGrpSpPr/>
+        <p:nvPr/>
+      </p:nvGrpSpPr>
+      <p:grpSpPr>
+        <a:xfrm>
+          <a:off x="0" y="0"/>
+          <a:ext cx="0" cy="0"/>
+          <a:chOff x="0" y="0"/>
+          <a:chExt cx="0" cy="0"/>
+        </a:xfrm>
+      </p:grpSpPr>
+      <p:sp>
+        <p:nvSpPr>
+          <p:cNvPr id="2" name="Title 1">
+            <a:extLst>
+              <a:ext uri="{FF2B5EF4-FFF2-40B4-BE49-F238E27FC236}">
+                <a16:creationId xmlns:a16="http://schemas.microsoft.com/office/drawing/2014/main" id="{E701A159-51CF-CD79-4764-F45ECDB43046}"/>
+              </a:ext>
+            </a:extLst>
+          </p:cNvPr>
+          <p:cNvSpPr>
+            <a:spLocks noGrp="1"/>
+          </p:cNvSpPr>
+          <p:nvPr>
+            <p:ph type="title"/>
+          </p:nvPr>
+        </p:nvSpPr>
+        <p:spPr/>
+        <p:txBody>
+          <a:bodyPr/>
+          <a:lstStyle/>
+          <a:p>
+            <a:r>
+              <a:rPr lang="en-US" dirty="0"/>
+              <a:t>Observational Studies</a:t>
+            </a:r>
+          </a:p>
+        </p:txBody>
+      </p:sp>
+      <p:sp>
+        <p:nvSpPr>
+          <p:cNvPr id="3" name="Content Placeholder 2">
+            <a:extLst>
+              <a:ext uri="{FF2B5EF4-FFF2-40B4-BE49-F238E27FC236}">
+                <a16:creationId xmlns:a16="http://schemas.microsoft.com/office/drawing/2014/main" id="{96AD5048-D149-BE65-3C2E-C963187B9F87}"/>
+              </a:ext>
+            </a:extLst>
+          </p:cNvPr>
+          <p:cNvSpPr>
+            <a:spLocks noGrp="1"/>
+          </p:cNvSpPr>
+          <p:nvPr>
+            <p:ph idx="1"/>
+          </p:nvPr>
+        </p:nvSpPr>
+        <p:spPr/>
+        <p:txBody>
+          <a:bodyPr/>
+          <a:lstStyle/>
+          <a:p>
+            <a:r>
+              <a:rPr lang="en-US" b="1" dirty="0"/>
+              <a:t>Often not an “experiment”:</a:t>
+            </a:r>
+            <a:r>
+              <a:rPr lang="en-US" dirty="0"/>
+              <a:t> Usually, the setting is not completely controlled and you are not looking for a single exact outcome</a:t>
+            </a:r>
+          </a:p>
+          <a:p>
+            <a:r>
+              <a:rPr lang="en-US" b="1" dirty="0"/>
+              <a:t>Usually: </a:t>
+            </a:r>
+            <a:r>
+              <a:rPr lang="en-US" dirty="0"/>
+              <a:t>Give the participant a task, watch them do it, analyze that</a:t>
+            </a:r>
+          </a:p>
+          <a:p>
+            <a:r>
+              <a:rPr lang="en-US" b="1" dirty="0"/>
+              <a:t>Open-ended </a:t>
+            </a:r>
+            <a:r>
+              <a:rPr lang="en-US" dirty="0"/>
+              <a:t>with potentially unpredictable results</a:t>
+            </a:r>
+            <a:endParaRPr lang="en-US" b="1" dirty="0"/>
+          </a:p>
+        </p:txBody>
+      </p:sp>
+    </p:spTree>
+    <p:extLst>
+      <p:ext uri="{BB962C8B-B14F-4D97-AF65-F5344CB8AC3E}">
+        <p14:creationId xmlns:p14="http://schemas.microsoft.com/office/powerpoint/2010/main" val="588804053"/>
+      </p:ext>
+    </p:extLst>
+  </p:cSld>
+  <p:clrMapOvr>
+    <a:masterClrMapping/>
+  </p:clrMapOvr>
+</p:sld>
+</file>
+
+<file path=ppt/slides/slide6.xml><?xml version="1.0" encoding="utf-8"?>
+<p:sld xmlns:a="http://schemas.openxmlformats.org/drawingml/2006/main" xmlns:r="http://schemas.openxmlformats.org/officeDocument/2006/relationships" xmlns:p="http://schemas.openxmlformats.org/presentationml/2006/main">
+  <p:cSld>
+    <p:spTree>
+      <p:nvGrpSpPr>
+        <p:cNvPr id="1" name=""/>
+        <p:cNvGrpSpPr/>
+        <p:nvPr/>
+      </p:nvGrpSpPr>
+      <p:grpSpPr>
+        <a:xfrm>
+          <a:off x="0" y="0"/>
+          <a:ext cx="0" cy="0"/>
+          <a:chOff x="0" y="0"/>
+          <a:chExt cx="0" cy="0"/>
+        </a:xfrm>
+      </p:grpSpPr>
+      <p:sp>
+        <p:nvSpPr>
+          <p:cNvPr id="2" name="Title 1">
+            <a:extLst>
+              <a:ext uri="{FF2B5EF4-FFF2-40B4-BE49-F238E27FC236}">
+                <a16:creationId xmlns:a16="http://schemas.microsoft.com/office/drawing/2014/main" id="{C35FF6FE-BB46-C5C3-DBFB-E1088F623ABF}"/>
+              </a:ext>
+            </a:extLst>
+          </p:cNvPr>
+          <p:cNvSpPr>
+            <a:spLocks noGrp="1"/>
+          </p:cNvSpPr>
+          <p:nvPr>
+            <p:ph type="title"/>
+          </p:nvPr>
+        </p:nvSpPr>
+        <p:spPr/>
+        <p:txBody>
+          <a:bodyPr/>
+          <a:lstStyle/>
+          <a:p>
+            <a:r>
+              <a:rPr lang="en-US" dirty="0"/>
+              <a:t>Picking Tasks</a:t>
+            </a:r>
+          </a:p>
+        </p:txBody>
+      </p:sp>
+      <p:sp>
+        <p:nvSpPr>
+          <p:cNvPr id="3" name="Content Placeholder 2">
+            <a:extLst>
+              <a:ext uri="{FF2B5EF4-FFF2-40B4-BE49-F238E27FC236}">
+                <a16:creationId xmlns:a16="http://schemas.microsoft.com/office/drawing/2014/main" id="{0AE8E94D-D76E-A59D-1144-89630539B6F4}"/>
+              </a:ext>
+            </a:extLst>
+          </p:cNvPr>
+          <p:cNvSpPr>
+            <a:spLocks noGrp="1"/>
+          </p:cNvSpPr>
+          <p:nvPr>
+            <p:ph idx="1"/>
+          </p:nvPr>
+        </p:nvSpPr>
+        <p:spPr/>
+        <p:txBody>
+          <a:bodyPr>
+            <a:normAutofit/>
+          </a:bodyPr>
+          <a:lstStyle/>
+          <a:p>
+            <a:r>
+              <a:rPr lang="en-US" dirty="0"/>
+              <a:t>Let your research questions guide you. Let yourself iterate. Try tasks for yourself and revise. Examples:</a:t>
+            </a:r>
+          </a:p>
+          <a:p>
+            <a:pPr lvl="1"/>
+            <a:r>
+              <a:rPr lang="en-US" dirty="0"/>
+              <a:t>“Write a program that satisfies this specification”</a:t>
+            </a:r>
+          </a:p>
+          <a:p>
+            <a:pPr lvl="1"/>
+            <a:r>
+              <a:rPr lang="en-US" dirty="0"/>
+              <a:t>“Fill in the missing code to satisfy the specification”</a:t>
+            </a:r>
+          </a:p>
+          <a:p>
+            <a:pPr lvl="1"/>
+            <a:r>
+              <a:rPr lang="en-US" dirty="0"/>
+              <a:t>“Read this code. Are there bugs? If so, which?”</a:t>
+            </a:r>
+          </a:p>
+          <a:p>
+            <a:pPr lvl="1"/>
+            <a:r>
+              <a:rPr lang="en-US" dirty="0"/>
+              <a:t>“Here is a debugger. Debug this code”</a:t>
+            </a:r>
+          </a:p>
+          <a:p>
+            <a:pPr lvl="1"/>
+            <a:r>
+              <a:rPr lang="en-US" dirty="0"/>
+              <a:t>“This code does not compile. Modify it so that it compiles”</a:t>
+            </a:r>
+          </a:p>
+          <a:p>
+            <a:pPr lvl="1"/>
+            <a:r>
+              <a:rPr lang="en-US" dirty="0"/>
+              <a:t>Parsons problems: Given these code snippets, put them in right order.</a:t>
+            </a:r>
+          </a:p>
+        </p:txBody>
+      </p:sp>
+    </p:spTree>
+    <p:extLst>
+      <p:ext uri="{BB962C8B-B14F-4D97-AF65-F5344CB8AC3E}">
+        <p14:creationId xmlns:p14="http://schemas.microsoft.com/office/powerpoint/2010/main" val="1220207834"/>
+      </p:ext>
+    </p:extLst>
+  </p:cSld>
+  <p:clrMapOvr>
+    <a:masterClrMapping/>
+  </p:clrMapOvr>
+</p:sld>
+</file>
+
+<file path=ppt/slides/slide7.xml><?xml version="1.0" encoding="utf-8"?>
+<p:sld xmlns:a="http://schemas.openxmlformats.org/drawingml/2006/main" xmlns:r="http://schemas.openxmlformats.org/officeDocument/2006/relationships" xmlns:p="http://schemas.openxmlformats.org/presentationml/2006/main">
+  <p:cSld>
+    <p:spTree>
+      <p:nvGrpSpPr>
+        <p:cNvPr id="1" name=""/>
+        <p:cNvGrpSpPr/>
+        <p:nvPr/>
+      </p:nvGrpSpPr>
+      <p:grpSpPr>
+        <a:xfrm>
+          <a:off x="0" y="0"/>
+          <a:ext cx="0" cy="0"/>
+          <a:chOff x="0" y="0"/>
+          <a:chExt cx="0" cy="0"/>
+        </a:xfrm>
+      </p:grpSpPr>
+      <p:sp>
+        <p:nvSpPr>
+          <p:cNvPr id="2" name="Title 1">
+            <a:extLst>
+              <a:ext uri="{FF2B5EF4-FFF2-40B4-BE49-F238E27FC236}">
+                <a16:creationId xmlns:a16="http://schemas.microsoft.com/office/drawing/2014/main" id="{EC7988C5-BDA2-5EC0-FE31-DEDEBAF7F3E1}"/>
+              </a:ext>
+            </a:extLst>
+          </p:cNvPr>
+          <p:cNvSpPr>
+            <a:spLocks noGrp="1"/>
+          </p:cNvSpPr>
+          <p:nvPr>
+            <p:ph type="title"/>
+          </p:nvPr>
+        </p:nvSpPr>
+        <p:spPr/>
+        <p:txBody>
+          <a:bodyPr/>
+          <a:lstStyle/>
+          <a:p>
+            <a:r>
+              <a:rPr lang="en-US" dirty="0"/>
+              <a:t>Participant Preparation</a:t>
+            </a:r>
+          </a:p>
+        </p:txBody>
+      </p:sp>
+      <p:sp>
+        <p:nvSpPr>
+          <p:cNvPr id="3" name="Content Placeholder 2">
+            <a:extLst>
+              <a:ext uri="{FF2B5EF4-FFF2-40B4-BE49-F238E27FC236}">
+                <a16:creationId xmlns:a16="http://schemas.microsoft.com/office/drawing/2014/main" id="{18B91967-E981-402C-E815-D8D129C9492C}"/>
+              </a:ext>
+            </a:extLst>
+          </p:cNvPr>
+          <p:cNvSpPr>
+            <a:spLocks noGrp="1"/>
+          </p:cNvSpPr>
+          <p:nvPr>
+            <p:ph idx="1"/>
+          </p:nvPr>
+        </p:nvSpPr>
+        <p:spPr/>
+        <p:txBody>
+          <a:bodyPr>
+            <a:normAutofit/>
+          </a:bodyPr>
+          <a:lstStyle/>
+          <a:p>
+            <a:pPr lvl="1"/>
+            <a:r>
+              <a:rPr lang="en-US" dirty="0"/>
+              <a:t>Do they need training? What kind?</a:t>
+            </a:r>
+          </a:p>
+          <a:p>
+            <a:pPr lvl="1"/>
+            <a:r>
+              <a:rPr lang="en-US" dirty="0"/>
+              <a:t>What tools (physical + software) are needed? Simulate code on paper?</a:t>
+            </a:r>
+          </a:p>
+          <a:p>
+            <a:pPr lvl="1"/>
+            <a:r>
+              <a:rPr lang="en-US" dirty="0"/>
+              <a:t>Know how much information and help you’re willing to provide, in very clear terms, before you start.</a:t>
+            </a:r>
+          </a:p>
+          <a:p>
+            <a:pPr lvl="1"/>
+            <a:r>
+              <a:rPr lang="en-US" dirty="0"/>
+              <a:t>Rehearse interviewing best-practices such as using probe questions, asking one question at a time, speaking in clear, simple terms, and providing adequate time to answer.</a:t>
+            </a:r>
+          </a:p>
+          <a:p>
+            <a:pPr lvl="1"/>
+            <a:r>
+              <a:rPr lang="en-US" dirty="0"/>
+              <a:t>Bring a notetaking device in addition to any recordings, so that you can go through the recordings “as-needed” rather than in their entirety.</a:t>
+            </a:r>
+          </a:p>
+          <a:p>
+            <a:pPr lvl="1"/>
+            <a:r>
+              <a:rPr lang="en-US" dirty="0"/>
+              <a:t>Keep a timer/clock in view so that you can record timestamps in your notes</a:t>
+            </a:r>
+          </a:p>
+        </p:txBody>
+      </p:sp>
+    </p:spTree>
+    <p:extLst>
+      <p:ext uri="{BB962C8B-B14F-4D97-AF65-F5344CB8AC3E}">
+        <p14:creationId xmlns:p14="http://schemas.microsoft.com/office/powerpoint/2010/main" val="1565108819"/>
+      </p:ext>
+    </p:extLst>
+  </p:cSld>
+  <p:clrMapOvr>
+    <a:masterClrMapping/>
+  </p:clrMapOvr>
+</p:sld>
+</file>
+
+<file path=ppt/slides/slide8.xml><?xml version="1.0" encoding="utf-8"?>
+<p:sld xmlns:a="http://schemas.openxmlformats.org/drawingml/2006/main" xmlns:r="http://schemas.openxmlformats.org/officeDocument/2006/relationships" xmlns:p="http://schemas.openxmlformats.org/presentationml/2006/main">
+  <p:cSld>
+    <p:spTree>
+      <p:nvGrpSpPr>
+        <p:cNvPr id="1" name=""/>
+        <p:cNvGrpSpPr/>
+        <p:nvPr/>
+      </p:nvGrpSpPr>
+      <p:grpSpPr>
+        <a:xfrm>
+          <a:off x="0" y="0"/>
+          <a:ext cx="0" cy="0"/>
+          <a:chOff x="0" y="0"/>
+          <a:chExt cx="0" cy="0"/>
+        </a:xfrm>
+      </p:grpSpPr>
+      <p:sp>
+        <p:nvSpPr>
+          <p:cNvPr id="2" name="Title 1">
+            <a:extLst>
+              <a:ext uri="{FF2B5EF4-FFF2-40B4-BE49-F238E27FC236}">
+                <a16:creationId xmlns:a16="http://schemas.microsoft.com/office/drawing/2014/main" id="{0E1EC217-6780-E308-3E63-94C782165039}"/>
+              </a:ext>
+            </a:extLst>
+          </p:cNvPr>
+          <p:cNvSpPr>
+            <a:spLocks noGrp="1"/>
+          </p:cNvSpPr>
+          <p:nvPr>
+            <p:ph type="title"/>
+          </p:nvPr>
+        </p:nvSpPr>
+        <p:spPr/>
+        <p:txBody>
+          <a:bodyPr/>
+          <a:lstStyle/>
+          <a:p>
+            <a:r>
+              <a:rPr lang="en-US" dirty="0"/>
+              <a:t>Revising Tasks</a:t>
+            </a:r>
+          </a:p>
+        </p:txBody>
+      </p:sp>
+      <p:sp>
+        <p:nvSpPr>
+          <p:cNvPr id="3" name="Content Placeholder 2">
+            <a:extLst>
+              <a:ext uri="{FF2B5EF4-FFF2-40B4-BE49-F238E27FC236}">
+                <a16:creationId xmlns:a16="http://schemas.microsoft.com/office/drawing/2014/main" id="{6CB1D050-BCD9-2F1E-8624-B1E22A8E14AF}"/>
+              </a:ext>
+            </a:extLst>
+          </p:cNvPr>
+          <p:cNvSpPr>
+            <a:spLocks noGrp="1"/>
+          </p:cNvSpPr>
+          <p:nvPr>
+            <p:ph idx="1"/>
+          </p:nvPr>
+        </p:nvSpPr>
+        <p:spPr/>
+        <p:txBody>
+          <a:bodyPr>
+            <a:normAutofit/>
+          </a:bodyPr>
+          <a:lstStyle/>
+          <a:p>
+            <a:pPr lvl="1"/>
+            <a:r>
+              <a:rPr lang="en-US" dirty="0"/>
+              <a:t>Identify the most important point of your language design, design task for that</a:t>
+            </a:r>
+          </a:p>
+          <a:p>
+            <a:pPr lvl="1"/>
+            <a:r>
+              <a:rPr lang="en-US" dirty="0"/>
+              <a:t> Task should be easy enough to be possible, hard enough to be meaningful</a:t>
+            </a:r>
+          </a:p>
+          <a:p>
+            <a:pPr lvl="1"/>
+            <a:r>
+              <a:rPr lang="en-US" dirty="0"/>
+              <a:t>Don’t give too many tasks</a:t>
+            </a:r>
+          </a:p>
+          <a:p>
+            <a:pPr lvl="1"/>
+            <a:r>
+              <a:rPr lang="en-US" dirty="0"/>
+              <a:t>Minimize distractions, e.g., you don’t want a subject to spend 30 minutes exploring whitespace questions if the language is whitespace-insensitive.</a:t>
+            </a:r>
+          </a:p>
+          <a:p>
+            <a:pPr lvl="1"/>
+            <a:r>
+              <a:rPr lang="en-US" dirty="0"/>
+              <a:t>Narrow task scope to only things you care about</a:t>
+            </a:r>
+          </a:p>
+          <a:p>
+            <a:pPr lvl="1"/>
+            <a:r>
+              <a:rPr lang="en-US" dirty="0"/>
+              <a:t>For big monolithic tasks, consider breaking them down into small tasks (unless your point is to assess integration of the smaller parts, big-picture thinking, etc.)</a:t>
+            </a:r>
+          </a:p>
+        </p:txBody>
+      </p:sp>
+    </p:spTree>
+    <p:extLst>
+      <p:ext uri="{BB962C8B-B14F-4D97-AF65-F5344CB8AC3E}">
+        <p14:creationId xmlns:p14="http://schemas.microsoft.com/office/powerpoint/2010/main" val="3324808840"/>
+      </p:ext>
+    </p:extLst>
+  </p:cSld>
+  <p:clrMapOvr>
+    <a:masterClrMapping/>
+  </p:clrMapOvr>
+</p:sld>
+</file>
+
+<file path=ppt/slides/slide9.xml><?xml version="1.0" encoding="utf-8"?>
+<p:sld xmlns:a="http://schemas.openxmlformats.org/drawingml/2006/main" xmlns:r="http://schemas.openxmlformats.org/officeDocument/2006/relationships" xmlns:p="http://schemas.openxmlformats.org/presentationml/2006/main">
+  <p:cSld>
+    <p:spTree>
+      <p:nvGrpSpPr>
+        <p:cNvPr id="1" name=""/>
+        <p:cNvGrpSpPr/>
+        <p:nvPr/>
+      </p:nvGrpSpPr>
+      <p:grpSpPr>
+        <a:xfrm>
+          <a:off x="0" y="0"/>
+          <a:ext cx="0" cy="0"/>
+          <a:chOff x="0" y="0"/>
+          <a:chExt cx="0" cy="0"/>
+        </a:xfrm>
+      </p:grpSpPr>
+      <p:sp>
+        <p:nvSpPr>
+          <p:cNvPr id="2" name="Title 1">
+            <a:extLst>
+              <a:ext uri="{FF2B5EF4-FFF2-40B4-BE49-F238E27FC236}">
+                <a16:creationId xmlns:a16="http://schemas.microsoft.com/office/drawing/2014/main" id="{2533527B-D03A-865B-4FB2-EFD40F91EC3F}"/>
+              </a:ext>
+            </a:extLst>
+          </p:cNvPr>
+          <p:cNvSpPr>
+            <a:spLocks noGrp="1"/>
+          </p:cNvSpPr>
+          <p:nvPr>
+            <p:ph type="title"/>
+          </p:nvPr>
+        </p:nvSpPr>
+        <p:spPr/>
+        <p:txBody>
+          <a:bodyPr/>
+          <a:lstStyle/>
+          <a:p>
+            <a:r>
+              <a:rPr lang="en-US" dirty="0"/>
+              <a:t>Collecting Data</a:t>
+            </a:r>
+          </a:p>
+        </p:txBody>
+      </p:sp>
+      <p:sp>
+        <p:nvSpPr>
+          <p:cNvPr id="3" name="Content Placeholder 2">
+            <a:extLst>
+              <a:ext uri="{FF2B5EF4-FFF2-40B4-BE49-F238E27FC236}">
+                <a16:creationId xmlns:a16="http://schemas.microsoft.com/office/drawing/2014/main" id="{850A2995-DC9B-5DE6-A258-8776D5B0DC16}"/>
+              </a:ext>
+            </a:extLst>
+          </p:cNvPr>
+          <p:cNvSpPr>
+            <a:spLocks noGrp="1"/>
+          </p:cNvSpPr>
+          <p:nvPr>
+            <p:ph idx="1"/>
+          </p:nvPr>
+        </p:nvSpPr>
+        <p:spPr/>
+        <p:txBody>
+          <a:bodyPr/>
+          <a:lstStyle/>
+          <a:p>
+            <a:pPr lvl="1"/>
+            <a:r>
+              <a:rPr lang="en-US" dirty="0"/>
+              <a:t>Audio + Video + Screen recordings</a:t>
+            </a:r>
+          </a:p>
+          <a:p>
+            <a:pPr lvl="1"/>
+            <a:r>
+              <a:rPr lang="en-US" dirty="0"/>
+              <a:t>Eye tracking (expensive!!)</a:t>
+            </a:r>
+          </a:p>
+          <a:p>
+            <a:pPr lvl="1"/>
+            <a:r>
+              <a:rPr lang="en-US" dirty="0"/>
+              <a:t>Post-study Surveys (see Survey lecture)</a:t>
+            </a:r>
+          </a:p>
+          <a:p>
+            <a:pPr lvl="1"/>
+            <a:r>
+              <a:rPr lang="en-US" dirty="0"/>
+              <a:t>Think-aloud: have them think through thoughts out loud either after or during study. Prompt them to keep talking.</a:t>
+            </a:r>
+          </a:p>
+          <a:p>
+            <a:pPr lvl="1"/>
+            <a:r>
+              <a:rPr lang="en-US" dirty="0"/>
+              <a:t>Take lots of notes</a:t>
+            </a:r>
+          </a:p>
+        </p:txBody>
+      </p:sp>
+    </p:spTree>
+    <p:extLst>
+      <p:ext uri="{BB962C8B-B14F-4D97-AF65-F5344CB8AC3E}">
+        <p14:creationId xmlns:p14="http://schemas.microsoft.com/office/powerpoint/2010/main" val="504142309"/>
+      </p:ext>
+    </p:extLst>
+  </p:cSld>
+  <p:clrMapOvr>
+    <a:masterClrMapping/>
+  </p:clrMapOvr>
+</p:sld>
+</file>
+
 <file path=ppt/theme/theme1.xml><?xml version="1.0" encoding="utf-8"?>
 <a:theme xmlns:a="http://schemas.openxmlformats.org/drawingml/2006/main" name="Retrospect">
   <a:themeElements>

--- a/LectureSlides/09Design3.pptx
+++ b/LectureSlides/09Design3.pptx
@@ -7,16 +7,32 @@
   <p:sldIdLst>
     <p:sldId id="256" r:id="rId2"/>
     <p:sldId id="257" r:id="rId3"/>
-    <p:sldId id="258" r:id="rId4"/>
-    <p:sldId id="261" r:id="rId5"/>
-    <p:sldId id="259" r:id="rId6"/>
-    <p:sldId id="262" r:id="rId7"/>
-    <p:sldId id="263" r:id="rId8"/>
-    <p:sldId id="264" r:id="rId9"/>
-    <p:sldId id="265" r:id="rId10"/>
-    <p:sldId id="260" r:id="rId11"/>
-    <p:sldId id="266" r:id="rId12"/>
-    <p:sldId id="267" r:id="rId13"/>
+    <p:sldId id="272" r:id="rId4"/>
+    <p:sldId id="258" r:id="rId5"/>
+    <p:sldId id="261" r:id="rId6"/>
+    <p:sldId id="269" r:id="rId7"/>
+    <p:sldId id="270" r:id="rId8"/>
+    <p:sldId id="271" r:id="rId9"/>
+    <p:sldId id="260" r:id="rId10"/>
+    <p:sldId id="266" r:id="rId11"/>
+    <p:sldId id="273" r:id="rId12"/>
+    <p:sldId id="274" r:id="rId13"/>
+    <p:sldId id="275" r:id="rId14"/>
+    <p:sldId id="276" r:id="rId15"/>
+    <p:sldId id="277" r:id="rId16"/>
+    <p:sldId id="278" r:id="rId17"/>
+    <p:sldId id="279" r:id="rId18"/>
+    <p:sldId id="280" r:id="rId19"/>
+    <p:sldId id="281" r:id="rId20"/>
+    <p:sldId id="282" r:id="rId21"/>
+    <p:sldId id="283" r:id="rId22"/>
+    <p:sldId id="284" r:id="rId23"/>
+    <p:sldId id="268" r:id="rId24"/>
+    <p:sldId id="259" r:id="rId25"/>
+    <p:sldId id="262" r:id="rId26"/>
+    <p:sldId id="263" r:id="rId27"/>
+    <p:sldId id="264" r:id="rId28"/>
+    <p:sldId id="265" r:id="rId29"/>
   </p:sldIdLst>
   <p:sldSz cx="12192000" cy="6858000"/>
   <p:notesSz cx="6858000" cy="9144000"/>
@@ -347,7 +363,7 @@
           <a:p>
             <a:fld id="{DF0DA02A-3D36-4521-B995-F6A931B35345}" type="datetimeFigureOut">
               <a:rPr lang="en-US" smtClean="0"/>
-              <a:t>8/29/2023</a:t>
+              <a:t>10/27/2023</a:t>
             </a:fld>
             <a:endParaRPr lang="en-US"/>
           </a:p>
@@ -555,7 +571,7 @@
           <a:p>
             <a:fld id="{DF0DA02A-3D36-4521-B995-F6A931B35345}" type="datetimeFigureOut">
               <a:rPr lang="en-US" smtClean="0"/>
-              <a:t>8/29/2023</a:t>
+              <a:t>10/27/2023</a:t>
             </a:fld>
             <a:endParaRPr lang="en-US"/>
           </a:p>
@@ -811,7 +827,7 @@
           <a:p>
             <a:fld id="{DF0DA02A-3D36-4521-B995-F6A931B35345}" type="datetimeFigureOut">
               <a:rPr lang="en-US" smtClean="0"/>
-              <a:t>8/29/2023</a:t>
+              <a:t>10/27/2023</a:t>
             </a:fld>
             <a:endParaRPr lang="en-US"/>
           </a:p>
@@ -996,7 +1012,7 @@
           <a:p>
             <a:fld id="{DF0DA02A-3D36-4521-B995-F6A931B35345}" type="datetimeFigureOut">
               <a:rPr lang="en-US" smtClean="0"/>
-              <a:t>8/29/2023</a:t>
+              <a:t>10/27/2023</a:t>
             </a:fld>
             <a:endParaRPr lang="en-US"/>
           </a:p>
@@ -1339,7 +1355,7 @@
           <a:p>
             <a:fld id="{DF0DA02A-3D36-4521-B995-F6A931B35345}" type="datetimeFigureOut">
               <a:rPr lang="en-US" smtClean="0"/>
-              <a:t>8/29/2023</a:t>
+              <a:t>10/27/2023</a:t>
             </a:fld>
             <a:endParaRPr lang="en-US"/>
           </a:p>
@@ -1644,7 +1660,7 @@
           <a:p>
             <a:fld id="{DF0DA02A-3D36-4521-B995-F6A931B35345}" type="datetimeFigureOut">
               <a:rPr lang="en-US" smtClean="0"/>
-              <a:t>8/29/2023</a:t>
+              <a:t>10/27/2023</a:t>
             </a:fld>
             <a:endParaRPr lang="en-US"/>
           </a:p>
@@ -2053,7 +2069,7 @@
           <a:p>
             <a:fld id="{DF0DA02A-3D36-4521-B995-F6A931B35345}" type="datetimeFigureOut">
               <a:rPr lang="en-US" smtClean="0"/>
-              <a:t>8/29/2023</a:t>
+              <a:t>10/27/2023</a:t>
             </a:fld>
             <a:endParaRPr lang="en-US"/>
           </a:p>
@@ -2171,7 +2187,7 @@
           <a:p>
             <a:fld id="{DF0DA02A-3D36-4521-B995-F6A931B35345}" type="datetimeFigureOut">
               <a:rPr lang="en-US" smtClean="0"/>
-              <a:t>8/29/2023</a:t>
+              <a:t>10/27/2023</a:t>
             </a:fld>
             <a:endParaRPr lang="en-US"/>
           </a:p>
@@ -2342,7 +2358,7 @@
           <a:p>
             <a:fld id="{DF0DA02A-3D36-4521-B995-F6A931B35345}" type="datetimeFigureOut">
               <a:rPr lang="en-US" smtClean="0"/>
-              <a:t>8/29/2023</a:t>
+              <a:t>10/27/2023</a:t>
             </a:fld>
             <a:endParaRPr lang="en-US"/>
           </a:p>
@@ -2711,7 +2727,7 @@
           <a:p>
             <a:fld id="{DF0DA02A-3D36-4521-B995-F6A931B35345}" type="datetimeFigureOut">
               <a:rPr lang="en-US" smtClean="0"/>
-              <a:t>8/29/2023</a:t>
+              <a:t>10/27/2023</a:t>
             </a:fld>
             <a:endParaRPr lang="en-US"/>
           </a:p>
@@ -3088,7 +3104,7 @@
           <a:p>
             <a:fld id="{DF0DA02A-3D36-4521-B995-F6A931B35345}" type="datetimeFigureOut">
               <a:rPr lang="en-US" smtClean="0"/>
-              <a:t>8/29/2023</a:t>
+              <a:t>10/27/2023</a:t>
             </a:fld>
             <a:endParaRPr lang="en-US"/>
           </a:p>
@@ -3375,7 +3391,7 @@
           <a:p>
             <a:fld id="{DF0DA02A-3D36-4521-B995-F6A931B35345}" type="datetimeFigureOut">
               <a:rPr lang="en-US" smtClean="0"/>
-              <a:t>8/29/2023</a:t>
+              <a:t>10/27/2023</a:t>
             </a:fld>
             <a:endParaRPr lang="en-US"/>
           </a:p>
@@ -4013,7 +4029,7 @@
           <p:cNvPr id="2" name="Title 1">
             <a:extLst>
               <a:ext uri="{FF2B5EF4-FFF2-40B4-BE49-F238E27FC236}">
-                <a16:creationId xmlns:a16="http://schemas.microsoft.com/office/drawing/2014/main" id="{93340A0C-EAC1-42AA-32D7-0F0485DF424E}"/>
+                <a16:creationId xmlns:a16="http://schemas.microsoft.com/office/drawing/2014/main" id="{8F44466F-E98E-BF18-7202-5BA0DF7FBA46}"/>
               </a:ext>
             </a:extLst>
           </p:cNvPr>
@@ -4031,7 +4047,7 @@
           <a:p>
             <a:r>
               <a:rPr lang="en-US" dirty="0"/>
-              <a:t>Interpreting Qualitative Data</a:t>
+              <a:t>Thematic Analysis Steps</a:t>
             </a:r>
           </a:p>
         </p:txBody>
@@ -4041,7 +4057,7 @@
           <p:cNvPr id="3" name="Content Placeholder 2">
             <a:extLst>
               <a:ext uri="{FF2B5EF4-FFF2-40B4-BE49-F238E27FC236}">
-                <a16:creationId xmlns:a16="http://schemas.microsoft.com/office/drawing/2014/main" id="{39257BD6-EA54-3978-EFDB-AB707C5FEE2B}"/>
+                <a16:creationId xmlns:a16="http://schemas.microsoft.com/office/drawing/2014/main" id="{7AFB4AA9-AA24-8B29-E4F7-CF1D5B165F4B}"/>
               </a:ext>
             </a:extLst>
           </p:cNvPr>
@@ -4057,57 +4073,96 @@
           <a:bodyPr/>
           <a:lstStyle/>
           <a:p>
+            <a:pPr marL="514350" indent="-514350">
+              <a:buFont typeface="+mj-lt"/>
+              <a:buAutoNum type="arabicPeriod"/>
+            </a:pPr>
             <a:r>
               <a:rPr lang="en-US" b="1" dirty="0"/>
-              <a:t>Challenge:</a:t>
-            </a:r>
-            <a:r>
-              <a:rPr lang="en-US" dirty="0"/>
-              <a:t> How do we let the data speak for themselves, without enforcing our own pre-existing ideas?</a:t>
+              <a:t>Familiarize</a:t>
+            </a:r>
+            <a:r>
+              <a:rPr lang="en-US" dirty="0"/>
+              <a:t> yourself with the data</a:t>
             </a:r>
             <a:endParaRPr lang="en-US" b="1" dirty="0"/>
           </a:p>
           <a:p>
-            <a:r>
-              <a:rPr lang="en-US" dirty="0"/>
-              <a:t>Our own perspective will </a:t>
-            </a:r>
+            <a:pPr marL="514350" indent="-514350">
+              <a:buFont typeface="+mj-lt"/>
+              <a:buAutoNum type="arabicPeriod"/>
+            </a:pPr>
             <a:r>
               <a:rPr lang="en-US" b="1" dirty="0"/>
-              <a:t>always </a:t>
-            </a:r>
-            <a:r>
-              <a:rPr lang="en-US" dirty="0"/>
-              <a:t>play a role, but rigorous analysis methods can help guide us</a:t>
-            </a:r>
-          </a:p>
-          <a:p>
+              <a:t>Code</a:t>
+            </a:r>
+            <a:r>
+              <a:rPr lang="en-US" dirty="0"/>
+              <a:t> the data</a:t>
+            </a:r>
+          </a:p>
+          <a:p>
+            <a:pPr marL="514350" indent="-514350">
+              <a:buFont typeface="+mj-lt"/>
+              <a:buAutoNum type="arabicPeriod"/>
+            </a:pPr>
             <a:r>
               <a:rPr lang="en-US" b="1" dirty="0"/>
-              <a:t>Grounded theory method:</a:t>
-            </a:r>
-            <a:r>
-              <a:rPr lang="en-US" dirty="0"/>
-              <a:t> Three-round analysis that emphasizes approaching the data without prior hypotheses</a:t>
-            </a:r>
-          </a:p>
-          <a:p>
+              <a:t>Search</a:t>
+            </a:r>
+            <a:r>
+              <a:rPr lang="en-US" dirty="0"/>
+              <a:t> for themes in the code</a:t>
+            </a:r>
+          </a:p>
+          <a:p>
+            <a:pPr marL="514350" indent="-514350">
+              <a:buFont typeface="+mj-lt"/>
+              <a:buAutoNum type="arabicPeriod"/>
+            </a:pPr>
             <a:r>
               <a:rPr lang="en-US" b="1" dirty="0"/>
-              <a:t>Thematic analysis: </a:t>
-            </a:r>
-            <a:r>
-              <a:rPr lang="en-US" dirty="0"/>
-              <a:t>Six-step method that allows for prior hypothesis</a:t>
-            </a:r>
-            <a:endParaRPr lang="en-US" b="1" dirty="0"/>
+              <a:t>Revise</a:t>
+            </a:r>
+            <a:r>
+              <a:rPr lang="en-US" dirty="0"/>
+              <a:t> the themes</a:t>
+            </a:r>
+          </a:p>
+          <a:p>
+            <a:pPr marL="514350" indent="-514350">
+              <a:buFont typeface="+mj-lt"/>
+              <a:buAutoNum type="arabicPeriod"/>
+            </a:pPr>
+            <a:r>
+              <a:rPr lang="en-US" b="1" dirty="0"/>
+              <a:t>Define</a:t>
+            </a:r>
+            <a:r>
+              <a:rPr lang="en-US" dirty="0"/>
+              <a:t> the themes</a:t>
+            </a:r>
+          </a:p>
+          <a:p>
+            <a:pPr marL="514350" indent="-514350">
+              <a:buFont typeface="+mj-lt"/>
+              <a:buAutoNum type="arabicPeriod"/>
+            </a:pPr>
+            <a:r>
+              <a:rPr lang="en-US" b="1" dirty="0"/>
+              <a:t>Write</a:t>
+            </a:r>
+            <a:r>
+              <a:rPr lang="en-US" dirty="0"/>
+              <a:t> a report</a:t>
+            </a:r>
           </a:p>
         </p:txBody>
       </p:sp>
     </p:spTree>
     <p:extLst>
       <p:ext uri="{BB962C8B-B14F-4D97-AF65-F5344CB8AC3E}">
-        <p14:creationId xmlns:p14="http://schemas.microsoft.com/office/powerpoint/2010/main" val="2852547438"/>
+        <p14:creationId xmlns:p14="http://schemas.microsoft.com/office/powerpoint/2010/main" val="4197185827"/>
       </p:ext>
     </p:extLst>
   </p:cSld>
@@ -4139,7 +4194,7 @@
           <p:cNvPr id="2" name="Title 1">
             <a:extLst>
               <a:ext uri="{FF2B5EF4-FFF2-40B4-BE49-F238E27FC236}">
-                <a16:creationId xmlns:a16="http://schemas.microsoft.com/office/drawing/2014/main" id="{8F44466F-E98E-BF18-7202-5BA0DF7FBA46}"/>
+                <a16:creationId xmlns:a16="http://schemas.microsoft.com/office/drawing/2014/main" id="{1E0BC2F4-4561-A8A0-906E-7B88043A03E6}"/>
               </a:ext>
             </a:extLst>
           </p:cNvPr>
@@ -4157,7 +4212,7 @@
           <a:p>
             <a:r>
               <a:rPr lang="en-US" dirty="0"/>
-              <a:t>Grounded Theory Primer</a:t>
+              <a:t>Worked Example: Familiarize</a:t>
             </a:r>
           </a:p>
         </p:txBody>
@@ -4167,7 +4222,7 @@
           <p:cNvPr id="3" name="Content Placeholder 2">
             <a:extLst>
               <a:ext uri="{FF2B5EF4-FFF2-40B4-BE49-F238E27FC236}">
-                <a16:creationId xmlns:a16="http://schemas.microsoft.com/office/drawing/2014/main" id="{7AFB4AA9-AA24-8B29-E4F7-CF1D5B165F4B}"/>
+                <a16:creationId xmlns:a16="http://schemas.microsoft.com/office/drawing/2014/main" id="{B898F582-7A65-0861-FC36-373332E8FB0E}"/>
               </a:ext>
             </a:extLst>
           </p:cNvPr>
@@ -4178,67 +4233,40 @@
             <p:ph idx="1"/>
           </p:nvPr>
         </p:nvSpPr>
-        <p:spPr/>
-        <p:txBody>
-          <a:bodyPr/>
-          <a:lstStyle/>
-          <a:p>
-            <a:r>
-              <a:rPr lang="en-US" dirty="0"/>
-              <a:t>Coding != Programming !?</a:t>
-            </a:r>
-          </a:p>
-          <a:p>
-            <a:r>
-              <a:rPr lang="en-US" dirty="0"/>
-              <a:t>Coding = “Assigning descriptive labels, called </a:t>
-            </a:r>
-            <a:r>
-              <a:rPr lang="en-US" i="1" dirty="0"/>
-              <a:t>codes</a:t>
-            </a:r>
-            <a:r>
-              <a:rPr lang="en-US" dirty="0"/>
-              <a:t>, to data”</a:t>
-            </a:r>
-          </a:p>
-          <a:p>
-            <a:r>
-              <a:rPr lang="en-US" b="1" dirty="0"/>
-              <a:t>Open coding: </a:t>
-            </a:r>
-            <a:r>
-              <a:rPr lang="en-US" dirty="0"/>
-              <a:t>Initial labels, closely connected to data</a:t>
-            </a:r>
-          </a:p>
-          <a:p>
-            <a:r>
-              <a:rPr lang="en-US" b="1" dirty="0"/>
-              <a:t>Axial coding: </a:t>
-            </a:r>
-            <a:r>
-              <a:rPr lang="en-US" dirty="0"/>
-              <a:t>Second round of labels, groups together open codes</a:t>
-            </a:r>
-          </a:p>
-          <a:p>
-            <a:r>
-              <a:rPr lang="en-US" b="1" dirty="0"/>
-              <a:t>Selective coding:</a:t>
-            </a:r>
-            <a:r>
-              <a:rPr lang="en-US" dirty="0"/>
-              <a:t> Captures overall conclusion of axial codes</a:t>
-            </a:r>
-            <a:endParaRPr lang="en-US" b="1" dirty="0"/>
+        <p:spPr>
+          <a:xfrm>
+            <a:off x="317633" y="1845734"/>
+            <a:ext cx="7055318" cy="4023360"/>
+          </a:xfrm>
+        </p:spPr>
+        <p:txBody>
+          <a:bodyPr>
+            <a:normAutofit fontScale="92500" lnSpcReduction="10000"/>
+          </a:bodyPr>
+          <a:lstStyle/>
+          <a:p>
+            <a:r>
+              <a:rPr lang="en-US" sz="3000" b="1" dirty="0"/>
+              <a:t>Data</a:t>
+            </a:r>
+            <a:r>
+              <a:rPr lang="en-US" sz="3000" dirty="0"/>
+              <a:t> (Example responses to example interview):</a:t>
+            </a:r>
+            <a:br>
+              <a:rPr lang="en-US" dirty="0"/>
+            </a:br>
+            <a:r>
+              <a:rPr lang="en-US" dirty="0"/>
+              <a:t>“In my life, I want to use programming for something productive, to help people make things. Maybe engineering software or productivity software. I want to know how a programmer should think about performance day-to-day. I know about common optimizations, but I also know they aren’t always needed in real life. If I knew this, I would be able to ensure that productivity software scale to the large projects that happen when engineers are trying to develop new things in the real world, whether it’s roads or movies.” </a:t>
+            </a:r>
           </a:p>
         </p:txBody>
       </p:sp>
     </p:spTree>
     <p:extLst>
       <p:ext uri="{BB962C8B-B14F-4D97-AF65-F5344CB8AC3E}">
-        <p14:creationId xmlns:p14="http://schemas.microsoft.com/office/powerpoint/2010/main" val="4197185827"/>
+        <p14:creationId xmlns:p14="http://schemas.microsoft.com/office/powerpoint/2010/main" val="2390803622"/>
       </p:ext>
     </p:extLst>
   </p:cSld>
@@ -4270,7 +4298,7 @@
           <p:cNvPr id="2" name="Title 1">
             <a:extLst>
               <a:ext uri="{FF2B5EF4-FFF2-40B4-BE49-F238E27FC236}">
-                <a16:creationId xmlns:a16="http://schemas.microsoft.com/office/drawing/2014/main" id="{BEB27D35-DA10-0DE9-FCF9-E7E0B043D5D2}"/>
+                <a16:creationId xmlns:a16="http://schemas.microsoft.com/office/drawing/2014/main" id="{1E0BC2F4-4561-A8A0-906E-7B88043A03E6}"/>
               </a:ext>
             </a:extLst>
           </p:cNvPr>
@@ -4288,15 +4316,7 @@
           <a:p>
             <a:r>
               <a:rPr lang="en-US" dirty="0"/>
-              <a:t>Grounded Theory Example (</a:t>
-            </a:r>
-            <a:r>
-              <a:rPr lang="en-US" dirty="0" err="1"/>
-              <a:t>Gallicano</a:t>
-            </a:r>
-            <a:r>
-              <a:rPr lang="en-US" dirty="0"/>
-              <a:t>)</a:t>
+              <a:t>Worked Example: Familiarize</a:t>
             </a:r>
           </a:p>
         </p:txBody>
@@ -4306,7 +4326,7 @@
           <p:cNvPr id="3" name="Content Placeholder 2">
             <a:extLst>
               <a:ext uri="{FF2B5EF4-FFF2-40B4-BE49-F238E27FC236}">
-                <a16:creationId xmlns:a16="http://schemas.microsoft.com/office/drawing/2014/main" id="{CD39B642-A3A1-D9FE-406C-5E30ED079771}"/>
+                <a16:creationId xmlns:a16="http://schemas.microsoft.com/office/drawing/2014/main" id="{B898F582-7A65-0861-FC36-373332E8FB0E}"/>
               </a:ext>
             </a:extLst>
           </p:cNvPr>
@@ -4317,6 +4337,397 @@
             <p:ph idx="1"/>
           </p:nvPr>
         </p:nvSpPr>
+        <p:spPr>
+          <a:xfrm>
+            <a:off x="317633" y="1845734"/>
+            <a:ext cx="7055318" cy="4023360"/>
+          </a:xfrm>
+        </p:spPr>
+        <p:txBody>
+          <a:bodyPr>
+            <a:normAutofit fontScale="92500" lnSpcReduction="10000"/>
+          </a:bodyPr>
+          <a:lstStyle/>
+          <a:p>
+            <a:r>
+              <a:rPr lang="en-US" sz="3000" b="1" dirty="0"/>
+              <a:t>Data</a:t>
+            </a:r>
+            <a:r>
+              <a:rPr lang="en-US" sz="3000" dirty="0"/>
+              <a:t> (Example responses to example interview):</a:t>
+            </a:r>
+            <a:br>
+              <a:rPr lang="en-US" dirty="0"/>
+            </a:br>
+            <a:r>
+              <a:rPr lang="en-US" dirty="0"/>
+              <a:t>“In my life, I want to use programming for something productive, to help people make things. Maybe engineering software or productivity software. I want to know how a programmer should think about performance day-to-day. I know about common optimizations, but I also know they aren’t always needed in real life. If I knew this, I would be able to ensure that productivity software scale to the large projects that happen when engineers are trying to develop new things in the real world, whether it’s roads or movies.” </a:t>
+            </a:r>
+          </a:p>
+        </p:txBody>
+      </p:sp>
+      <p:sp>
+        <p:nvSpPr>
+          <p:cNvPr id="4" name="Content Placeholder 2">
+            <a:extLst>
+              <a:ext uri="{FF2B5EF4-FFF2-40B4-BE49-F238E27FC236}">
+                <a16:creationId xmlns:a16="http://schemas.microsoft.com/office/drawing/2014/main" id="{7F7B2F4F-0465-EA7F-B450-A5A481D14182}"/>
+              </a:ext>
+            </a:extLst>
+          </p:cNvPr>
+          <p:cNvSpPr txBox="1">
+            <a:spLocks/>
+          </p:cNvSpPr>
+          <p:nvPr/>
+        </p:nvSpPr>
+        <p:spPr>
+          <a:xfrm>
+            <a:off x="7506100" y="1845734"/>
+            <a:ext cx="4440094" cy="4023360"/>
+          </a:xfrm>
+          <a:prstGeom prst="rect">
+            <a:avLst/>
+          </a:prstGeom>
+        </p:spPr>
+        <p:txBody>
+          <a:bodyPr vert="horz" lIns="0" tIns="45720" rIns="0" bIns="45720" rtlCol="0">
+            <a:normAutofit/>
+          </a:bodyPr>
+          <a:lstStyle>
+            <a:lvl1pPr marL="91440" indent="-91440" algn="l" defTabSz="914400" rtl="0" eaLnBrk="1" latinLnBrk="0" hangingPunct="1">
+              <a:lnSpc>
+                <a:spcPct val="90000"/>
+              </a:lnSpc>
+              <a:spcBef>
+                <a:spcPts val="1200"/>
+              </a:spcBef>
+              <a:spcAft>
+                <a:spcPts val="200"/>
+              </a:spcAft>
+              <a:buClr>
+                <a:schemeClr val="accent1"/>
+              </a:buClr>
+              <a:buSzPct val="100000"/>
+              <a:buFont typeface="Calibri" panose="020F0502020204030204" pitchFamily="34" charset="0"/>
+              <a:buChar char=" "/>
+              <a:defRPr sz="2800" kern="1200">
+                <a:solidFill>
+                  <a:schemeClr val="tx1">
+                    <a:lumMod val="75000"/>
+                    <a:lumOff val="25000"/>
+                  </a:schemeClr>
+                </a:solidFill>
+                <a:latin typeface="+mn-lt"/>
+                <a:ea typeface="+mn-ea"/>
+                <a:cs typeface="+mn-cs"/>
+              </a:defRPr>
+            </a:lvl1pPr>
+            <a:lvl2pPr marL="384048" indent="-182880" algn="l" defTabSz="914400" rtl="0" eaLnBrk="1" latinLnBrk="0" hangingPunct="1">
+              <a:lnSpc>
+                <a:spcPct val="90000"/>
+              </a:lnSpc>
+              <a:spcBef>
+                <a:spcPts val="200"/>
+              </a:spcBef>
+              <a:spcAft>
+                <a:spcPts val="400"/>
+              </a:spcAft>
+              <a:buClr>
+                <a:schemeClr val="accent1"/>
+              </a:buClr>
+              <a:buFont typeface="Calibri" pitchFamily="34" charset="0"/>
+              <a:buChar char="◦"/>
+              <a:defRPr sz="2400" kern="1200">
+                <a:solidFill>
+                  <a:schemeClr val="tx1">
+                    <a:lumMod val="75000"/>
+                    <a:lumOff val="25000"/>
+                  </a:schemeClr>
+                </a:solidFill>
+                <a:latin typeface="+mn-lt"/>
+                <a:ea typeface="+mn-ea"/>
+                <a:cs typeface="+mn-cs"/>
+              </a:defRPr>
+            </a:lvl2pPr>
+            <a:lvl3pPr marL="566928" indent="-182880" algn="l" defTabSz="914400" rtl="0" eaLnBrk="1" latinLnBrk="0" hangingPunct="1">
+              <a:lnSpc>
+                <a:spcPct val="90000"/>
+              </a:lnSpc>
+              <a:spcBef>
+                <a:spcPts val="200"/>
+              </a:spcBef>
+              <a:spcAft>
+                <a:spcPts val="400"/>
+              </a:spcAft>
+              <a:buClr>
+                <a:schemeClr val="accent1"/>
+              </a:buClr>
+              <a:buFont typeface="Calibri" pitchFamily="34" charset="0"/>
+              <a:buChar char="◦"/>
+              <a:defRPr sz="2200" kern="1200">
+                <a:solidFill>
+                  <a:schemeClr val="tx1">
+                    <a:lumMod val="75000"/>
+                    <a:lumOff val="25000"/>
+                  </a:schemeClr>
+                </a:solidFill>
+                <a:latin typeface="+mn-lt"/>
+                <a:ea typeface="+mn-ea"/>
+                <a:cs typeface="+mn-cs"/>
+              </a:defRPr>
+            </a:lvl3pPr>
+            <a:lvl4pPr marL="749808" indent="-182880" algn="l" defTabSz="914400" rtl="0" eaLnBrk="1" latinLnBrk="0" hangingPunct="1">
+              <a:lnSpc>
+                <a:spcPct val="90000"/>
+              </a:lnSpc>
+              <a:spcBef>
+                <a:spcPts val="200"/>
+              </a:spcBef>
+              <a:spcAft>
+                <a:spcPts val="400"/>
+              </a:spcAft>
+              <a:buClr>
+                <a:schemeClr val="accent1"/>
+              </a:buClr>
+              <a:buFont typeface="Calibri" pitchFamily="34" charset="0"/>
+              <a:buChar char="◦"/>
+              <a:defRPr sz="2000" kern="1200">
+                <a:solidFill>
+                  <a:schemeClr val="tx1">
+                    <a:lumMod val="75000"/>
+                    <a:lumOff val="25000"/>
+                  </a:schemeClr>
+                </a:solidFill>
+                <a:latin typeface="+mn-lt"/>
+                <a:ea typeface="+mn-ea"/>
+                <a:cs typeface="+mn-cs"/>
+              </a:defRPr>
+            </a:lvl4pPr>
+            <a:lvl5pPr marL="932688" indent="-182880" algn="l" defTabSz="914400" rtl="0" eaLnBrk="1" latinLnBrk="0" hangingPunct="1">
+              <a:lnSpc>
+                <a:spcPct val="90000"/>
+              </a:lnSpc>
+              <a:spcBef>
+                <a:spcPts val="200"/>
+              </a:spcBef>
+              <a:spcAft>
+                <a:spcPts val="400"/>
+              </a:spcAft>
+              <a:buClr>
+                <a:schemeClr val="accent1"/>
+              </a:buClr>
+              <a:buFont typeface="Calibri" pitchFamily="34" charset="0"/>
+              <a:buChar char="◦"/>
+              <a:defRPr sz="1800" kern="1200">
+                <a:solidFill>
+                  <a:schemeClr val="tx1">
+                    <a:lumMod val="75000"/>
+                    <a:lumOff val="25000"/>
+                  </a:schemeClr>
+                </a:solidFill>
+                <a:latin typeface="+mn-lt"/>
+                <a:ea typeface="+mn-ea"/>
+                <a:cs typeface="+mn-cs"/>
+              </a:defRPr>
+            </a:lvl5pPr>
+            <a:lvl6pPr marL="1100000" indent="-228600" algn="l" defTabSz="914400" rtl="0" eaLnBrk="1" latinLnBrk="0" hangingPunct="1">
+              <a:lnSpc>
+                <a:spcPct val="90000"/>
+              </a:lnSpc>
+              <a:spcBef>
+                <a:spcPts val="200"/>
+              </a:spcBef>
+              <a:spcAft>
+                <a:spcPts val="400"/>
+              </a:spcAft>
+              <a:buClr>
+                <a:schemeClr val="accent1"/>
+              </a:buClr>
+              <a:buFont typeface="Calibri" pitchFamily="34" charset="0"/>
+              <a:buChar char="◦"/>
+              <a:defRPr sz="1400" kern="1200">
+                <a:solidFill>
+                  <a:schemeClr val="tx1">
+                    <a:lumMod val="75000"/>
+                    <a:lumOff val="25000"/>
+                  </a:schemeClr>
+                </a:solidFill>
+                <a:latin typeface="+mn-lt"/>
+                <a:ea typeface="+mn-ea"/>
+                <a:cs typeface="+mn-cs"/>
+              </a:defRPr>
+            </a:lvl6pPr>
+            <a:lvl7pPr marL="1300000" indent="-228600" algn="l" defTabSz="914400" rtl="0" eaLnBrk="1" latinLnBrk="0" hangingPunct="1">
+              <a:lnSpc>
+                <a:spcPct val="90000"/>
+              </a:lnSpc>
+              <a:spcBef>
+                <a:spcPts val="200"/>
+              </a:spcBef>
+              <a:spcAft>
+                <a:spcPts val="400"/>
+              </a:spcAft>
+              <a:buClr>
+                <a:schemeClr val="accent1"/>
+              </a:buClr>
+              <a:buFont typeface="Calibri" pitchFamily="34" charset="0"/>
+              <a:buChar char="◦"/>
+              <a:defRPr sz="1400" kern="1200">
+                <a:solidFill>
+                  <a:schemeClr val="tx1">
+                    <a:lumMod val="75000"/>
+                    <a:lumOff val="25000"/>
+                  </a:schemeClr>
+                </a:solidFill>
+                <a:latin typeface="+mn-lt"/>
+                <a:ea typeface="+mn-ea"/>
+                <a:cs typeface="+mn-cs"/>
+              </a:defRPr>
+            </a:lvl7pPr>
+            <a:lvl8pPr marL="1500000" indent="-228600" algn="l" defTabSz="914400" rtl="0" eaLnBrk="1" latinLnBrk="0" hangingPunct="1">
+              <a:lnSpc>
+                <a:spcPct val="90000"/>
+              </a:lnSpc>
+              <a:spcBef>
+                <a:spcPts val="200"/>
+              </a:spcBef>
+              <a:spcAft>
+                <a:spcPts val="400"/>
+              </a:spcAft>
+              <a:buClr>
+                <a:schemeClr val="accent1"/>
+              </a:buClr>
+              <a:buFont typeface="Calibri" pitchFamily="34" charset="0"/>
+              <a:buChar char="◦"/>
+              <a:defRPr sz="1400" kern="1200">
+                <a:solidFill>
+                  <a:schemeClr val="tx1">
+                    <a:lumMod val="75000"/>
+                    <a:lumOff val="25000"/>
+                  </a:schemeClr>
+                </a:solidFill>
+                <a:latin typeface="+mn-lt"/>
+                <a:ea typeface="+mn-ea"/>
+                <a:cs typeface="+mn-cs"/>
+              </a:defRPr>
+            </a:lvl8pPr>
+            <a:lvl9pPr marL="1700000" indent="-228600" algn="l" defTabSz="914400" rtl="0" eaLnBrk="1" latinLnBrk="0" hangingPunct="1">
+              <a:lnSpc>
+                <a:spcPct val="90000"/>
+              </a:lnSpc>
+              <a:spcBef>
+                <a:spcPts val="200"/>
+              </a:spcBef>
+              <a:spcAft>
+                <a:spcPts val="400"/>
+              </a:spcAft>
+              <a:buClr>
+                <a:schemeClr val="accent1"/>
+              </a:buClr>
+              <a:buFont typeface="Calibri" pitchFamily="34" charset="0"/>
+              <a:buChar char="◦"/>
+              <a:defRPr sz="1400" kern="1200">
+                <a:solidFill>
+                  <a:schemeClr val="tx1">
+                    <a:lumMod val="75000"/>
+                    <a:lumOff val="25000"/>
+                  </a:schemeClr>
+                </a:solidFill>
+                <a:latin typeface="+mn-lt"/>
+                <a:ea typeface="+mn-ea"/>
+                <a:cs typeface="+mn-cs"/>
+              </a:defRPr>
+            </a:lvl9pPr>
+          </a:lstStyle>
+          <a:p>
+            <a:r>
+              <a:rPr lang="en-US" sz="3000" b="1" dirty="0"/>
+              <a:t>Familiarize </a:t>
+            </a:r>
+            <a:r>
+              <a:rPr lang="en-US" sz="3000" dirty="0"/>
+              <a:t>means read the data more than once. </a:t>
+            </a:r>
+          </a:p>
+          <a:p>
+            <a:r>
+              <a:rPr lang="en-US" sz="2600" dirty="0"/>
+              <a:t>Ask questions about the data. </a:t>
+            </a:r>
+          </a:p>
+          <a:p>
+            <a:r>
+              <a:rPr lang="en-US" sz="2600" dirty="0"/>
+              <a:t>Form initial observations.</a:t>
+            </a:r>
+          </a:p>
+          <a:p>
+            <a:r>
+              <a:rPr lang="en-US" sz="2600" dirty="0"/>
+              <a:t>Get in the subject’s head.</a:t>
+            </a:r>
+          </a:p>
+          <a:p>
+            <a:r>
+              <a:rPr lang="en-US" sz="2600" dirty="0"/>
+              <a:t>Where are they coming from? </a:t>
+            </a:r>
+          </a:p>
+          <a:p>
+            <a:r>
+              <a:rPr lang="en-US" sz="2600" dirty="0"/>
+              <a:t>How are they feeling?</a:t>
+            </a:r>
+          </a:p>
+        </p:txBody>
+      </p:sp>
+    </p:spTree>
+    <p:extLst>
+      <p:ext uri="{BB962C8B-B14F-4D97-AF65-F5344CB8AC3E}">
+        <p14:creationId xmlns:p14="http://schemas.microsoft.com/office/powerpoint/2010/main" val="1132937420"/>
+      </p:ext>
+    </p:extLst>
+  </p:cSld>
+  <p:clrMapOvr>
+    <a:masterClrMapping/>
+  </p:clrMapOvr>
+</p:sld>
+</file>
+
+<file path=ppt/slides/slide13.xml><?xml version="1.0" encoding="utf-8"?>
+<p:sld xmlns:a="http://schemas.openxmlformats.org/drawingml/2006/main" xmlns:r="http://schemas.openxmlformats.org/officeDocument/2006/relationships" xmlns:p="http://schemas.openxmlformats.org/presentationml/2006/main">
+  <p:cSld>
+    <p:spTree>
+      <p:nvGrpSpPr>
+        <p:cNvPr id="1" name=""/>
+        <p:cNvGrpSpPr/>
+        <p:nvPr/>
+      </p:nvGrpSpPr>
+      <p:grpSpPr>
+        <a:xfrm>
+          <a:off x="0" y="0"/>
+          <a:ext cx="0" cy="0"/>
+          <a:chOff x="0" y="0"/>
+          <a:chExt cx="0" cy="0"/>
+        </a:xfrm>
+      </p:grpSpPr>
+      <p:sp>
+        <p:nvSpPr>
+          <p:cNvPr id="2" name="Title 1">
+            <a:extLst>
+              <a:ext uri="{FF2B5EF4-FFF2-40B4-BE49-F238E27FC236}">
+                <a16:creationId xmlns:a16="http://schemas.microsoft.com/office/drawing/2014/main" id="{1E0BC2F4-4561-A8A0-906E-7B88043A03E6}"/>
+              </a:ext>
+            </a:extLst>
+          </p:cNvPr>
+          <p:cNvSpPr>
+            <a:spLocks noGrp="1"/>
+          </p:cNvSpPr>
+          <p:nvPr>
+            <p:ph type="title"/>
+          </p:nvPr>
+        </p:nvSpPr>
         <p:spPr/>
         <p:txBody>
           <a:bodyPr/>
@@ -4324,51 +4735,464 @@
           <a:p>
             <a:r>
               <a:rPr lang="en-US" dirty="0"/>
-              <a:t>Research question: “What irritates or upsets Millennials when receiving feedback on their work?”</a:t>
-            </a:r>
-          </a:p>
-          <a:p>
-            <a:r>
-              <a:rPr lang="en-US" dirty="0"/>
-              <a:t>Open codes:</a:t>
-            </a:r>
-          </a:p>
-          <a:p>
-            <a:pPr lvl="1"/>
-            <a:r>
-              <a:rPr lang="en-US" dirty="0"/>
-              <a:t>“Getting called out”</a:t>
-            </a:r>
-          </a:p>
-          <a:p>
-            <a:pPr lvl="1"/>
-            <a:r>
-              <a:rPr lang="en-US" dirty="0"/>
-              <a:t>“Not being heard”</a:t>
-            </a:r>
-          </a:p>
-          <a:p>
-            <a:pPr lvl="1"/>
-            <a:r>
-              <a:rPr lang="en-US" dirty="0"/>
-              <a:t>“ Mind reading and </a:t>
+              <a:t>Worked Example: Coding</a:t>
+            </a:r>
+          </a:p>
+        </p:txBody>
+      </p:sp>
+      <p:sp>
+        <p:nvSpPr>
+          <p:cNvPr id="3" name="Content Placeholder 2">
+            <a:extLst>
+              <a:ext uri="{FF2B5EF4-FFF2-40B4-BE49-F238E27FC236}">
+                <a16:creationId xmlns:a16="http://schemas.microsoft.com/office/drawing/2014/main" id="{B898F582-7A65-0861-FC36-373332E8FB0E}"/>
+              </a:ext>
+            </a:extLst>
+          </p:cNvPr>
+          <p:cNvSpPr>
+            <a:spLocks noGrp="1"/>
+          </p:cNvSpPr>
+          <p:nvPr>
+            <p:ph idx="1"/>
+          </p:nvPr>
+        </p:nvSpPr>
+        <p:spPr>
+          <a:xfrm>
+            <a:off x="317633" y="1845734"/>
+            <a:ext cx="7055318" cy="4023360"/>
+          </a:xfrm>
+        </p:spPr>
+        <p:txBody>
+          <a:bodyPr>
+            <a:normAutofit fontScale="92500" lnSpcReduction="10000"/>
+          </a:bodyPr>
+          <a:lstStyle/>
+          <a:p>
+            <a:r>
+              <a:rPr lang="en-US" sz="3000" b="1" dirty="0"/>
+              <a:t>Data</a:t>
+            </a:r>
+            <a:r>
+              <a:rPr lang="en-US" sz="3000" dirty="0"/>
+              <a:t> (Example responses to example interview):</a:t>
             </a:r>
             <a:br>
               <a:rPr lang="en-US" dirty="0"/>
             </a:br>
             <a:r>
               <a:rPr lang="en-US" dirty="0"/>
-              <a:t>miracle-worker expectations”</a:t>
-            </a:r>
-          </a:p>
-        </p:txBody>
-      </p:sp>
-      <p:sp>
-        <p:nvSpPr>
-          <p:cNvPr id="4" name="TextBox 3">
-            <a:extLst>
-              <a:ext uri="{FF2B5EF4-FFF2-40B4-BE49-F238E27FC236}">
-                <a16:creationId xmlns:a16="http://schemas.microsoft.com/office/drawing/2014/main" id="{9FDE6320-396E-F52B-27EE-DAD18BEA0D78}"/>
+              <a:t>“In my life, I want to use programming for something productive, to help people make things. Maybe engineering software or productivity software. I want to know how a programmer should think about performance day-to-day. I know about common optimizations, but I also know they aren’t always needed in real life. If I knew this, I would be able to ensure that productivity software scale to the large projects that happen when engineers are trying to develop new things in the real world, whether it’s roads or movies.” </a:t>
+            </a:r>
+          </a:p>
+        </p:txBody>
+      </p:sp>
+      <p:sp>
+        <p:nvSpPr>
+          <p:cNvPr id="4" name="Content Placeholder 2">
+            <a:extLst>
+              <a:ext uri="{FF2B5EF4-FFF2-40B4-BE49-F238E27FC236}">
+                <a16:creationId xmlns:a16="http://schemas.microsoft.com/office/drawing/2014/main" id="{7F7B2F4F-0465-EA7F-B450-A5A481D14182}"/>
+              </a:ext>
+            </a:extLst>
+          </p:cNvPr>
+          <p:cNvSpPr txBox="1">
+            <a:spLocks/>
+          </p:cNvSpPr>
+          <p:nvPr/>
+        </p:nvSpPr>
+        <p:spPr>
+          <a:xfrm>
+            <a:off x="7506099" y="1845733"/>
+            <a:ext cx="4448477" cy="4121929"/>
+          </a:xfrm>
+          <a:prstGeom prst="rect">
+            <a:avLst/>
+          </a:prstGeom>
+        </p:spPr>
+        <p:txBody>
+          <a:bodyPr vert="horz" lIns="0" tIns="45720" rIns="0" bIns="45720" rtlCol="0">
+            <a:normAutofit fontScale="85000" lnSpcReduction="20000"/>
+          </a:bodyPr>
+          <a:lstStyle>
+            <a:lvl1pPr marL="91440" indent="-91440" algn="l" defTabSz="914400" rtl="0" eaLnBrk="1" latinLnBrk="0" hangingPunct="1">
+              <a:lnSpc>
+                <a:spcPct val="90000"/>
+              </a:lnSpc>
+              <a:spcBef>
+                <a:spcPts val="1200"/>
+              </a:spcBef>
+              <a:spcAft>
+                <a:spcPts val="200"/>
+              </a:spcAft>
+              <a:buClr>
+                <a:schemeClr val="accent1"/>
+              </a:buClr>
+              <a:buSzPct val="100000"/>
+              <a:buFont typeface="Calibri" panose="020F0502020204030204" pitchFamily="34" charset="0"/>
+              <a:buChar char=" "/>
+              <a:defRPr sz="2800" kern="1200">
+                <a:solidFill>
+                  <a:schemeClr val="tx1">
+                    <a:lumMod val="75000"/>
+                    <a:lumOff val="25000"/>
+                  </a:schemeClr>
+                </a:solidFill>
+                <a:latin typeface="+mn-lt"/>
+                <a:ea typeface="+mn-ea"/>
+                <a:cs typeface="+mn-cs"/>
+              </a:defRPr>
+            </a:lvl1pPr>
+            <a:lvl2pPr marL="384048" indent="-182880" algn="l" defTabSz="914400" rtl="0" eaLnBrk="1" latinLnBrk="0" hangingPunct="1">
+              <a:lnSpc>
+                <a:spcPct val="90000"/>
+              </a:lnSpc>
+              <a:spcBef>
+                <a:spcPts val="200"/>
+              </a:spcBef>
+              <a:spcAft>
+                <a:spcPts val="400"/>
+              </a:spcAft>
+              <a:buClr>
+                <a:schemeClr val="accent1"/>
+              </a:buClr>
+              <a:buFont typeface="Calibri" pitchFamily="34" charset="0"/>
+              <a:buChar char="◦"/>
+              <a:defRPr sz="2400" kern="1200">
+                <a:solidFill>
+                  <a:schemeClr val="tx1">
+                    <a:lumMod val="75000"/>
+                    <a:lumOff val="25000"/>
+                  </a:schemeClr>
+                </a:solidFill>
+                <a:latin typeface="+mn-lt"/>
+                <a:ea typeface="+mn-ea"/>
+                <a:cs typeface="+mn-cs"/>
+              </a:defRPr>
+            </a:lvl2pPr>
+            <a:lvl3pPr marL="566928" indent="-182880" algn="l" defTabSz="914400" rtl="0" eaLnBrk="1" latinLnBrk="0" hangingPunct="1">
+              <a:lnSpc>
+                <a:spcPct val="90000"/>
+              </a:lnSpc>
+              <a:spcBef>
+                <a:spcPts val="200"/>
+              </a:spcBef>
+              <a:spcAft>
+                <a:spcPts val="400"/>
+              </a:spcAft>
+              <a:buClr>
+                <a:schemeClr val="accent1"/>
+              </a:buClr>
+              <a:buFont typeface="Calibri" pitchFamily="34" charset="0"/>
+              <a:buChar char="◦"/>
+              <a:defRPr sz="2200" kern="1200">
+                <a:solidFill>
+                  <a:schemeClr val="tx1">
+                    <a:lumMod val="75000"/>
+                    <a:lumOff val="25000"/>
+                  </a:schemeClr>
+                </a:solidFill>
+                <a:latin typeface="+mn-lt"/>
+                <a:ea typeface="+mn-ea"/>
+                <a:cs typeface="+mn-cs"/>
+              </a:defRPr>
+            </a:lvl3pPr>
+            <a:lvl4pPr marL="749808" indent="-182880" algn="l" defTabSz="914400" rtl="0" eaLnBrk="1" latinLnBrk="0" hangingPunct="1">
+              <a:lnSpc>
+                <a:spcPct val="90000"/>
+              </a:lnSpc>
+              <a:spcBef>
+                <a:spcPts val="200"/>
+              </a:spcBef>
+              <a:spcAft>
+                <a:spcPts val="400"/>
+              </a:spcAft>
+              <a:buClr>
+                <a:schemeClr val="accent1"/>
+              </a:buClr>
+              <a:buFont typeface="Calibri" pitchFamily="34" charset="0"/>
+              <a:buChar char="◦"/>
+              <a:defRPr sz="2000" kern="1200">
+                <a:solidFill>
+                  <a:schemeClr val="tx1">
+                    <a:lumMod val="75000"/>
+                    <a:lumOff val="25000"/>
+                  </a:schemeClr>
+                </a:solidFill>
+                <a:latin typeface="+mn-lt"/>
+                <a:ea typeface="+mn-ea"/>
+                <a:cs typeface="+mn-cs"/>
+              </a:defRPr>
+            </a:lvl4pPr>
+            <a:lvl5pPr marL="932688" indent="-182880" algn="l" defTabSz="914400" rtl="0" eaLnBrk="1" latinLnBrk="0" hangingPunct="1">
+              <a:lnSpc>
+                <a:spcPct val="90000"/>
+              </a:lnSpc>
+              <a:spcBef>
+                <a:spcPts val="200"/>
+              </a:spcBef>
+              <a:spcAft>
+                <a:spcPts val="400"/>
+              </a:spcAft>
+              <a:buClr>
+                <a:schemeClr val="accent1"/>
+              </a:buClr>
+              <a:buFont typeface="Calibri" pitchFamily="34" charset="0"/>
+              <a:buChar char="◦"/>
+              <a:defRPr sz="1800" kern="1200">
+                <a:solidFill>
+                  <a:schemeClr val="tx1">
+                    <a:lumMod val="75000"/>
+                    <a:lumOff val="25000"/>
+                  </a:schemeClr>
+                </a:solidFill>
+                <a:latin typeface="+mn-lt"/>
+                <a:ea typeface="+mn-ea"/>
+                <a:cs typeface="+mn-cs"/>
+              </a:defRPr>
+            </a:lvl5pPr>
+            <a:lvl6pPr marL="1100000" indent="-228600" algn="l" defTabSz="914400" rtl="0" eaLnBrk="1" latinLnBrk="0" hangingPunct="1">
+              <a:lnSpc>
+                <a:spcPct val="90000"/>
+              </a:lnSpc>
+              <a:spcBef>
+                <a:spcPts val="200"/>
+              </a:spcBef>
+              <a:spcAft>
+                <a:spcPts val="400"/>
+              </a:spcAft>
+              <a:buClr>
+                <a:schemeClr val="accent1"/>
+              </a:buClr>
+              <a:buFont typeface="Calibri" pitchFamily="34" charset="0"/>
+              <a:buChar char="◦"/>
+              <a:defRPr sz="1400" kern="1200">
+                <a:solidFill>
+                  <a:schemeClr val="tx1">
+                    <a:lumMod val="75000"/>
+                    <a:lumOff val="25000"/>
+                  </a:schemeClr>
+                </a:solidFill>
+                <a:latin typeface="+mn-lt"/>
+                <a:ea typeface="+mn-ea"/>
+                <a:cs typeface="+mn-cs"/>
+              </a:defRPr>
+            </a:lvl6pPr>
+            <a:lvl7pPr marL="1300000" indent="-228600" algn="l" defTabSz="914400" rtl="0" eaLnBrk="1" latinLnBrk="0" hangingPunct="1">
+              <a:lnSpc>
+                <a:spcPct val="90000"/>
+              </a:lnSpc>
+              <a:spcBef>
+                <a:spcPts val="200"/>
+              </a:spcBef>
+              <a:spcAft>
+                <a:spcPts val="400"/>
+              </a:spcAft>
+              <a:buClr>
+                <a:schemeClr val="accent1"/>
+              </a:buClr>
+              <a:buFont typeface="Calibri" pitchFamily="34" charset="0"/>
+              <a:buChar char="◦"/>
+              <a:defRPr sz="1400" kern="1200">
+                <a:solidFill>
+                  <a:schemeClr val="tx1">
+                    <a:lumMod val="75000"/>
+                    <a:lumOff val="25000"/>
+                  </a:schemeClr>
+                </a:solidFill>
+                <a:latin typeface="+mn-lt"/>
+                <a:ea typeface="+mn-ea"/>
+                <a:cs typeface="+mn-cs"/>
+              </a:defRPr>
+            </a:lvl7pPr>
+            <a:lvl8pPr marL="1500000" indent="-228600" algn="l" defTabSz="914400" rtl="0" eaLnBrk="1" latinLnBrk="0" hangingPunct="1">
+              <a:lnSpc>
+                <a:spcPct val="90000"/>
+              </a:lnSpc>
+              <a:spcBef>
+                <a:spcPts val="200"/>
+              </a:spcBef>
+              <a:spcAft>
+                <a:spcPts val="400"/>
+              </a:spcAft>
+              <a:buClr>
+                <a:schemeClr val="accent1"/>
+              </a:buClr>
+              <a:buFont typeface="Calibri" pitchFamily="34" charset="0"/>
+              <a:buChar char="◦"/>
+              <a:defRPr sz="1400" kern="1200">
+                <a:solidFill>
+                  <a:schemeClr val="tx1">
+                    <a:lumMod val="75000"/>
+                    <a:lumOff val="25000"/>
+                  </a:schemeClr>
+                </a:solidFill>
+                <a:latin typeface="+mn-lt"/>
+                <a:ea typeface="+mn-ea"/>
+                <a:cs typeface="+mn-cs"/>
+              </a:defRPr>
+            </a:lvl8pPr>
+            <a:lvl9pPr marL="1700000" indent="-228600" algn="l" defTabSz="914400" rtl="0" eaLnBrk="1" latinLnBrk="0" hangingPunct="1">
+              <a:lnSpc>
+                <a:spcPct val="90000"/>
+              </a:lnSpc>
+              <a:spcBef>
+                <a:spcPts val="200"/>
+              </a:spcBef>
+              <a:spcAft>
+                <a:spcPts val="400"/>
+              </a:spcAft>
+              <a:buClr>
+                <a:schemeClr val="accent1"/>
+              </a:buClr>
+              <a:buFont typeface="Calibri" pitchFamily="34" charset="0"/>
+              <a:buChar char="◦"/>
+              <a:defRPr sz="1400" kern="1200">
+                <a:solidFill>
+                  <a:schemeClr val="tx1">
+                    <a:lumMod val="75000"/>
+                    <a:lumOff val="25000"/>
+                  </a:schemeClr>
+                </a:solidFill>
+                <a:latin typeface="+mn-lt"/>
+                <a:ea typeface="+mn-ea"/>
+                <a:cs typeface="+mn-cs"/>
+              </a:defRPr>
+            </a:lvl9pPr>
+          </a:lstStyle>
+          <a:p>
+            <a:r>
+              <a:rPr lang="en-US" sz="3000" b="1" dirty="0"/>
+              <a:t>Coding </a:t>
+            </a:r>
+            <a:r>
+              <a:rPr lang="en-US" sz="3000" dirty="0"/>
+              <a:t>means assigning descriptive labels to interesting parts of data. If the same thing happens repeatedly, reuse the code.</a:t>
+            </a:r>
+          </a:p>
+          <a:p>
+            <a:r>
+              <a:rPr lang="en-US" sz="3000" dirty="0"/>
+              <a:t>When you assign codes, you may or may not have a specific goal in mind. Depending on this, the same person could assign wildly different codes.</a:t>
+            </a:r>
+          </a:p>
+          <a:p>
+            <a:r>
+              <a:rPr lang="en-US" sz="3000" dirty="0"/>
+              <a:t>You do not need to code every line of the data.</a:t>
+            </a:r>
+          </a:p>
+        </p:txBody>
+      </p:sp>
+    </p:spTree>
+    <p:extLst>
+      <p:ext uri="{BB962C8B-B14F-4D97-AF65-F5344CB8AC3E}">
+        <p14:creationId xmlns:p14="http://schemas.microsoft.com/office/powerpoint/2010/main" val="70517478"/>
+      </p:ext>
+    </p:extLst>
+  </p:cSld>
+  <p:clrMapOvr>
+    <a:masterClrMapping/>
+  </p:clrMapOvr>
+</p:sld>
+</file>
+
+<file path=ppt/slides/slide14.xml><?xml version="1.0" encoding="utf-8"?>
+<p:sld xmlns:a="http://schemas.openxmlformats.org/drawingml/2006/main" xmlns:r="http://schemas.openxmlformats.org/officeDocument/2006/relationships" xmlns:p="http://schemas.openxmlformats.org/presentationml/2006/main">
+  <p:cSld>
+    <p:spTree>
+      <p:nvGrpSpPr>
+        <p:cNvPr id="1" name=""/>
+        <p:cNvGrpSpPr/>
+        <p:nvPr/>
+      </p:nvGrpSpPr>
+      <p:grpSpPr>
+        <a:xfrm>
+          <a:off x="0" y="0"/>
+          <a:ext cx="0" cy="0"/>
+          <a:chOff x="0" y="0"/>
+          <a:chExt cx="0" cy="0"/>
+        </a:xfrm>
+      </p:grpSpPr>
+      <p:sp>
+        <p:nvSpPr>
+          <p:cNvPr id="2" name="Title 1">
+            <a:extLst>
+              <a:ext uri="{FF2B5EF4-FFF2-40B4-BE49-F238E27FC236}">
+                <a16:creationId xmlns:a16="http://schemas.microsoft.com/office/drawing/2014/main" id="{1E0BC2F4-4561-A8A0-906E-7B88043A03E6}"/>
+              </a:ext>
+            </a:extLst>
+          </p:cNvPr>
+          <p:cNvSpPr>
+            <a:spLocks noGrp="1"/>
+          </p:cNvSpPr>
+          <p:nvPr>
+            <p:ph type="title"/>
+          </p:nvPr>
+        </p:nvSpPr>
+        <p:spPr/>
+        <p:txBody>
+          <a:bodyPr/>
+          <a:lstStyle/>
+          <a:p>
+            <a:r>
+              <a:rPr lang="en-US" dirty="0"/>
+              <a:t>Worked Example: Coding</a:t>
+            </a:r>
+          </a:p>
+        </p:txBody>
+      </p:sp>
+      <p:sp>
+        <p:nvSpPr>
+          <p:cNvPr id="3" name="Content Placeholder 2">
+            <a:extLst>
+              <a:ext uri="{FF2B5EF4-FFF2-40B4-BE49-F238E27FC236}">
+                <a16:creationId xmlns:a16="http://schemas.microsoft.com/office/drawing/2014/main" id="{B898F582-7A65-0861-FC36-373332E8FB0E}"/>
+              </a:ext>
+            </a:extLst>
+          </p:cNvPr>
+          <p:cNvSpPr>
+            <a:spLocks noGrp="1"/>
+          </p:cNvSpPr>
+          <p:nvPr>
+            <p:ph idx="1"/>
+          </p:nvPr>
+        </p:nvSpPr>
+        <p:spPr>
+          <a:xfrm>
+            <a:off x="317633" y="1845734"/>
+            <a:ext cx="7055318" cy="4023360"/>
+          </a:xfrm>
+        </p:spPr>
+        <p:txBody>
+          <a:bodyPr>
+            <a:normAutofit fontScale="92500" lnSpcReduction="10000"/>
+          </a:bodyPr>
+          <a:lstStyle/>
+          <a:p>
+            <a:r>
+              <a:rPr lang="en-US" sz="3000" b="1" dirty="0"/>
+              <a:t>Data</a:t>
+            </a:r>
+            <a:r>
+              <a:rPr lang="en-US" sz="3000" dirty="0"/>
+              <a:t> (Example responses to example interview):</a:t>
+            </a:r>
+            <a:br>
+              <a:rPr lang="en-US" dirty="0"/>
+            </a:br>
+            <a:r>
+              <a:rPr lang="en-US" dirty="0"/>
+              <a:t>“In my life, I want to use programming for something productive, to help people make things. Maybe engineering software or productivity software. I want to know how a programmer should think about performance day-to-day. I know about common optimizations, but I also know they aren’t always needed in real life. If I knew this, I would be able to ensure that productivity software scale to the large projects that happen when engineers are trying to develop new things in the real world, whether it’s roads or movies.” </a:t>
+            </a:r>
+          </a:p>
+        </p:txBody>
+      </p:sp>
+      <p:sp>
+        <p:nvSpPr>
+          <p:cNvPr id="5" name="TextBox 4">
+            <a:extLst>
+              <a:ext uri="{FF2B5EF4-FFF2-40B4-BE49-F238E27FC236}">
+                <a16:creationId xmlns:a16="http://schemas.microsoft.com/office/drawing/2014/main" id="{A8491B79-7632-84D3-4DA8-29194D46F36E}"/>
               </a:ext>
             </a:extLst>
           </p:cNvPr>
@@ -4377,8 +5201,8 @@
         </p:nvSpPr>
         <p:spPr>
           <a:xfrm>
-            <a:off x="5861785" y="2781702"/>
-            <a:ext cx="2261937" cy="1938992"/>
+            <a:off x="8209258" y="2521820"/>
+            <a:ext cx="1703864" cy="369332"/>
           </a:xfrm>
           <a:prstGeom prst="rect">
             <a:avLst/>
@@ -4386,48 +5210,24 @@
           <a:noFill/>
         </p:spPr>
         <p:txBody>
-          <a:bodyPr wrap="square" rtlCol="0">
+          <a:bodyPr wrap="none" rtlCol="0">
             <a:spAutoFit/>
           </a:bodyPr>
           <a:lstStyle/>
           <a:p>
             <a:r>
-              <a:rPr lang="en-US" sz="2400" dirty="0"/>
-              <a:t>Axial Codes:</a:t>
-            </a:r>
-            <a:br>
-              <a:rPr lang="en-US" sz="2400" dirty="0"/>
-            </a:br>
-            <a:r>
-              <a:rPr lang="en-US" sz="2400" dirty="0"/>
-              <a:t>Public shaming</a:t>
-            </a:r>
-            <a:br>
-              <a:rPr lang="en-US" sz="2400" dirty="0"/>
-            </a:br>
-            <a:endParaRPr lang="en-US" sz="2400" dirty="0"/>
-          </a:p>
-          <a:p>
-            <a:r>
-              <a:rPr lang="en-US" sz="2400" dirty="0"/>
-              <a:t>Communication</a:t>
-            </a:r>
-            <a:br>
-              <a:rPr lang="en-US" sz="2400" dirty="0"/>
-            </a:br>
-            <a:r>
-              <a:rPr lang="en-US" sz="2400" dirty="0"/>
-              <a:t>failures</a:t>
-            </a:r>
-          </a:p>
-        </p:txBody>
-      </p:sp>
-      <p:sp>
-        <p:nvSpPr>
-          <p:cNvPr id="5" name="TextBox 4">
-            <a:extLst>
-              <a:ext uri="{FF2B5EF4-FFF2-40B4-BE49-F238E27FC236}">
-                <a16:creationId xmlns:a16="http://schemas.microsoft.com/office/drawing/2014/main" id="{B7CEF0DA-A022-2AB5-B480-9AA7F30C898A}"/>
+              <a:rPr lang="en-US" dirty="0"/>
+              <a:t>“Desire to Help”</a:t>
+            </a:r>
+          </a:p>
+        </p:txBody>
+      </p:sp>
+      <p:sp>
+        <p:nvSpPr>
+          <p:cNvPr id="6" name="TextBox 5">
+            <a:extLst>
+              <a:ext uri="{FF2B5EF4-FFF2-40B4-BE49-F238E27FC236}">
+                <a16:creationId xmlns:a16="http://schemas.microsoft.com/office/drawing/2014/main" id="{23E63D90-4ED8-73C6-4832-DBC9DE2B441F}"/>
               </a:ext>
             </a:extLst>
           </p:cNvPr>
@@ -4436,8 +5236,8 @@
         </p:nvSpPr>
         <p:spPr>
           <a:xfrm>
-            <a:off x="9278753" y="2781702"/>
-            <a:ext cx="2261937" cy="1938992"/>
+            <a:off x="8422105" y="1737360"/>
+            <a:ext cx="1181990" cy="523220"/>
           </a:xfrm>
           <a:prstGeom prst="rect">
             <a:avLst/>
@@ -4445,21 +5245,2472 @@
           <a:noFill/>
         </p:spPr>
         <p:txBody>
+          <a:bodyPr wrap="none" rtlCol="0">
+            <a:spAutoFit/>
+          </a:bodyPr>
+          <a:lstStyle/>
+          <a:p>
+            <a:r>
+              <a:rPr lang="en-US" sz="2800" b="1" dirty="0"/>
+              <a:t>CODES</a:t>
+            </a:r>
+          </a:p>
+        </p:txBody>
+      </p:sp>
+      <p:sp>
+        <p:nvSpPr>
+          <p:cNvPr id="7" name="TextBox 6">
+            <a:extLst>
+              <a:ext uri="{FF2B5EF4-FFF2-40B4-BE49-F238E27FC236}">
+                <a16:creationId xmlns:a16="http://schemas.microsoft.com/office/drawing/2014/main" id="{DC58D5FF-A3C2-38CE-6EA6-B8D0F03145A9}"/>
+              </a:ext>
+            </a:extLst>
+          </p:cNvPr>
+          <p:cNvSpPr txBox="1"/>
+          <p:nvPr/>
+        </p:nvSpPr>
+        <p:spPr>
+          <a:xfrm>
+            <a:off x="8183858" y="2845181"/>
+            <a:ext cx="2288896" cy="369332"/>
+          </a:xfrm>
+          <a:prstGeom prst="rect">
+            <a:avLst/>
+          </a:prstGeom>
+          <a:noFill/>
+        </p:spPr>
+        <p:txBody>
+          <a:bodyPr wrap="none" rtlCol="0">
+            <a:spAutoFit/>
+          </a:bodyPr>
+          <a:lstStyle/>
+          <a:p>
+            <a:r>
+              <a:rPr lang="en-US" dirty="0"/>
+              <a:t>“Productivity-minded”</a:t>
+            </a:r>
+          </a:p>
+        </p:txBody>
+      </p:sp>
+      <p:sp>
+        <p:nvSpPr>
+          <p:cNvPr id="8" name="TextBox 7">
+            <a:extLst>
+              <a:ext uri="{FF2B5EF4-FFF2-40B4-BE49-F238E27FC236}">
+                <a16:creationId xmlns:a16="http://schemas.microsoft.com/office/drawing/2014/main" id="{E819E907-837F-C757-F4EC-96F55B1AC89C}"/>
+              </a:ext>
+            </a:extLst>
+          </p:cNvPr>
+          <p:cNvSpPr txBox="1"/>
+          <p:nvPr/>
+        </p:nvSpPr>
+        <p:spPr>
+          <a:xfrm>
+            <a:off x="8230147" y="4548864"/>
+            <a:ext cx="2288896" cy="369332"/>
+          </a:xfrm>
+          <a:prstGeom prst="rect">
+            <a:avLst/>
+          </a:prstGeom>
+          <a:noFill/>
+        </p:spPr>
+        <p:txBody>
+          <a:bodyPr wrap="none" rtlCol="0">
+            <a:spAutoFit/>
+          </a:bodyPr>
+          <a:lstStyle/>
+          <a:p>
+            <a:r>
+              <a:rPr lang="en-US" dirty="0"/>
+              <a:t>“Productivity-minded”</a:t>
+            </a:r>
+          </a:p>
+        </p:txBody>
+      </p:sp>
+      <p:sp>
+        <p:nvSpPr>
+          <p:cNvPr id="9" name="TextBox 8">
+            <a:extLst>
+              <a:ext uri="{FF2B5EF4-FFF2-40B4-BE49-F238E27FC236}">
+                <a16:creationId xmlns:a16="http://schemas.microsoft.com/office/drawing/2014/main" id="{931D0ED5-8A64-A19E-AB7B-1B5ECAC4B04A}"/>
+              </a:ext>
+            </a:extLst>
+          </p:cNvPr>
+          <p:cNvSpPr txBox="1"/>
+          <p:nvPr/>
+        </p:nvSpPr>
+        <p:spPr>
+          <a:xfrm>
+            <a:off x="8270863" y="5338516"/>
+            <a:ext cx="2207464" cy="369332"/>
+          </a:xfrm>
+          <a:prstGeom prst="rect">
+            <a:avLst/>
+          </a:prstGeom>
+          <a:noFill/>
+        </p:spPr>
+        <p:txBody>
+          <a:bodyPr wrap="none" rtlCol="0">
+            <a:spAutoFit/>
+          </a:bodyPr>
+          <a:lstStyle/>
+          <a:p>
+            <a:r>
+              <a:rPr lang="en-US" dirty="0"/>
+              <a:t>“Applications matter”</a:t>
+            </a:r>
+          </a:p>
+        </p:txBody>
+      </p:sp>
+      <p:sp>
+        <p:nvSpPr>
+          <p:cNvPr id="11" name="TextBox 10">
+            <a:extLst>
+              <a:ext uri="{FF2B5EF4-FFF2-40B4-BE49-F238E27FC236}">
+                <a16:creationId xmlns:a16="http://schemas.microsoft.com/office/drawing/2014/main" id="{DF4700D9-A2D2-1FAC-5E6E-16D083C26207}"/>
+              </a:ext>
+            </a:extLst>
+          </p:cNvPr>
+          <p:cNvSpPr txBox="1"/>
+          <p:nvPr/>
+        </p:nvSpPr>
+        <p:spPr>
+          <a:xfrm>
+            <a:off x="8209257" y="4248273"/>
+            <a:ext cx="1957331" cy="369332"/>
+          </a:xfrm>
+          <a:prstGeom prst="rect">
+            <a:avLst/>
+          </a:prstGeom>
+          <a:noFill/>
+        </p:spPr>
+        <p:txBody>
+          <a:bodyPr wrap="none" rtlCol="0">
+            <a:spAutoFit/>
+          </a:bodyPr>
+          <a:lstStyle/>
+          <a:p>
+            <a:r>
+              <a:rPr lang="en-US" dirty="0"/>
+              <a:t>“Practical-minded”</a:t>
+            </a:r>
+          </a:p>
+        </p:txBody>
+      </p:sp>
+      <p:sp>
+        <p:nvSpPr>
+          <p:cNvPr id="12" name="TextBox 11">
+            <a:extLst>
+              <a:ext uri="{FF2B5EF4-FFF2-40B4-BE49-F238E27FC236}">
+                <a16:creationId xmlns:a16="http://schemas.microsoft.com/office/drawing/2014/main" id="{7F991E9D-E6D4-2300-1541-BFB17D8FD45A}"/>
+              </a:ext>
+            </a:extLst>
+          </p:cNvPr>
+          <p:cNvSpPr txBox="1"/>
+          <p:nvPr/>
+        </p:nvSpPr>
+        <p:spPr>
+          <a:xfrm>
+            <a:off x="8209258" y="3567758"/>
+            <a:ext cx="1957331" cy="369332"/>
+          </a:xfrm>
+          <a:prstGeom prst="rect">
+            <a:avLst/>
+          </a:prstGeom>
+          <a:noFill/>
+        </p:spPr>
+        <p:txBody>
+          <a:bodyPr wrap="none" rtlCol="0">
+            <a:spAutoFit/>
+          </a:bodyPr>
+          <a:lstStyle/>
+          <a:p>
+            <a:r>
+              <a:rPr lang="en-US" dirty="0"/>
+              <a:t>“Practical-minded”</a:t>
+            </a:r>
+          </a:p>
+        </p:txBody>
+      </p:sp>
+      <p:cxnSp>
+        <p:nvCxnSpPr>
+          <p:cNvPr id="14" name="Straight Connector 13">
+            <a:extLst>
+              <a:ext uri="{FF2B5EF4-FFF2-40B4-BE49-F238E27FC236}">
+                <a16:creationId xmlns:a16="http://schemas.microsoft.com/office/drawing/2014/main" id="{A984B22D-D617-B8C6-4AE7-75C667A6FC7C}"/>
+              </a:ext>
+            </a:extLst>
+          </p:cNvPr>
+          <p:cNvCxnSpPr/>
+          <p:nvPr/>
+        </p:nvCxnSpPr>
+        <p:spPr>
+          <a:xfrm>
+            <a:off x="3907857" y="2845181"/>
+            <a:ext cx="3311090" cy="0"/>
+          </a:xfrm>
+          <a:prstGeom prst="line">
+            <a:avLst/>
+          </a:prstGeom>
+          <a:ln w="38100"/>
+        </p:spPr>
+        <p:style>
+          <a:lnRef idx="1">
+            <a:schemeClr val="dk1"/>
+          </a:lnRef>
+          <a:fillRef idx="0">
+            <a:schemeClr val="dk1"/>
+          </a:fillRef>
+          <a:effectRef idx="0">
+            <a:schemeClr val="dk1"/>
+          </a:effectRef>
+          <a:fontRef idx="minor">
+            <a:schemeClr val="tx1"/>
+          </a:fontRef>
+        </p:style>
+      </p:cxnSp>
+      <p:cxnSp>
+        <p:nvCxnSpPr>
+          <p:cNvPr id="15" name="Straight Connector 14">
+            <a:extLst>
+              <a:ext uri="{FF2B5EF4-FFF2-40B4-BE49-F238E27FC236}">
+                <a16:creationId xmlns:a16="http://schemas.microsoft.com/office/drawing/2014/main" id="{77371B62-93F7-C5CB-2AE8-A318BB524F38}"/>
+              </a:ext>
+            </a:extLst>
+          </p:cNvPr>
+          <p:cNvCxnSpPr>
+            <a:cxnSpLocks/>
+          </p:cNvCxnSpPr>
+          <p:nvPr/>
+        </p:nvCxnSpPr>
+        <p:spPr>
+          <a:xfrm>
+            <a:off x="4705149" y="3214513"/>
+            <a:ext cx="1647525" cy="0"/>
+          </a:xfrm>
+          <a:prstGeom prst="line">
+            <a:avLst/>
+          </a:prstGeom>
+          <a:ln w="38100"/>
+        </p:spPr>
+        <p:style>
+          <a:lnRef idx="1">
+            <a:schemeClr val="dk1"/>
+          </a:lnRef>
+          <a:fillRef idx="0">
+            <a:schemeClr val="dk1"/>
+          </a:fillRef>
+          <a:effectRef idx="0">
+            <a:schemeClr val="dk1"/>
+          </a:effectRef>
+          <a:fontRef idx="minor">
+            <a:schemeClr val="tx1"/>
+          </a:fontRef>
+        </p:style>
+      </p:cxnSp>
+      <p:cxnSp>
+        <p:nvCxnSpPr>
+          <p:cNvPr id="17" name="Straight Connector 16">
+            <a:extLst>
+              <a:ext uri="{FF2B5EF4-FFF2-40B4-BE49-F238E27FC236}">
+                <a16:creationId xmlns:a16="http://schemas.microsoft.com/office/drawing/2014/main" id="{642481F0-D73E-723A-6D31-A129F38167E9}"/>
+              </a:ext>
+            </a:extLst>
+          </p:cNvPr>
+          <p:cNvCxnSpPr>
+            <a:cxnSpLocks/>
+          </p:cNvCxnSpPr>
+          <p:nvPr/>
+        </p:nvCxnSpPr>
+        <p:spPr>
+          <a:xfrm>
+            <a:off x="3808395" y="3819301"/>
+            <a:ext cx="1561410" cy="0"/>
+          </a:xfrm>
+          <a:prstGeom prst="line">
+            <a:avLst/>
+          </a:prstGeom>
+          <a:ln w="38100"/>
+        </p:spPr>
+        <p:style>
+          <a:lnRef idx="1">
+            <a:schemeClr val="dk1"/>
+          </a:lnRef>
+          <a:fillRef idx="0">
+            <a:schemeClr val="dk1"/>
+          </a:fillRef>
+          <a:effectRef idx="0">
+            <a:schemeClr val="dk1"/>
+          </a:effectRef>
+          <a:fontRef idx="minor">
+            <a:schemeClr val="tx1"/>
+          </a:fontRef>
+        </p:style>
+      </p:cxnSp>
+      <p:cxnSp>
+        <p:nvCxnSpPr>
+          <p:cNvPr id="18" name="Straight Connector 17">
+            <a:extLst>
+              <a:ext uri="{FF2B5EF4-FFF2-40B4-BE49-F238E27FC236}">
+                <a16:creationId xmlns:a16="http://schemas.microsoft.com/office/drawing/2014/main" id="{0783490F-579A-BB83-3C13-BC3B8830916A}"/>
+              </a:ext>
+            </a:extLst>
+          </p:cNvPr>
+          <p:cNvCxnSpPr>
+            <a:cxnSpLocks/>
+          </p:cNvCxnSpPr>
+          <p:nvPr/>
+        </p:nvCxnSpPr>
+        <p:spPr>
+          <a:xfrm>
+            <a:off x="1382829" y="4426283"/>
+            <a:ext cx="2425566" cy="0"/>
+          </a:xfrm>
+          <a:prstGeom prst="line">
+            <a:avLst/>
+          </a:prstGeom>
+          <a:ln w="38100"/>
+        </p:spPr>
+        <p:style>
+          <a:lnRef idx="1">
+            <a:schemeClr val="dk1"/>
+          </a:lnRef>
+          <a:fillRef idx="0">
+            <a:schemeClr val="dk1"/>
+          </a:fillRef>
+          <a:effectRef idx="0">
+            <a:schemeClr val="dk1"/>
+          </a:effectRef>
+          <a:fontRef idx="minor">
+            <a:schemeClr val="tx1"/>
+          </a:fontRef>
+        </p:style>
+      </p:cxnSp>
+      <p:cxnSp>
+        <p:nvCxnSpPr>
+          <p:cNvPr id="20" name="Straight Connector 19">
+            <a:extLst>
+              <a:ext uri="{FF2B5EF4-FFF2-40B4-BE49-F238E27FC236}">
+                <a16:creationId xmlns:a16="http://schemas.microsoft.com/office/drawing/2014/main" id="{60884885-1D47-8E29-E5A4-44329EC299B4}"/>
+              </a:ext>
+            </a:extLst>
+          </p:cNvPr>
+          <p:cNvCxnSpPr>
+            <a:cxnSpLocks/>
+          </p:cNvCxnSpPr>
+          <p:nvPr/>
+        </p:nvCxnSpPr>
+        <p:spPr>
+          <a:xfrm>
+            <a:off x="3095568" y="4781866"/>
+            <a:ext cx="2833037" cy="11554"/>
+          </a:xfrm>
+          <a:prstGeom prst="line">
+            <a:avLst/>
+          </a:prstGeom>
+          <a:ln w="38100"/>
+        </p:spPr>
+        <p:style>
+          <a:lnRef idx="1">
+            <a:schemeClr val="dk1"/>
+          </a:lnRef>
+          <a:fillRef idx="0">
+            <a:schemeClr val="dk1"/>
+          </a:fillRef>
+          <a:effectRef idx="0">
+            <a:schemeClr val="dk1"/>
+          </a:effectRef>
+          <a:fontRef idx="minor">
+            <a:schemeClr val="tx1"/>
+          </a:fontRef>
+        </p:style>
+      </p:cxnSp>
+      <p:cxnSp>
+        <p:nvCxnSpPr>
+          <p:cNvPr id="22" name="Straight Connector 21">
+            <a:extLst>
+              <a:ext uri="{FF2B5EF4-FFF2-40B4-BE49-F238E27FC236}">
+                <a16:creationId xmlns:a16="http://schemas.microsoft.com/office/drawing/2014/main" id="{F0E6EC13-BC6F-FFD4-D1CC-D54FBB771FCA}"/>
+              </a:ext>
+            </a:extLst>
+          </p:cNvPr>
+          <p:cNvCxnSpPr>
+            <a:cxnSpLocks/>
+          </p:cNvCxnSpPr>
+          <p:nvPr/>
+        </p:nvCxnSpPr>
+        <p:spPr>
+          <a:xfrm>
+            <a:off x="2037347" y="5718036"/>
+            <a:ext cx="2398294" cy="0"/>
+          </a:xfrm>
+          <a:prstGeom prst="line">
+            <a:avLst/>
+          </a:prstGeom>
+          <a:ln w="38100"/>
+        </p:spPr>
+        <p:style>
+          <a:lnRef idx="1">
+            <a:schemeClr val="dk1"/>
+          </a:lnRef>
+          <a:fillRef idx="0">
+            <a:schemeClr val="dk1"/>
+          </a:fillRef>
+          <a:effectRef idx="0">
+            <a:schemeClr val="dk1"/>
+          </a:effectRef>
+          <a:fontRef idx="minor">
+            <a:schemeClr val="tx1"/>
+          </a:fontRef>
+        </p:style>
+      </p:cxnSp>
+      <p:cxnSp>
+        <p:nvCxnSpPr>
+          <p:cNvPr id="24" name="Straight Connector 23">
+            <a:extLst>
+              <a:ext uri="{FF2B5EF4-FFF2-40B4-BE49-F238E27FC236}">
+                <a16:creationId xmlns:a16="http://schemas.microsoft.com/office/drawing/2014/main" id="{D30E62BF-7F98-78CB-EB7A-6C75D83BD29E}"/>
+              </a:ext>
+            </a:extLst>
+          </p:cNvPr>
+          <p:cNvCxnSpPr>
+            <a:cxnSpLocks/>
+          </p:cNvCxnSpPr>
+          <p:nvPr/>
+        </p:nvCxnSpPr>
+        <p:spPr>
+          <a:xfrm>
+            <a:off x="7211305" y="2532821"/>
+            <a:ext cx="0" cy="312360"/>
+          </a:xfrm>
+          <a:prstGeom prst="line">
+            <a:avLst/>
+          </a:prstGeom>
+          <a:ln w="38100"/>
+        </p:spPr>
+        <p:style>
+          <a:lnRef idx="1">
+            <a:schemeClr val="dk1"/>
+          </a:lnRef>
+          <a:fillRef idx="0">
+            <a:schemeClr val="dk1"/>
+          </a:fillRef>
+          <a:effectRef idx="0">
+            <a:schemeClr val="dk1"/>
+          </a:effectRef>
+          <a:fontRef idx="minor">
+            <a:schemeClr val="tx1"/>
+          </a:fontRef>
+        </p:style>
+      </p:cxnSp>
+      <p:cxnSp>
+        <p:nvCxnSpPr>
+          <p:cNvPr id="26" name="Straight Connector 25">
+            <a:extLst>
+              <a:ext uri="{FF2B5EF4-FFF2-40B4-BE49-F238E27FC236}">
+                <a16:creationId xmlns:a16="http://schemas.microsoft.com/office/drawing/2014/main" id="{27C7074B-D9A0-59CA-6DE8-211F15A0B2F8}"/>
+              </a:ext>
+            </a:extLst>
+          </p:cNvPr>
+          <p:cNvCxnSpPr>
+            <a:cxnSpLocks/>
+          </p:cNvCxnSpPr>
+          <p:nvPr/>
+        </p:nvCxnSpPr>
+        <p:spPr>
+          <a:xfrm>
+            <a:off x="6352674" y="2902153"/>
+            <a:ext cx="0" cy="312360"/>
+          </a:xfrm>
+          <a:prstGeom prst="line">
+            <a:avLst/>
+          </a:prstGeom>
+          <a:ln w="38100"/>
+        </p:spPr>
+        <p:style>
+          <a:lnRef idx="1">
+            <a:schemeClr val="dk1"/>
+          </a:lnRef>
+          <a:fillRef idx="0">
+            <a:schemeClr val="dk1"/>
+          </a:fillRef>
+          <a:effectRef idx="0">
+            <a:schemeClr val="dk1"/>
+          </a:effectRef>
+          <a:fontRef idx="minor">
+            <a:schemeClr val="tx1"/>
+          </a:fontRef>
+        </p:style>
+      </p:cxnSp>
+      <p:cxnSp>
+        <p:nvCxnSpPr>
+          <p:cNvPr id="27" name="Straight Connector 26">
+            <a:extLst>
+              <a:ext uri="{FF2B5EF4-FFF2-40B4-BE49-F238E27FC236}">
+                <a16:creationId xmlns:a16="http://schemas.microsoft.com/office/drawing/2014/main" id="{2C302F44-5FD7-5A3C-DA9A-5AE5AF51626C}"/>
+              </a:ext>
+            </a:extLst>
+          </p:cNvPr>
+          <p:cNvCxnSpPr>
+            <a:cxnSpLocks/>
+          </p:cNvCxnSpPr>
+          <p:nvPr/>
+        </p:nvCxnSpPr>
+        <p:spPr>
+          <a:xfrm>
+            <a:off x="5369805" y="3506941"/>
+            <a:ext cx="0" cy="312360"/>
+          </a:xfrm>
+          <a:prstGeom prst="line">
+            <a:avLst/>
+          </a:prstGeom>
+          <a:ln w="38100"/>
+        </p:spPr>
+        <p:style>
+          <a:lnRef idx="1">
+            <a:schemeClr val="dk1"/>
+          </a:lnRef>
+          <a:fillRef idx="0">
+            <a:schemeClr val="dk1"/>
+          </a:fillRef>
+          <a:effectRef idx="0">
+            <a:schemeClr val="dk1"/>
+          </a:effectRef>
+          <a:fontRef idx="minor">
+            <a:schemeClr val="tx1"/>
+          </a:fontRef>
+        </p:style>
+      </p:cxnSp>
+      <p:cxnSp>
+        <p:nvCxnSpPr>
+          <p:cNvPr id="29" name="Straight Connector 28">
+            <a:extLst>
+              <a:ext uri="{FF2B5EF4-FFF2-40B4-BE49-F238E27FC236}">
+                <a16:creationId xmlns:a16="http://schemas.microsoft.com/office/drawing/2014/main" id="{C70B7A7B-F182-806E-B624-E9BF41782525}"/>
+              </a:ext>
+            </a:extLst>
+          </p:cNvPr>
+          <p:cNvCxnSpPr>
+            <a:cxnSpLocks/>
+          </p:cNvCxnSpPr>
+          <p:nvPr/>
+        </p:nvCxnSpPr>
+        <p:spPr>
+          <a:xfrm>
+            <a:off x="3808395" y="4135103"/>
+            <a:ext cx="0" cy="312360"/>
+          </a:xfrm>
+          <a:prstGeom prst="line">
+            <a:avLst/>
+          </a:prstGeom>
+          <a:ln w="38100"/>
+        </p:spPr>
+        <p:style>
+          <a:lnRef idx="1">
+            <a:schemeClr val="dk1"/>
+          </a:lnRef>
+          <a:fillRef idx="0">
+            <a:schemeClr val="dk1"/>
+          </a:fillRef>
+          <a:effectRef idx="0">
+            <a:schemeClr val="dk1"/>
+          </a:effectRef>
+          <a:fontRef idx="minor">
+            <a:schemeClr val="tx1"/>
+          </a:fontRef>
+        </p:style>
+      </p:cxnSp>
+      <p:cxnSp>
+        <p:nvCxnSpPr>
+          <p:cNvPr id="30" name="Straight Connector 29">
+            <a:extLst>
+              <a:ext uri="{FF2B5EF4-FFF2-40B4-BE49-F238E27FC236}">
+                <a16:creationId xmlns:a16="http://schemas.microsoft.com/office/drawing/2014/main" id="{ED11DEF5-6DF9-D14B-AADD-A93F57593A47}"/>
+              </a:ext>
+            </a:extLst>
+          </p:cNvPr>
+          <p:cNvCxnSpPr>
+            <a:cxnSpLocks/>
+          </p:cNvCxnSpPr>
+          <p:nvPr/>
+        </p:nvCxnSpPr>
+        <p:spPr>
+          <a:xfrm>
+            <a:off x="5928605" y="4504435"/>
+            <a:ext cx="0" cy="312360"/>
+          </a:xfrm>
+          <a:prstGeom prst="line">
+            <a:avLst/>
+          </a:prstGeom>
+          <a:ln w="38100"/>
+        </p:spPr>
+        <p:style>
+          <a:lnRef idx="1">
+            <a:schemeClr val="dk1"/>
+          </a:lnRef>
+          <a:fillRef idx="0">
+            <a:schemeClr val="dk1"/>
+          </a:fillRef>
+          <a:effectRef idx="0">
+            <a:schemeClr val="dk1"/>
+          </a:effectRef>
+          <a:fontRef idx="minor">
+            <a:schemeClr val="tx1"/>
+          </a:fontRef>
+        </p:style>
+      </p:cxnSp>
+      <p:cxnSp>
+        <p:nvCxnSpPr>
+          <p:cNvPr id="31" name="Straight Connector 30">
+            <a:extLst>
+              <a:ext uri="{FF2B5EF4-FFF2-40B4-BE49-F238E27FC236}">
+                <a16:creationId xmlns:a16="http://schemas.microsoft.com/office/drawing/2014/main" id="{EBCC55E4-4F53-A7CA-2A41-BBFF75B03639}"/>
+              </a:ext>
+            </a:extLst>
+          </p:cNvPr>
+          <p:cNvCxnSpPr>
+            <a:cxnSpLocks/>
+          </p:cNvCxnSpPr>
+          <p:nvPr/>
+        </p:nvCxnSpPr>
+        <p:spPr>
+          <a:xfrm>
+            <a:off x="4414296" y="5405676"/>
+            <a:ext cx="0" cy="312360"/>
+          </a:xfrm>
+          <a:prstGeom prst="line">
+            <a:avLst/>
+          </a:prstGeom>
+          <a:ln w="38100"/>
+        </p:spPr>
+        <p:style>
+          <a:lnRef idx="1">
+            <a:schemeClr val="dk1"/>
+          </a:lnRef>
+          <a:fillRef idx="0">
+            <a:schemeClr val="dk1"/>
+          </a:fillRef>
+          <a:effectRef idx="0">
+            <a:schemeClr val="dk1"/>
+          </a:effectRef>
+          <a:fontRef idx="minor">
+            <a:schemeClr val="tx1"/>
+          </a:fontRef>
+        </p:style>
+      </p:cxnSp>
+      <p:cxnSp>
+        <p:nvCxnSpPr>
+          <p:cNvPr id="32" name="Straight Connector 31">
+            <a:extLst>
+              <a:ext uri="{FF2B5EF4-FFF2-40B4-BE49-F238E27FC236}">
+                <a16:creationId xmlns:a16="http://schemas.microsoft.com/office/drawing/2014/main" id="{E42E43F1-E6B3-D88B-9B45-6A2560AD9C5F}"/>
+              </a:ext>
+            </a:extLst>
+          </p:cNvPr>
+          <p:cNvCxnSpPr>
+            <a:cxnSpLocks/>
+            <a:endCxn id="5" idx="1"/>
+          </p:cNvCxnSpPr>
+          <p:nvPr/>
+        </p:nvCxnSpPr>
+        <p:spPr>
+          <a:xfrm>
+            <a:off x="7211305" y="2705651"/>
+            <a:ext cx="997953" cy="835"/>
+          </a:xfrm>
+          <a:prstGeom prst="line">
+            <a:avLst/>
+          </a:prstGeom>
+          <a:ln w="12700"/>
+        </p:spPr>
+        <p:style>
+          <a:lnRef idx="1">
+            <a:schemeClr val="dk1"/>
+          </a:lnRef>
+          <a:fillRef idx="0">
+            <a:schemeClr val="dk1"/>
+          </a:fillRef>
+          <a:effectRef idx="0">
+            <a:schemeClr val="dk1"/>
+          </a:effectRef>
+          <a:fontRef idx="minor">
+            <a:schemeClr val="tx1"/>
+          </a:fontRef>
+        </p:style>
+      </p:cxnSp>
+      <p:cxnSp>
+        <p:nvCxnSpPr>
+          <p:cNvPr id="36" name="Straight Connector 35">
+            <a:extLst>
+              <a:ext uri="{FF2B5EF4-FFF2-40B4-BE49-F238E27FC236}">
+                <a16:creationId xmlns:a16="http://schemas.microsoft.com/office/drawing/2014/main" id="{558C2967-E598-3DC3-8FE5-E8C187C13131}"/>
+              </a:ext>
+            </a:extLst>
+          </p:cNvPr>
+          <p:cNvCxnSpPr>
+            <a:cxnSpLocks/>
+            <a:endCxn id="7" idx="1"/>
+          </p:cNvCxnSpPr>
+          <p:nvPr/>
+        </p:nvCxnSpPr>
+        <p:spPr>
+          <a:xfrm>
+            <a:off x="6327274" y="3029847"/>
+            <a:ext cx="1856584" cy="0"/>
+          </a:xfrm>
+          <a:prstGeom prst="line">
+            <a:avLst/>
+          </a:prstGeom>
+          <a:ln w="12700"/>
+        </p:spPr>
+        <p:style>
+          <a:lnRef idx="1">
+            <a:schemeClr val="dk1"/>
+          </a:lnRef>
+          <a:fillRef idx="0">
+            <a:schemeClr val="dk1"/>
+          </a:fillRef>
+          <a:effectRef idx="0">
+            <a:schemeClr val="dk1"/>
+          </a:effectRef>
+          <a:fontRef idx="minor">
+            <a:schemeClr val="tx1"/>
+          </a:fontRef>
+        </p:style>
+      </p:cxnSp>
+      <p:cxnSp>
+        <p:nvCxnSpPr>
+          <p:cNvPr id="39" name="Straight Connector 38">
+            <a:extLst>
+              <a:ext uri="{FF2B5EF4-FFF2-40B4-BE49-F238E27FC236}">
+                <a16:creationId xmlns:a16="http://schemas.microsoft.com/office/drawing/2014/main" id="{48A1CBB5-3DFD-F439-8BAC-72603B889536}"/>
+              </a:ext>
+            </a:extLst>
+          </p:cNvPr>
+          <p:cNvCxnSpPr>
+            <a:cxnSpLocks/>
+          </p:cNvCxnSpPr>
+          <p:nvPr/>
+        </p:nvCxnSpPr>
+        <p:spPr>
+          <a:xfrm>
+            <a:off x="5395406" y="3752424"/>
+            <a:ext cx="2875457" cy="0"/>
+          </a:xfrm>
+          <a:prstGeom prst="line">
+            <a:avLst/>
+          </a:prstGeom>
+          <a:ln w="12700"/>
+        </p:spPr>
+        <p:style>
+          <a:lnRef idx="1">
+            <a:schemeClr val="dk1"/>
+          </a:lnRef>
+          <a:fillRef idx="0">
+            <a:schemeClr val="dk1"/>
+          </a:fillRef>
+          <a:effectRef idx="0">
+            <a:schemeClr val="dk1"/>
+          </a:effectRef>
+          <a:fontRef idx="minor">
+            <a:schemeClr val="tx1"/>
+          </a:fontRef>
+        </p:style>
+      </p:cxnSp>
+      <p:cxnSp>
+        <p:nvCxnSpPr>
+          <p:cNvPr id="41" name="Straight Connector 40">
+            <a:extLst>
+              <a:ext uri="{FF2B5EF4-FFF2-40B4-BE49-F238E27FC236}">
+                <a16:creationId xmlns:a16="http://schemas.microsoft.com/office/drawing/2014/main" id="{71C803A5-8CFA-B93A-0A42-655281487FD3}"/>
+              </a:ext>
+            </a:extLst>
+          </p:cNvPr>
+          <p:cNvCxnSpPr>
+            <a:cxnSpLocks/>
+          </p:cNvCxnSpPr>
+          <p:nvPr/>
+        </p:nvCxnSpPr>
+        <p:spPr>
+          <a:xfrm>
+            <a:off x="3833996" y="4412534"/>
+            <a:ext cx="4396151" cy="19024"/>
+          </a:xfrm>
+          <a:prstGeom prst="line">
+            <a:avLst/>
+          </a:prstGeom>
+          <a:ln w="12700"/>
+        </p:spPr>
+        <p:style>
+          <a:lnRef idx="1">
+            <a:schemeClr val="dk1"/>
+          </a:lnRef>
+          <a:fillRef idx="0">
+            <a:schemeClr val="dk1"/>
+          </a:fillRef>
+          <a:effectRef idx="0">
+            <a:schemeClr val="dk1"/>
+          </a:effectRef>
+          <a:fontRef idx="minor">
+            <a:schemeClr val="tx1"/>
+          </a:fontRef>
+        </p:style>
+      </p:cxnSp>
+      <p:cxnSp>
+        <p:nvCxnSpPr>
+          <p:cNvPr id="43" name="Straight Connector 42">
+            <a:extLst>
+              <a:ext uri="{FF2B5EF4-FFF2-40B4-BE49-F238E27FC236}">
+                <a16:creationId xmlns:a16="http://schemas.microsoft.com/office/drawing/2014/main" id="{A1AFC982-B827-FFA3-4483-DB5418F176F7}"/>
+              </a:ext>
+            </a:extLst>
+          </p:cNvPr>
+          <p:cNvCxnSpPr>
+            <a:cxnSpLocks/>
+          </p:cNvCxnSpPr>
+          <p:nvPr/>
+        </p:nvCxnSpPr>
+        <p:spPr>
+          <a:xfrm>
+            <a:off x="5928605" y="4726741"/>
+            <a:ext cx="2280653" cy="0"/>
+          </a:xfrm>
+          <a:prstGeom prst="line">
+            <a:avLst/>
+          </a:prstGeom>
+          <a:ln w="12700"/>
+        </p:spPr>
+        <p:style>
+          <a:lnRef idx="1">
+            <a:schemeClr val="dk1"/>
+          </a:lnRef>
+          <a:fillRef idx="0">
+            <a:schemeClr val="dk1"/>
+          </a:fillRef>
+          <a:effectRef idx="0">
+            <a:schemeClr val="dk1"/>
+          </a:effectRef>
+          <a:fontRef idx="minor">
+            <a:schemeClr val="tx1"/>
+          </a:fontRef>
+        </p:style>
+      </p:cxnSp>
+      <p:cxnSp>
+        <p:nvCxnSpPr>
+          <p:cNvPr id="47" name="Straight Connector 46">
+            <a:extLst>
+              <a:ext uri="{FF2B5EF4-FFF2-40B4-BE49-F238E27FC236}">
+                <a16:creationId xmlns:a16="http://schemas.microsoft.com/office/drawing/2014/main" id="{2552B461-8514-78A1-943F-3F1EDB1947D1}"/>
+              </a:ext>
+            </a:extLst>
+          </p:cNvPr>
+          <p:cNvCxnSpPr>
+            <a:cxnSpLocks/>
+            <a:endCxn id="9" idx="1"/>
+          </p:cNvCxnSpPr>
+          <p:nvPr/>
+        </p:nvCxnSpPr>
+        <p:spPr>
+          <a:xfrm flipV="1">
+            <a:off x="4414296" y="5523182"/>
+            <a:ext cx="3856567" cy="43797"/>
+          </a:xfrm>
+          <a:prstGeom prst="line">
+            <a:avLst/>
+          </a:prstGeom>
+          <a:ln w="12700"/>
+        </p:spPr>
+        <p:style>
+          <a:lnRef idx="1">
+            <a:schemeClr val="dk1"/>
+          </a:lnRef>
+          <a:fillRef idx="0">
+            <a:schemeClr val="dk1"/>
+          </a:fillRef>
+          <a:effectRef idx="0">
+            <a:schemeClr val="dk1"/>
+          </a:effectRef>
+          <a:fontRef idx="minor">
+            <a:schemeClr val="tx1"/>
+          </a:fontRef>
+        </p:style>
+      </p:cxnSp>
+    </p:spTree>
+    <p:extLst>
+      <p:ext uri="{BB962C8B-B14F-4D97-AF65-F5344CB8AC3E}">
+        <p14:creationId xmlns:p14="http://schemas.microsoft.com/office/powerpoint/2010/main" val="337894678"/>
+      </p:ext>
+    </p:extLst>
+  </p:cSld>
+  <p:clrMapOvr>
+    <a:masterClrMapping/>
+  </p:clrMapOvr>
+</p:sld>
+</file>
+
+<file path=ppt/slides/slide15.xml><?xml version="1.0" encoding="utf-8"?>
+<p:sld xmlns:a="http://schemas.openxmlformats.org/drawingml/2006/main" xmlns:r="http://schemas.openxmlformats.org/officeDocument/2006/relationships" xmlns:p="http://schemas.openxmlformats.org/presentationml/2006/main">
+  <p:cSld>
+    <p:spTree>
+      <p:nvGrpSpPr>
+        <p:cNvPr id="1" name=""/>
+        <p:cNvGrpSpPr/>
+        <p:nvPr/>
+      </p:nvGrpSpPr>
+      <p:grpSpPr>
+        <a:xfrm>
+          <a:off x="0" y="0"/>
+          <a:ext cx="0" cy="0"/>
+          <a:chOff x="0" y="0"/>
+          <a:chExt cx="0" cy="0"/>
+        </a:xfrm>
+      </p:grpSpPr>
+      <p:sp>
+        <p:nvSpPr>
+          <p:cNvPr id="2" name="Title 1">
+            <a:extLst>
+              <a:ext uri="{FF2B5EF4-FFF2-40B4-BE49-F238E27FC236}">
+                <a16:creationId xmlns:a16="http://schemas.microsoft.com/office/drawing/2014/main" id="{1E0BC2F4-4561-A8A0-906E-7B88043A03E6}"/>
+              </a:ext>
+            </a:extLst>
+          </p:cNvPr>
+          <p:cNvSpPr>
+            <a:spLocks noGrp="1"/>
+          </p:cNvSpPr>
+          <p:nvPr>
+            <p:ph type="title"/>
+          </p:nvPr>
+        </p:nvSpPr>
+        <p:spPr/>
+        <p:txBody>
+          <a:bodyPr/>
+          <a:lstStyle/>
+          <a:p>
+            <a:r>
+              <a:rPr lang="en-US" dirty="0"/>
+              <a:t>Worked Example: Coding </a:t>
+            </a:r>
+            <a:r>
+              <a:rPr lang="en-US" sz="4000" dirty="0"/>
+              <a:t>(with goal)</a:t>
+            </a:r>
+          </a:p>
+        </p:txBody>
+      </p:sp>
+      <p:sp>
+        <p:nvSpPr>
+          <p:cNvPr id="3" name="Content Placeholder 2">
+            <a:extLst>
+              <a:ext uri="{FF2B5EF4-FFF2-40B4-BE49-F238E27FC236}">
+                <a16:creationId xmlns:a16="http://schemas.microsoft.com/office/drawing/2014/main" id="{B898F582-7A65-0861-FC36-373332E8FB0E}"/>
+              </a:ext>
+            </a:extLst>
+          </p:cNvPr>
+          <p:cNvSpPr>
+            <a:spLocks noGrp="1"/>
+          </p:cNvSpPr>
+          <p:nvPr>
+            <p:ph idx="1"/>
+          </p:nvPr>
+        </p:nvSpPr>
+        <p:spPr>
+          <a:xfrm>
+            <a:off x="317633" y="1845734"/>
+            <a:ext cx="7055318" cy="4023360"/>
+          </a:xfrm>
+        </p:spPr>
+        <p:txBody>
+          <a:bodyPr>
+            <a:normAutofit fontScale="92500" lnSpcReduction="10000"/>
+          </a:bodyPr>
+          <a:lstStyle/>
+          <a:p>
+            <a:r>
+              <a:rPr lang="en-US" sz="3000" b="1" dirty="0"/>
+              <a:t>Data</a:t>
+            </a:r>
+            <a:r>
+              <a:rPr lang="en-US" sz="3000" dirty="0"/>
+              <a:t> (Example responses to example interview):</a:t>
+            </a:r>
+            <a:br>
+              <a:rPr lang="en-US" dirty="0"/>
+            </a:br>
+            <a:r>
+              <a:rPr lang="en-US" dirty="0"/>
+              <a:t>“In my life, I want to use programming for something productive, to help people make things. Maybe engineering software or productivity software. I want to know how a programmer should think about performance day-to-day. I know about common optimizations, but I also know they aren’t always needed in real life. If I knew this, I would be able to ensure that productivity software scale to the large projects that happen when engineers are trying to develop new things in the real world, whether it’s roads or movies.” </a:t>
+            </a:r>
+          </a:p>
+        </p:txBody>
+      </p:sp>
+      <p:sp>
+        <p:nvSpPr>
+          <p:cNvPr id="5" name="TextBox 4">
+            <a:extLst>
+              <a:ext uri="{FF2B5EF4-FFF2-40B4-BE49-F238E27FC236}">
+                <a16:creationId xmlns:a16="http://schemas.microsoft.com/office/drawing/2014/main" id="{A8491B79-7632-84D3-4DA8-29194D46F36E}"/>
+              </a:ext>
+            </a:extLst>
+          </p:cNvPr>
+          <p:cNvSpPr txBox="1"/>
+          <p:nvPr/>
+        </p:nvSpPr>
+        <p:spPr>
+          <a:xfrm>
+            <a:off x="8209258" y="2521820"/>
+            <a:ext cx="2689454" cy="369332"/>
+          </a:xfrm>
+          <a:prstGeom prst="rect">
+            <a:avLst/>
+          </a:prstGeom>
+          <a:noFill/>
+        </p:spPr>
+        <p:txBody>
+          <a:bodyPr wrap="none" rtlCol="0">
+            <a:spAutoFit/>
+          </a:bodyPr>
+          <a:lstStyle/>
+          <a:p>
+            <a:r>
+              <a:rPr lang="en-US" dirty="0"/>
+              <a:t>“Implementation-focused”</a:t>
+            </a:r>
+          </a:p>
+        </p:txBody>
+      </p:sp>
+      <p:sp>
+        <p:nvSpPr>
+          <p:cNvPr id="6" name="TextBox 5">
+            <a:extLst>
+              <a:ext uri="{FF2B5EF4-FFF2-40B4-BE49-F238E27FC236}">
+                <a16:creationId xmlns:a16="http://schemas.microsoft.com/office/drawing/2014/main" id="{23E63D90-4ED8-73C6-4832-DBC9DE2B441F}"/>
+              </a:ext>
+            </a:extLst>
+          </p:cNvPr>
+          <p:cNvSpPr txBox="1"/>
+          <p:nvPr/>
+        </p:nvSpPr>
+        <p:spPr>
+          <a:xfrm>
+            <a:off x="8422105" y="1737360"/>
+            <a:ext cx="1181990" cy="523220"/>
+          </a:xfrm>
+          <a:prstGeom prst="rect">
+            <a:avLst/>
+          </a:prstGeom>
+          <a:noFill/>
+        </p:spPr>
+        <p:txBody>
+          <a:bodyPr wrap="none" rtlCol="0">
+            <a:spAutoFit/>
+          </a:bodyPr>
+          <a:lstStyle/>
+          <a:p>
+            <a:r>
+              <a:rPr lang="en-US" sz="2800" b="1" dirty="0"/>
+              <a:t>CODES</a:t>
+            </a:r>
+          </a:p>
+        </p:txBody>
+      </p:sp>
+      <p:sp>
+        <p:nvSpPr>
+          <p:cNvPr id="7" name="TextBox 6">
+            <a:extLst>
+              <a:ext uri="{FF2B5EF4-FFF2-40B4-BE49-F238E27FC236}">
+                <a16:creationId xmlns:a16="http://schemas.microsoft.com/office/drawing/2014/main" id="{DC58D5FF-A3C2-38CE-6EA6-B8D0F03145A9}"/>
+              </a:ext>
+            </a:extLst>
+          </p:cNvPr>
+          <p:cNvSpPr txBox="1"/>
+          <p:nvPr/>
+        </p:nvSpPr>
+        <p:spPr>
+          <a:xfrm>
+            <a:off x="8183858" y="2845181"/>
+            <a:ext cx="1920141" cy="369332"/>
+          </a:xfrm>
+          <a:prstGeom prst="rect">
+            <a:avLst/>
+          </a:prstGeom>
+          <a:noFill/>
+        </p:spPr>
+        <p:txBody>
+          <a:bodyPr wrap="none" rtlCol="0">
+            <a:spAutoFit/>
+          </a:bodyPr>
+          <a:lstStyle/>
+          <a:p>
+            <a:r>
+              <a:rPr lang="en-US" dirty="0"/>
+              <a:t>“Large codebases”</a:t>
+            </a:r>
+          </a:p>
+        </p:txBody>
+      </p:sp>
+      <p:sp>
+        <p:nvSpPr>
+          <p:cNvPr id="8" name="TextBox 7">
+            <a:extLst>
+              <a:ext uri="{FF2B5EF4-FFF2-40B4-BE49-F238E27FC236}">
+                <a16:creationId xmlns:a16="http://schemas.microsoft.com/office/drawing/2014/main" id="{E819E907-837F-C757-F4EC-96F55B1AC89C}"/>
+              </a:ext>
+            </a:extLst>
+          </p:cNvPr>
+          <p:cNvSpPr txBox="1"/>
+          <p:nvPr/>
+        </p:nvSpPr>
+        <p:spPr>
+          <a:xfrm>
+            <a:off x="8230147" y="4548864"/>
+            <a:ext cx="2103140" cy="369332"/>
+          </a:xfrm>
+          <a:prstGeom prst="rect">
+            <a:avLst/>
+          </a:prstGeom>
+          <a:noFill/>
+        </p:spPr>
+        <p:txBody>
+          <a:bodyPr wrap="none" rtlCol="0">
+            <a:spAutoFit/>
+          </a:bodyPr>
+          <a:lstStyle/>
+          <a:p>
+            <a:r>
+              <a:rPr lang="en-US" dirty="0"/>
+              <a:t>“Scalability-minded”</a:t>
+            </a:r>
+          </a:p>
+        </p:txBody>
+      </p:sp>
+      <p:sp>
+        <p:nvSpPr>
+          <p:cNvPr id="12" name="TextBox 11">
+            <a:extLst>
+              <a:ext uri="{FF2B5EF4-FFF2-40B4-BE49-F238E27FC236}">
+                <a16:creationId xmlns:a16="http://schemas.microsoft.com/office/drawing/2014/main" id="{7F991E9D-E6D4-2300-1541-BFB17D8FD45A}"/>
+              </a:ext>
+            </a:extLst>
+          </p:cNvPr>
+          <p:cNvSpPr txBox="1"/>
+          <p:nvPr/>
+        </p:nvSpPr>
+        <p:spPr>
+          <a:xfrm>
+            <a:off x="8209258" y="3567758"/>
+            <a:ext cx="2372894" cy="369332"/>
+          </a:xfrm>
+          <a:prstGeom prst="rect">
+            <a:avLst/>
+          </a:prstGeom>
+          <a:noFill/>
+        </p:spPr>
+        <p:txBody>
+          <a:bodyPr wrap="none" rtlCol="0">
+            <a:spAutoFit/>
+          </a:bodyPr>
+          <a:lstStyle/>
+          <a:p>
+            <a:r>
+              <a:rPr lang="en-US" dirty="0"/>
+              <a:t>“Performance-minded”</a:t>
+            </a:r>
+          </a:p>
+        </p:txBody>
+      </p:sp>
+      <p:cxnSp>
+        <p:nvCxnSpPr>
+          <p:cNvPr id="14" name="Straight Connector 13">
+            <a:extLst>
+              <a:ext uri="{FF2B5EF4-FFF2-40B4-BE49-F238E27FC236}">
+                <a16:creationId xmlns:a16="http://schemas.microsoft.com/office/drawing/2014/main" id="{A984B22D-D617-B8C6-4AE7-75C667A6FC7C}"/>
+              </a:ext>
+            </a:extLst>
+          </p:cNvPr>
+          <p:cNvCxnSpPr>
+            <a:cxnSpLocks/>
+          </p:cNvCxnSpPr>
+          <p:nvPr/>
+        </p:nvCxnSpPr>
+        <p:spPr>
+          <a:xfrm>
+            <a:off x="3845292" y="2845181"/>
+            <a:ext cx="3373655" cy="0"/>
+          </a:xfrm>
+          <a:prstGeom prst="line">
+            <a:avLst/>
+          </a:prstGeom>
+          <a:ln w="38100"/>
+        </p:spPr>
+        <p:style>
+          <a:lnRef idx="1">
+            <a:schemeClr val="dk1"/>
+          </a:lnRef>
+          <a:fillRef idx="0">
+            <a:schemeClr val="dk1"/>
+          </a:fillRef>
+          <a:effectRef idx="0">
+            <a:schemeClr val="dk1"/>
+          </a:effectRef>
+          <a:fontRef idx="minor">
+            <a:schemeClr val="tx1"/>
+          </a:fontRef>
+        </p:style>
+      </p:cxnSp>
+      <p:cxnSp>
+        <p:nvCxnSpPr>
+          <p:cNvPr id="15" name="Straight Connector 14">
+            <a:extLst>
+              <a:ext uri="{FF2B5EF4-FFF2-40B4-BE49-F238E27FC236}">
+                <a16:creationId xmlns:a16="http://schemas.microsoft.com/office/drawing/2014/main" id="{77371B62-93F7-C5CB-2AE8-A318BB524F38}"/>
+              </a:ext>
+            </a:extLst>
+          </p:cNvPr>
+          <p:cNvCxnSpPr>
+            <a:cxnSpLocks/>
+          </p:cNvCxnSpPr>
+          <p:nvPr/>
+        </p:nvCxnSpPr>
+        <p:spPr>
+          <a:xfrm>
+            <a:off x="4705149" y="3214513"/>
+            <a:ext cx="1647525" cy="0"/>
+          </a:xfrm>
+          <a:prstGeom prst="line">
+            <a:avLst/>
+          </a:prstGeom>
+          <a:ln w="38100"/>
+        </p:spPr>
+        <p:style>
+          <a:lnRef idx="1">
+            <a:schemeClr val="dk1"/>
+          </a:lnRef>
+          <a:fillRef idx="0">
+            <a:schemeClr val="dk1"/>
+          </a:fillRef>
+          <a:effectRef idx="0">
+            <a:schemeClr val="dk1"/>
+          </a:effectRef>
+          <a:fontRef idx="minor">
+            <a:schemeClr val="tx1"/>
+          </a:fontRef>
+        </p:style>
+      </p:cxnSp>
+      <p:cxnSp>
+        <p:nvCxnSpPr>
+          <p:cNvPr id="17" name="Straight Connector 16">
+            <a:extLst>
+              <a:ext uri="{FF2B5EF4-FFF2-40B4-BE49-F238E27FC236}">
+                <a16:creationId xmlns:a16="http://schemas.microsoft.com/office/drawing/2014/main" id="{642481F0-D73E-723A-6D31-A129F38167E9}"/>
+              </a:ext>
+            </a:extLst>
+          </p:cNvPr>
+          <p:cNvCxnSpPr>
+            <a:cxnSpLocks/>
+          </p:cNvCxnSpPr>
+          <p:nvPr/>
+        </p:nvCxnSpPr>
+        <p:spPr>
+          <a:xfrm>
+            <a:off x="419100" y="3819301"/>
+            <a:ext cx="4950705" cy="0"/>
+          </a:xfrm>
+          <a:prstGeom prst="line">
+            <a:avLst/>
+          </a:prstGeom>
+          <a:ln w="38100"/>
+        </p:spPr>
+        <p:style>
+          <a:lnRef idx="1">
+            <a:schemeClr val="dk1"/>
+          </a:lnRef>
+          <a:fillRef idx="0">
+            <a:schemeClr val="dk1"/>
+          </a:fillRef>
+          <a:effectRef idx="0">
+            <a:schemeClr val="dk1"/>
+          </a:effectRef>
+          <a:fontRef idx="minor">
+            <a:schemeClr val="tx1"/>
+          </a:fontRef>
+        </p:style>
+      </p:cxnSp>
+      <p:cxnSp>
+        <p:nvCxnSpPr>
+          <p:cNvPr id="20" name="Straight Connector 19">
+            <a:extLst>
+              <a:ext uri="{FF2B5EF4-FFF2-40B4-BE49-F238E27FC236}">
+                <a16:creationId xmlns:a16="http://schemas.microsoft.com/office/drawing/2014/main" id="{60884885-1D47-8E29-E5A4-44329EC299B4}"/>
+              </a:ext>
+            </a:extLst>
+          </p:cNvPr>
+          <p:cNvCxnSpPr>
+            <a:cxnSpLocks/>
+          </p:cNvCxnSpPr>
+          <p:nvPr/>
+        </p:nvCxnSpPr>
+        <p:spPr>
+          <a:xfrm flipV="1">
+            <a:off x="3095568" y="4762891"/>
+            <a:ext cx="3600687" cy="18975"/>
+          </a:xfrm>
+          <a:prstGeom prst="line">
+            <a:avLst/>
+          </a:prstGeom>
+          <a:ln w="38100"/>
+        </p:spPr>
+        <p:style>
+          <a:lnRef idx="1">
+            <a:schemeClr val="dk1"/>
+          </a:lnRef>
+          <a:fillRef idx="0">
+            <a:schemeClr val="dk1"/>
+          </a:fillRef>
+          <a:effectRef idx="0">
+            <a:schemeClr val="dk1"/>
+          </a:effectRef>
+          <a:fontRef idx="minor">
+            <a:schemeClr val="tx1"/>
+          </a:fontRef>
+        </p:style>
+      </p:cxnSp>
+      <p:cxnSp>
+        <p:nvCxnSpPr>
+          <p:cNvPr id="24" name="Straight Connector 23">
+            <a:extLst>
+              <a:ext uri="{FF2B5EF4-FFF2-40B4-BE49-F238E27FC236}">
+                <a16:creationId xmlns:a16="http://schemas.microsoft.com/office/drawing/2014/main" id="{D30E62BF-7F98-78CB-EB7A-6C75D83BD29E}"/>
+              </a:ext>
+            </a:extLst>
+          </p:cNvPr>
+          <p:cNvCxnSpPr>
+            <a:cxnSpLocks/>
+          </p:cNvCxnSpPr>
+          <p:nvPr/>
+        </p:nvCxnSpPr>
+        <p:spPr>
+          <a:xfrm>
+            <a:off x="7211305" y="2532821"/>
+            <a:ext cx="0" cy="312360"/>
+          </a:xfrm>
+          <a:prstGeom prst="line">
+            <a:avLst/>
+          </a:prstGeom>
+          <a:ln w="38100"/>
+        </p:spPr>
+        <p:style>
+          <a:lnRef idx="1">
+            <a:schemeClr val="dk1"/>
+          </a:lnRef>
+          <a:fillRef idx="0">
+            <a:schemeClr val="dk1"/>
+          </a:fillRef>
+          <a:effectRef idx="0">
+            <a:schemeClr val="dk1"/>
+          </a:effectRef>
+          <a:fontRef idx="minor">
+            <a:schemeClr val="tx1"/>
+          </a:fontRef>
+        </p:style>
+      </p:cxnSp>
+      <p:cxnSp>
+        <p:nvCxnSpPr>
+          <p:cNvPr id="26" name="Straight Connector 25">
+            <a:extLst>
+              <a:ext uri="{FF2B5EF4-FFF2-40B4-BE49-F238E27FC236}">
+                <a16:creationId xmlns:a16="http://schemas.microsoft.com/office/drawing/2014/main" id="{27C7074B-D9A0-59CA-6DE8-211F15A0B2F8}"/>
+              </a:ext>
+            </a:extLst>
+          </p:cNvPr>
+          <p:cNvCxnSpPr>
+            <a:cxnSpLocks/>
+          </p:cNvCxnSpPr>
+          <p:nvPr/>
+        </p:nvCxnSpPr>
+        <p:spPr>
+          <a:xfrm>
+            <a:off x="6352674" y="2902153"/>
+            <a:ext cx="0" cy="312360"/>
+          </a:xfrm>
+          <a:prstGeom prst="line">
+            <a:avLst/>
+          </a:prstGeom>
+          <a:ln w="38100"/>
+        </p:spPr>
+        <p:style>
+          <a:lnRef idx="1">
+            <a:schemeClr val="dk1"/>
+          </a:lnRef>
+          <a:fillRef idx="0">
+            <a:schemeClr val="dk1"/>
+          </a:fillRef>
+          <a:effectRef idx="0">
+            <a:schemeClr val="dk1"/>
+          </a:effectRef>
+          <a:fontRef idx="minor">
+            <a:schemeClr val="tx1"/>
+          </a:fontRef>
+        </p:style>
+      </p:cxnSp>
+      <p:cxnSp>
+        <p:nvCxnSpPr>
+          <p:cNvPr id="27" name="Straight Connector 26">
+            <a:extLst>
+              <a:ext uri="{FF2B5EF4-FFF2-40B4-BE49-F238E27FC236}">
+                <a16:creationId xmlns:a16="http://schemas.microsoft.com/office/drawing/2014/main" id="{2C302F44-5FD7-5A3C-DA9A-5AE5AF51626C}"/>
+              </a:ext>
+            </a:extLst>
+          </p:cNvPr>
+          <p:cNvCxnSpPr>
+            <a:cxnSpLocks/>
+          </p:cNvCxnSpPr>
+          <p:nvPr/>
+        </p:nvCxnSpPr>
+        <p:spPr>
+          <a:xfrm>
+            <a:off x="5369805" y="3506941"/>
+            <a:ext cx="0" cy="312360"/>
+          </a:xfrm>
+          <a:prstGeom prst="line">
+            <a:avLst/>
+          </a:prstGeom>
+          <a:ln w="38100"/>
+        </p:spPr>
+        <p:style>
+          <a:lnRef idx="1">
+            <a:schemeClr val="dk1"/>
+          </a:lnRef>
+          <a:fillRef idx="0">
+            <a:schemeClr val="dk1"/>
+          </a:fillRef>
+          <a:effectRef idx="0">
+            <a:schemeClr val="dk1"/>
+          </a:effectRef>
+          <a:fontRef idx="minor">
+            <a:schemeClr val="tx1"/>
+          </a:fontRef>
+        </p:style>
+      </p:cxnSp>
+      <p:cxnSp>
+        <p:nvCxnSpPr>
+          <p:cNvPr id="30" name="Straight Connector 29">
+            <a:extLst>
+              <a:ext uri="{FF2B5EF4-FFF2-40B4-BE49-F238E27FC236}">
+                <a16:creationId xmlns:a16="http://schemas.microsoft.com/office/drawing/2014/main" id="{ED11DEF5-6DF9-D14B-AADD-A93F57593A47}"/>
+              </a:ext>
+            </a:extLst>
+          </p:cNvPr>
+          <p:cNvCxnSpPr>
+            <a:cxnSpLocks/>
+          </p:cNvCxnSpPr>
+          <p:nvPr/>
+        </p:nvCxnSpPr>
+        <p:spPr>
+          <a:xfrm>
+            <a:off x="6675365" y="4481060"/>
+            <a:ext cx="0" cy="312360"/>
+          </a:xfrm>
+          <a:prstGeom prst="line">
+            <a:avLst/>
+          </a:prstGeom>
+          <a:ln w="38100"/>
+        </p:spPr>
+        <p:style>
+          <a:lnRef idx="1">
+            <a:schemeClr val="dk1"/>
+          </a:lnRef>
+          <a:fillRef idx="0">
+            <a:schemeClr val="dk1"/>
+          </a:fillRef>
+          <a:effectRef idx="0">
+            <a:schemeClr val="dk1"/>
+          </a:effectRef>
+          <a:fontRef idx="minor">
+            <a:schemeClr val="tx1"/>
+          </a:fontRef>
+        </p:style>
+      </p:cxnSp>
+      <p:cxnSp>
+        <p:nvCxnSpPr>
+          <p:cNvPr id="32" name="Straight Connector 31">
+            <a:extLst>
+              <a:ext uri="{FF2B5EF4-FFF2-40B4-BE49-F238E27FC236}">
+                <a16:creationId xmlns:a16="http://schemas.microsoft.com/office/drawing/2014/main" id="{E42E43F1-E6B3-D88B-9B45-6A2560AD9C5F}"/>
+              </a:ext>
+            </a:extLst>
+          </p:cNvPr>
+          <p:cNvCxnSpPr>
+            <a:cxnSpLocks/>
+            <a:endCxn id="5" idx="1"/>
+          </p:cNvCxnSpPr>
+          <p:nvPr/>
+        </p:nvCxnSpPr>
+        <p:spPr>
+          <a:xfrm>
+            <a:off x="7211305" y="2705651"/>
+            <a:ext cx="997953" cy="835"/>
+          </a:xfrm>
+          <a:prstGeom prst="line">
+            <a:avLst/>
+          </a:prstGeom>
+          <a:ln w="12700"/>
+        </p:spPr>
+        <p:style>
+          <a:lnRef idx="1">
+            <a:schemeClr val="dk1"/>
+          </a:lnRef>
+          <a:fillRef idx="0">
+            <a:schemeClr val="dk1"/>
+          </a:fillRef>
+          <a:effectRef idx="0">
+            <a:schemeClr val="dk1"/>
+          </a:effectRef>
+          <a:fontRef idx="minor">
+            <a:schemeClr val="tx1"/>
+          </a:fontRef>
+        </p:style>
+      </p:cxnSp>
+      <p:cxnSp>
+        <p:nvCxnSpPr>
+          <p:cNvPr id="36" name="Straight Connector 35">
+            <a:extLst>
+              <a:ext uri="{FF2B5EF4-FFF2-40B4-BE49-F238E27FC236}">
+                <a16:creationId xmlns:a16="http://schemas.microsoft.com/office/drawing/2014/main" id="{558C2967-E598-3DC3-8FE5-E8C187C13131}"/>
+              </a:ext>
+            </a:extLst>
+          </p:cNvPr>
+          <p:cNvCxnSpPr>
+            <a:cxnSpLocks/>
+            <a:endCxn id="7" idx="1"/>
+          </p:cNvCxnSpPr>
+          <p:nvPr/>
+        </p:nvCxnSpPr>
+        <p:spPr>
+          <a:xfrm>
+            <a:off x="6327274" y="3029847"/>
+            <a:ext cx="1856584" cy="0"/>
+          </a:xfrm>
+          <a:prstGeom prst="line">
+            <a:avLst/>
+          </a:prstGeom>
+          <a:ln w="12700"/>
+        </p:spPr>
+        <p:style>
+          <a:lnRef idx="1">
+            <a:schemeClr val="dk1"/>
+          </a:lnRef>
+          <a:fillRef idx="0">
+            <a:schemeClr val="dk1"/>
+          </a:fillRef>
+          <a:effectRef idx="0">
+            <a:schemeClr val="dk1"/>
+          </a:effectRef>
+          <a:fontRef idx="minor">
+            <a:schemeClr val="tx1"/>
+          </a:fontRef>
+        </p:style>
+      </p:cxnSp>
+      <p:cxnSp>
+        <p:nvCxnSpPr>
+          <p:cNvPr id="39" name="Straight Connector 38">
+            <a:extLst>
+              <a:ext uri="{FF2B5EF4-FFF2-40B4-BE49-F238E27FC236}">
+                <a16:creationId xmlns:a16="http://schemas.microsoft.com/office/drawing/2014/main" id="{48A1CBB5-3DFD-F439-8BAC-72603B889536}"/>
+              </a:ext>
+            </a:extLst>
+          </p:cNvPr>
+          <p:cNvCxnSpPr>
+            <a:cxnSpLocks/>
+          </p:cNvCxnSpPr>
+          <p:nvPr/>
+        </p:nvCxnSpPr>
+        <p:spPr>
+          <a:xfrm>
+            <a:off x="5395406" y="3752424"/>
+            <a:ext cx="2875457" cy="0"/>
+          </a:xfrm>
+          <a:prstGeom prst="line">
+            <a:avLst/>
+          </a:prstGeom>
+          <a:ln w="12700"/>
+        </p:spPr>
+        <p:style>
+          <a:lnRef idx="1">
+            <a:schemeClr val="dk1"/>
+          </a:lnRef>
+          <a:fillRef idx="0">
+            <a:schemeClr val="dk1"/>
+          </a:fillRef>
+          <a:effectRef idx="0">
+            <a:schemeClr val="dk1"/>
+          </a:effectRef>
+          <a:fontRef idx="minor">
+            <a:schemeClr val="tx1"/>
+          </a:fontRef>
+        </p:style>
+      </p:cxnSp>
+      <p:cxnSp>
+        <p:nvCxnSpPr>
+          <p:cNvPr id="43" name="Straight Connector 42">
+            <a:extLst>
+              <a:ext uri="{FF2B5EF4-FFF2-40B4-BE49-F238E27FC236}">
+                <a16:creationId xmlns:a16="http://schemas.microsoft.com/office/drawing/2014/main" id="{A1AFC982-B827-FFA3-4483-DB5418F176F7}"/>
+              </a:ext>
+            </a:extLst>
+          </p:cNvPr>
+          <p:cNvCxnSpPr>
+            <a:cxnSpLocks/>
+          </p:cNvCxnSpPr>
+          <p:nvPr/>
+        </p:nvCxnSpPr>
+        <p:spPr>
+          <a:xfrm flipV="1">
+            <a:off x="6705600" y="4726741"/>
+            <a:ext cx="1503658" cy="6789"/>
+          </a:xfrm>
+          <a:prstGeom prst="line">
+            <a:avLst/>
+          </a:prstGeom>
+          <a:ln w="12700"/>
+        </p:spPr>
+        <p:style>
+          <a:lnRef idx="1">
+            <a:schemeClr val="dk1"/>
+          </a:lnRef>
+          <a:fillRef idx="0">
+            <a:schemeClr val="dk1"/>
+          </a:fillRef>
+          <a:effectRef idx="0">
+            <a:schemeClr val="dk1"/>
+          </a:effectRef>
+          <a:fontRef idx="minor">
+            <a:schemeClr val="tx1"/>
+          </a:fontRef>
+        </p:style>
+      </p:cxnSp>
+      <p:sp>
+        <p:nvSpPr>
+          <p:cNvPr id="4" name="TextBox 3">
+            <a:extLst>
+              <a:ext uri="{FF2B5EF4-FFF2-40B4-BE49-F238E27FC236}">
+                <a16:creationId xmlns:a16="http://schemas.microsoft.com/office/drawing/2014/main" id="{C89C2948-EC21-B7B1-FB87-72459935D44A}"/>
+              </a:ext>
+            </a:extLst>
+          </p:cNvPr>
+          <p:cNvSpPr txBox="1"/>
+          <p:nvPr/>
+        </p:nvSpPr>
+        <p:spPr>
+          <a:xfrm>
+            <a:off x="519237" y="5756192"/>
+            <a:ext cx="10268965" cy="584775"/>
+          </a:xfrm>
+          <a:prstGeom prst="rect">
+            <a:avLst/>
+          </a:prstGeom>
+          <a:noFill/>
+        </p:spPr>
+        <p:txBody>
+          <a:bodyPr wrap="none" rtlCol="0">
+            <a:spAutoFit/>
+          </a:bodyPr>
+          <a:lstStyle/>
+          <a:p>
+            <a:r>
+              <a:rPr lang="en-US" sz="3200" dirty="0"/>
+              <a:t>Goal: Assess which classroom topics the subject cares about </a:t>
+            </a:r>
+          </a:p>
+        </p:txBody>
+      </p:sp>
+    </p:spTree>
+    <p:extLst>
+      <p:ext uri="{BB962C8B-B14F-4D97-AF65-F5344CB8AC3E}">
+        <p14:creationId xmlns:p14="http://schemas.microsoft.com/office/powerpoint/2010/main" val="3148361236"/>
+      </p:ext>
+    </p:extLst>
+  </p:cSld>
+  <p:clrMapOvr>
+    <a:masterClrMapping/>
+  </p:clrMapOvr>
+</p:sld>
+</file>
+
+<file path=ppt/slides/slide16.xml><?xml version="1.0" encoding="utf-8"?>
+<p:sld xmlns:a="http://schemas.openxmlformats.org/drawingml/2006/main" xmlns:r="http://schemas.openxmlformats.org/officeDocument/2006/relationships" xmlns:p="http://schemas.openxmlformats.org/presentationml/2006/main">
+  <p:cSld>
+    <p:spTree>
+      <p:nvGrpSpPr>
+        <p:cNvPr id="1" name=""/>
+        <p:cNvGrpSpPr/>
+        <p:nvPr/>
+      </p:nvGrpSpPr>
+      <p:grpSpPr>
+        <a:xfrm>
+          <a:off x="0" y="0"/>
+          <a:ext cx="0" cy="0"/>
+          <a:chOff x="0" y="0"/>
+          <a:chExt cx="0" cy="0"/>
+        </a:xfrm>
+      </p:grpSpPr>
+      <p:sp>
+        <p:nvSpPr>
+          <p:cNvPr id="2" name="Title 1">
+            <a:extLst>
+              <a:ext uri="{FF2B5EF4-FFF2-40B4-BE49-F238E27FC236}">
+                <a16:creationId xmlns:a16="http://schemas.microsoft.com/office/drawing/2014/main" id="{1E0BC2F4-4561-A8A0-906E-7B88043A03E6}"/>
+              </a:ext>
+            </a:extLst>
+          </p:cNvPr>
+          <p:cNvSpPr>
+            <a:spLocks noGrp="1"/>
+          </p:cNvSpPr>
+          <p:nvPr>
+            <p:ph type="title"/>
+          </p:nvPr>
+        </p:nvSpPr>
+        <p:spPr/>
+        <p:txBody>
+          <a:bodyPr/>
+          <a:lstStyle/>
+          <a:p>
+            <a:r>
+              <a:rPr lang="en-US" dirty="0"/>
+              <a:t>Worked Example: Coding </a:t>
+            </a:r>
+            <a:r>
+              <a:rPr lang="en-US" sz="4000" dirty="0"/>
+              <a:t>(Are You Done?)</a:t>
+            </a:r>
+          </a:p>
+        </p:txBody>
+      </p:sp>
+      <p:sp>
+        <p:nvSpPr>
+          <p:cNvPr id="3" name="Content Placeholder 2">
+            <a:extLst>
+              <a:ext uri="{FF2B5EF4-FFF2-40B4-BE49-F238E27FC236}">
+                <a16:creationId xmlns:a16="http://schemas.microsoft.com/office/drawing/2014/main" id="{B898F582-7A65-0861-FC36-373332E8FB0E}"/>
+              </a:ext>
+            </a:extLst>
+          </p:cNvPr>
+          <p:cNvSpPr>
+            <a:spLocks noGrp="1"/>
+          </p:cNvSpPr>
+          <p:nvPr>
+            <p:ph idx="1"/>
+          </p:nvPr>
+        </p:nvSpPr>
+        <p:spPr>
+          <a:xfrm>
+            <a:off x="317633" y="1845734"/>
+            <a:ext cx="7055318" cy="4023360"/>
+          </a:xfrm>
+        </p:spPr>
+        <p:txBody>
+          <a:bodyPr>
+            <a:normAutofit fontScale="92500" lnSpcReduction="10000"/>
+          </a:bodyPr>
+          <a:lstStyle/>
+          <a:p>
+            <a:r>
+              <a:rPr lang="en-US" sz="3000" b="1" dirty="0"/>
+              <a:t>Data</a:t>
+            </a:r>
+            <a:r>
+              <a:rPr lang="en-US" sz="3000" dirty="0"/>
+              <a:t> (Example responses to example interview):</a:t>
+            </a:r>
+            <a:br>
+              <a:rPr lang="en-US" dirty="0"/>
+            </a:br>
+            <a:r>
+              <a:rPr lang="en-US" dirty="0"/>
+              <a:t>“In my life, I want to use programming for something productive, to help people make things. Maybe engineering software or productivity software. I want to know how a programmer should think about performance day-to-day. I know about common optimizations, but I also know they aren’t always needed in real life. If I knew this, I would be able to ensure that productivity software scale to the large projects that happen when engineers are trying to develop new things in the real world, whether it’s roads or movies.” </a:t>
+            </a:r>
+          </a:p>
+        </p:txBody>
+      </p:sp>
+      <p:sp>
+        <p:nvSpPr>
+          <p:cNvPr id="5" name="TextBox 4">
+            <a:extLst>
+              <a:ext uri="{FF2B5EF4-FFF2-40B4-BE49-F238E27FC236}">
+                <a16:creationId xmlns:a16="http://schemas.microsoft.com/office/drawing/2014/main" id="{A8491B79-7632-84D3-4DA8-29194D46F36E}"/>
+              </a:ext>
+            </a:extLst>
+          </p:cNvPr>
+          <p:cNvSpPr txBox="1"/>
+          <p:nvPr/>
+        </p:nvSpPr>
+        <p:spPr>
+          <a:xfrm>
+            <a:off x="8209258" y="2521820"/>
+            <a:ext cx="2689454" cy="369332"/>
+          </a:xfrm>
+          <a:prstGeom prst="rect">
+            <a:avLst/>
+          </a:prstGeom>
+          <a:noFill/>
+        </p:spPr>
+        <p:txBody>
+          <a:bodyPr wrap="none" rtlCol="0">
+            <a:spAutoFit/>
+          </a:bodyPr>
+          <a:lstStyle/>
+          <a:p>
+            <a:r>
+              <a:rPr lang="en-US" dirty="0"/>
+              <a:t>“Implementation-focused”</a:t>
+            </a:r>
+          </a:p>
+        </p:txBody>
+      </p:sp>
+      <p:sp>
+        <p:nvSpPr>
+          <p:cNvPr id="6" name="TextBox 5">
+            <a:extLst>
+              <a:ext uri="{FF2B5EF4-FFF2-40B4-BE49-F238E27FC236}">
+                <a16:creationId xmlns:a16="http://schemas.microsoft.com/office/drawing/2014/main" id="{23E63D90-4ED8-73C6-4832-DBC9DE2B441F}"/>
+              </a:ext>
+            </a:extLst>
+          </p:cNvPr>
+          <p:cNvSpPr txBox="1"/>
+          <p:nvPr/>
+        </p:nvSpPr>
+        <p:spPr>
+          <a:xfrm>
+            <a:off x="8422105" y="1737360"/>
+            <a:ext cx="1181990" cy="523220"/>
+          </a:xfrm>
+          <a:prstGeom prst="rect">
+            <a:avLst/>
+          </a:prstGeom>
+          <a:noFill/>
+        </p:spPr>
+        <p:txBody>
+          <a:bodyPr wrap="none" rtlCol="0">
+            <a:spAutoFit/>
+          </a:bodyPr>
+          <a:lstStyle/>
+          <a:p>
+            <a:r>
+              <a:rPr lang="en-US" sz="2800" b="1" dirty="0"/>
+              <a:t>CODES</a:t>
+            </a:r>
+          </a:p>
+        </p:txBody>
+      </p:sp>
+      <p:sp>
+        <p:nvSpPr>
+          <p:cNvPr id="7" name="TextBox 6">
+            <a:extLst>
+              <a:ext uri="{FF2B5EF4-FFF2-40B4-BE49-F238E27FC236}">
+                <a16:creationId xmlns:a16="http://schemas.microsoft.com/office/drawing/2014/main" id="{DC58D5FF-A3C2-38CE-6EA6-B8D0F03145A9}"/>
+              </a:ext>
+            </a:extLst>
+          </p:cNvPr>
+          <p:cNvSpPr txBox="1"/>
+          <p:nvPr/>
+        </p:nvSpPr>
+        <p:spPr>
+          <a:xfrm>
+            <a:off x="8183858" y="2845181"/>
+            <a:ext cx="1920141" cy="369332"/>
+          </a:xfrm>
+          <a:prstGeom prst="rect">
+            <a:avLst/>
+          </a:prstGeom>
+          <a:noFill/>
+        </p:spPr>
+        <p:txBody>
+          <a:bodyPr wrap="none" rtlCol="0">
+            <a:spAutoFit/>
+          </a:bodyPr>
+          <a:lstStyle/>
+          <a:p>
+            <a:r>
+              <a:rPr lang="en-US" dirty="0"/>
+              <a:t>“Large codebases”</a:t>
+            </a:r>
+          </a:p>
+        </p:txBody>
+      </p:sp>
+      <p:sp>
+        <p:nvSpPr>
+          <p:cNvPr id="8" name="TextBox 7">
+            <a:extLst>
+              <a:ext uri="{FF2B5EF4-FFF2-40B4-BE49-F238E27FC236}">
+                <a16:creationId xmlns:a16="http://schemas.microsoft.com/office/drawing/2014/main" id="{E819E907-837F-C757-F4EC-96F55B1AC89C}"/>
+              </a:ext>
+            </a:extLst>
+          </p:cNvPr>
+          <p:cNvSpPr txBox="1"/>
+          <p:nvPr/>
+        </p:nvSpPr>
+        <p:spPr>
+          <a:xfrm>
+            <a:off x="8230147" y="4548864"/>
+            <a:ext cx="2103140" cy="369332"/>
+          </a:xfrm>
+          <a:prstGeom prst="rect">
+            <a:avLst/>
+          </a:prstGeom>
+          <a:noFill/>
+        </p:spPr>
+        <p:txBody>
+          <a:bodyPr wrap="none" rtlCol="0">
+            <a:spAutoFit/>
+          </a:bodyPr>
+          <a:lstStyle/>
+          <a:p>
+            <a:r>
+              <a:rPr lang="en-US" dirty="0"/>
+              <a:t>“Scalability-minded”</a:t>
+            </a:r>
+          </a:p>
+        </p:txBody>
+      </p:sp>
+      <p:sp>
+        <p:nvSpPr>
+          <p:cNvPr id="12" name="TextBox 11">
+            <a:extLst>
+              <a:ext uri="{FF2B5EF4-FFF2-40B4-BE49-F238E27FC236}">
+                <a16:creationId xmlns:a16="http://schemas.microsoft.com/office/drawing/2014/main" id="{7F991E9D-E6D4-2300-1541-BFB17D8FD45A}"/>
+              </a:ext>
+            </a:extLst>
+          </p:cNvPr>
+          <p:cNvSpPr txBox="1"/>
+          <p:nvPr/>
+        </p:nvSpPr>
+        <p:spPr>
+          <a:xfrm>
+            <a:off x="8209258" y="3567758"/>
+            <a:ext cx="2372894" cy="369332"/>
+          </a:xfrm>
+          <a:prstGeom prst="rect">
+            <a:avLst/>
+          </a:prstGeom>
+          <a:noFill/>
+        </p:spPr>
+        <p:txBody>
+          <a:bodyPr wrap="none" rtlCol="0">
+            <a:spAutoFit/>
+          </a:bodyPr>
+          <a:lstStyle/>
+          <a:p>
+            <a:r>
+              <a:rPr lang="en-US" dirty="0"/>
+              <a:t>“Performance-minded”</a:t>
+            </a:r>
+          </a:p>
+        </p:txBody>
+      </p:sp>
+      <p:cxnSp>
+        <p:nvCxnSpPr>
+          <p:cNvPr id="14" name="Straight Connector 13">
+            <a:extLst>
+              <a:ext uri="{FF2B5EF4-FFF2-40B4-BE49-F238E27FC236}">
+                <a16:creationId xmlns:a16="http://schemas.microsoft.com/office/drawing/2014/main" id="{A984B22D-D617-B8C6-4AE7-75C667A6FC7C}"/>
+              </a:ext>
+            </a:extLst>
+          </p:cNvPr>
+          <p:cNvCxnSpPr>
+            <a:cxnSpLocks/>
+          </p:cNvCxnSpPr>
+          <p:nvPr/>
+        </p:nvCxnSpPr>
+        <p:spPr>
+          <a:xfrm>
+            <a:off x="3845292" y="2845181"/>
+            <a:ext cx="3373655" cy="0"/>
+          </a:xfrm>
+          <a:prstGeom prst="line">
+            <a:avLst/>
+          </a:prstGeom>
+          <a:ln w="38100"/>
+        </p:spPr>
+        <p:style>
+          <a:lnRef idx="1">
+            <a:schemeClr val="dk1"/>
+          </a:lnRef>
+          <a:fillRef idx="0">
+            <a:schemeClr val="dk1"/>
+          </a:fillRef>
+          <a:effectRef idx="0">
+            <a:schemeClr val="dk1"/>
+          </a:effectRef>
+          <a:fontRef idx="minor">
+            <a:schemeClr val="tx1"/>
+          </a:fontRef>
+        </p:style>
+      </p:cxnSp>
+      <p:cxnSp>
+        <p:nvCxnSpPr>
+          <p:cNvPr id="15" name="Straight Connector 14">
+            <a:extLst>
+              <a:ext uri="{FF2B5EF4-FFF2-40B4-BE49-F238E27FC236}">
+                <a16:creationId xmlns:a16="http://schemas.microsoft.com/office/drawing/2014/main" id="{77371B62-93F7-C5CB-2AE8-A318BB524F38}"/>
+              </a:ext>
+            </a:extLst>
+          </p:cNvPr>
+          <p:cNvCxnSpPr>
+            <a:cxnSpLocks/>
+          </p:cNvCxnSpPr>
+          <p:nvPr/>
+        </p:nvCxnSpPr>
+        <p:spPr>
+          <a:xfrm>
+            <a:off x="4705149" y="3214513"/>
+            <a:ext cx="1647525" cy="0"/>
+          </a:xfrm>
+          <a:prstGeom prst="line">
+            <a:avLst/>
+          </a:prstGeom>
+          <a:ln w="38100"/>
+        </p:spPr>
+        <p:style>
+          <a:lnRef idx="1">
+            <a:schemeClr val="dk1"/>
+          </a:lnRef>
+          <a:fillRef idx="0">
+            <a:schemeClr val="dk1"/>
+          </a:fillRef>
+          <a:effectRef idx="0">
+            <a:schemeClr val="dk1"/>
+          </a:effectRef>
+          <a:fontRef idx="minor">
+            <a:schemeClr val="tx1"/>
+          </a:fontRef>
+        </p:style>
+      </p:cxnSp>
+      <p:cxnSp>
+        <p:nvCxnSpPr>
+          <p:cNvPr id="17" name="Straight Connector 16">
+            <a:extLst>
+              <a:ext uri="{FF2B5EF4-FFF2-40B4-BE49-F238E27FC236}">
+                <a16:creationId xmlns:a16="http://schemas.microsoft.com/office/drawing/2014/main" id="{642481F0-D73E-723A-6D31-A129F38167E9}"/>
+              </a:ext>
+            </a:extLst>
+          </p:cNvPr>
+          <p:cNvCxnSpPr>
+            <a:cxnSpLocks/>
+          </p:cNvCxnSpPr>
+          <p:nvPr/>
+        </p:nvCxnSpPr>
+        <p:spPr>
+          <a:xfrm>
+            <a:off x="419100" y="3819301"/>
+            <a:ext cx="4950705" cy="0"/>
+          </a:xfrm>
+          <a:prstGeom prst="line">
+            <a:avLst/>
+          </a:prstGeom>
+          <a:ln w="38100"/>
+        </p:spPr>
+        <p:style>
+          <a:lnRef idx="1">
+            <a:schemeClr val="dk1"/>
+          </a:lnRef>
+          <a:fillRef idx="0">
+            <a:schemeClr val="dk1"/>
+          </a:fillRef>
+          <a:effectRef idx="0">
+            <a:schemeClr val="dk1"/>
+          </a:effectRef>
+          <a:fontRef idx="minor">
+            <a:schemeClr val="tx1"/>
+          </a:fontRef>
+        </p:style>
+      </p:cxnSp>
+      <p:cxnSp>
+        <p:nvCxnSpPr>
+          <p:cNvPr id="20" name="Straight Connector 19">
+            <a:extLst>
+              <a:ext uri="{FF2B5EF4-FFF2-40B4-BE49-F238E27FC236}">
+                <a16:creationId xmlns:a16="http://schemas.microsoft.com/office/drawing/2014/main" id="{60884885-1D47-8E29-E5A4-44329EC299B4}"/>
+              </a:ext>
+            </a:extLst>
+          </p:cNvPr>
+          <p:cNvCxnSpPr>
+            <a:cxnSpLocks/>
+          </p:cNvCxnSpPr>
+          <p:nvPr/>
+        </p:nvCxnSpPr>
+        <p:spPr>
+          <a:xfrm flipV="1">
+            <a:off x="3095568" y="4762891"/>
+            <a:ext cx="3600687" cy="18975"/>
+          </a:xfrm>
+          <a:prstGeom prst="line">
+            <a:avLst/>
+          </a:prstGeom>
+          <a:ln w="38100"/>
+        </p:spPr>
+        <p:style>
+          <a:lnRef idx="1">
+            <a:schemeClr val="dk1"/>
+          </a:lnRef>
+          <a:fillRef idx="0">
+            <a:schemeClr val="dk1"/>
+          </a:fillRef>
+          <a:effectRef idx="0">
+            <a:schemeClr val="dk1"/>
+          </a:effectRef>
+          <a:fontRef idx="minor">
+            <a:schemeClr val="tx1"/>
+          </a:fontRef>
+        </p:style>
+      </p:cxnSp>
+      <p:cxnSp>
+        <p:nvCxnSpPr>
+          <p:cNvPr id="24" name="Straight Connector 23">
+            <a:extLst>
+              <a:ext uri="{FF2B5EF4-FFF2-40B4-BE49-F238E27FC236}">
+                <a16:creationId xmlns:a16="http://schemas.microsoft.com/office/drawing/2014/main" id="{D30E62BF-7F98-78CB-EB7A-6C75D83BD29E}"/>
+              </a:ext>
+            </a:extLst>
+          </p:cNvPr>
+          <p:cNvCxnSpPr>
+            <a:cxnSpLocks/>
+          </p:cNvCxnSpPr>
+          <p:nvPr/>
+        </p:nvCxnSpPr>
+        <p:spPr>
+          <a:xfrm>
+            <a:off x="7211305" y="2532821"/>
+            <a:ext cx="0" cy="312360"/>
+          </a:xfrm>
+          <a:prstGeom prst="line">
+            <a:avLst/>
+          </a:prstGeom>
+          <a:ln w="38100"/>
+        </p:spPr>
+        <p:style>
+          <a:lnRef idx="1">
+            <a:schemeClr val="dk1"/>
+          </a:lnRef>
+          <a:fillRef idx="0">
+            <a:schemeClr val="dk1"/>
+          </a:fillRef>
+          <a:effectRef idx="0">
+            <a:schemeClr val="dk1"/>
+          </a:effectRef>
+          <a:fontRef idx="minor">
+            <a:schemeClr val="tx1"/>
+          </a:fontRef>
+        </p:style>
+      </p:cxnSp>
+      <p:cxnSp>
+        <p:nvCxnSpPr>
+          <p:cNvPr id="26" name="Straight Connector 25">
+            <a:extLst>
+              <a:ext uri="{FF2B5EF4-FFF2-40B4-BE49-F238E27FC236}">
+                <a16:creationId xmlns:a16="http://schemas.microsoft.com/office/drawing/2014/main" id="{27C7074B-D9A0-59CA-6DE8-211F15A0B2F8}"/>
+              </a:ext>
+            </a:extLst>
+          </p:cNvPr>
+          <p:cNvCxnSpPr>
+            <a:cxnSpLocks/>
+          </p:cNvCxnSpPr>
+          <p:nvPr/>
+        </p:nvCxnSpPr>
+        <p:spPr>
+          <a:xfrm>
+            <a:off x="6352674" y="2902153"/>
+            <a:ext cx="0" cy="312360"/>
+          </a:xfrm>
+          <a:prstGeom prst="line">
+            <a:avLst/>
+          </a:prstGeom>
+          <a:ln w="38100"/>
+        </p:spPr>
+        <p:style>
+          <a:lnRef idx="1">
+            <a:schemeClr val="dk1"/>
+          </a:lnRef>
+          <a:fillRef idx="0">
+            <a:schemeClr val="dk1"/>
+          </a:fillRef>
+          <a:effectRef idx="0">
+            <a:schemeClr val="dk1"/>
+          </a:effectRef>
+          <a:fontRef idx="minor">
+            <a:schemeClr val="tx1"/>
+          </a:fontRef>
+        </p:style>
+      </p:cxnSp>
+      <p:cxnSp>
+        <p:nvCxnSpPr>
+          <p:cNvPr id="27" name="Straight Connector 26">
+            <a:extLst>
+              <a:ext uri="{FF2B5EF4-FFF2-40B4-BE49-F238E27FC236}">
+                <a16:creationId xmlns:a16="http://schemas.microsoft.com/office/drawing/2014/main" id="{2C302F44-5FD7-5A3C-DA9A-5AE5AF51626C}"/>
+              </a:ext>
+            </a:extLst>
+          </p:cNvPr>
+          <p:cNvCxnSpPr>
+            <a:cxnSpLocks/>
+          </p:cNvCxnSpPr>
+          <p:nvPr/>
+        </p:nvCxnSpPr>
+        <p:spPr>
+          <a:xfrm>
+            <a:off x="5369805" y="3506941"/>
+            <a:ext cx="0" cy="312360"/>
+          </a:xfrm>
+          <a:prstGeom prst="line">
+            <a:avLst/>
+          </a:prstGeom>
+          <a:ln w="38100"/>
+        </p:spPr>
+        <p:style>
+          <a:lnRef idx="1">
+            <a:schemeClr val="dk1"/>
+          </a:lnRef>
+          <a:fillRef idx="0">
+            <a:schemeClr val="dk1"/>
+          </a:fillRef>
+          <a:effectRef idx="0">
+            <a:schemeClr val="dk1"/>
+          </a:effectRef>
+          <a:fontRef idx="minor">
+            <a:schemeClr val="tx1"/>
+          </a:fontRef>
+        </p:style>
+      </p:cxnSp>
+      <p:cxnSp>
+        <p:nvCxnSpPr>
+          <p:cNvPr id="30" name="Straight Connector 29">
+            <a:extLst>
+              <a:ext uri="{FF2B5EF4-FFF2-40B4-BE49-F238E27FC236}">
+                <a16:creationId xmlns:a16="http://schemas.microsoft.com/office/drawing/2014/main" id="{ED11DEF5-6DF9-D14B-AADD-A93F57593A47}"/>
+              </a:ext>
+            </a:extLst>
+          </p:cNvPr>
+          <p:cNvCxnSpPr>
+            <a:cxnSpLocks/>
+          </p:cNvCxnSpPr>
+          <p:nvPr/>
+        </p:nvCxnSpPr>
+        <p:spPr>
+          <a:xfrm>
+            <a:off x="6675365" y="4481060"/>
+            <a:ext cx="0" cy="312360"/>
+          </a:xfrm>
+          <a:prstGeom prst="line">
+            <a:avLst/>
+          </a:prstGeom>
+          <a:ln w="38100"/>
+        </p:spPr>
+        <p:style>
+          <a:lnRef idx="1">
+            <a:schemeClr val="dk1"/>
+          </a:lnRef>
+          <a:fillRef idx="0">
+            <a:schemeClr val="dk1"/>
+          </a:fillRef>
+          <a:effectRef idx="0">
+            <a:schemeClr val="dk1"/>
+          </a:effectRef>
+          <a:fontRef idx="minor">
+            <a:schemeClr val="tx1"/>
+          </a:fontRef>
+        </p:style>
+      </p:cxnSp>
+      <p:cxnSp>
+        <p:nvCxnSpPr>
+          <p:cNvPr id="32" name="Straight Connector 31">
+            <a:extLst>
+              <a:ext uri="{FF2B5EF4-FFF2-40B4-BE49-F238E27FC236}">
+                <a16:creationId xmlns:a16="http://schemas.microsoft.com/office/drawing/2014/main" id="{E42E43F1-E6B3-D88B-9B45-6A2560AD9C5F}"/>
+              </a:ext>
+            </a:extLst>
+          </p:cNvPr>
+          <p:cNvCxnSpPr>
+            <a:cxnSpLocks/>
+            <a:endCxn id="5" idx="1"/>
+          </p:cNvCxnSpPr>
+          <p:nvPr/>
+        </p:nvCxnSpPr>
+        <p:spPr>
+          <a:xfrm>
+            <a:off x="7211305" y="2705651"/>
+            <a:ext cx="997953" cy="835"/>
+          </a:xfrm>
+          <a:prstGeom prst="line">
+            <a:avLst/>
+          </a:prstGeom>
+          <a:ln w="12700"/>
+        </p:spPr>
+        <p:style>
+          <a:lnRef idx="1">
+            <a:schemeClr val="dk1"/>
+          </a:lnRef>
+          <a:fillRef idx="0">
+            <a:schemeClr val="dk1"/>
+          </a:fillRef>
+          <a:effectRef idx="0">
+            <a:schemeClr val="dk1"/>
+          </a:effectRef>
+          <a:fontRef idx="minor">
+            <a:schemeClr val="tx1"/>
+          </a:fontRef>
+        </p:style>
+      </p:cxnSp>
+      <p:cxnSp>
+        <p:nvCxnSpPr>
+          <p:cNvPr id="36" name="Straight Connector 35">
+            <a:extLst>
+              <a:ext uri="{FF2B5EF4-FFF2-40B4-BE49-F238E27FC236}">
+                <a16:creationId xmlns:a16="http://schemas.microsoft.com/office/drawing/2014/main" id="{558C2967-E598-3DC3-8FE5-E8C187C13131}"/>
+              </a:ext>
+            </a:extLst>
+          </p:cNvPr>
+          <p:cNvCxnSpPr>
+            <a:cxnSpLocks/>
+            <a:endCxn id="7" idx="1"/>
+          </p:cNvCxnSpPr>
+          <p:nvPr/>
+        </p:nvCxnSpPr>
+        <p:spPr>
+          <a:xfrm>
+            <a:off x="6327274" y="3029847"/>
+            <a:ext cx="1856584" cy="0"/>
+          </a:xfrm>
+          <a:prstGeom prst="line">
+            <a:avLst/>
+          </a:prstGeom>
+          <a:ln w="12700"/>
+        </p:spPr>
+        <p:style>
+          <a:lnRef idx="1">
+            <a:schemeClr val="dk1"/>
+          </a:lnRef>
+          <a:fillRef idx="0">
+            <a:schemeClr val="dk1"/>
+          </a:fillRef>
+          <a:effectRef idx="0">
+            <a:schemeClr val="dk1"/>
+          </a:effectRef>
+          <a:fontRef idx="minor">
+            <a:schemeClr val="tx1"/>
+          </a:fontRef>
+        </p:style>
+      </p:cxnSp>
+      <p:cxnSp>
+        <p:nvCxnSpPr>
+          <p:cNvPr id="39" name="Straight Connector 38">
+            <a:extLst>
+              <a:ext uri="{FF2B5EF4-FFF2-40B4-BE49-F238E27FC236}">
+                <a16:creationId xmlns:a16="http://schemas.microsoft.com/office/drawing/2014/main" id="{48A1CBB5-3DFD-F439-8BAC-72603B889536}"/>
+              </a:ext>
+            </a:extLst>
+          </p:cNvPr>
+          <p:cNvCxnSpPr>
+            <a:cxnSpLocks/>
+          </p:cNvCxnSpPr>
+          <p:nvPr/>
+        </p:nvCxnSpPr>
+        <p:spPr>
+          <a:xfrm>
+            <a:off x="5395406" y="3752424"/>
+            <a:ext cx="2875457" cy="0"/>
+          </a:xfrm>
+          <a:prstGeom prst="line">
+            <a:avLst/>
+          </a:prstGeom>
+          <a:ln w="12700"/>
+        </p:spPr>
+        <p:style>
+          <a:lnRef idx="1">
+            <a:schemeClr val="dk1"/>
+          </a:lnRef>
+          <a:fillRef idx="0">
+            <a:schemeClr val="dk1"/>
+          </a:fillRef>
+          <a:effectRef idx="0">
+            <a:schemeClr val="dk1"/>
+          </a:effectRef>
+          <a:fontRef idx="minor">
+            <a:schemeClr val="tx1"/>
+          </a:fontRef>
+        </p:style>
+      </p:cxnSp>
+      <p:cxnSp>
+        <p:nvCxnSpPr>
+          <p:cNvPr id="43" name="Straight Connector 42">
+            <a:extLst>
+              <a:ext uri="{FF2B5EF4-FFF2-40B4-BE49-F238E27FC236}">
+                <a16:creationId xmlns:a16="http://schemas.microsoft.com/office/drawing/2014/main" id="{A1AFC982-B827-FFA3-4483-DB5418F176F7}"/>
+              </a:ext>
+            </a:extLst>
+          </p:cNvPr>
+          <p:cNvCxnSpPr>
+            <a:cxnSpLocks/>
+          </p:cNvCxnSpPr>
+          <p:nvPr/>
+        </p:nvCxnSpPr>
+        <p:spPr>
+          <a:xfrm flipV="1">
+            <a:off x="6705600" y="4726741"/>
+            <a:ext cx="1503658" cy="6789"/>
+          </a:xfrm>
+          <a:prstGeom prst="line">
+            <a:avLst/>
+          </a:prstGeom>
+          <a:ln w="12700"/>
+        </p:spPr>
+        <p:style>
+          <a:lnRef idx="1">
+            <a:schemeClr val="dk1"/>
+          </a:lnRef>
+          <a:fillRef idx="0">
+            <a:schemeClr val="dk1"/>
+          </a:fillRef>
+          <a:effectRef idx="0">
+            <a:schemeClr val="dk1"/>
+          </a:effectRef>
+          <a:fontRef idx="minor">
+            <a:schemeClr val="tx1"/>
+          </a:fontRef>
+        </p:style>
+      </p:cxnSp>
+      <p:sp>
+        <p:nvSpPr>
+          <p:cNvPr id="4" name="TextBox 3">
+            <a:extLst>
+              <a:ext uri="{FF2B5EF4-FFF2-40B4-BE49-F238E27FC236}">
+                <a16:creationId xmlns:a16="http://schemas.microsoft.com/office/drawing/2014/main" id="{C89C2948-EC21-B7B1-FB87-72459935D44A}"/>
+              </a:ext>
+            </a:extLst>
+          </p:cNvPr>
+          <p:cNvSpPr txBox="1"/>
+          <p:nvPr/>
+        </p:nvSpPr>
+        <p:spPr>
+          <a:xfrm>
+            <a:off x="519237" y="5756192"/>
+            <a:ext cx="11355130" cy="584775"/>
+          </a:xfrm>
+          <a:prstGeom prst="rect">
+            <a:avLst/>
+          </a:prstGeom>
+          <a:noFill/>
+        </p:spPr>
+        <p:txBody>
           <a:bodyPr wrap="square" rtlCol="0">
             <a:spAutoFit/>
           </a:bodyPr>
           <a:lstStyle/>
           <a:p>
             <a:r>
-              <a:rPr lang="en-US" sz="2400" dirty="0"/>
-              <a:t>Selective code:</a:t>
-            </a:r>
-            <a:br>
-              <a:rPr lang="en-US" sz="2400" dirty="0"/>
-            </a:br>
-            <a:r>
-              <a:rPr lang="en-US" sz="2400" dirty="0"/>
-              <a:t>Absence of nurturing communication style</a:t>
+              <a:rPr lang="en-US" sz="3200" b="1" dirty="0"/>
+              <a:t>“Take-away-the-data” test:</a:t>
+            </a:r>
+            <a:r>
+              <a:rPr lang="en-US" sz="3200" dirty="0"/>
+              <a:t> If I delete data, can I finish analysis?</a:t>
             </a:r>
           </a:p>
         </p:txBody>
@@ -4467,7 +7718,1087 @@
     </p:spTree>
     <p:extLst>
       <p:ext uri="{BB962C8B-B14F-4D97-AF65-F5344CB8AC3E}">
-        <p14:creationId xmlns:p14="http://schemas.microsoft.com/office/powerpoint/2010/main" val="3451878624"/>
+        <p14:creationId xmlns:p14="http://schemas.microsoft.com/office/powerpoint/2010/main" val="1722511196"/>
+      </p:ext>
+    </p:extLst>
+  </p:cSld>
+  <p:clrMapOvr>
+    <a:masterClrMapping/>
+  </p:clrMapOvr>
+</p:sld>
+</file>
+
+<file path=ppt/slides/slide17.xml><?xml version="1.0" encoding="utf-8"?>
+<p:sld xmlns:a="http://schemas.openxmlformats.org/drawingml/2006/main" xmlns:r="http://schemas.openxmlformats.org/officeDocument/2006/relationships" xmlns:p="http://schemas.openxmlformats.org/presentationml/2006/main">
+  <p:cSld>
+    <p:spTree>
+      <p:nvGrpSpPr>
+        <p:cNvPr id="1" name=""/>
+        <p:cNvGrpSpPr/>
+        <p:nvPr/>
+      </p:nvGrpSpPr>
+      <p:grpSpPr>
+        <a:xfrm>
+          <a:off x="0" y="0"/>
+          <a:ext cx="0" cy="0"/>
+          <a:chOff x="0" y="0"/>
+          <a:chExt cx="0" cy="0"/>
+        </a:xfrm>
+      </p:grpSpPr>
+      <p:sp>
+        <p:nvSpPr>
+          <p:cNvPr id="2" name="Title 1">
+            <a:extLst>
+              <a:ext uri="{FF2B5EF4-FFF2-40B4-BE49-F238E27FC236}">
+                <a16:creationId xmlns:a16="http://schemas.microsoft.com/office/drawing/2014/main" id="{1E0BC2F4-4561-A8A0-906E-7B88043A03E6}"/>
+              </a:ext>
+            </a:extLst>
+          </p:cNvPr>
+          <p:cNvSpPr>
+            <a:spLocks noGrp="1"/>
+          </p:cNvSpPr>
+          <p:nvPr>
+            <p:ph type="title"/>
+          </p:nvPr>
+        </p:nvSpPr>
+        <p:spPr/>
+        <p:txBody>
+          <a:bodyPr/>
+          <a:lstStyle/>
+          <a:p>
+            <a:r>
+              <a:rPr lang="en-US" dirty="0"/>
+              <a:t>Worked Example: Searching</a:t>
+            </a:r>
+            <a:endParaRPr lang="en-US" sz="4000" dirty="0"/>
+          </a:p>
+        </p:txBody>
+      </p:sp>
+      <p:sp>
+        <p:nvSpPr>
+          <p:cNvPr id="3" name="Content Placeholder 2">
+            <a:extLst>
+              <a:ext uri="{FF2B5EF4-FFF2-40B4-BE49-F238E27FC236}">
+                <a16:creationId xmlns:a16="http://schemas.microsoft.com/office/drawing/2014/main" id="{B898F582-7A65-0861-FC36-373332E8FB0E}"/>
+              </a:ext>
+            </a:extLst>
+          </p:cNvPr>
+          <p:cNvSpPr>
+            <a:spLocks noGrp="1"/>
+          </p:cNvSpPr>
+          <p:nvPr>
+            <p:ph idx="1"/>
+          </p:nvPr>
+        </p:nvSpPr>
+        <p:spPr>
+          <a:xfrm>
+            <a:off x="317633" y="1845734"/>
+            <a:ext cx="7055318" cy="3448793"/>
+          </a:xfrm>
+        </p:spPr>
+        <p:txBody>
+          <a:bodyPr>
+            <a:normAutofit/>
+          </a:bodyPr>
+          <a:lstStyle/>
+          <a:p>
+            <a:endParaRPr lang="en-US" dirty="0"/>
+          </a:p>
+        </p:txBody>
+      </p:sp>
+      <p:sp>
+        <p:nvSpPr>
+          <p:cNvPr id="5" name="TextBox 4">
+            <a:extLst>
+              <a:ext uri="{FF2B5EF4-FFF2-40B4-BE49-F238E27FC236}">
+                <a16:creationId xmlns:a16="http://schemas.microsoft.com/office/drawing/2014/main" id="{A8491B79-7632-84D3-4DA8-29194D46F36E}"/>
+              </a:ext>
+            </a:extLst>
+          </p:cNvPr>
+          <p:cNvSpPr txBox="1"/>
+          <p:nvPr/>
+        </p:nvSpPr>
+        <p:spPr>
+          <a:xfrm>
+            <a:off x="8209258" y="2521820"/>
+            <a:ext cx="2689454" cy="369332"/>
+          </a:xfrm>
+          <a:prstGeom prst="rect">
+            <a:avLst/>
+          </a:prstGeom>
+          <a:noFill/>
+        </p:spPr>
+        <p:txBody>
+          <a:bodyPr wrap="none" rtlCol="0">
+            <a:spAutoFit/>
+          </a:bodyPr>
+          <a:lstStyle/>
+          <a:p>
+            <a:r>
+              <a:rPr lang="en-US" dirty="0"/>
+              <a:t>“Implementation-focused”</a:t>
+            </a:r>
+          </a:p>
+        </p:txBody>
+      </p:sp>
+      <p:sp>
+        <p:nvSpPr>
+          <p:cNvPr id="6" name="TextBox 5">
+            <a:extLst>
+              <a:ext uri="{FF2B5EF4-FFF2-40B4-BE49-F238E27FC236}">
+                <a16:creationId xmlns:a16="http://schemas.microsoft.com/office/drawing/2014/main" id="{23E63D90-4ED8-73C6-4832-DBC9DE2B441F}"/>
+              </a:ext>
+            </a:extLst>
+          </p:cNvPr>
+          <p:cNvSpPr txBox="1"/>
+          <p:nvPr/>
+        </p:nvSpPr>
+        <p:spPr>
+          <a:xfrm>
+            <a:off x="8422105" y="1737360"/>
+            <a:ext cx="1181990" cy="523220"/>
+          </a:xfrm>
+          <a:prstGeom prst="rect">
+            <a:avLst/>
+          </a:prstGeom>
+          <a:noFill/>
+        </p:spPr>
+        <p:txBody>
+          <a:bodyPr wrap="none" rtlCol="0">
+            <a:spAutoFit/>
+          </a:bodyPr>
+          <a:lstStyle/>
+          <a:p>
+            <a:r>
+              <a:rPr lang="en-US" sz="2800" b="1" dirty="0"/>
+              <a:t>CODES</a:t>
+            </a:r>
+          </a:p>
+        </p:txBody>
+      </p:sp>
+      <p:sp>
+        <p:nvSpPr>
+          <p:cNvPr id="7" name="TextBox 6">
+            <a:extLst>
+              <a:ext uri="{FF2B5EF4-FFF2-40B4-BE49-F238E27FC236}">
+                <a16:creationId xmlns:a16="http://schemas.microsoft.com/office/drawing/2014/main" id="{DC58D5FF-A3C2-38CE-6EA6-B8D0F03145A9}"/>
+              </a:ext>
+            </a:extLst>
+          </p:cNvPr>
+          <p:cNvSpPr txBox="1"/>
+          <p:nvPr/>
+        </p:nvSpPr>
+        <p:spPr>
+          <a:xfrm>
+            <a:off x="8183858" y="2845181"/>
+            <a:ext cx="1920141" cy="369332"/>
+          </a:xfrm>
+          <a:prstGeom prst="rect">
+            <a:avLst/>
+          </a:prstGeom>
+          <a:noFill/>
+        </p:spPr>
+        <p:txBody>
+          <a:bodyPr wrap="none" rtlCol="0">
+            <a:spAutoFit/>
+          </a:bodyPr>
+          <a:lstStyle/>
+          <a:p>
+            <a:r>
+              <a:rPr lang="en-US" dirty="0"/>
+              <a:t>“Large codebases”</a:t>
+            </a:r>
+          </a:p>
+        </p:txBody>
+      </p:sp>
+      <p:sp>
+        <p:nvSpPr>
+          <p:cNvPr id="8" name="TextBox 7">
+            <a:extLst>
+              <a:ext uri="{FF2B5EF4-FFF2-40B4-BE49-F238E27FC236}">
+                <a16:creationId xmlns:a16="http://schemas.microsoft.com/office/drawing/2014/main" id="{E819E907-837F-C757-F4EC-96F55B1AC89C}"/>
+              </a:ext>
+            </a:extLst>
+          </p:cNvPr>
+          <p:cNvSpPr txBox="1"/>
+          <p:nvPr/>
+        </p:nvSpPr>
+        <p:spPr>
+          <a:xfrm>
+            <a:off x="8230147" y="4548864"/>
+            <a:ext cx="2103140" cy="369332"/>
+          </a:xfrm>
+          <a:prstGeom prst="rect">
+            <a:avLst/>
+          </a:prstGeom>
+          <a:noFill/>
+        </p:spPr>
+        <p:txBody>
+          <a:bodyPr wrap="none" rtlCol="0">
+            <a:spAutoFit/>
+          </a:bodyPr>
+          <a:lstStyle/>
+          <a:p>
+            <a:r>
+              <a:rPr lang="en-US" dirty="0"/>
+              <a:t>“Scalability-minded”</a:t>
+            </a:r>
+          </a:p>
+        </p:txBody>
+      </p:sp>
+      <p:sp>
+        <p:nvSpPr>
+          <p:cNvPr id="12" name="TextBox 11">
+            <a:extLst>
+              <a:ext uri="{FF2B5EF4-FFF2-40B4-BE49-F238E27FC236}">
+                <a16:creationId xmlns:a16="http://schemas.microsoft.com/office/drawing/2014/main" id="{7F991E9D-E6D4-2300-1541-BFB17D8FD45A}"/>
+              </a:ext>
+            </a:extLst>
+          </p:cNvPr>
+          <p:cNvSpPr txBox="1"/>
+          <p:nvPr/>
+        </p:nvSpPr>
+        <p:spPr>
+          <a:xfrm>
+            <a:off x="8209258" y="3567758"/>
+            <a:ext cx="2372894" cy="369332"/>
+          </a:xfrm>
+          <a:prstGeom prst="rect">
+            <a:avLst/>
+          </a:prstGeom>
+          <a:noFill/>
+        </p:spPr>
+        <p:txBody>
+          <a:bodyPr wrap="none" rtlCol="0">
+            <a:spAutoFit/>
+          </a:bodyPr>
+          <a:lstStyle/>
+          <a:p>
+            <a:r>
+              <a:rPr lang="en-US" dirty="0"/>
+              <a:t>“Performance-minded”</a:t>
+            </a:r>
+          </a:p>
+        </p:txBody>
+      </p:sp>
+      <p:sp>
+        <p:nvSpPr>
+          <p:cNvPr id="4" name="TextBox 3">
+            <a:extLst>
+              <a:ext uri="{FF2B5EF4-FFF2-40B4-BE49-F238E27FC236}">
+                <a16:creationId xmlns:a16="http://schemas.microsoft.com/office/drawing/2014/main" id="{C89C2948-EC21-B7B1-FB87-72459935D44A}"/>
+              </a:ext>
+            </a:extLst>
+          </p:cNvPr>
+          <p:cNvSpPr txBox="1"/>
+          <p:nvPr/>
+        </p:nvSpPr>
+        <p:spPr>
+          <a:xfrm>
+            <a:off x="519237" y="5756192"/>
+            <a:ext cx="11355130" cy="584775"/>
+          </a:xfrm>
+          <a:prstGeom prst="rect">
+            <a:avLst/>
+          </a:prstGeom>
+          <a:noFill/>
+        </p:spPr>
+        <p:txBody>
+          <a:bodyPr wrap="square" rtlCol="0">
+            <a:spAutoFit/>
+          </a:bodyPr>
+          <a:lstStyle/>
+          <a:p>
+            <a:r>
+              <a:rPr lang="en-US" sz="3200" b="1" dirty="0"/>
+              <a:t>Based on codes + goal, identify initial list of themes</a:t>
+            </a:r>
+            <a:endParaRPr lang="en-US" sz="3200" dirty="0"/>
+          </a:p>
+        </p:txBody>
+      </p:sp>
+      <p:sp>
+        <p:nvSpPr>
+          <p:cNvPr id="9" name="TextBox 8">
+            <a:extLst>
+              <a:ext uri="{FF2B5EF4-FFF2-40B4-BE49-F238E27FC236}">
+                <a16:creationId xmlns:a16="http://schemas.microsoft.com/office/drawing/2014/main" id="{5A0586AD-91BC-08C9-523D-96DEAA90AE63}"/>
+              </a:ext>
+            </a:extLst>
+          </p:cNvPr>
+          <p:cNvSpPr txBox="1"/>
+          <p:nvPr/>
+        </p:nvSpPr>
+        <p:spPr>
+          <a:xfrm>
+            <a:off x="519237" y="5294527"/>
+            <a:ext cx="7731475" cy="461665"/>
+          </a:xfrm>
+          <a:prstGeom prst="rect">
+            <a:avLst/>
+          </a:prstGeom>
+          <a:noFill/>
+        </p:spPr>
+        <p:txBody>
+          <a:bodyPr wrap="none" rtlCol="0">
+            <a:spAutoFit/>
+          </a:bodyPr>
+          <a:lstStyle/>
+          <a:p>
+            <a:r>
+              <a:rPr lang="en-US" sz="2400" dirty="0"/>
+              <a:t>Goal: Assess which classroom topics the subject cares about </a:t>
+            </a:r>
+          </a:p>
+        </p:txBody>
+      </p:sp>
+    </p:spTree>
+    <p:extLst>
+      <p:ext uri="{BB962C8B-B14F-4D97-AF65-F5344CB8AC3E}">
+        <p14:creationId xmlns:p14="http://schemas.microsoft.com/office/powerpoint/2010/main" val="10769803"/>
+      </p:ext>
+    </p:extLst>
+  </p:cSld>
+  <p:clrMapOvr>
+    <a:masterClrMapping/>
+  </p:clrMapOvr>
+</p:sld>
+</file>
+
+<file path=ppt/slides/slide18.xml><?xml version="1.0" encoding="utf-8"?>
+<p:sld xmlns:a="http://schemas.openxmlformats.org/drawingml/2006/main" xmlns:r="http://schemas.openxmlformats.org/officeDocument/2006/relationships" xmlns:p="http://schemas.openxmlformats.org/presentationml/2006/main">
+  <p:cSld>
+    <p:spTree>
+      <p:nvGrpSpPr>
+        <p:cNvPr id="1" name=""/>
+        <p:cNvGrpSpPr/>
+        <p:nvPr/>
+      </p:nvGrpSpPr>
+      <p:grpSpPr>
+        <a:xfrm>
+          <a:off x="0" y="0"/>
+          <a:ext cx="0" cy="0"/>
+          <a:chOff x="0" y="0"/>
+          <a:chExt cx="0" cy="0"/>
+        </a:xfrm>
+      </p:grpSpPr>
+      <p:sp>
+        <p:nvSpPr>
+          <p:cNvPr id="2" name="Title 1">
+            <a:extLst>
+              <a:ext uri="{FF2B5EF4-FFF2-40B4-BE49-F238E27FC236}">
+                <a16:creationId xmlns:a16="http://schemas.microsoft.com/office/drawing/2014/main" id="{1E0BC2F4-4561-A8A0-906E-7B88043A03E6}"/>
+              </a:ext>
+            </a:extLst>
+          </p:cNvPr>
+          <p:cNvSpPr>
+            <a:spLocks noGrp="1"/>
+          </p:cNvSpPr>
+          <p:nvPr>
+            <p:ph type="title"/>
+          </p:nvPr>
+        </p:nvSpPr>
+        <p:spPr/>
+        <p:txBody>
+          <a:bodyPr/>
+          <a:lstStyle/>
+          <a:p>
+            <a:r>
+              <a:rPr lang="en-US" dirty="0"/>
+              <a:t>Worked Example: Searching</a:t>
+            </a:r>
+            <a:endParaRPr lang="en-US" sz="4000" dirty="0"/>
+          </a:p>
+        </p:txBody>
+      </p:sp>
+      <p:sp>
+        <p:nvSpPr>
+          <p:cNvPr id="3" name="Content Placeholder 2">
+            <a:extLst>
+              <a:ext uri="{FF2B5EF4-FFF2-40B4-BE49-F238E27FC236}">
+                <a16:creationId xmlns:a16="http://schemas.microsoft.com/office/drawing/2014/main" id="{B898F582-7A65-0861-FC36-373332E8FB0E}"/>
+              </a:ext>
+            </a:extLst>
+          </p:cNvPr>
+          <p:cNvSpPr>
+            <a:spLocks noGrp="1"/>
+          </p:cNvSpPr>
+          <p:nvPr>
+            <p:ph idx="1"/>
+          </p:nvPr>
+        </p:nvSpPr>
+        <p:spPr>
+          <a:xfrm>
+            <a:off x="317633" y="1845734"/>
+            <a:ext cx="7055318" cy="3448793"/>
+          </a:xfrm>
+        </p:spPr>
+        <p:txBody>
+          <a:bodyPr>
+            <a:normAutofit/>
+          </a:bodyPr>
+          <a:lstStyle/>
+          <a:p>
+            <a:pPr lvl="1"/>
+            <a:r>
+              <a:rPr lang="en-US" dirty="0"/>
+              <a:t>The subject’s highest priority is to learn implementation skills as opposed to theory</a:t>
+            </a:r>
+          </a:p>
+          <a:p>
+            <a:pPr lvl="1"/>
+            <a:r>
+              <a:rPr lang="en-US" dirty="0"/>
+              <a:t>This includes programming in the large</a:t>
+            </a:r>
+          </a:p>
+          <a:p>
+            <a:pPr lvl="1"/>
+            <a:r>
+              <a:rPr lang="en-US" dirty="0"/>
+              <a:t>It should be efficient</a:t>
+            </a:r>
+          </a:p>
+          <a:p>
+            <a:pPr lvl="1"/>
+            <a:r>
+              <a:rPr lang="en-US" dirty="0"/>
+              <a:t>It should scale to large datasets</a:t>
+            </a:r>
+          </a:p>
+          <a:p>
+            <a:pPr lvl="1"/>
+            <a:r>
+              <a:rPr lang="en-US" dirty="0"/>
+              <a:t>Correctness is not essential</a:t>
+            </a:r>
+          </a:p>
+        </p:txBody>
+      </p:sp>
+      <p:sp>
+        <p:nvSpPr>
+          <p:cNvPr id="5" name="TextBox 4">
+            <a:extLst>
+              <a:ext uri="{FF2B5EF4-FFF2-40B4-BE49-F238E27FC236}">
+                <a16:creationId xmlns:a16="http://schemas.microsoft.com/office/drawing/2014/main" id="{A8491B79-7632-84D3-4DA8-29194D46F36E}"/>
+              </a:ext>
+            </a:extLst>
+          </p:cNvPr>
+          <p:cNvSpPr txBox="1"/>
+          <p:nvPr/>
+        </p:nvSpPr>
+        <p:spPr>
+          <a:xfrm>
+            <a:off x="8209258" y="2521820"/>
+            <a:ext cx="2689454" cy="369332"/>
+          </a:xfrm>
+          <a:prstGeom prst="rect">
+            <a:avLst/>
+          </a:prstGeom>
+          <a:noFill/>
+        </p:spPr>
+        <p:txBody>
+          <a:bodyPr wrap="none" rtlCol="0">
+            <a:spAutoFit/>
+          </a:bodyPr>
+          <a:lstStyle/>
+          <a:p>
+            <a:r>
+              <a:rPr lang="en-US" dirty="0"/>
+              <a:t>“Implementation-focused”</a:t>
+            </a:r>
+          </a:p>
+        </p:txBody>
+      </p:sp>
+      <p:sp>
+        <p:nvSpPr>
+          <p:cNvPr id="6" name="TextBox 5">
+            <a:extLst>
+              <a:ext uri="{FF2B5EF4-FFF2-40B4-BE49-F238E27FC236}">
+                <a16:creationId xmlns:a16="http://schemas.microsoft.com/office/drawing/2014/main" id="{23E63D90-4ED8-73C6-4832-DBC9DE2B441F}"/>
+              </a:ext>
+            </a:extLst>
+          </p:cNvPr>
+          <p:cNvSpPr txBox="1"/>
+          <p:nvPr/>
+        </p:nvSpPr>
+        <p:spPr>
+          <a:xfrm>
+            <a:off x="8422105" y="1737360"/>
+            <a:ext cx="1181990" cy="523220"/>
+          </a:xfrm>
+          <a:prstGeom prst="rect">
+            <a:avLst/>
+          </a:prstGeom>
+          <a:noFill/>
+        </p:spPr>
+        <p:txBody>
+          <a:bodyPr wrap="none" rtlCol="0">
+            <a:spAutoFit/>
+          </a:bodyPr>
+          <a:lstStyle/>
+          <a:p>
+            <a:r>
+              <a:rPr lang="en-US" sz="2800" b="1" dirty="0"/>
+              <a:t>CODES</a:t>
+            </a:r>
+          </a:p>
+        </p:txBody>
+      </p:sp>
+      <p:sp>
+        <p:nvSpPr>
+          <p:cNvPr id="7" name="TextBox 6">
+            <a:extLst>
+              <a:ext uri="{FF2B5EF4-FFF2-40B4-BE49-F238E27FC236}">
+                <a16:creationId xmlns:a16="http://schemas.microsoft.com/office/drawing/2014/main" id="{DC58D5FF-A3C2-38CE-6EA6-B8D0F03145A9}"/>
+              </a:ext>
+            </a:extLst>
+          </p:cNvPr>
+          <p:cNvSpPr txBox="1"/>
+          <p:nvPr/>
+        </p:nvSpPr>
+        <p:spPr>
+          <a:xfrm>
+            <a:off x="8183858" y="2845181"/>
+            <a:ext cx="1920141" cy="369332"/>
+          </a:xfrm>
+          <a:prstGeom prst="rect">
+            <a:avLst/>
+          </a:prstGeom>
+          <a:noFill/>
+        </p:spPr>
+        <p:txBody>
+          <a:bodyPr wrap="none" rtlCol="0">
+            <a:spAutoFit/>
+          </a:bodyPr>
+          <a:lstStyle/>
+          <a:p>
+            <a:r>
+              <a:rPr lang="en-US" dirty="0"/>
+              <a:t>“Large codebases”</a:t>
+            </a:r>
+          </a:p>
+        </p:txBody>
+      </p:sp>
+      <p:sp>
+        <p:nvSpPr>
+          <p:cNvPr id="8" name="TextBox 7">
+            <a:extLst>
+              <a:ext uri="{FF2B5EF4-FFF2-40B4-BE49-F238E27FC236}">
+                <a16:creationId xmlns:a16="http://schemas.microsoft.com/office/drawing/2014/main" id="{E819E907-837F-C757-F4EC-96F55B1AC89C}"/>
+              </a:ext>
+            </a:extLst>
+          </p:cNvPr>
+          <p:cNvSpPr txBox="1"/>
+          <p:nvPr/>
+        </p:nvSpPr>
+        <p:spPr>
+          <a:xfrm>
+            <a:off x="8230147" y="4548864"/>
+            <a:ext cx="2103140" cy="369332"/>
+          </a:xfrm>
+          <a:prstGeom prst="rect">
+            <a:avLst/>
+          </a:prstGeom>
+          <a:noFill/>
+        </p:spPr>
+        <p:txBody>
+          <a:bodyPr wrap="none" rtlCol="0">
+            <a:spAutoFit/>
+          </a:bodyPr>
+          <a:lstStyle/>
+          <a:p>
+            <a:r>
+              <a:rPr lang="en-US" dirty="0"/>
+              <a:t>“Scalability-minded”</a:t>
+            </a:r>
+          </a:p>
+        </p:txBody>
+      </p:sp>
+      <p:sp>
+        <p:nvSpPr>
+          <p:cNvPr id="12" name="TextBox 11">
+            <a:extLst>
+              <a:ext uri="{FF2B5EF4-FFF2-40B4-BE49-F238E27FC236}">
+                <a16:creationId xmlns:a16="http://schemas.microsoft.com/office/drawing/2014/main" id="{7F991E9D-E6D4-2300-1541-BFB17D8FD45A}"/>
+              </a:ext>
+            </a:extLst>
+          </p:cNvPr>
+          <p:cNvSpPr txBox="1"/>
+          <p:nvPr/>
+        </p:nvSpPr>
+        <p:spPr>
+          <a:xfrm>
+            <a:off x="8209258" y="3567758"/>
+            <a:ext cx="2372894" cy="369332"/>
+          </a:xfrm>
+          <a:prstGeom prst="rect">
+            <a:avLst/>
+          </a:prstGeom>
+          <a:noFill/>
+        </p:spPr>
+        <p:txBody>
+          <a:bodyPr wrap="none" rtlCol="0">
+            <a:spAutoFit/>
+          </a:bodyPr>
+          <a:lstStyle/>
+          <a:p>
+            <a:r>
+              <a:rPr lang="en-US" dirty="0"/>
+              <a:t>“Performance-minded”</a:t>
+            </a:r>
+          </a:p>
+        </p:txBody>
+      </p:sp>
+      <p:sp>
+        <p:nvSpPr>
+          <p:cNvPr id="4" name="TextBox 3">
+            <a:extLst>
+              <a:ext uri="{FF2B5EF4-FFF2-40B4-BE49-F238E27FC236}">
+                <a16:creationId xmlns:a16="http://schemas.microsoft.com/office/drawing/2014/main" id="{C89C2948-EC21-B7B1-FB87-72459935D44A}"/>
+              </a:ext>
+            </a:extLst>
+          </p:cNvPr>
+          <p:cNvSpPr txBox="1"/>
+          <p:nvPr/>
+        </p:nvSpPr>
+        <p:spPr>
+          <a:xfrm>
+            <a:off x="519237" y="5756192"/>
+            <a:ext cx="11355130" cy="584775"/>
+          </a:xfrm>
+          <a:prstGeom prst="rect">
+            <a:avLst/>
+          </a:prstGeom>
+          <a:noFill/>
+        </p:spPr>
+        <p:txBody>
+          <a:bodyPr wrap="square" rtlCol="0">
+            <a:spAutoFit/>
+          </a:bodyPr>
+          <a:lstStyle/>
+          <a:p>
+            <a:r>
+              <a:rPr lang="en-US" sz="3200" b="1" dirty="0"/>
+              <a:t>Based on codes + goal, identify initial list of themes</a:t>
+            </a:r>
+            <a:endParaRPr lang="en-US" sz="3200" dirty="0"/>
+          </a:p>
+        </p:txBody>
+      </p:sp>
+      <p:sp>
+        <p:nvSpPr>
+          <p:cNvPr id="9" name="TextBox 8">
+            <a:extLst>
+              <a:ext uri="{FF2B5EF4-FFF2-40B4-BE49-F238E27FC236}">
+                <a16:creationId xmlns:a16="http://schemas.microsoft.com/office/drawing/2014/main" id="{5A0586AD-91BC-08C9-523D-96DEAA90AE63}"/>
+              </a:ext>
+            </a:extLst>
+          </p:cNvPr>
+          <p:cNvSpPr txBox="1"/>
+          <p:nvPr/>
+        </p:nvSpPr>
+        <p:spPr>
+          <a:xfrm>
+            <a:off x="519237" y="5294527"/>
+            <a:ext cx="7731475" cy="461665"/>
+          </a:xfrm>
+          <a:prstGeom prst="rect">
+            <a:avLst/>
+          </a:prstGeom>
+          <a:noFill/>
+        </p:spPr>
+        <p:txBody>
+          <a:bodyPr wrap="none" rtlCol="0">
+            <a:spAutoFit/>
+          </a:bodyPr>
+          <a:lstStyle/>
+          <a:p>
+            <a:r>
+              <a:rPr lang="en-US" sz="2400" dirty="0"/>
+              <a:t>Goal: Assess which classroom topics the subject cares about </a:t>
+            </a:r>
+          </a:p>
+        </p:txBody>
+      </p:sp>
+    </p:spTree>
+    <p:extLst>
+      <p:ext uri="{BB962C8B-B14F-4D97-AF65-F5344CB8AC3E}">
+        <p14:creationId xmlns:p14="http://schemas.microsoft.com/office/powerpoint/2010/main" val="1131108537"/>
+      </p:ext>
+    </p:extLst>
+  </p:cSld>
+  <p:clrMapOvr>
+    <a:masterClrMapping/>
+  </p:clrMapOvr>
+</p:sld>
+</file>
+
+<file path=ppt/slides/slide19.xml><?xml version="1.0" encoding="utf-8"?>
+<p:sld xmlns:a="http://schemas.openxmlformats.org/drawingml/2006/main" xmlns:r="http://schemas.openxmlformats.org/officeDocument/2006/relationships" xmlns:p="http://schemas.openxmlformats.org/presentationml/2006/main">
+  <p:cSld>
+    <p:spTree>
+      <p:nvGrpSpPr>
+        <p:cNvPr id="1" name=""/>
+        <p:cNvGrpSpPr/>
+        <p:nvPr/>
+      </p:nvGrpSpPr>
+      <p:grpSpPr>
+        <a:xfrm>
+          <a:off x="0" y="0"/>
+          <a:ext cx="0" cy="0"/>
+          <a:chOff x="0" y="0"/>
+          <a:chExt cx="0" cy="0"/>
+        </a:xfrm>
+      </p:grpSpPr>
+      <p:sp>
+        <p:nvSpPr>
+          <p:cNvPr id="2" name="Title 1">
+            <a:extLst>
+              <a:ext uri="{FF2B5EF4-FFF2-40B4-BE49-F238E27FC236}">
+                <a16:creationId xmlns:a16="http://schemas.microsoft.com/office/drawing/2014/main" id="{1E0BC2F4-4561-A8A0-906E-7B88043A03E6}"/>
+              </a:ext>
+            </a:extLst>
+          </p:cNvPr>
+          <p:cNvSpPr>
+            <a:spLocks noGrp="1"/>
+          </p:cNvSpPr>
+          <p:nvPr>
+            <p:ph type="title"/>
+          </p:nvPr>
+        </p:nvSpPr>
+        <p:spPr/>
+        <p:txBody>
+          <a:bodyPr/>
+          <a:lstStyle/>
+          <a:p>
+            <a:r>
+              <a:rPr lang="en-US" dirty="0"/>
+              <a:t>Worked Example: Revising</a:t>
+            </a:r>
+            <a:endParaRPr lang="en-US" sz="4000" dirty="0"/>
+          </a:p>
+        </p:txBody>
+      </p:sp>
+      <p:sp>
+        <p:nvSpPr>
+          <p:cNvPr id="3" name="Content Placeholder 2">
+            <a:extLst>
+              <a:ext uri="{FF2B5EF4-FFF2-40B4-BE49-F238E27FC236}">
+                <a16:creationId xmlns:a16="http://schemas.microsoft.com/office/drawing/2014/main" id="{B898F582-7A65-0861-FC36-373332E8FB0E}"/>
+              </a:ext>
+            </a:extLst>
+          </p:cNvPr>
+          <p:cNvSpPr>
+            <a:spLocks noGrp="1"/>
+          </p:cNvSpPr>
+          <p:nvPr>
+            <p:ph idx="1"/>
+          </p:nvPr>
+        </p:nvSpPr>
+        <p:spPr>
+          <a:xfrm>
+            <a:off x="317633" y="1845734"/>
+            <a:ext cx="7055318" cy="3448793"/>
+          </a:xfrm>
+        </p:spPr>
+        <p:txBody>
+          <a:bodyPr>
+            <a:normAutofit/>
+          </a:bodyPr>
+          <a:lstStyle/>
+          <a:p>
+            <a:pPr lvl="1"/>
+            <a:r>
+              <a:rPr lang="en-US" dirty="0"/>
+              <a:t>The subject’s highest priority is to learn implementation skills as opposed to theory</a:t>
+            </a:r>
+          </a:p>
+          <a:p>
+            <a:pPr lvl="1"/>
+            <a:r>
+              <a:rPr lang="en-US" dirty="0"/>
+              <a:t>Within implementation skills, scalability is a priority, broadly defined.</a:t>
+            </a:r>
+          </a:p>
+          <a:p>
+            <a:pPr lvl="1"/>
+            <a:r>
+              <a:rPr lang="en-US" dirty="0"/>
+              <a:t>Performance is a priority</a:t>
+            </a:r>
+          </a:p>
+          <a:p>
+            <a:pPr lvl="1"/>
+            <a:endParaRPr lang="en-US" dirty="0"/>
+          </a:p>
+          <a:p>
+            <a:pPr lvl="1"/>
+            <a:r>
+              <a:rPr lang="en-US" b="1" dirty="0"/>
+              <a:t>Note: </a:t>
+            </a:r>
+            <a:r>
+              <a:rPr lang="en-US" dirty="0"/>
+              <a:t>Ideally, themes unite multiple data points. In very small data sets (i.e., exercises), sometimes a single data point becomes a theme</a:t>
+            </a:r>
+            <a:endParaRPr lang="en-US" b="1" dirty="0"/>
+          </a:p>
+        </p:txBody>
+      </p:sp>
+      <p:sp>
+        <p:nvSpPr>
+          <p:cNvPr id="5" name="TextBox 4">
+            <a:extLst>
+              <a:ext uri="{FF2B5EF4-FFF2-40B4-BE49-F238E27FC236}">
+                <a16:creationId xmlns:a16="http://schemas.microsoft.com/office/drawing/2014/main" id="{A8491B79-7632-84D3-4DA8-29194D46F36E}"/>
+              </a:ext>
+            </a:extLst>
+          </p:cNvPr>
+          <p:cNvSpPr txBox="1"/>
+          <p:nvPr/>
+        </p:nvSpPr>
+        <p:spPr>
+          <a:xfrm>
+            <a:off x="8209258" y="2521820"/>
+            <a:ext cx="2689454" cy="369332"/>
+          </a:xfrm>
+          <a:prstGeom prst="rect">
+            <a:avLst/>
+          </a:prstGeom>
+          <a:noFill/>
+        </p:spPr>
+        <p:txBody>
+          <a:bodyPr wrap="none" rtlCol="0">
+            <a:spAutoFit/>
+          </a:bodyPr>
+          <a:lstStyle/>
+          <a:p>
+            <a:r>
+              <a:rPr lang="en-US" dirty="0"/>
+              <a:t>“Implementation-focused”</a:t>
+            </a:r>
+          </a:p>
+        </p:txBody>
+      </p:sp>
+      <p:sp>
+        <p:nvSpPr>
+          <p:cNvPr id="6" name="TextBox 5">
+            <a:extLst>
+              <a:ext uri="{FF2B5EF4-FFF2-40B4-BE49-F238E27FC236}">
+                <a16:creationId xmlns:a16="http://schemas.microsoft.com/office/drawing/2014/main" id="{23E63D90-4ED8-73C6-4832-DBC9DE2B441F}"/>
+              </a:ext>
+            </a:extLst>
+          </p:cNvPr>
+          <p:cNvSpPr txBox="1"/>
+          <p:nvPr/>
+        </p:nvSpPr>
+        <p:spPr>
+          <a:xfrm>
+            <a:off x="8422105" y="1737360"/>
+            <a:ext cx="1181990" cy="523220"/>
+          </a:xfrm>
+          <a:prstGeom prst="rect">
+            <a:avLst/>
+          </a:prstGeom>
+          <a:noFill/>
+        </p:spPr>
+        <p:txBody>
+          <a:bodyPr wrap="none" rtlCol="0">
+            <a:spAutoFit/>
+          </a:bodyPr>
+          <a:lstStyle/>
+          <a:p>
+            <a:r>
+              <a:rPr lang="en-US" sz="2800" b="1" dirty="0"/>
+              <a:t>CODES</a:t>
+            </a:r>
+          </a:p>
+        </p:txBody>
+      </p:sp>
+      <p:sp>
+        <p:nvSpPr>
+          <p:cNvPr id="7" name="TextBox 6">
+            <a:extLst>
+              <a:ext uri="{FF2B5EF4-FFF2-40B4-BE49-F238E27FC236}">
+                <a16:creationId xmlns:a16="http://schemas.microsoft.com/office/drawing/2014/main" id="{DC58D5FF-A3C2-38CE-6EA6-B8D0F03145A9}"/>
+              </a:ext>
+            </a:extLst>
+          </p:cNvPr>
+          <p:cNvSpPr txBox="1"/>
+          <p:nvPr/>
+        </p:nvSpPr>
+        <p:spPr>
+          <a:xfrm>
+            <a:off x="8183858" y="2845181"/>
+            <a:ext cx="1920141" cy="369332"/>
+          </a:xfrm>
+          <a:prstGeom prst="rect">
+            <a:avLst/>
+          </a:prstGeom>
+          <a:noFill/>
+        </p:spPr>
+        <p:txBody>
+          <a:bodyPr wrap="none" rtlCol="0">
+            <a:spAutoFit/>
+          </a:bodyPr>
+          <a:lstStyle/>
+          <a:p>
+            <a:r>
+              <a:rPr lang="en-US" dirty="0"/>
+              <a:t>“Large codebases”</a:t>
+            </a:r>
+          </a:p>
+        </p:txBody>
+      </p:sp>
+      <p:sp>
+        <p:nvSpPr>
+          <p:cNvPr id="8" name="TextBox 7">
+            <a:extLst>
+              <a:ext uri="{FF2B5EF4-FFF2-40B4-BE49-F238E27FC236}">
+                <a16:creationId xmlns:a16="http://schemas.microsoft.com/office/drawing/2014/main" id="{E819E907-837F-C757-F4EC-96F55B1AC89C}"/>
+              </a:ext>
+            </a:extLst>
+          </p:cNvPr>
+          <p:cNvSpPr txBox="1"/>
+          <p:nvPr/>
+        </p:nvSpPr>
+        <p:spPr>
+          <a:xfrm>
+            <a:off x="8230147" y="4548864"/>
+            <a:ext cx="2103140" cy="369332"/>
+          </a:xfrm>
+          <a:prstGeom prst="rect">
+            <a:avLst/>
+          </a:prstGeom>
+          <a:noFill/>
+        </p:spPr>
+        <p:txBody>
+          <a:bodyPr wrap="none" rtlCol="0">
+            <a:spAutoFit/>
+          </a:bodyPr>
+          <a:lstStyle/>
+          <a:p>
+            <a:r>
+              <a:rPr lang="en-US" dirty="0"/>
+              <a:t>“Scalability-minded”</a:t>
+            </a:r>
+          </a:p>
+        </p:txBody>
+      </p:sp>
+      <p:sp>
+        <p:nvSpPr>
+          <p:cNvPr id="12" name="TextBox 11">
+            <a:extLst>
+              <a:ext uri="{FF2B5EF4-FFF2-40B4-BE49-F238E27FC236}">
+                <a16:creationId xmlns:a16="http://schemas.microsoft.com/office/drawing/2014/main" id="{7F991E9D-E6D4-2300-1541-BFB17D8FD45A}"/>
+              </a:ext>
+            </a:extLst>
+          </p:cNvPr>
+          <p:cNvSpPr txBox="1"/>
+          <p:nvPr/>
+        </p:nvSpPr>
+        <p:spPr>
+          <a:xfrm>
+            <a:off x="8209258" y="3567758"/>
+            <a:ext cx="2372894" cy="369332"/>
+          </a:xfrm>
+          <a:prstGeom prst="rect">
+            <a:avLst/>
+          </a:prstGeom>
+          <a:noFill/>
+        </p:spPr>
+        <p:txBody>
+          <a:bodyPr wrap="none" rtlCol="0">
+            <a:spAutoFit/>
+          </a:bodyPr>
+          <a:lstStyle/>
+          <a:p>
+            <a:r>
+              <a:rPr lang="en-US" dirty="0"/>
+              <a:t>“Performance-minded”</a:t>
+            </a:r>
+          </a:p>
+        </p:txBody>
+      </p:sp>
+      <p:sp>
+        <p:nvSpPr>
+          <p:cNvPr id="4" name="TextBox 3">
+            <a:extLst>
+              <a:ext uri="{FF2B5EF4-FFF2-40B4-BE49-F238E27FC236}">
+                <a16:creationId xmlns:a16="http://schemas.microsoft.com/office/drawing/2014/main" id="{C89C2948-EC21-B7B1-FB87-72459935D44A}"/>
+              </a:ext>
+            </a:extLst>
+          </p:cNvPr>
+          <p:cNvSpPr txBox="1"/>
+          <p:nvPr/>
+        </p:nvSpPr>
+        <p:spPr>
+          <a:xfrm>
+            <a:off x="519237" y="5756192"/>
+            <a:ext cx="11355130" cy="523220"/>
+          </a:xfrm>
+          <a:prstGeom prst="rect">
+            <a:avLst/>
+          </a:prstGeom>
+          <a:noFill/>
+        </p:spPr>
+        <p:txBody>
+          <a:bodyPr wrap="square" rtlCol="0">
+            <a:spAutoFit/>
+          </a:bodyPr>
+          <a:lstStyle/>
+          <a:p>
+            <a:r>
+              <a:rPr lang="en-US" sz="2800" b="1" dirty="0"/>
+              <a:t>Check: </a:t>
+            </a:r>
+            <a:r>
+              <a:rPr lang="en-US" sz="2800" dirty="0"/>
+              <a:t>Supported by data? Redundant? Clear description + relations?</a:t>
+            </a:r>
+          </a:p>
+        </p:txBody>
+      </p:sp>
+      <p:sp>
+        <p:nvSpPr>
+          <p:cNvPr id="9" name="TextBox 8">
+            <a:extLst>
+              <a:ext uri="{FF2B5EF4-FFF2-40B4-BE49-F238E27FC236}">
+                <a16:creationId xmlns:a16="http://schemas.microsoft.com/office/drawing/2014/main" id="{5A0586AD-91BC-08C9-523D-96DEAA90AE63}"/>
+              </a:ext>
+            </a:extLst>
+          </p:cNvPr>
+          <p:cNvSpPr txBox="1"/>
+          <p:nvPr/>
+        </p:nvSpPr>
+        <p:spPr>
+          <a:xfrm>
+            <a:off x="519237" y="5294527"/>
+            <a:ext cx="7731475" cy="461665"/>
+          </a:xfrm>
+          <a:prstGeom prst="rect">
+            <a:avLst/>
+          </a:prstGeom>
+          <a:noFill/>
+        </p:spPr>
+        <p:txBody>
+          <a:bodyPr wrap="none" rtlCol="0">
+            <a:spAutoFit/>
+          </a:bodyPr>
+          <a:lstStyle/>
+          <a:p>
+            <a:r>
+              <a:rPr lang="en-US" sz="2400" dirty="0"/>
+              <a:t>Goal: Assess which classroom topics the subject cares about </a:t>
+            </a:r>
+          </a:p>
+        </p:txBody>
+      </p:sp>
+    </p:spTree>
+    <p:extLst>
+      <p:ext uri="{BB962C8B-B14F-4D97-AF65-F5344CB8AC3E}">
+        <p14:creationId xmlns:p14="http://schemas.microsoft.com/office/powerpoint/2010/main" val="1406481208"/>
       </p:ext>
     </p:extLst>
   </p:cSld>
@@ -4517,7 +8848,7 @@
           <a:p>
             <a:r>
               <a:rPr lang="en-US" dirty="0"/>
-              <a:t>Outline</a:t>
+              <a:t>Outline: Qualitative Methods</a:t>
             </a:r>
           </a:p>
         </p:txBody>
@@ -4544,21 +8875,48 @@
           <a:lstStyle/>
           <a:p>
             <a:r>
-              <a:rPr lang="en-US" dirty="0"/>
-              <a:t>Interviews</a:t>
-            </a:r>
-          </a:p>
-          <a:p>
+              <a:rPr lang="en-US" b="1" dirty="0"/>
+              <a:t>Interviews:</a:t>
+            </a:r>
+            <a:r>
+              <a:rPr lang="en-US" dirty="0"/>
+              <a:t> Collecting Data</a:t>
+            </a:r>
+          </a:p>
+          <a:p>
+            <a:r>
+              <a:rPr lang="en-US" b="1" dirty="0"/>
+              <a:t>Thematic Analysis:</a:t>
+            </a:r>
+            <a:r>
+              <a:rPr lang="en-US" dirty="0"/>
+              <a:t> Interpreting Qualitative Data</a:t>
+            </a:r>
+          </a:p>
+          <a:p>
+            <a:r>
+              <a:rPr lang="en-US" b="1" dirty="0"/>
+              <a:t>Appendix</a:t>
+            </a:r>
+            <a:r>
+              <a:rPr lang="en-US" b="1" dirty="0">
+                <a:sym typeface="Wingdings" panose="05000000000000000000" pitchFamily="2" charset="2"/>
+              </a:rPr>
+              <a:t>:</a:t>
+            </a:r>
+            <a:r>
+              <a:rPr lang="en-US" dirty="0">
+                <a:sym typeface="Wingdings" panose="05000000000000000000" pitchFamily="2" charset="2"/>
+              </a:rPr>
+              <a:t> </a:t>
+            </a:r>
             <a:r>
               <a:rPr lang="en-US" dirty="0"/>
               <a:t>Observational Studies</a:t>
             </a:r>
           </a:p>
           <a:p>
-            <a:r>
-              <a:rPr lang="en-US" dirty="0"/>
-              <a:t>Interpreting Qualitative Data</a:t>
-            </a:r>
+            <a:endParaRPr lang="en-US" dirty="0"/>
           </a:p>
         </p:txBody>
       </p:sp>
@@ -4566,6 +8924,1616 @@
     <p:extLst>
       <p:ext uri="{BB962C8B-B14F-4D97-AF65-F5344CB8AC3E}">
         <p14:creationId xmlns:p14="http://schemas.microsoft.com/office/powerpoint/2010/main" val="3028605644"/>
+      </p:ext>
+    </p:extLst>
+  </p:cSld>
+  <p:clrMapOvr>
+    <a:masterClrMapping/>
+  </p:clrMapOvr>
+</p:sld>
+</file>
+
+<file path=ppt/slides/slide20.xml><?xml version="1.0" encoding="utf-8"?>
+<p:sld xmlns:a="http://schemas.openxmlformats.org/drawingml/2006/main" xmlns:r="http://schemas.openxmlformats.org/officeDocument/2006/relationships" xmlns:p="http://schemas.openxmlformats.org/presentationml/2006/main">
+  <p:cSld>
+    <p:spTree>
+      <p:nvGrpSpPr>
+        <p:cNvPr id="1" name=""/>
+        <p:cNvGrpSpPr/>
+        <p:nvPr/>
+      </p:nvGrpSpPr>
+      <p:grpSpPr>
+        <a:xfrm>
+          <a:off x="0" y="0"/>
+          <a:ext cx="0" cy="0"/>
+          <a:chOff x="0" y="0"/>
+          <a:chExt cx="0" cy="0"/>
+        </a:xfrm>
+      </p:grpSpPr>
+      <p:sp>
+        <p:nvSpPr>
+          <p:cNvPr id="2" name="Title 1">
+            <a:extLst>
+              <a:ext uri="{FF2B5EF4-FFF2-40B4-BE49-F238E27FC236}">
+                <a16:creationId xmlns:a16="http://schemas.microsoft.com/office/drawing/2014/main" id="{1E0BC2F4-4561-A8A0-906E-7B88043A03E6}"/>
+              </a:ext>
+            </a:extLst>
+          </p:cNvPr>
+          <p:cNvSpPr>
+            <a:spLocks noGrp="1"/>
+          </p:cNvSpPr>
+          <p:nvPr>
+            <p:ph type="title"/>
+          </p:nvPr>
+        </p:nvSpPr>
+        <p:spPr/>
+        <p:txBody>
+          <a:bodyPr/>
+          <a:lstStyle/>
+          <a:p>
+            <a:r>
+              <a:rPr lang="en-US" dirty="0"/>
+              <a:t>Worked Example: Defining</a:t>
+            </a:r>
+            <a:endParaRPr lang="en-US" sz="4000" dirty="0"/>
+          </a:p>
+        </p:txBody>
+      </p:sp>
+      <p:sp>
+        <p:nvSpPr>
+          <p:cNvPr id="3" name="Content Placeholder 2">
+            <a:extLst>
+              <a:ext uri="{FF2B5EF4-FFF2-40B4-BE49-F238E27FC236}">
+                <a16:creationId xmlns:a16="http://schemas.microsoft.com/office/drawing/2014/main" id="{B898F582-7A65-0861-FC36-373332E8FB0E}"/>
+              </a:ext>
+            </a:extLst>
+          </p:cNvPr>
+          <p:cNvSpPr>
+            <a:spLocks noGrp="1"/>
+          </p:cNvSpPr>
+          <p:nvPr>
+            <p:ph idx="1"/>
+          </p:nvPr>
+        </p:nvSpPr>
+        <p:spPr>
+          <a:xfrm>
+            <a:off x="317633" y="1845734"/>
+            <a:ext cx="7055318" cy="3448793"/>
+          </a:xfrm>
+        </p:spPr>
+        <p:txBody>
+          <a:bodyPr>
+            <a:normAutofit/>
+          </a:bodyPr>
+          <a:lstStyle/>
+          <a:p>
+            <a:pPr lvl="1"/>
+            <a:r>
+              <a:rPr lang="en-US" dirty="0"/>
+              <a:t>“Implementation”: The subject’s highest priority is to learn implementation skills as opposed to theory.</a:t>
+            </a:r>
+          </a:p>
+          <a:p>
+            <a:pPr lvl="1"/>
+            <a:r>
+              <a:rPr lang="en-US" dirty="0"/>
+              <a:t>“Scalability”: Within implementation skills, scalability is a priority. Here, scalability ranges from supporting large codebases to supporting large inputs.</a:t>
+            </a:r>
+          </a:p>
+          <a:p>
+            <a:pPr lvl="1"/>
+            <a:r>
+              <a:rPr lang="en-US" dirty="0"/>
+              <a:t>“Performance”: Performance is a priority, specifically observed performance in a practical use context, as opposed to best-case theoretical performance.</a:t>
+            </a:r>
+            <a:endParaRPr lang="en-US" b="1" dirty="0"/>
+          </a:p>
+        </p:txBody>
+      </p:sp>
+      <p:sp>
+        <p:nvSpPr>
+          <p:cNvPr id="5" name="TextBox 4">
+            <a:extLst>
+              <a:ext uri="{FF2B5EF4-FFF2-40B4-BE49-F238E27FC236}">
+                <a16:creationId xmlns:a16="http://schemas.microsoft.com/office/drawing/2014/main" id="{A8491B79-7632-84D3-4DA8-29194D46F36E}"/>
+              </a:ext>
+            </a:extLst>
+          </p:cNvPr>
+          <p:cNvSpPr txBox="1"/>
+          <p:nvPr/>
+        </p:nvSpPr>
+        <p:spPr>
+          <a:xfrm>
+            <a:off x="8209258" y="2521820"/>
+            <a:ext cx="2689454" cy="369332"/>
+          </a:xfrm>
+          <a:prstGeom prst="rect">
+            <a:avLst/>
+          </a:prstGeom>
+          <a:noFill/>
+        </p:spPr>
+        <p:txBody>
+          <a:bodyPr wrap="none" rtlCol="0">
+            <a:spAutoFit/>
+          </a:bodyPr>
+          <a:lstStyle/>
+          <a:p>
+            <a:r>
+              <a:rPr lang="en-US" dirty="0"/>
+              <a:t>“Implementation-focused”</a:t>
+            </a:r>
+          </a:p>
+        </p:txBody>
+      </p:sp>
+      <p:sp>
+        <p:nvSpPr>
+          <p:cNvPr id="6" name="TextBox 5">
+            <a:extLst>
+              <a:ext uri="{FF2B5EF4-FFF2-40B4-BE49-F238E27FC236}">
+                <a16:creationId xmlns:a16="http://schemas.microsoft.com/office/drawing/2014/main" id="{23E63D90-4ED8-73C6-4832-DBC9DE2B441F}"/>
+              </a:ext>
+            </a:extLst>
+          </p:cNvPr>
+          <p:cNvSpPr txBox="1"/>
+          <p:nvPr/>
+        </p:nvSpPr>
+        <p:spPr>
+          <a:xfrm>
+            <a:off x="8422105" y="1737360"/>
+            <a:ext cx="1181990" cy="523220"/>
+          </a:xfrm>
+          <a:prstGeom prst="rect">
+            <a:avLst/>
+          </a:prstGeom>
+          <a:noFill/>
+        </p:spPr>
+        <p:txBody>
+          <a:bodyPr wrap="none" rtlCol="0">
+            <a:spAutoFit/>
+          </a:bodyPr>
+          <a:lstStyle/>
+          <a:p>
+            <a:r>
+              <a:rPr lang="en-US" sz="2800" b="1" dirty="0"/>
+              <a:t>CODES</a:t>
+            </a:r>
+          </a:p>
+        </p:txBody>
+      </p:sp>
+      <p:sp>
+        <p:nvSpPr>
+          <p:cNvPr id="7" name="TextBox 6">
+            <a:extLst>
+              <a:ext uri="{FF2B5EF4-FFF2-40B4-BE49-F238E27FC236}">
+                <a16:creationId xmlns:a16="http://schemas.microsoft.com/office/drawing/2014/main" id="{DC58D5FF-A3C2-38CE-6EA6-B8D0F03145A9}"/>
+              </a:ext>
+            </a:extLst>
+          </p:cNvPr>
+          <p:cNvSpPr txBox="1"/>
+          <p:nvPr/>
+        </p:nvSpPr>
+        <p:spPr>
+          <a:xfrm>
+            <a:off x="8183858" y="2845181"/>
+            <a:ext cx="1920141" cy="369332"/>
+          </a:xfrm>
+          <a:prstGeom prst="rect">
+            <a:avLst/>
+          </a:prstGeom>
+          <a:noFill/>
+        </p:spPr>
+        <p:txBody>
+          <a:bodyPr wrap="none" rtlCol="0">
+            <a:spAutoFit/>
+          </a:bodyPr>
+          <a:lstStyle/>
+          <a:p>
+            <a:r>
+              <a:rPr lang="en-US" dirty="0"/>
+              <a:t>“Large codebases”</a:t>
+            </a:r>
+          </a:p>
+        </p:txBody>
+      </p:sp>
+      <p:sp>
+        <p:nvSpPr>
+          <p:cNvPr id="8" name="TextBox 7">
+            <a:extLst>
+              <a:ext uri="{FF2B5EF4-FFF2-40B4-BE49-F238E27FC236}">
+                <a16:creationId xmlns:a16="http://schemas.microsoft.com/office/drawing/2014/main" id="{E819E907-837F-C757-F4EC-96F55B1AC89C}"/>
+              </a:ext>
+            </a:extLst>
+          </p:cNvPr>
+          <p:cNvSpPr txBox="1"/>
+          <p:nvPr/>
+        </p:nvSpPr>
+        <p:spPr>
+          <a:xfrm>
+            <a:off x="8230147" y="4548864"/>
+            <a:ext cx="2103140" cy="369332"/>
+          </a:xfrm>
+          <a:prstGeom prst="rect">
+            <a:avLst/>
+          </a:prstGeom>
+          <a:noFill/>
+        </p:spPr>
+        <p:txBody>
+          <a:bodyPr wrap="none" rtlCol="0">
+            <a:spAutoFit/>
+          </a:bodyPr>
+          <a:lstStyle/>
+          <a:p>
+            <a:r>
+              <a:rPr lang="en-US" dirty="0"/>
+              <a:t>“Scalability-minded”</a:t>
+            </a:r>
+          </a:p>
+        </p:txBody>
+      </p:sp>
+      <p:sp>
+        <p:nvSpPr>
+          <p:cNvPr id="12" name="TextBox 11">
+            <a:extLst>
+              <a:ext uri="{FF2B5EF4-FFF2-40B4-BE49-F238E27FC236}">
+                <a16:creationId xmlns:a16="http://schemas.microsoft.com/office/drawing/2014/main" id="{7F991E9D-E6D4-2300-1541-BFB17D8FD45A}"/>
+              </a:ext>
+            </a:extLst>
+          </p:cNvPr>
+          <p:cNvSpPr txBox="1"/>
+          <p:nvPr/>
+        </p:nvSpPr>
+        <p:spPr>
+          <a:xfrm>
+            <a:off x="8209258" y="3567758"/>
+            <a:ext cx="2372894" cy="369332"/>
+          </a:xfrm>
+          <a:prstGeom prst="rect">
+            <a:avLst/>
+          </a:prstGeom>
+          <a:noFill/>
+        </p:spPr>
+        <p:txBody>
+          <a:bodyPr wrap="none" rtlCol="0">
+            <a:spAutoFit/>
+          </a:bodyPr>
+          <a:lstStyle/>
+          <a:p>
+            <a:r>
+              <a:rPr lang="en-US" dirty="0"/>
+              <a:t>“Performance-minded”</a:t>
+            </a:r>
+          </a:p>
+        </p:txBody>
+      </p:sp>
+      <p:sp>
+        <p:nvSpPr>
+          <p:cNvPr id="4" name="TextBox 3">
+            <a:extLst>
+              <a:ext uri="{FF2B5EF4-FFF2-40B4-BE49-F238E27FC236}">
+                <a16:creationId xmlns:a16="http://schemas.microsoft.com/office/drawing/2014/main" id="{C89C2948-EC21-B7B1-FB87-72459935D44A}"/>
+              </a:ext>
+            </a:extLst>
+          </p:cNvPr>
+          <p:cNvSpPr txBox="1"/>
+          <p:nvPr/>
+        </p:nvSpPr>
+        <p:spPr>
+          <a:xfrm>
+            <a:off x="519237" y="5756192"/>
+            <a:ext cx="11355130" cy="523220"/>
+          </a:xfrm>
+          <a:prstGeom prst="rect">
+            <a:avLst/>
+          </a:prstGeom>
+          <a:noFill/>
+        </p:spPr>
+        <p:txBody>
+          <a:bodyPr wrap="square" rtlCol="0">
+            <a:spAutoFit/>
+          </a:bodyPr>
+          <a:lstStyle/>
+          <a:p>
+            <a:r>
+              <a:rPr lang="en-US" sz="2800" b="1" dirty="0"/>
+              <a:t>Check: </a:t>
+            </a:r>
+            <a:r>
+              <a:rPr lang="en-US" sz="2800" dirty="0"/>
+              <a:t>Supported by codes? Descriptive and insightful?</a:t>
+            </a:r>
+          </a:p>
+        </p:txBody>
+      </p:sp>
+      <p:sp>
+        <p:nvSpPr>
+          <p:cNvPr id="9" name="TextBox 8">
+            <a:extLst>
+              <a:ext uri="{FF2B5EF4-FFF2-40B4-BE49-F238E27FC236}">
+                <a16:creationId xmlns:a16="http://schemas.microsoft.com/office/drawing/2014/main" id="{5A0586AD-91BC-08C9-523D-96DEAA90AE63}"/>
+              </a:ext>
+            </a:extLst>
+          </p:cNvPr>
+          <p:cNvSpPr txBox="1"/>
+          <p:nvPr/>
+        </p:nvSpPr>
+        <p:spPr>
+          <a:xfrm>
+            <a:off x="519237" y="5294527"/>
+            <a:ext cx="7731475" cy="461665"/>
+          </a:xfrm>
+          <a:prstGeom prst="rect">
+            <a:avLst/>
+          </a:prstGeom>
+          <a:noFill/>
+        </p:spPr>
+        <p:txBody>
+          <a:bodyPr wrap="none" rtlCol="0">
+            <a:spAutoFit/>
+          </a:bodyPr>
+          <a:lstStyle/>
+          <a:p>
+            <a:r>
+              <a:rPr lang="en-US" sz="2400" dirty="0"/>
+              <a:t>Goal: Assess which classroom topics the subject cares about </a:t>
+            </a:r>
+          </a:p>
+        </p:txBody>
+      </p:sp>
+    </p:spTree>
+    <p:extLst>
+      <p:ext uri="{BB962C8B-B14F-4D97-AF65-F5344CB8AC3E}">
+        <p14:creationId xmlns:p14="http://schemas.microsoft.com/office/powerpoint/2010/main" val="1823764612"/>
+      </p:ext>
+    </p:extLst>
+  </p:cSld>
+  <p:clrMapOvr>
+    <a:masterClrMapping/>
+  </p:clrMapOvr>
+</p:sld>
+</file>
+
+<file path=ppt/slides/slide21.xml><?xml version="1.0" encoding="utf-8"?>
+<p:sld xmlns:a="http://schemas.openxmlformats.org/drawingml/2006/main" xmlns:r="http://schemas.openxmlformats.org/officeDocument/2006/relationships" xmlns:p="http://schemas.openxmlformats.org/presentationml/2006/main">
+  <p:cSld>
+    <p:spTree>
+      <p:nvGrpSpPr>
+        <p:cNvPr id="1" name=""/>
+        <p:cNvGrpSpPr/>
+        <p:nvPr/>
+      </p:nvGrpSpPr>
+      <p:grpSpPr>
+        <a:xfrm>
+          <a:off x="0" y="0"/>
+          <a:ext cx="0" cy="0"/>
+          <a:chOff x="0" y="0"/>
+          <a:chExt cx="0" cy="0"/>
+        </a:xfrm>
+      </p:grpSpPr>
+      <p:sp>
+        <p:nvSpPr>
+          <p:cNvPr id="2" name="Title 1">
+            <a:extLst>
+              <a:ext uri="{FF2B5EF4-FFF2-40B4-BE49-F238E27FC236}">
+                <a16:creationId xmlns:a16="http://schemas.microsoft.com/office/drawing/2014/main" id="{1E0BC2F4-4561-A8A0-906E-7B88043A03E6}"/>
+              </a:ext>
+            </a:extLst>
+          </p:cNvPr>
+          <p:cNvSpPr>
+            <a:spLocks noGrp="1"/>
+          </p:cNvSpPr>
+          <p:nvPr>
+            <p:ph type="title"/>
+          </p:nvPr>
+        </p:nvSpPr>
+        <p:spPr/>
+        <p:txBody>
+          <a:bodyPr/>
+          <a:lstStyle/>
+          <a:p>
+            <a:r>
+              <a:rPr lang="en-US" dirty="0"/>
+              <a:t>Worked Example: Writing</a:t>
+            </a:r>
+            <a:endParaRPr lang="en-US" sz="4000" dirty="0"/>
+          </a:p>
+        </p:txBody>
+      </p:sp>
+      <p:sp>
+        <p:nvSpPr>
+          <p:cNvPr id="3" name="Content Placeholder 2">
+            <a:extLst>
+              <a:ext uri="{FF2B5EF4-FFF2-40B4-BE49-F238E27FC236}">
+                <a16:creationId xmlns:a16="http://schemas.microsoft.com/office/drawing/2014/main" id="{B898F582-7A65-0861-FC36-373332E8FB0E}"/>
+              </a:ext>
+            </a:extLst>
+          </p:cNvPr>
+          <p:cNvSpPr>
+            <a:spLocks noGrp="1"/>
+          </p:cNvSpPr>
+          <p:nvPr>
+            <p:ph idx="1"/>
+          </p:nvPr>
+        </p:nvSpPr>
+        <p:spPr>
+          <a:xfrm>
+            <a:off x="317633" y="1845734"/>
+            <a:ext cx="7055318" cy="3448793"/>
+          </a:xfrm>
+        </p:spPr>
+        <p:txBody>
+          <a:bodyPr>
+            <a:normAutofit/>
+          </a:bodyPr>
+          <a:lstStyle/>
+          <a:p>
+            <a:pPr marL="201168" lvl="1" indent="0">
+              <a:buNone/>
+            </a:pPr>
+            <a:r>
+              <a:rPr lang="en-US" b="1" dirty="0"/>
+              <a:t>Self-explanatory:</a:t>
+            </a:r>
+            <a:r>
+              <a:rPr lang="en-US" dirty="0"/>
+              <a:t> Write a report</a:t>
+            </a:r>
+            <a:endParaRPr lang="en-US" b="1" dirty="0"/>
+          </a:p>
+        </p:txBody>
+      </p:sp>
+    </p:spTree>
+    <p:extLst>
+      <p:ext uri="{BB962C8B-B14F-4D97-AF65-F5344CB8AC3E}">
+        <p14:creationId xmlns:p14="http://schemas.microsoft.com/office/powerpoint/2010/main" val="4270118626"/>
+      </p:ext>
+    </p:extLst>
+  </p:cSld>
+  <p:clrMapOvr>
+    <a:masterClrMapping/>
+  </p:clrMapOvr>
+</p:sld>
+</file>
+
+<file path=ppt/slides/slide22.xml><?xml version="1.0" encoding="utf-8"?>
+<p:sld xmlns:a="http://schemas.openxmlformats.org/drawingml/2006/main" xmlns:r="http://schemas.openxmlformats.org/officeDocument/2006/relationships" xmlns:p="http://schemas.openxmlformats.org/presentationml/2006/main">
+  <p:cSld>
+    <p:spTree>
+      <p:nvGrpSpPr>
+        <p:cNvPr id="1" name=""/>
+        <p:cNvGrpSpPr/>
+        <p:nvPr/>
+      </p:nvGrpSpPr>
+      <p:grpSpPr>
+        <a:xfrm>
+          <a:off x="0" y="0"/>
+          <a:ext cx="0" cy="0"/>
+          <a:chOff x="0" y="0"/>
+          <a:chExt cx="0" cy="0"/>
+        </a:xfrm>
+      </p:grpSpPr>
+      <p:sp>
+        <p:nvSpPr>
+          <p:cNvPr id="2" name="Title 1">
+            <a:extLst>
+              <a:ext uri="{FF2B5EF4-FFF2-40B4-BE49-F238E27FC236}">
+                <a16:creationId xmlns:a16="http://schemas.microsoft.com/office/drawing/2014/main" id="{1E0BC2F4-4561-A8A0-906E-7B88043A03E6}"/>
+              </a:ext>
+            </a:extLst>
+          </p:cNvPr>
+          <p:cNvSpPr>
+            <a:spLocks noGrp="1"/>
+          </p:cNvSpPr>
+          <p:nvPr>
+            <p:ph type="title"/>
+          </p:nvPr>
+        </p:nvSpPr>
+        <p:spPr/>
+        <p:txBody>
+          <a:bodyPr/>
+          <a:lstStyle/>
+          <a:p>
+            <a:r>
+              <a:rPr lang="en-US" dirty="0"/>
+              <a:t>Activity (5-10 minutes)</a:t>
+            </a:r>
+            <a:endParaRPr lang="en-US" sz="4000" dirty="0"/>
+          </a:p>
+        </p:txBody>
+      </p:sp>
+      <p:sp>
+        <p:nvSpPr>
+          <p:cNvPr id="3" name="Content Placeholder 2">
+            <a:extLst>
+              <a:ext uri="{FF2B5EF4-FFF2-40B4-BE49-F238E27FC236}">
+                <a16:creationId xmlns:a16="http://schemas.microsoft.com/office/drawing/2014/main" id="{B898F582-7A65-0861-FC36-373332E8FB0E}"/>
+              </a:ext>
+            </a:extLst>
+          </p:cNvPr>
+          <p:cNvSpPr>
+            <a:spLocks noGrp="1"/>
+          </p:cNvSpPr>
+          <p:nvPr>
+            <p:ph idx="1"/>
+          </p:nvPr>
+        </p:nvSpPr>
+        <p:spPr>
+          <a:xfrm>
+            <a:off x="317633" y="1845734"/>
+            <a:ext cx="11391767" cy="4377265"/>
+          </a:xfrm>
+        </p:spPr>
+        <p:txBody>
+          <a:bodyPr>
+            <a:normAutofit/>
+          </a:bodyPr>
+          <a:lstStyle/>
+          <a:p>
+            <a:pPr marL="201168" lvl="1" indent="0">
+              <a:buNone/>
+            </a:pPr>
+            <a:r>
+              <a:rPr lang="en-US" b="1" dirty="0"/>
+              <a:t>Perform</a:t>
+            </a:r>
+            <a:r>
+              <a:rPr lang="en-US" dirty="0"/>
+              <a:t> a thematic analysis on the interview data you collected in the previous exercise. Ask questions as needed. Recall the steps.</a:t>
+            </a:r>
+            <a:endParaRPr lang="en-US" b="1" dirty="0"/>
+          </a:p>
+        </p:txBody>
+      </p:sp>
+      <p:sp>
+        <p:nvSpPr>
+          <p:cNvPr id="4" name="Content Placeholder 2">
+            <a:extLst>
+              <a:ext uri="{FF2B5EF4-FFF2-40B4-BE49-F238E27FC236}">
+                <a16:creationId xmlns:a16="http://schemas.microsoft.com/office/drawing/2014/main" id="{3917E053-A371-C221-1D81-7985B37F7E00}"/>
+              </a:ext>
+            </a:extLst>
+          </p:cNvPr>
+          <p:cNvSpPr txBox="1">
+            <a:spLocks/>
+          </p:cNvSpPr>
+          <p:nvPr/>
+        </p:nvSpPr>
+        <p:spPr>
+          <a:xfrm>
+            <a:off x="984316" y="2548037"/>
+            <a:ext cx="10058400" cy="3484463"/>
+          </a:xfrm>
+          <a:prstGeom prst="rect">
+            <a:avLst/>
+          </a:prstGeom>
+        </p:spPr>
+        <p:txBody>
+          <a:bodyPr vert="horz" lIns="0" tIns="45720" rIns="0" bIns="45720" rtlCol="0">
+            <a:normAutofit/>
+          </a:bodyPr>
+          <a:lstStyle>
+            <a:lvl1pPr marL="91440" indent="-91440" algn="l" defTabSz="914400" rtl="0" eaLnBrk="1" latinLnBrk="0" hangingPunct="1">
+              <a:lnSpc>
+                <a:spcPct val="90000"/>
+              </a:lnSpc>
+              <a:spcBef>
+                <a:spcPts val="1200"/>
+              </a:spcBef>
+              <a:spcAft>
+                <a:spcPts val="200"/>
+              </a:spcAft>
+              <a:buClr>
+                <a:schemeClr val="accent1"/>
+              </a:buClr>
+              <a:buSzPct val="100000"/>
+              <a:buFont typeface="Calibri" panose="020F0502020204030204" pitchFamily="34" charset="0"/>
+              <a:buChar char=" "/>
+              <a:defRPr sz="2800" kern="1200">
+                <a:solidFill>
+                  <a:schemeClr val="tx1">
+                    <a:lumMod val="75000"/>
+                    <a:lumOff val="25000"/>
+                  </a:schemeClr>
+                </a:solidFill>
+                <a:latin typeface="+mn-lt"/>
+                <a:ea typeface="+mn-ea"/>
+                <a:cs typeface="+mn-cs"/>
+              </a:defRPr>
+            </a:lvl1pPr>
+            <a:lvl2pPr marL="384048" indent="-182880" algn="l" defTabSz="914400" rtl="0" eaLnBrk="1" latinLnBrk="0" hangingPunct="1">
+              <a:lnSpc>
+                <a:spcPct val="90000"/>
+              </a:lnSpc>
+              <a:spcBef>
+                <a:spcPts val="200"/>
+              </a:spcBef>
+              <a:spcAft>
+                <a:spcPts val="400"/>
+              </a:spcAft>
+              <a:buClr>
+                <a:schemeClr val="accent1"/>
+              </a:buClr>
+              <a:buFont typeface="Calibri" pitchFamily="34" charset="0"/>
+              <a:buChar char="◦"/>
+              <a:defRPr sz="2400" kern="1200">
+                <a:solidFill>
+                  <a:schemeClr val="tx1">
+                    <a:lumMod val="75000"/>
+                    <a:lumOff val="25000"/>
+                  </a:schemeClr>
+                </a:solidFill>
+                <a:latin typeface="+mn-lt"/>
+                <a:ea typeface="+mn-ea"/>
+                <a:cs typeface="+mn-cs"/>
+              </a:defRPr>
+            </a:lvl2pPr>
+            <a:lvl3pPr marL="566928" indent="-182880" algn="l" defTabSz="914400" rtl="0" eaLnBrk="1" latinLnBrk="0" hangingPunct="1">
+              <a:lnSpc>
+                <a:spcPct val="90000"/>
+              </a:lnSpc>
+              <a:spcBef>
+                <a:spcPts val="200"/>
+              </a:spcBef>
+              <a:spcAft>
+                <a:spcPts val="400"/>
+              </a:spcAft>
+              <a:buClr>
+                <a:schemeClr val="accent1"/>
+              </a:buClr>
+              <a:buFont typeface="Calibri" pitchFamily="34" charset="0"/>
+              <a:buChar char="◦"/>
+              <a:defRPr sz="2200" kern="1200">
+                <a:solidFill>
+                  <a:schemeClr val="tx1">
+                    <a:lumMod val="75000"/>
+                    <a:lumOff val="25000"/>
+                  </a:schemeClr>
+                </a:solidFill>
+                <a:latin typeface="+mn-lt"/>
+                <a:ea typeface="+mn-ea"/>
+                <a:cs typeface="+mn-cs"/>
+              </a:defRPr>
+            </a:lvl3pPr>
+            <a:lvl4pPr marL="749808" indent="-182880" algn="l" defTabSz="914400" rtl="0" eaLnBrk="1" latinLnBrk="0" hangingPunct="1">
+              <a:lnSpc>
+                <a:spcPct val="90000"/>
+              </a:lnSpc>
+              <a:spcBef>
+                <a:spcPts val="200"/>
+              </a:spcBef>
+              <a:spcAft>
+                <a:spcPts val="400"/>
+              </a:spcAft>
+              <a:buClr>
+                <a:schemeClr val="accent1"/>
+              </a:buClr>
+              <a:buFont typeface="Calibri" pitchFamily="34" charset="0"/>
+              <a:buChar char="◦"/>
+              <a:defRPr sz="2000" kern="1200">
+                <a:solidFill>
+                  <a:schemeClr val="tx1">
+                    <a:lumMod val="75000"/>
+                    <a:lumOff val="25000"/>
+                  </a:schemeClr>
+                </a:solidFill>
+                <a:latin typeface="+mn-lt"/>
+                <a:ea typeface="+mn-ea"/>
+                <a:cs typeface="+mn-cs"/>
+              </a:defRPr>
+            </a:lvl4pPr>
+            <a:lvl5pPr marL="932688" indent="-182880" algn="l" defTabSz="914400" rtl="0" eaLnBrk="1" latinLnBrk="0" hangingPunct="1">
+              <a:lnSpc>
+                <a:spcPct val="90000"/>
+              </a:lnSpc>
+              <a:spcBef>
+                <a:spcPts val="200"/>
+              </a:spcBef>
+              <a:spcAft>
+                <a:spcPts val="400"/>
+              </a:spcAft>
+              <a:buClr>
+                <a:schemeClr val="accent1"/>
+              </a:buClr>
+              <a:buFont typeface="Calibri" pitchFamily="34" charset="0"/>
+              <a:buChar char="◦"/>
+              <a:defRPr sz="1800" kern="1200">
+                <a:solidFill>
+                  <a:schemeClr val="tx1">
+                    <a:lumMod val="75000"/>
+                    <a:lumOff val="25000"/>
+                  </a:schemeClr>
+                </a:solidFill>
+                <a:latin typeface="+mn-lt"/>
+                <a:ea typeface="+mn-ea"/>
+                <a:cs typeface="+mn-cs"/>
+              </a:defRPr>
+            </a:lvl5pPr>
+            <a:lvl6pPr marL="1100000" indent="-228600" algn="l" defTabSz="914400" rtl="0" eaLnBrk="1" latinLnBrk="0" hangingPunct="1">
+              <a:lnSpc>
+                <a:spcPct val="90000"/>
+              </a:lnSpc>
+              <a:spcBef>
+                <a:spcPts val="200"/>
+              </a:spcBef>
+              <a:spcAft>
+                <a:spcPts val="400"/>
+              </a:spcAft>
+              <a:buClr>
+                <a:schemeClr val="accent1"/>
+              </a:buClr>
+              <a:buFont typeface="Calibri" pitchFamily="34" charset="0"/>
+              <a:buChar char="◦"/>
+              <a:defRPr sz="1400" kern="1200">
+                <a:solidFill>
+                  <a:schemeClr val="tx1">
+                    <a:lumMod val="75000"/>
+                    <a:lumOff val="25000"/>
+                  </a:schemeClr>
+                </a:solidFill>
+                <a:latin typeface="+mn-lt"/>
+                <a:ea typeface="+mn-ea"/>
+                <a:cs typeface="+mn-cs"/>
+              </a:defRPr>
+            </a:lvl6pPr>
+            <a:lvl7pPr marL="1300000" indent="-228600" algn="l" defTabSz="914400" rtl="0" eaLnBrk="1" latinLnBrk="0" hangingPunct="1">
+              <a:lnSpc>
+                <a:spcPct val="90000"/>
+              </a:lnSpc>
+              <a:spcBef>
+                <a:spcPts val="200"/>
+              </a:spcBef>
+              <a:spcAft>
+                <a:spcPts val="400"/>
+              </a:spcAft>
+              <a:buClr>
+                <a:schemeClr val="accent1"/>
+              </a:buClr>
+              <a:buFont typeface="Calibri" pitchFamily="34" charset="0"/>
+              <a:buChar char="◦"/>
+              <a:defRPr sz="1400" kern="1200">
+                <a:solidFill>
+                  <a:schemeClr val="tx1">
+                    <a:lumMod val="75000"/>
+                    <a:lumOff val="25000"/>
+                  </a:schemeClr>
+                </a:solidFill>
+                <a:latin typeface="+mn-lt"/>
+                <a:ea typeface="+mn-ea"/>
+                <a:cs typeface="+mn-cs"/>
+              </a:defRPr>
+            </a:lvl7pPr>
+            <a:lvl8pPr marL="1500000" indent="-228600" algn="l" defTabSz="914400" rtl="0" eaLnBrk="1" latinLnBrk="0" hangingPunct="1">
+              <a:lnSpc>
+                <a:spcPct val="90000"/>
+              </a:lnSpc>
+              <a:spcBef>
+                <a:spcPts val="200"/>
+              </a:spcBef>
+              <a:spcAft>
+                <a:spcPts val="400"/>
+              </a:spcAft>
+              <a:buClr>
+                <a:schemeClr val="accent1"/>
+              </a:buClr>
+              <a:buFont typeface="Calibri" pitchFamily="34" charset="0"/>
+              <a:buChar char="◦"/>
+              <a:defRPr sz="1400" kern="1200">
+                <a:solidFill>
+                  <a:schemeClr val="tx1">
+                    <a:lumMod val="75000"/>
+                    <a:lumOff val="25000"/>
+                  </a:schemeClr>
+                </a:solidFill>
+                <a:latin typeface="+mn-lt"/>
+                <a:ea typeface="+mn-ea"/>
+                <a:cs typeface="+mn-cs"/>
+              </a:defRPr>
+            </a:lvl8pPr>
+            <a:lvl9pPr marL="1700000" indent="-228600" algn="l" defTabSz="914400" rtl="0" eaLnBrk="1" latinLnBrk="0" hangingPunct="1">
+              <a:lnSpc>
+                <a:spcPct val="90000"/>
+              </a:lnSpc>
+              <a:spcBef>
+                <a:spcPts val="200"/>
+              </a:spcBef>
+              <a:spcAft>
+                <a:spcPts val="400"/>
+              </a:spcAft>
+              <a:buClr>
+                <a:schemeClr val="accent1"/>
+              </a:buClr>
+              <a:buFont typeface="Calibri" pitchFamily="34" charset="0"/>
+              <a:buChar char="◦"/>
+              <a:defRPr sz="1400" kern="1200">
+                <a:solidFill>
+                  <a:schemeClr val="tx1">
+                    <a:lumMod val="75000"/>
+                    <a:lumOff val="25000"/>
+                  </a:schemeClr>
+                </a:solidFill>
+                <a:latin typeface="+mn-lt"/>
+                <a:ea typeface="+mn-ea"/>
+                <a:cs typeface="+mn-cs"/>
+              </a:defRPr>
+            </a:lvl9pPr>
+          </a:lstStyle>
+          <a:p>
+            <a:pPr marL="514350" indent="-514350">
+              <a:buFont typeface="+mj-lt"/>
+              <a:buAutoNum type="arabicPeriod"/>
+            </a:pPr>
+            <a:r>
+              <a:rPr lang="en-US" b="1" dirty="0"/>
+              <a:t>Familiarize</a:t>
+            </a:r>
+            <a:r>
+              <a:rPr lang="en-US" dirty="0"/>
+              <a:t> yourself with the data</a:t>
+            </a:r>
+            <a:endParaRPr lang="en-US" b="1" dirty="0"/>
+          </a:p>
+          <a:p>
+            <a:pPr marL="514350" indent="-514350">
+              <a:buFont typeface="+mj-lt"/>
+              <a:buAutoNum type="arabicPeriod"/>
+            </a:pPr>
+            <a:r>
+              <a:rPr lang="en-US" b="1" dirty="0"/>
+              <a:t>Code</a:t>
+            </a:r>
+            <a:r>
+              <a:rPr lang="en-US" dirty="0"/>
+              <a:t> the data</a:t>
+            </a:r>
+          </a:p>
+          <a:p>
+            <a:pPr marL="514350" indent="-514350">
+              <a:buFont typeface="+mj-lt"/>
+              <a:buAutoNum type="arabicPeriod"/>
+            </a:pPr>
+            <a:r>
+              <a:rPr lang="en-US" b="1" dirty="0"/>
+              <a:t>Search</a:t>
+            </a:r>
+            <a:r>
+              <a:rPr lang="en-US" dirty="0"/>
+              <a:t> for themes in the code</a:t>
+            </a:r>
+          </a:p>
+          <a:p>
+            <a:pPr marL="514350" indent="-514350">
+              <a:buFont typeface="+mj-lt"/>
+              <a:buAutoNum type="arabicPeriod"/>
+            </a:pPr>
+            <a:r>
+              <a:rPr lang="en-US" b="1" dirty="0"/>
+              <a:t>Revise</a:t>
+            </a:r>
+            <a:r>
+              <a:rPr lang="en-US" dirty="0"/>
+              <a:t> the themes</a:t>
+            </a:r>
+          </a:p>
+          <a:p>
+            <a:pPr marL="514350" indent="-514350">
+              <a:buFont typeface="+mj-lt"/>
+              <a:buAutoNum type="arabicPeriod"/>
+            </a:pPr>
+            <a:r>
+              <a:rPr lang="en-US" b="1" dirty="0"/>
+              <a:t>Define</a:t>
+            </a:r>
+            <a:r>
+              <a:rPr lang="en-US" dirty="0"/>
+              <a:t> the themes</a:t>
+            </a:r>
+          </a:p>
+          <a:p>
+            <a:pPr marL="514350" indent="-514350">
+              <a:buFont typeface="+mj-lt"/>
+              <a:buAutoNum type="arabicPeriod"/>
+            </a:pPr>
+            <a:r>
+              <a:rPr lang="en-US" b="1" strike="sngStrike" dirty="0"/>
+              <a:t>Write</a:t>
+            </a:r>
+            <a:r>
+              <a:rPr lang="en-US" strike="sngStrike" dirty="0"/>
+              <a:t> a report (not for in-class exercise)</a:t>
+            </a:r>
+          </a:p>
+        </p:txBody>
+      </p:sp>
+    </p:spTree>
+    <p:extLst>
+      <p:ext uri="{BB962C8B-B14F-4D97-AF65-F5344CB8AC3E}">
+        <p14:creationId xmlns:p14="http://schemas.microsoft.com/office/powerpoint/2010/main" val="2030202497"/>
+      </p:ext>
+    </p:extLst>
+  </p:cSld>
+  <p:clrMapOvr>
+    <a:masterClrMapping/>
+  </p:clrMapOvr>
+</p:sld>
+</file>
+
+<file path=ppt/slides/slide23.xml><?xml version="1.0" encoding="utf-8"?>
+<p:sld xmlns:a="http://schemas.openxmlformats.org/drawingml/2006/main" xmlns:r="http://schemas.openxmlformats.org/officeDocument/2006/relationships" xmlns:p="http://schemas.openxmlformats.org/presentationml/2006/main">
+  <p:cSld>
+    <p:spTree>
+      <p:nvGrpSpPr>
+        <p:cNvPr id="1" name=""/>
+        <p:cNvGrpSpPr/>
+        <p:nvPr/>
+      </p:nvGrpSpPr>
+      <p:grpSpPr>
+        <a:xfrm>
+          <a:off x="0" y="0"/>
+          <a:ext cx="0" cy="0"/>
+          <a:chOff x="0" y="0"/>
+          <a:chExt cx="0" cy="0"/>
+        </a:xfrm>
+      </p:grpSpPr>
+      <p:sp>
+        <p:nvSpPr>
+          <p:cNvPr id="2" name="Title 1">
+            <a:extLst>
+              <a:ext uri="{FF2B5EF4-FFF2-40B4-BE49-F238E27FC236}">
+                <a16:creationId xmlns:a16="http://schemas.microsoft.com/office/drawing/2014/main" id="{16E7A34B-9465-F9ED-68E8-96CA855969EC}"/>
+              </a:ext>
+            </a:extLst>
+          </p:cNvPr>
+          <p:cNvSpPr>
+            <a:spLocks noGrp="1"/>
+          </p:cNvSpPr>
+          <p:nvPr>
+            <p:ph type="title"/>
+          </p:nvPr>
+        </p:nvSpPr>
+        <p:spPr/>
+        <p:txBody>
+          <a:bodyPr/>
+          <a:lstStyle/>
+          <a:p>
+            <a:r>
+              <a:rPr lang="en-US" dirty="0"/>
+              <a:t>Appendix: Observational Studies</a:t>
+            </a:r>
+          </a:p>
+        </p:txBody>
+      </p:sp>
+      <p:sp>
+        <p:nvSpPr>
+          <p:cNvPr id="3" name="Content Placeholder 2">
+            <a:extLst>
+              <a:ext uri="{FF2B5EF4-FFF2-40B4-BE49-F238E27FC236}">
+                <a16:creationId xmlns:a16="http://schemas.microsoft.com/office/drawing/2014/main" id="{284BA00F-FCE2-15B0-230E-45292EB50586}"/>
+              </a:ext>
+            </a:extLst>
+          </p:cNvPr>
+          <p:cNvSpPr>
+            <a:spLocks noGrp="1"/>
+          </p:cNvSpPr>
+          <p:nvPr>
+            <p:ph idx="1"/>
+          </p:nvPr>
+        </p:nvSpPr>
+        <p:spPr/>
+        <p:txBody>
+          <a:bodyPr/>
+          <a:lstStyle/>
+          <a:p>
+            <a:endParaRPr lang="en-US"/>
+          </a:p>
+        </p:txBody>
+      </p:sp>
+    </p:spTree>
+    <p:extLst>
+      <p:ext uri="{BB962C8B-B14F-4D97-AF65-F5344CB8AC3E}">
+        <p14:creationId xmlns:p14="http://schemas.microsoft.com/office/powerpoint/2010/main" val="3558445904"/>
+      </p:ext>
+    </p:extLst>
+  </p:cSld>
+  <p:clrMapOvr>
+    <a:masterClrMapping/>
+  </p:clrMapOvr>
+</p:sld>
+</file>
+
+<file path=ppt/slides/slide24.xml><?xml version="1.0" encoding="utf-8"?>
+<p:sld xmlns:a="http://schemas.openxmlformats.org/drawingml/2006/main" xmlns:r="http://schemas.openxmlformats.org/officeDocument/2006/relationships" xmlns:p="http://schemas.openxmlformats.org/presentationml/2006/main">
+  <p:cSld>
+    <p:spTree>
+      <p:nvGrpSpPr>
+        <p:cNvPr id="1" name=""/>
+        <p:cNvGrpSpPr/>
+        <p:nvPr/>
+      </p:nvGrpSpPr>
+      <p:grpSpPr>
+        <a:xfrm>
+          <a:off x="0" y="0"/>
+          <a:ext cx="0" cy="0"/>
+          <a:chOff x="0" y="0"/>
+          <a:chExt cx="0" cy="0"/>
+        </a:xfrm>
+      </p:grpSpPr>
+      <p:sp>
+        <p:nvSpPr>
+          <p:cNvPr id="2" name="Title 1">
+            <a:extLst>
+              <a:ext uri="{FF2B5EF4-FFF2-40B4-BE49-F238E27FC236}">
+                <a16:creationId xmlns:a16="http://schemas.microsoft.com/office/drawing/2014/main" id="{E701A159-51CF-CD79-4764-F45ECDB43046}"/>
+              </a:ext>
+            </a:extLst>
+          </p:cNvPr>
+          <p:cNvSpPr>
+            <a:spLocks noGrp="1"/>
+          </p:cNvSpPr>
+          <p:nvPr>
+            <p:ph type="title"/>
+          </p:nvPr>
+        </p:nvSpPr>
+        <p:spPr/>
+        <p:txBody>
+          <a:bodyPr/>
+          <a:lstStyle/>
+          <a:p>
+            <a:r>
+              <a:rPr lang="en-US" dirty="0"/>
+              <a:t>Observational Studies</a:t>
+            </a:r>
+          </a:p>
+        </p:txBody>
+      </p:sp>
+      <p:sp>
+        <p:nvSpPr>
+          <p:cNvPr id="3" name="Content Placeholder 2">
+            <a:extLst>
+              <a:ext uri="{FF2B5EF4-FFF2-40B4-BE49-F238E27FC236}">
+                <a16:creationId xmlns:a16="http://schemas.microsoft.com/office/drawing/2014/main" id="{96AD5048-D149-BE65-3C2E-C963187B9F87}"/>
+              </a:ext>
+            </a:extLst>
+          </p:cNvPr>
+          <p:cNvSpPr>
+            <a:spLocks noGrp="1"/>
+          </p:cNvSpPr>
+          <p:nvPr>
+            <p:ph idx="1"/>
+          </p:nvPr>
+        </p:nvSpPr>
+        <p:spPr/>
+        <p:txBody>
+          <a:bodyPr/>
+          <a:lstStyle/>
+          <a:p>
+            <a:r>
+              <a:rPr lang="en-US" b="1" dirty="0"/>
+              <a:t>Often not an “experiment”:</a:t>
+            </a:r>
+            <a:r>
+              <a:rPr lang="en-US" dirty="0"/>
+              <a:t> Usually, the setting is not completely controlled and you are not looking for a single exact outcome</a:t>
+            </a:r>
+          </a:p>
+          <a:p>
+            <a:r>
+              <a:rPr lang="en-US" b="1" dirty="0"/>
+              <a:t>Usually: </a:t>
+            </a:r>
+            <a:r>
+              <a:rPr lang="en-US" dirty="0"/>
+              <a:t>Give the participant a task, watch them do it, analyze that</a:t>
+            </a:r>
+          </a:p>
+          <a:p>
+            <a:r>
+              <a:rPr lang="en-US" b="1" dirty="0"/>
+              <a:t>Open-ended </a:t>
+            </a:r>
+            <a:r>
+              <a:rPr lang="en-US" dirty="0"/>
+              <a:t>with potentially unpredictable results</a:t>
+            </a:r>
+            <a:endParaRPr lang="en-US" b="1" dirty="0"/>
+          </a:p>
+        </p:txBody>
+      </p:sp>
+    </p:spTree>
+    <p:extLst>
+      <p:ext uri="{BB962C8B-B14F-4D97-AF65-F5344CB8AC3E}">
+        <p14:creationId xmlns:p14="http://schemas.microsoft.com/office/powerpoint/2010/main" val="588804053"/>
+      </p:ext>
+    </p:extLst>
+  </p:cSld>
+  <p:clrMapOvr>
+    <a:masterClrMapping/>
+  </p:clrMapOvr>
+</p:sld>
+</file>
+
+<file path=ppt/slides/slide25.xml><?xml version="1.0" encoding="utf-8"?>
+<p:sld xmlns:a="http://schemas.openxmlformats.org/drawingml/2006/main" xmlns:r="http://schemas.openxmlformats.org/officeDocument/2006/relationships" xmlns:p="http://schemas.openxmlformats.org/presentationml/2006/main">
+  <p:cSld>
+    <p:spTree>
+      <p:nvGrpSpPr>
+        <p:cNvPr id="1" name=""/>
+        <p:cNvGrpSpPr/>
+        <p:nvPr/>
+      </p:nvGrpSpPr>
+      <p:grpSpPr>
+        <a:xfrm>
+          <a:off x="0" y="0"/>
+          <a:ext cx="0" cy="0"/>
+          <a:chOff x="0" y="0"/>
+          <a:chExt cx="0" cy="0"/>
+        </a:xfrm>
+      </p:grpSpPr>
+      <p:sp>
+        <p:nvSpPr>
+          <p:cNvPr id="2" name="Title 1">
+            <a:extLst>
+              <a:ext uri="{FF2B5EF4-FFF2-40B4-BE49-F238E27FC236}">
+                <a16:creationId xmlns:a16="http://schemas.microsoft.com/office/drawing/2014/main" id="{C35FF6FE-BB46-C5C3-DBFB-E1088F623ABF}"/>
+              </a:ext>
+            </a:extLst>
+          </p:cNvPr>
+          <p:cNvSpPr>
+            <a:spLocks noGrp="1"/>
+          </p:cNvSpPr>
+          <p:nvPr>
+            <p:ph type="title"/>
+          </p:nvPr>
+        </p:nvSpPr>
+        <p:spPr/>
+        <p:txBody>
+          <a:bodyPr/>
+          <a:lstStyle/>
+          <a:p>
+            <a:r>
+              <a:rPr lang="en-US" dirty="0"/>
+              <a:t>Picking Tasks</a:t>
+            </a:r>
+          </a:p>
+        </p:txBody>
+      </p:sp>
+      <p:sp>
+        <p:nvSpPr>
+          <p:cNvPr id="3" name="Content Placeholder 2">
+            <a:extLst>
+              <a:ext uri="{FF2B5EF4-FFF2-40B4-BE49-F238E27FC236}">
+                <a16:creationId xmlns:a16="http://schemas.microsoft.com/office/drawing/2014/main" id="{0AE8E94D-D76E-A59D-1144-89630539B6F4}"/>
+              </a:ext>
+            </a:extLst>
+          </p:cNvPr>
+          <p:cNvSpPr>
+            <a:spLocks noGrp="1"/>
+          </p:cNvSpPr>
+          <p:nvPr>
+            <p:ph idx="1"/>
+          </p:nvPr>
+        </p:nvSpPr>
+        <p:spPr/>
+        <p:txBody>
+          <a:bodyPr>
+            <a:normAutofit/>
+          </a:bodyPr>
+          <a:lstStyle/>
+          <a:p>
+            <a:r>
+              <a:rPr lang="en-US" dirty="0"/>
+              <a:t>Let your research questions guide you. Let yourself iterate. Try tasks for yourself and revise. Examples:</a:t>
+            </a:r>
+          </a:p>
+          <a:p>
+            <a:pPr lvl="1"/>
+            <a:r>
+              <a:rPr lang="en-US" dirty="0"/>
+              <a:t>“Write a program that satisfies this specification”</a:t>
+            </a:r>
+          </a:p>
+          <a:p>
+            <a:pPr lvl="1"/>
+            <a:r>
+              <a:rPr lang="en-US" dirty="0"/>
+              <a:t>“Fill in the missing code to satisfy the specification”</a:t>
+            </a:r>
+          </a:p>
+          <a:p>
+            <a:pPr lvl="1"/>
+            <a:r>
+              <a:rPr lang="en-US" dirty="0"/>
+              <a:t>“Read this code. Are there bugs? If so, which?”</a:t>
+            </a:r>
+          </a:p>
+          <a:p>
+            <a:pPr lvl="1"/>
+            <a:r>
+              <a:rPr lang="en-US" dirty="0"/>
+              <a:t>“Here is a debugger. Debug this code”</a:t>
+            </a:r>
+          </a:p>
+          <a:p>
+            <a:pPr lvl="1"/>
+            <a:r>
+              <a:rPr lang="en-US" dirty="0"/>
+              <a:t>“This code does not compile. Modify it so that it compiles”</a:t>
+            </a:r>
+          </a:p>
+          <a:p>
+            <a:pPr lvl="1"/>
+            <a:r>
+              <a:rPr lang="en-US" dirty="0"/>
+              <a:t>Parsons problems: Given these code snippets, put them in right order.</a:t>
+            </a:r>
+          </a:p>
+        </p:txBody>
+      </p:sp>
+    </p:spTree>
+    <p:extLst>
+      <p:ext uri="{BB962C8B-B14F-4D97-AF65-F5344CB8AC3E}">
+        <p14:creationId xmlns:p14="http://schemas.microsoft.com/office/powerpoint/2010/main" val="1220207834"/>
+      </p:ext>
+    </p:extLst>
+  </p:cSld>
+  <p:clrMapOvr>
+    <a:masterClrMapping/>
+  </p:clrMapOvr>
+</p:sld>
+</file>
+
+<file path=ppt/slides/slide26.xml><?xml version="1.0" encoding="utf-8"?>
+<p:sld xmlns:a="http://schemas.openxmlformats.org/drawingml/2006/main" xmlns:r="http://schemas.openxmlformats.org/officeDocument/2006/relationships" xmlns:p="http://schemas.openxmlformats.org/presentationml/2006/main">
+  <p:cSld>
+    <p:spTree>
+      <p:nvGrpSpPr>
+        <p:cNvPr id="1" name=""/>
+        <p:cNvGrpSpPr/>
+        <p:nvPr/>
+      </p:nvGrpSpPr>
+      <p:grpSpPr>
+        <a:xfrm>
+          <a:off x="0" y="0"/>
+          <a:ext cx="0" cy="0"/>
+          <a:chOff x="0" y="0"/>
+          <a:chExt cx="0" cy="0"/>
+        </a:xfrm>
+      </p:grpSpPr>
+      <p:sp>
+        <p:nvSpPr>
+          <p:cNvPr id="2" name="Title 1">
+            <a:extLst>
+              <a:ext uri="{FF2B5EF4-FFF2-40B4-BE49-F238E27FC236}">
+                <a16:creationId xmlns:a16="http://schemas.microsoft.com/office/drawing/2014/main" id="{EC7988C5-BDA2-5EC0-FE31-DEDEBAF7F3E1}"/>
+              </a:ext>
+            </a:extLst>
+          </p:cNvPr>
+          <p:cNvSpPr>
+            <a:spLocks noGrp="1"/>
+          </p:cNvSpPr>
+          <p:nvPr>
+            <p:ph type="title"/>
+          </p:nvPr>
+        </p:nvSpPr>
+        <p:spPr/>
+        <p:txBody>
+          <a:bodyPr/>
+          <a:lstStyle/>
+          <a:p>
+            <a:r>
+              <a:rPr lang="en-US" dirty="0"/>
+              <a:t>Participant Preparation</a:t>
+            </a:r>
+          </a:p>
+        </p:txBody>
+      </p:sp>
+      <p:sp>
+        <p:nvSpPr>
+          <p:cNvPr id="3" name="Content Placeholder 2">
+            <a:extLst>
+              <a:ext uri="{FF2B5EF4-FFF2-40B4-BE49-F238E27FC236}">
+                <a16:creationId xmlns:a16="http://schemas.microsoft.com/office/drawing/2014/main" id="{18B91967-E981-402C-E815-D8D129C9492C}"/>
+              </a:ext>
+            </a:extLst>
+          </p:cNvPr>
+          <p:cNvSpPr>
+            <a:spLocks noGrp="1"/>
+          </p:cNvSpPr>
+          <p:nvPr>
+            <p:ph idx="1"/>
+          </p:nvPr>
+        </p:nvSpPr>
+        <p:spPr/>
+        <p:txBody>
+          <a:bodyPr>
+            <a:normAutofit/>
+          </a:bodyPr>
+          <a:lstStyle/>
+          <a:p>
+            <a:pPr lvl="1"/>
+            <a:r>
+              <a:rPr lang="en-US" dirty="0"/>
+              <a:t>Do they need training? What kind?</a:t>
+            </a:r>
+          </a:p>
+          <a:p>
+            <a:pPr lvl="1"/>
+            <a:r>
+              <a:rPr lang="en-US" dirty="0"/>
+              <a:t>What tools (physical + software) are needed? Simulate code on paper?</a:t>
+            </a:r>
+          </a:p>
+          <a:p>
+            <a:pPr lvl="1"/>
+            <a:r>
+              <a:rPr lang="en-US" dirty="0"/>
+              <a:t>Know how much information and help you’re willing to provide, in very clear terms, before you start.</a:t>
+            </a:r>
+          </a:p>
+          <a:p>
+            <a:pPr lvl="1"/>
+            <a:r>
+              <a:rPr lang="en-US" dirty="0"/>
+              <a:t>Rehearse interviewing best-practices such as using probe questions, asking one question at a time, speaking in clear, simple terms, and providing adequate time to answer.</a:t>
+            </a:r>
+          </a:p>
+          <a:p>
+            <a:pPr lvl="1"/>
+            <a:r>
+              <a:rPr lang="en-US" dirty="0"/>
+              <a:t>Bring a notetaking device in addition to any recordings, so that you can go through the recordings “as-needed” rather than in their entirety.</a:t>
+            </a:r>
+          </a:p>
+          <a:p>
+            <a:pPr lvl="1"/>
+            <a:r>
+              <a:rPr lang="en-US" dirty="0"/>
+              <a:t>Keep a timer/clock in view so that you can record timestamps in your notes</a:t>
+            </a:r>
+          </a:p>
+        </p:txBody>
+      </p:sp>
+    </p:spTree>
+    <p:extLst>
+      <p:ext uri="{BB962C8B-B14F-4D97-AF65-F5344CB8AC3E}">
+        <p14:creationId xmlns:p14="http://schemas.microsoft.com/office/powerpoint/2010/main" val="1565108819"/>
+      </p:ext>
+    </p:extLst>
+  </p:cSld>
+  <p:clrMapOvr>
+    <a:masterClrMapping/>
+  </p:clrMapOvr>
+</p:sld>
+</file>
+
+<file path=ppt/slides/slide27.xml><?xml version="1.0" encoding="utf-8"?>
+<p:sld xmlns:a="http://schemas.openxmlformats.org/drawingml/2006/main" xmlns:r="http://schemas.openxmlformats.org/officeDocument/2006/relationships" xmlns:p="http://schemas.openxmlformats.org/presentationml/2006/main">
+  <p:cSld>
+    <p:spTree>
+      <p:nvGrpSpPr>
+        <p:cNvPr id="1" name=""/>
+        <p:cNvGrpSpPr/>
+        <p:nvPr/>
+      </p:nvGrpSpPr>
+      <p:grpSpPr>
+        <a:xfrm>
+          <a:off x="0" y="0"/>
+          <a:ext cx="0" cy="0"/>
+          <a:chOff x="0" y="0"/>
+          <a:chExt cx="0" cy="0"/>
+        </a:xfrm>
+      </p:grpSpPr>
+      <p:sp>
+        <p:nvSpPr>
+          <p:cNvPr id="2" name="Title 1">
+            <a:extLst>
+              <a:ext uri="{FF2B5EF4-FFF2-40B4-BE49-F238E27FC236}">
+                <a16:creationId xmlns:a16="http://schemas.microsoft.com/office/drawing/2014/main" id="{0E1EC217-6780-E308-3E63-94C782165039}"/>
+              </a:ext>
+            </a:extLst>
+          </p:cNvPr>
+          <p:cNvSpPr>
+            <a:spLocks noGrp="1"/>
+          </p:cNvSpPr>
+          <p:nvPr>
+            <p:ph type="title"/>
+          </p:nvPr>
+        </p:nvSpPr>
+        <p:spPr/>
+        <p:txBody>
+          <a:bodyPr/>
+          <a:lstStyle/>
+          <a:p>
+            <a:r>
+              <a:rPr lang="en-US" dirty="0"/>
+              <a:t>Revising Tasks</a:t>
+            </a:r>
+          </a:p>
+        </p:txBody>
+      </p:sp>
+      <p:sp>
+        <p:nvSpPr>
+          <p:cNvPr id="3" name="Content Placeholder 2">
+            <a:extLst>
+              <a:ext uri="{FF2B5EF4-FFF2-40B4-BE49-F238E27FC236}">
+                <a16:creationId xmlns:a16="http://schemas.microsoft.com/office/drawing/2014/main" id="{6CB1D050-BCD9-2F1E-8624-B1E22A8E14AF}"/>
+              </a:ext>
+            </a:extLst>
+          </p:cNvPr>
+          <p:cNvSpPr>
+            <a:spLocks noGrp="1"/>
+          </p:cNvSpPr>
+          <p:nvPr>
+            <p:ph idx="1"/>
+          </p:nvPr>
+        </p:nvSpPr>
+        <p:spPr/>
+        <p:txBody>
+          <a:bodyPr>
+            <a:normAutofit/>
+          </a:bodyPr>
+          <a:lstStyle/>
+          <a:p>
+            <a:pPr lvl="1"/>
+            <a:r>
+              <a:rPr lang="en-US" dirty="0"/>
+              <a:t>Identify the most important point of your language design, design task for that</a:t>
+            </a:r>
+          </a:p>
+          <a:p>
+            <a:pPr lvl="1"/>
+            <a:r>
+              <a:rPr lang="en-US" dirty="0"/>
+              <a:t> Task should be easy enough to be possible, hard enough to be meaningful</a:t>
+            </a:r>
+          </a:p>
+          <a:p>
+            <a:pPr lvl="1"/>
+            <a:r>
+              <a:rPr lang="en-US" dirty="0"/>
+              <a:t>Don’t give too many tasks</a:t>
+            </a:r>
+          </a:p>
+          <a:p>
+            <a:pPr lvl="1"/>
+            <a:r>
+              <a:rPr lang="en-US" dirty="0"/>
+              <a:t>Minimize distractions, e.g., you don’t want a subject to spend 30 minutes exploring whitespace questions if the language is whitespace-insensitive.</a:t>
+            </a:r>
+          </a:p>
+          <a:p>
+            <a:pPr lvl="1"/>
+            <a:r>
+              <a:rPr lang="en-US" dirty="0"/>
+              <a:t>Narrow task scope to only things you care about</a:t>
+            </a:r>
+          </a:p>
+          <a:p>
+            <a:pPr lvl="1"/>
+            <a:r>
+              <a:rPr lang="en-US" dirty="0"/>
+              <a:t>For big monolithic tasks, consider breaking them down into small tasks (unless your point is to assess integration of the smaller parts, big-picture thinking, etc.)</a:t>
+            </a:r>
+          </a:p>
+        </p:txBody>
+      </p:sp>
+    </p:spTree>
+    <p:extLst>
+      <p:ext uri="{BB962C8B-B14F-4D97-AF65-F5344CB8AC3E}">
+        <p14:creationId xmlns:p14="http://schemas.microsoft.com/office/powerpoint/2010/main" val="3324808840"/>
+      </p:ext>
+    </p:extLst>
+  </p:cSld>
+  <p:clrMapOvr>
+    <a:masterClrMapping/>
+  </p:clrMapOvr>
+</p:sld>
+</file>
+
+<file path=ppt/slides/slide28.xml><?xml version="1.0" encoding="utf-8"?>
+<p:sld xmlns:a="http://schemas.openxmlformats.org/drawingml/2006/main" xmlns:r="http://schemas.openxmlformats.org/officeDocument/2006/relationships" xmlns:p="http://schemas.openxmlformats.org/presentationml/2006/main">
+  <p:cSld>
+    <p:spTree>
+      <p:nvGrpSpPr>
+        <p:cNvPr id="1" name=""/>
+        <p:cNvGrpSpPr/>
+        <p:nvPr/>
+      </p:nvGrpSpPr>
+      <p:grpSpPr>
+        <a:xfrm>
+          <a:off x="0" y="0"/>
+          <a:ext cx="0" cy="0"/>
+          <a:chOff x="0" y="0"/>
+          <a:chExt cx="0" cy="0"/>
+        </a:xfrm>
+      </p:grpSpPr>
+      <p:sp>
+        <p:nvSpPr>
+          <p:cNvPr id="2" name="Title 1">
+            <a:extLst>
+              <a:ext uri="{FF2B5EF4-FFF2-40B4-BE49-F238E27FC236}">
+                <a16:creationId xmlns:a16="http://schemas.microsoft.com/office/drawing/2014/main" id="{2533527B-D03A-865B-4FB2-EFD40F91EC3F}"/>
+              </a:ext>
+            </a:extLst>
+          </p:cNvPr>
+          <p:cNvSpPr>
+            <a:spLocks noGrp="1"/>
+          </p:cNvSpPr>
+          <p:nvPr>
+            <p:ph type="title"/>
+          </p:nvPr>
+        </p:nvSpPr>
+        <p:spPr/>
+        <p:txBody>
+          <a:bodyPr/>
+          <a:lstStyle/>
+          <a:p>
+            <a:r>
+              <a:rPr lang="en-US" dirty="0"/>
+              <a:t>Collecting Data</a:t>
+            </a:r>
+          </a:p>
+        </p:txBody>
+      </p:sp>
+      <p:sp>
+        <p:nvSpPr>
+          <p:cNvPr id="3" name="Content Placeholder 2">
+            <a:extLst>
+              <a:ext uri="{FF2B5EF4-FFF2-40B4-BE49-F238E27FC236}">
+                <a16:creationId xmlns:a16="http://schemas.microsoft.com/office/drawing/2014/main" id="{850A2995-DC9B-5DE6-A258-8776D5B0DC16}"/>
+              </a:ext>
+            </a:extLst>
+          </p:cNvPr>
+          <p:cNvSpPr>
+            <a:spLocks noGrp="1"/>
+          </p:cNvSpPr>
+          <p:nvPr>
+            <p:ph idx="1"/>
+          </p:nvPr>
+        </p:nvSpPr>
+        <p:spPr/>
+        <p:txBody>
+          <a:bodyPr/>
+          <a:lstStyle/>
+          <a:p>
+            <a:pPr lvl="1"/>
+            <a:r>
+              <a:rPr lang="en-US" dirty="0"/>
+              <a:t>Audio + Video + Screen recordings</a:t>
+            </a:r>
+          </a:p>
+          <a:p>
+            <a:pPr lvl="1"/>
+            <a:r>
+              <a:rPr lang="en-US" dirty="0"/>
+              <a:t>Eye tracking (expensive!!)</a:t>
+            </a:r>
+          </a:p>
+          <a:p>
+            <a:pPr lvl="1"/>
+            <a:r>
+              <a:rPr lang="en-US" dirty="0"/>
+              <a:t>Post-study Surveys (see Survey lecture)</a:t>
+            </a:r>
+          </a:p>
+          <a:p>
+            <a:pPr lvl="1"/>
+            <a:r>
+              <a:rPr lang="en-US" dirty="0"/>
+              <a:t>Think-aloud: have them think through thoughts out loud either after or during study. Prompt them to keep talking.</a:t>
+            </a:r>
+          </a:p>
+          <a:p>
+            <a:pPr lvl="1"/>
+            <a:r>
+              <a:rPr lang="en-US" dirty="0"/>
+              <a:t>Take lots of notes</a:t>
+            </a:r>
+          </a:p>
+        </p:txBody>
+      </p:sp>
+    </p:spTree>
+    <p:extLst>
+      <p:ext uri="{BB962C8B-B14F-4D97-AF65-F5344CB8AC3E}">
+        <p14:creationId xmlns:p14="http://schemas.microsoft.com/office/powerpoint/2010/main" val="504142309"/>
       </p:ext>
     </p:extLst>
   </p:cSld>
@@ -4597,7 +10565,7 @@
           <p:cNvPr id="2" name="Title 1">
             <a:extLst>
               <a:ext uri="{FF2B5EF4-FFF2-40B4-BE49-F238E27FC236}">
-                <a16:creationId xmlns:a16="http://schemas.microsoft.com/office/drawing/2014/main" id="{3C0C9D27-1DBE-217D-2D9B-D86B541001D9}"/>
+                <a16:creationId xmlns:a16="http://schemas.microsoft.com/office/drawing/2014/main" id="{18D7A3D8-5D0E-72E1-9708-0CEE8A72672F}"/>
               </a:ext>
             </a:extLst>
           </p:cNvPr>
@@ -4615,7 +10583,7 @@
           <a:p>
             <a:r>
               <a:rPr lang="en-US" dirty="0"/>
-              <a:t>Interviews</a:t>
+              <a:t>Section: Interviews</a:t>
             </a:r>
           </a:p>
         </p:txBody>
@@ -4625,7 +10593,7 @@
           <p:cNvPr id="3" name="Content Placeholder 2">
             <a:extLst>
               <a:ext uri="{FF2B5EF4-FFF2-40B4-BE49-F238E27FC236}">
-                <a16:creationId xmlns:a16="http://schemas.microsoft.com/office/drawing/2014/main" id="{E3BAD25D-EE33-D401-E0D6-E4063DAF840F}"/>
+                <a16:creationId xmlns:a16="http://schemas.microsoft.com/office/drawing/2014/main" id="{8E1AA787-51AF-25B1-E8B9-2FE7925F1ED9}"/>
               </a:ext>
             </a:extLst>
           </p:cNvPr>
@@ -4638,70 +10606,17 @@
         </p:nvSpPr>
         <p:spPr/>
         <p:txBody>
-          <a:bodyPr>
-            <a:normAutofit lnSpcReduction="10000"/>
-          </a:bodyPr>
-          <a:lstStyle/>
-          <a:p>
-            <a:r>
-              <a:rPr lang="en-US" dirty="0"/>
-              <a:t>Common tool for collecting qualitative data from subjects</a:t>
-            </a:r>
-          </a:p>
-          <a:p>
-            <a:r>
-              <a:rPr lang="en-US" b="1" dirty="0"/>
-              <a:t>Pro:</a:t>
-            </a:r>
-            <a:r>
-              <a:rPr lang="en-US" dirty="0"/>
-              <a:t> Provides greater flexibility than a survey. You can ask follow-up questions, clarify, etc.</a:t>
-            </a:r>
-          </a:p>
-          <a:p>
-            <a:r>
-              <a:rPr lang="en-US" b="1" dirty="0"/>
-              <a:t>Con: </a:t>
-            </a:r>
-            <a:r>
-              <a:rPr lang="en-US" dirty="0"/>
-              <a:t>Takes more time to perform and to analyze that survey</a:t>
-            </a:r>
-          </a:p>
-          <a:p>
-            <a:r>
-              <a:rPr lang="en-US" b="1" dirty="0"/>
-              <a:t>Preparing for an Interview:</a:t>
-            </a:r>
-          </a:p>
-          <a:p>
-            <a:pPr lvl="1"/>
-            <a:r>
-              <a:rPr lang="en-US" b="1" dirty="0"/>
-              <a:t>Write a script</a:t>
-            </a:r>
+          <a:bodyPr/>
+          <a:lstStyle/>
+          <a:p>
             <a:endParaRPr lang="en-US" dirty="0"/>
-          </a:p>
-          <a:p>
-            <a:pPr lvl="1"/>
-            <a:r>
-              <a:rPr lang="en-US" dirty="0"/>
-              <a:t>Understand how you will use the script</a:t>
-            </a:r>
-          </a:p>
-          <a:p>
-            <a:pPr lvl="1"/>
-            <a:r>
-              <a:rPr lang="en-US" dirty="0"/>
-              <a:t>Consider a semi-structured interview, where some deviation from the script is allowed</a:t>
-            </a:r>
           </a:p>
         </p:txBody>
       </p:sp>
     </p:spTree>
     <p:extLst>
       <p:ext uri="{BB962C8B-B14F-4D97-AF65-F5344CB8AC3E}">
-        <p14:creationId xmlns:p14="http://schemas.microsoft.com/office/powerpoint/2010/main" val="941542469"/>
+        <p14:creationId xmlns:p14="http://schemas.microsoft.com/office/powerpoint/2010/main" val="1826470612"/>
       </p:ext>
     </p:extLst>
   </p:cSld>
@@ -4733,7 +10648,7 @@
           <p:cNvPr id="2" name="Title 1">
             <a:extLst>
               <a:ext uri="{FF2B5EF4-FFF2-40B4-BE49-F238E27FC236}">
-                <a16:creationId xmlns:a16="http://schemas.microsoft.com/office/drawing/2014/main" id="{C98F40F6-8C2E-0AA6-5CAD-E496626B1D0D}"/>
+                <a16:creationId xmlns:a16="http://schemas.microsoft.com/office/drawing/2014/main" id="{3C0C9D27-1DBE-217D-2D9B-D86B541001D9}"/>
               </a:ext>
             </a:extLst>
           </p:cNvPr>
@@ -4751,7 +10666,7 @@
           <a:p>
             <a:r>
               <a:rPr lang="en-US" dirty="0"/>
-              <a:t>Writing an Interview Script</a:t>
+              <a:t>Interviews</a:t>
             </a:r>
           </a:p>
         </p:txBody>
@@ -4761,7 +10676,7 @@
           <p:cNvPr id="3" name="Content Placeholder 2">
             <a:extLst>
               <a:ext uri="{FF2B5EF4-FFF2-40B4-BE49-F238E27FC236}">
-                <a16:creationId xmlns:a16="http://schemas.microsoft.com/office/drawing/2014/main" id="{0DBF1762-6FB7-A770-0AE5-CCE1A6FA785F}"/>
+                <a16:creationId xmlns:a16="http://schemas.microsoft.com/office/drawing/2014/main" id="{E3BAD25D-EE33-D401-E0D6-E4063DAF840F}"/>
               </a:ext>
             </a:extLst>
           </p:cNvPr>
@@ -4775,93 +10690,69 @@
         <p:spPr/>
         <p:txBody>
           <a:bodyPr>
-            <a:normAutofit fontScale="92500" lnSpcReduction="10000"/>
+            <a:normAutofit lnSpcReduction="10000"/>
           </a:bodyPr>
           <a:lstStyle/>
           <a:p>
             <a:r>
               <a:rPr lang="en-US" dirty="0"/>
-              <a:t>1. First question: Do they consent to recording the interview?</a:t>
+              <a:t>Common tool for collecting qualitative data from subjects</a:t>
+            </a:r>
+          </a:p>
+          <a:p>
+            <a:r>
+              <a:rPr lang="en-US" b="1" dirty="0"/>
+              <a:t>Pro:</a:t>
+            </a:r>
+            <a:r>
+              <a:rPr lang="en-US" dirty="0"/>
+              <a:t> Provides greater flexibility than a survey. You can ask follow-up questions, clarify, etc.</a:t>
+            </a:r>
+          </a:p>
+          <a:p>
+            <a:r>
+              <a:rPr lang="en-US" b="1" dirty="0"/>
+              <a:t>Con: </a:t>
+            </a:r>
+            <a:r>
+              <a:rPr lang="en-US" dirty="0"/>
+              <a:t>Takes more time to perform and to analyze that survey</a:t>
+            </a:r>
+          </a:p>
+          <a:p>
+            <a:r>
+              <a:rPr lang="en-US" b="1" dirty="0"/>
+              <a:t>Preparing for an Interview:</a:t>
             </a:r>
           </a:p>
           <a:p>
             <a:pPr lvl="1"/>
             <a:r>
-              <a:rPr lang="en-US" dirty="0"/>
-              <a:t>Recording is a helpful standard practice, so you need not rely on written notes</a:t>
-            </a:r>
-          </a:p>
-          <a:p>
-            <a:r>
-              <a:rPr lang="en-US" dirty="0"/>
-              <a:t>2. Write your core questions</a:t>
-            </a:r>
+              <a:rPr lang="en-US" b="1" dirty="0"/>
+              <a:t>Write a script</a:t>
+            </a:r>
+            <a:endParaRPr lang="en-US" dirty="0"/>
           </a:p>
           <a:p>
             <a:pPr lvl="1"/>
             <a:r>
               <a:rPr lang="en-US" dirty="0"/>
-              <a:t>What are the core research questions you want to answer? How?</a:t>
-            </a:r>
-          </a:p>
-          <a:p>
-            <a:r>
-              <a:rPr lang="en-US" dirty="0"/>
-              <a:t>3. Write follow-ups, including probes</a:t>
+              <a:t>Understand how you will use the script</a:t>
             </a:r>
           </a:p>
           <a:p>
             <a:pPr lvl="1"/>
             <a:r>
               <a:rPr lang="en-US" dirty="0"/>
-              <a:t>“How do you mean that?”</a:t>
-            </a:r>
-          </a:p>
-          <a:p>
-            <a:pPr lvl="1"/>
-            <a:r>
-              <a:rPr lang="en-US" dirty="0"/>
-              <a:t>“Tell me more about that”</a:t>
-            </a:r>
-          </a:p>
-          <a:p>
-            <a:pPr lvl="1"/>
-            <a:r>
-              <a:rPr lang="en-US" dirty="0"/>
-              <a:t>“Anything else?”</a:t>
-            </a:r>
-          </a:p>
-          <a:p>
-            <a:r>
-              <a:rPr lang="en-US" dirty="0"/>
-              <a:t>Probe sometimes gets </a:t>
-            </a:r>
-            <a:r>
-              <a:rPr lang="en-US" b="1" dirty="0"/>
-              <a:t>more </a:t>
-            </a:r>
-            <a:r>
-              <a:rPr lang="en-US" dirty="0"/>
-              <a:t>answers than original</a:t>
-            </a:r>
-            <a:br>
-              <a:rPr lang="en-US" dirty="0"/>
-            </a:br>
-            <a:r>
-              <a:rPr lang="en-US" dirty="0"/>
-              <a:t>Use neutral tone, no leading questions</a:t>
-            </a:r>
-          </a:p>
-          <a:p>
-            <a:pPr lvl="1"/>
-            <a:endParaRPr lang="en-US" dirty="0"/>
+              <a:t>Consider a semi-structured interview, where some deviation from the script is allowed</a:t>
+            </a:r>
           </a:p>
         </p:txBody>
       </p:sp>
     </p:spTree>
     <p:extLst>
       <p:ext uri="{BB962C8B-B14F-4D97-AF65-F5344CB8AC3E}">
-        <p14:creationId xmlns:p14="http://schemas.microsoft.com/office/powerpoint/2010/main" val="2262986844"/>
+        <p14:creationId xmlns:p14="http://schemas.microsoft.com/office/powerpoint/2010/main" val="941542469"/>
       </p:ext>
     </p:extLst>
   </p:cSld>
@@ -4893,7 +10784,7 @@
           <p:cNvPr id="2" name="Title 1">
             <a:extLst>
               <a:ext uri="{FF2B5EF4-FFF2-40B4-BE49-F238E27FC236}">
-                <a16:creationId xmlns:a16="http://schemas.microsoft.com/office/drawing/2014/main" id="{E701A159-51CF-CD79-4764-F45ECDB43046}"/>
+                <a16:creationId xmlns:a16="http://schemas.microsoft.com/office/drawing/2014/main" id="{C98F40F6-8C2E-0AA6-5CAD-E496626B1D0D}"/>
               </a:ext>
             </a:extLst>
           </p:cNvPr>
@@ -4911,7 +10802,7 @@
           <a:p>
             <a:r>
               <a:rPr lang="en-US" dirty="0"/>
-              <a:t>Observational Studies</a:t>
+              <a:t>Writing an Interview Script</a:t>
             </a:r>
           </a:p>
         </p:txBody>
@@ -4921,7 +10812,7 @@
           <p:cNvPr id="3" name="Content Placeholder 2">
             <a:extLst>
               <a:ext uri="{FF2B5EF4-FFF2-40B4-BE49-F238E27FC236}">
-                <a16:creationId xmlns:a16="http://schemas.microsoft.com/office/drawing/2014/main" id="{96AD5048-D149-BE65-3C2E-C963187B9F87}"/>
+                <a16:creationId xmlns:a16="http://schemas.microsoft.com/office/drawing/2014/main" id="{0DBF1762-6FB7-A770-0AE5-CCE1A6FA785F}"/>
               </a:ext>
             </a:extLst>
           </p:cNvPr>
@@ -4934,45 +10825,94 @@
         </p:nvSpPr>
         <p:spPr/>
         <p:txBody>
-          <a:bodyPr/>
-          <a:lstStyle/>
-          <a:p>
+          <a:bodyPr>
+            <a:normAutofit fontScale="92500" lnSpcReduction="10000"/>
+          </a:bodyPr>
+          <a:lstStyle/>
+          <a:p>
+            <a:r>
+              <a:rPr lang="en-US" dirty="0"/>
+              <a:t>1. First question: Do they consent to recording the interview?</a:t>
+            </a:r>
+          </a:p>
+          <a:p>
+            <a:pPr lvl="1"/>
+            <a:r>
+              <a:rPr lang="en-US" dirty="0"/>
+              <a:t>Recording is a helpful standard practice, so you need not rely on written notes</a:t>
+            </a:r>
+          </a:p>
+          <a:p>
+            <a:r>
+              <a:rPr lang="en-US" dirty="0"/>
+              <a:t>2. Write your core questions</a:t>
+            </a:r>
+          </a:p>
+          <a:p>
+            <a:pPr lvl="1"/>
+            <a:r>
+              <a:rPr lang="en-US" dirty="0"/>
+              <a:t>What are the core research questions you want to answer? How?</a:t>
+            </a:r>
+          </a:p>
+          <a:p>
+            <a:r>
+              <a:rPr lang="en-US" dirty="0"/>
+              <a:t>3. Write follow-ups, including probes</a:t>
+            </a:r>
+          </a:p>
+          <a:p>
+            <a:pPr lvl="1"/>
+            <a:r>
+              <a:rPr lang="en-US" dirty="0"/>
+              <a:t>“How do you mean that?”</a:t>
+            </a:r>
+          </a:p>
+          <a:p>
+            <a:pPr lvl="1"/>
+            <a:r>
+              <a:rPr lang="en-US" dirty="0"/>
+              <a:t>“Tell me more about that”</a:t>
+            </a:r>
+          </a:p>
+          <a:p>
+            <a:pPr lvl="1"/>
+            <a:r>
+              <a:rPr lang="en-US" dirty="0"/>
+              <a:t>“Anything else?”</a:t>
+            </a:r>
+          </a:p>
+          <a:p>
+            <a:r>
+              <a:rPr lang="en-US" dirty="0"/>
+              <a:t>Probe sometimes gets </a:t>
+            </a:r>
             <a:r>
               <a:rPr lang="en-US" b="1" dirty="0"/>
-              <a:t>Often not an “experiment”:</a:t>
-            </a:r>
-            <a:r>
-              <a:rPr lang="en-US" dirty="0"/>
-              <a:t> Usually, the setting is not completely controlled and you are not looking for a single exact outcome</a:t>
-            </a:r>
-          </a:p>
-          <a:p>
-            <a:r>
-              <a:rPr lang="en-US" b="1" dirty="0"/>
-              <a:t>Usually: </a:t>
-            </a:r>
-            <a:r>
-              <a:rPr lang="en-US" dirty="0"/>
-              <a:t>Give the participant a task, watch them do it, analyze that</a:t>
-            </a:r>
-          </a:p>
-          <a:p>
-            <a:r>
-              <a:rPr lang="en-US" b="1" dirty="0"/>
-              <a:t>Open-ended </a:t>
-            </a:r>
-            <a:r>
-              <a:rPr lang="en-US" dirty="0"/>
-              <a:t>with potentially unpredictable results</a:t>
-            </a:r>
-            <a:endParaRPr lang="en-US" b="1" dirty="0"/>
+              <a:t>more </a:t>
+            </a:r>
+            <a:r>
+              <a:rPr lang="en-US" dirty="0"/>
+              <a:t>answers than original</a:t>
+            </a:r>
+            <a:br>
+              <a:rPr lang="en-US" dirty="0"/>
+            </a:br>
+            <a:r>
+              <a:rPr lang="en-US" dirty="0"/>
+              <a:t>Use neutral tone, no leading questions</a:t>
+            </a:r>
+          </a:p>
+          <a:p>
+            <a:pPr lvl="1"/>
+            <a:endParaRPr lang="en-US" dirty="0"/>
           </a:p>
         </p:txBody>
       </p:sp>
     </p:spTree>
     <p:extLst>
       <p:ext uri="{BB962C8B-B14F-4D97-AF65-F5344CB8AC3E}">
-        <p14:creationId xmlns:p14="http://schemas.microsoft.com/office/powerpoint/2010/main" val="588804053"/>
+        <p14:creationId xmlns:p14="http://schemas.microsoft.com/office/powerpoint/2010/main" val="2262986844"/>
       </p:ext>
     </p:extLst>
   </p:cSld>
@@ -5004,7 +10944,7 @@
           <p:cNvPr id="2" name="Title 1">
             <a:extLst>
               <a:ext uri="{FF2B5EF4-FFF2-40B4-BE49-F238E27FC236}">
-                <a16:creationId xmlns:a16="http://schemas.microsoft.com/office/drawing/2014/main" id="{C35FF6FE-BB46-C5C3-DBFB-E1088F623ABF}"/>
+                <a16:creationId xmlns:a16="http://schemas.microsoft.com/office/drawing/2014/main" id="{EE028824-4C65-2559-2FDD-DABC57BE0ECA}"/>
               </a:ext>
             </a:extLst>
           </p:cNvPr>
@@ -5022,7 +10962,7 @@
           <a:p>
             <a:r>
               <a:rPr lang="en-US" dirty="0"/>
-              <a:t>Picking Tasks</a:t>
+              <a:t>Example Interview Script: Motivation</a:t>
             </a:r>
           </a:p>
         </p:txBody>
@@ -5032,7 +10972,7 @@
           <p:cNvPr id="3" name="Content Placeholder 2">
             <a:extLst>
               <a:ext uri="{FF2B5EF4-FFF2-40B4-BE49-F238E27FC236}">
-                <a16:creationId xmlns:a16="http://schemas.microsoft.com/office/drawing/2014/main" id="{0AE8E94D-D76E-A59D-1144-89630539B6F4}"/>
+                <a16:creationId xmlns:a16="http://schemas.microsoft.com/office/drawing/2014/main" id="{14925CDB-C4C2-B684-5317-9E3C7B3BD76C}"/>
               </a:ext>
             </a:extLst>
           </p:cNvPr>
@@ -5045,56 +10985,45 @@
         </p:nvSpPr>
         <p:spPr/>
         <p:txBody>
-          <a:bodyPr>
-            <a:normAutofit/>
-          </a:bodyPr>
-          <a:lstStyle/>
-          <a:p>
-            <a:r>
-              <a:rPr lang="en-US" dirty="0"/>
-              <a:t>Let your research questions guide you. Let yourself iterate. Try tasks for yourself and revise. Examples:</a:t>
-            </a:r>
-          </a:p>
-          <a:p>
-            <a:pPr lvl="1"/>
-            <a:r>
-              <a:rPr lang="en-US" dirty="0"/>
-              <a:t>“Write a program that satisfies this specification”</a:t>
-            </a:r>
-          </a:p>
-          <a:p>
-            <a:pPr lvl="1"/>
-            <a:r>
-              <a:rPr lang="en-US" dirty="0"/>
-              <a:t>“Fill in the missing code to satisfy the specification”</a:t>
-            </a:r>
-          </a:p>
-          <a:p>
-            <a:pPr lvl="1"/>
-            <a:r>
-              <a:rPr lang="en-US" dirty="0"/>
-              <a:t>“Read this code. Are there bugs? If so, which?”</a:t>
-            </a:r>
-          </a:p>
-          <a:p>
-            <a:pPr lvl="1"/>
-            <a:r>
-              <a:rPr lang="en-US" dirty="0"/>
-              <a:t>“Here is a debugger. Debug this code”</a:t>
-            </a:r>
-          </a:p>
-          <a:p>
-            <a:pPr lvl="1"/>
-            <a:r>
-              <a:rPr lang="en-US" dirty="0"/>
-              <a:t>“This code does not compile. Modify it so that it compiles”</a:t>
-            </a:r>
-          </a:p>
-          <a:p>
-            <a:pPr lvl="1"/>
-            <a:r>
-              <a:rPr lang="en-US" dirty="0"/>
-              <a:t>Parsons problems: Given these code snippets, put them in right order.</a:t>
+          <a:bodyPr/>
+          <a:lstStyle/>
+          <a:p>
+            <a:pPr marL="514350" indent="-514350">
+              <a:buFont typeface="+mj-lt"/>
+              <a:buAutoNum type="arabicPeriod"/>
+            </a:pPr>
+            <a:r>
+              <a:rPr lang="en-US" dirty="0"/>
+              <a:t>How do you (want to) use programming as a tool in your life?</a:t>
+            </a:r>
+          </a:p>
+          <a:p>
+            <a:pPr marL="514350" indent="-514350">
+              <a:buFont typeface="+mj-lt"/>
+              <a:buAutoNum type="arabicPeriod"/>
+            </a:pPr>
+            <a:r>
+              <a:rPr lang="en-US" dirty="0"/>
+              <a:t>What do you most want to learn about your tools?</a:t>
+            </a:r>
+          </a:p>
+          <a:p>
+            <a:pPr marL="514350" indent="-514350">
+              <a:buFont typeface="+mj-lt"/>
+              <a:buAutoNum type="arabicPeriod"/>
+            </a:pPr>
+            <a:r>
+              <a:rPr lang="en-US" dirty="0"/>
+              <a:t>How would learning that help you?</a:t>
+            </a:r>
+          </a:p>
+          <a:p>
+            <a:pPr marL="0" indent="0">
+              <a:buNone/>
+            </a:pPr>
+            <a:r>
+              <a:rPr lang="en-US" dirty="0"/>
+              <a:t>In addition to the scripted questions, you will ask probe questions (e.g., “tell me more,” “what do you mean by that?”) and other follow-up questions when appropriate.</a:t>
             </a:r>
           </a:p>
         </p:txBody>
@@ -5102,7 +11031,7 @@
     </p:spTree>
     <p:extLst>
       <p:ext uri="{BB962C8B-B14F-4D97-AF65-F5344CB8AC3E}">
-        <p14:creationId xmlns:p14="http://schemas.microsoft.com/office/powerpoint/2010/main" val="1220207834"/>
+        <p14:creationId xmlns:p14="http://schemas.microsoft.com/office/powerpoint/2010/main" val="2694330910"/>
       </p:ext>
     </p:extLst>
   </p:cSld>
@@ -5134,7 +11063,7 @@
           <p:cNvPr id="2" name="Title 1">
             <a:extLst>
               <a:ext uri="{FF2B5EF4-FFF2-40B4-BE49-F238E27FC236}">
-                <a16:creationId xmlns:a16="http://schemas.microsoft.com/office/drawing/2014/main" id="{EC7988C5-BDA2-5EC0-FE31-DEDEBAF7F3E1}"/>
+                <a16:creationId xmlns:a16="http://schemas.microsoft.com/office/drawing/2014/main" id="{EE028824-4C65-2559-2FDD-DABC57BE0ECA}"/>
               </a:ext>
             </a:extLst>
           </p:cNvPr>
@@ -5152,8 +11081,17 @@
           <a:p>
             <a:r>
               <a:rPr lang="en-US" dirty="0"/>
-              <a:t>Participant Preparation</a:t>
-            </a:r>
+              <a:t>Interview </a:t>
+            </a:r>
+            <a:r>
+              <a:rPr lang="en-US" b="1" dirty="0"/>
+              <a:t>Activity</a:t>
+            </a:r>
+            <a:r>
+              <a:rPr lang="en-US" dirty="0"/>
+              <a:t> (5-10 mins)</a:t>
+            </a:r>
+            <a:endParaRPr lang="en-US" b="1" dirty="0"/>
           </a:p>
         </p:txBody>
       </p:sp>
@@ -5162,7 +11100,7 @@
           <p:cNvPr id="3" name="Content Placeholder 2">
             <a:extLst>
               <a:ext uri="{FF2B5EF4-FFF2-40B4-BE49-F238E27FC236}">
-                <a16:creationId xmlns:a16="http://schemas.microsoft.com/office/drawing/2014/main" id="{18B91967-E981-402C-E815-D8D129C9492C}"/>
+                <a16:creationId xmlns:a16="http://schemas.microsoft.com/office/drawing/2014/main" id="{14925CDB-C4C2-B684-5317-9E3C7B3BD76C}"/>
               </a:ext>
             </a:extLst>
           </p:cNvPr>
@@ -5175,50 +11113,54 @@
         </p:nvSpPr>
         <p:spPr/>
         <p:txBody>
-          <a:bodyPr>
-            <a:normAutofit/>
-          </a:bodyPr>
-          <a:lstStyle/>
-          <a:p>
-            <a:pPr lvl="1"/>
-            <a:r>
-              <a:rPr lang="en-US" dirty="0"/>
-              <a:t>Do they need training? What kind?</a:t>
-            </a:r>
-          </a:p>
-          <a:p>
-            <a:pPr lvl="1"/>
-            <a:r>
-              <a:rPr lang="en-US" dirty="0"/>
-              <a:t>What tools (physical + software) are needed? Simulate code on paper?</a:t>
-            </a:r>
-          </a:p>
-          <a:p>
-            <a:pPr lvl="1"/>
-            <a:r>
-              <a:rPr lang="en-US" dirty="0"/>
-              <a:t>Know how much information and help you’re willing to provide, in very clear terms, before you start.</a:t>
-            </a:r>
-          </a:p>
-          <a:p>
-            <a:pPr lvl="1"/>
-            <a:r>
-              <a:rPr lang="en-US" dirty="0"/>
-              <a:t>Rehearse interviewing best-practices such as using probe questions, asking one question at a time, speaking in clear, simple terms, and providing adequate time to answer.</a:t>
-            </a:r>
-          </a:p>
-          <a:p>
-            <a:pPr lvl="1"/>
-            <a:r>
-              <a:rPr lang="en-US" dirty="0"/>
-              <a:t>Bring a notetaking device in addition to any recordings, so that you can go through the recordings “as-needed” rather than in their entirety.</a:t>
-            </a:r>
-          </a:p>
-          <a:p>
-            <a:pPr lvl="1"/>
-            <a:r>
-              <a:rPr lang="en-US" dirty="0"/>
-              <a:t>Keep a timer/clock in view so that you can record timestamps in your notes</a:t>
+          <a:bodyPr/>
+          <a:lstStyle/>
+          <a:p>
+            <a:pPr marL="514350" indent="-514350">
+              <a:buFont typeface="+mj-lt"/>
+              <a:buAutoNum type="arabicPeriod"/>
+            </a:pPr>
+            <a:r>
+              <a:rPr lang="en-US" dirty="0"/>
+              <a:t>How do you (want to) use programming as a tool in your life?</a:t>
+            </a:r>
+          </a:p>
+          <a:p>
+            <a:pPr marL="514350" indent="-514350">
+              <a:buFont typeface="+mj-lt"/>
+              <a:buAutoNum type="arabicPeriod"/>
+            </a:pPr>
+            <a:r>
+              <a:rPr lang="en-US" dirty="0"/>
+              <a:t>What do you most want to learn about your tools?</a:t>
+            </a:r>
+          </a:p>
+          <a:p>
+            <a:pPr marL="514350" indent="-514350">
+              <a:buFont typeface="+mj-lt"/>
+              <a:buAutoNum type="arabicPeriod"/>
+            </a:pPr>
+            <a:r>
+              <a:rPr lang="en-US" dirty="0"/>
+              <a:t>How would learning that help you?</a:t>
+            </a:r>
+          </a:p>
+          <a:p>
+            <a:pPr marL="0" indent="0">
+              <a:buNone/>
+            </a:pPr>
+            <a:r>
+              <a:rPr lang="en-US" dirty="0"/>
+              <a:t>Form pairs. Interview your partner, then switch. Ask &gt;= 1 follow-up.</a:t>
+            </a:r>
+          </a:p>
+          <a:p>
+            <a:pPr marL="0" indent="0">
+              <a:buNone/>
+            </a:pPr>
+            <a:r>
+              <a:rPr lang="en-US" b="1" dirty="0"/>
+              <a:t>Take notes from your interview, we will use them later in lecture</a:t>
             </a:r>
           </a:p>
         </p:txBody>
@@ -5226,7 +11168,7 @@
     </p:spTree>
     <p:extLst>
       <p:ext uri="{BB962C8B-B14F-4D97-AF65-F5344CB8AC3E}">
-        <p14:creationId xmlns:p14="http://schemas.microsoft.com/office/powerpoint/2010/main" val="1565108819"/>
+        <p14:creationId xmlns:p14="http://schemas.microsoft.com/office/powerpoint/2010/main" val="20345408"/>
       </p:ext>
     </p:extLst>
   </p:cSld>
@@ -5258,7 +11200,7 @@
           <p:cNvPr id="2" name="Title 1">
             <a:extLst>
               <a:ext uri="{FF2B5EF4-FFF2-40B4-BE49-F238E27FC236}">
-                <a16:creationId xmlns:a16="http://schemas.microsoft.com/office/drawing/2014/main" id="{0E1EC217-6780-E308-3E63-94C782165039}"/>
+                <a16:creationId xmlns:a16="http://schemas.microsoft.com/office/drawing/2014/main" id="{EE028824-4C65-2559-2FDD-DABC57BE0ECA}"/>
               </a:ext>
             </a:extLst>
           </p:cNvPr>
@@ -5276,17 +11218,18 @@
           <a:p>
             <a:r>
               <a:rPr lang="en-US" dirty="0"/>
-              <a:t>Revising Tasks</a:t>
-            </a:r>
-          </a:p>
-        </p:txBody>
-      </p:sp>
-      <p:sp>
-        <p:nvSpPr>
-          <p:cNvPr id="3" name="Content Placeholder 2">
-            <a:extLst>
-              <a:ext uri="{FF2B5EF4-FFF2-40B4-BE49-F238E27FC236}">
-                <a16:creationId xmlns:a16="http://schemas.microsoft.com/office/drawing/2014/main" id="{6CB1D050-BCD9-2F1E-8624-B1E22A8E14AF}"/>
+              <a:t>Section: Thematic Analysis</a:t>
+            </a:r>
+            <a:endParaRPr lang="en-US" b="1" dirty="0"/>
+          </a:p>
+        </p:txBody>
+      </p:sp>
+      <p:sp>
+        <p:nvSpPr>
+          <p:cNvPr id="5" name="Content Placeholder 4">
+            <a:extLst>
+              <a:ext uri="{FF2B5EF4-FFF2-40B4-BE49-F238E27FC236}">
+                <a16:creationId xmlns:a16="http://schemas.microsoft.com/office/drawing/2014/main" id="{B1435148-2020-49A6-8FB6-D53B80C99769}"/>
               </a:ext>
             </a:extLst>
           </p:cNvPr>
@@ -5299,58 +11242,17 @@
         </p:nvSpPr>
         <p:spPr/>
         <p:txBody>
-          <a:bodyPr>
-            <a:normAutofit/>
-          </a:bodyPr>
-          <a:lstStyle/>
-          <a:p>
-            <a:pPr lvl="1"/>
-            <a:r>
-              <a:rPr lang="en-US" dirty="0"/>
-              <a:t>Identify the most important point of your language design, design task for that</a:t>
-            </a:r>
-          </a:p>
-          <a:p>
-            <a:pPr lvl="1"/>
-            <a:r>
-              <a:rPr lang="en-US" dirty="0"/>
-              <a:t> Task should be easy enough to be possible, hard enough to be meaningful</a:t>
-            </a:r>
-          </a:p>
-          <a:p>
-            <a:pPr lvl="1"/>
-            <a:r>
-              <a:rPr lang="en-US" dirty="0"/>
-              <a:t>Don’t give too many tasks</a:t>
-            </a:r>
-          </a:p>
-          <a:p>
-            <a:pPr lvl="1"/>
-            <a:r>
-              <a:rPr lang="en-US" dirty="0"/>
-              <a:t>Minimize distractions, e.g., you don’t want a subject to spend 30 minutes exploring whitespace questions if the language is whitespace-insensitive.</a:t>
-            </a:r>
-          </a:p>
-          <a:p>
-            <a:pPr lvl="1"/>
-            <a:r>
-              <a:rPr lang="en-US" dirty="0"/>
-              <a:t>Narrow task scope to only things you care about</a:t>
-            </a:r>
-          </a:p>
-          <a:p>
-            <a:pPr lvl="1"/>
-            <a:r>
-              <a:rPr lang="en-US" dirty="0"/>
-              <a:t>For big monolithic tasks, consider breaking them down into small tasks (unless your point is to assess integration of the smaller parts, big-picture thinking, etc.)</a:t>
-            </a:r>
+          <a:bodyPr/>
+          <a:lstStyle/>
+          <a:p>
+            <a:endParaRPr lang="en-US"/>
           </a:p>
         </p:txBody>
       </p:sp>
     </p:spTree>
     <p:extLst>
       <p:ext uri="{BB962C8B-B14F-4D97-AF65-F5344CB8AC3E}">
-        <p14:creationId xmlns:p14="http://schemas.microsoft.com/office/powerpoint/2010/main" val="3324808840"/>
+        <p14:creationId xmlns:p14="http://schemas.microsoft.com/office/powerpoint/2010/main" val="4256077874"/>
       </p:ext>
     </p:extLst>
   </p:cSld>
@@ -5382,7 +11284,7 @@
           <p:cNvPr id="2" name="Title 1">
             <a:extLst>
               <a:ext uri="{FF2B5EF4-FFF2-40B4-BE49-F238E27FC236}">
-                <a16:creationId xmlns:a16="http://schemas.microsoft.com/office/drawing/2014/main" id="{2533527B-D03A-865B-4FB2-EFD40F91EC3F}"/>
+                <a16:creationId xmlns:a16="http://schemas.microsoft.com/office/drawing/2014/main" id="{93340A0C-EAC1-42AA-32D7-0F0485DF424E}"/>
               </a:ext>
             </a:extLst>
           </p:cNvPr>
@@ -5400,7 +11302,7 @@
           <a:p>
             <a:r>
               <a:rPr lang="en-US" dirty="0"/>
-              <a:t>Collecting Data</a:t>
+              <a:t>Interpreting Qualitative Data</a:t>
             </a:r>
           </a:p>
         </p:txBody>
@@ -5410,7 +11312,7 @@
           <p:cNvPr id="3" name="Content Placeholder 2">
             <a:extLst>
               <a:ext uri="{FF2B5EF4-FFF2-40B4-BE49-F238E27FC236}">
-                <a16:creationId xmlns:a16="http://schemas.microsoft.com/office/drawing/2014/main" id="{850A2995-DC9B-5DE6-A258-8776D5B0DC16}"/>
+                <a16:creationId xmlns:a16="http://schemas.microsoft.com/office/drawing/2014/main" id="{39257BD6-EA54-3978-EFDB-AB707C5FEE2B}"/>
               </a:ext>
             </a:extLst>
           </p:cNvPr>
@@ -5423,49 +11325,106 @@
         </p:nvSpPr>
         <p:spPr/>
         <p:txBody>
-          <a:bodyPr/>
-          <a:lstStyle/>
+          <a:bodyPr>
+            <a:normAutofit/>
+          </a:bodyPr>
+          <a:lstStyle/>
+          <a:p>
+            <a:r>
+              <a:rPr lang="en-US" b="1" dirty="0"/>
+              <a:t>Challenge:</a:t>
+            </a:r>
+            <a:r>
+              <a:rPr lang="en-US" dirty="0"/>
+              <a:t> Interpreting qualitative data is always subjective. How do we deal with this challenge in an intellectually serious way?</a:t>
+            </a:r>
+          </a:p>
+          <a:p>
+            <a:r>
+              <a:rPr lang="en-US" b="1" dirty="0"/>
+              <a:t>Two answers:</a:t>
+            </a:r>
+            <a:endParaRPr lang="en-US" dirty="0"/>
+          </a:p>
+          <a:p>
+            <a:pPr marL="514350" indent="-514350">
+              <a:buFont typeface="+mj-lt"/>
+              <a:buAutoNum type="arabicPeriod"/>
+            </a:pPr>
+            <a:r>
+              <a:rPr lang="en-US" dirty="0"/>
+              <a:t>“little-q qualitative”: Ensure that the analysis is reproducible</a:t>
+            </a:r>
+          </a:p>
+          <a:p>
+            <a:pPr marL="514350" indent="-514350">
+              <a:buFont typeface="+mj-lt"/>
+              <a:buAutoNum type="arabicPeriod"/>
+            </a:pPr>
+            <a:r>
+              <a:rPr lang="en-US" dirty="0"/>
+              <a:t>“Big-Q Qualitative”: Embrace subjectivity, communicate it well</a:t>
+            </a:r>
+          </a:p>
+          <a:p>
+            <a:r>
+              <a:rPr lang="en-US" dirty="0"/>
+              <a:t>Two main methods, </a:t>
+            </a:r>
+            <a:r>
+              <a:rPr lang="en-US" b="1" dirty="0"/>
+              <a:t>grounded theory </a:t>
+            </a:r>
+            <a:r>
+              <a:rPr lang="en-US" dirty="0"/>
+              <a:t>and </a:t>
+            </a:r>
+            <a:r>
+              <a:rPr lang="en-US" b="1" dirty="0"/>
+              <a:t>thematic analysis</a:t>
+            </a:r>
+            <a:r>
+              <a:rPr lang="en-US" dirty="0"/>
+              <a:t>, share:</a:t>
+            </a:r>
+          </a:p>
           <a:p>
             <a:pPr lvl="1"/>
             <a:r>
               <a:rPr lang="en-US" dirty="0"/>
-              <a:t>Audio + Video + Screen recordings</a:t>
-            </a:r>
+              <a:t>Annotate insightful data in a process called </a:t>
+            </a:r>
+            <a:r>
+              <a:rPr lang="en-US" b="1" dirty="0"/>
+              <a:t>coding</a:t>
+            </a:r>
+            <a:endParaRPr lang="en-US" dirty="0"/>
           </a:p>
           <a:p>
             <a:pPr lvl="1"/>
             <a:r>
               <a:rPr lang="en-US" dirty="0"/>
-              <a:t>Eye tracking (expensive!!)</a:t>
-            </a:r>
-          </a:p>
-          <a:p>
-            <a:pPr lvl="1"/>
-            <a:r>
-              <a:rPr lang="en-US" dirty="0"/>
-              <a:t>Post-study Surveys (see Survey lecture)</a:t>
-            </a:r>
-          </a:p>
-          <a:p>
-            <a:pPr lvl="1"/>
-            <a:r>
-              <a:rPr lang="en-US" dirty="0"/>
-              <a:t>Think-aloud: have them think through thoughts out loud either after or during study. Prompt them to keep talking.</a:t>
-            </a:r>
-          </a:p>
-          <a:p>
-            <a:pPr lvl="1"/>
-            <a:r>
-              <a:rPr lang="en-US" dirty="0"/>
-              <a:t>Take lots of notes</a:t>
-            </a:r>
+              <a:t>Iteratively collect codes together to form your conclusions</a:t>
+            </a:r>
+          </a:p>
+          <a:p>
+            <a:pPr marL="0" indent="0">
+              <a:buNone/>
+            </a:pPr>
+            <a:endParaRPr lang="en-US" dirty="0"/>
+          </a:p>
+          <a:p>
+            <a:pPr marL="0" indent="0">
+              <a:buNone/>
+            </a:pPr>
+            <a:endParaRPr lang="en-US" dirty="0"/>
           </a:p>
         </p:txBody>
       </p:sp>
     </p:spTree>
     <p:extLst>
       <p:ext uri="{BB962C8B-B14F-4D97-AF65-F5344CB8AC3E}">
-        <p14:creationId xmlns:p14="http://schemas.microsoft.com/office/powerpoint/2010/main" val="504142309"/>
+        <p14:creationId xmlns:p14="http://schemas.microsoft.com/office/powerpoint/2010/main" val="2852547438"/>
       </p:ext>
     </p:extLst>
   </p:cSld>

--- a/LectureSlides/09Design3.pptx
+++ b/LectureSlides/09Design3.pptx
@@ -363,7 +363,7 @@
           <a:p>
             <a:fld id="{DF0DA02A-3D36-4521-B995-F6A931B35345}" type="datetimeFigureOut">
               <a:rPr lang="en-US" smtClean="0"/>
-              <a:t>10/27/2023</a:t>
+              <a:t>10/30/2023</a:t>
             </a:fld>
             <a:endParaRPr lang="en-US"/>
           </a:p>
@@ -571,7 +571,7 @@
           <a:p>
             <a:fld id="{DF0DA02A-3D36-4521-B995-F6A931B35345}" type="datetimeFigureOut">
               <a:rPr lang="en-US" smtClean="0"/>
-              <a:t>10/27/2023</a:t>
+              <a:t>10/30/2023</a:t>
             </a:fld>
             <a:endParaRPr lang="en-US"/>
           </a:p>
@@ -827,7 +827,7 @@
           <a:p>
             <a:fld id="{DF0DA02A-3D36-4521-B995-F6A931B35345}" type="datetimeFigureOut">
               <a:rPr lang="en-US" smtClean="0"/>
-              <a:t>10/27/2023</a:t>
+              <a:t>10/30/2023</a:t>
             </a:fld>
             <a:endParaRPr lang="en-US"/>
           </a:p>
@@ -1012,7 +1012,7 @@
           <a:p>
             <a:fld id="{DF0DA02A-3D36-4521-B995-F6A931B35345}" type="datetimeFigureOut">
               <a:rPr lang="en-US" smtClean="0"/>
-              <a:t>10/27/2023</a:t>
+              <a:t>10/30/2023</a:t>
             </a:fld>
             <a:endParaRPr lang="en-US"/>
           </a:p>
@@ -1355,7 +1355,7 @@
           <a:p>
             <a:fld id="{DF0DA02A-3D36-4521-B995-F6A931B35345}" type="datetimeFigureOut">
               <a:rPr lang="en-US" smtClean="0"/>
-              <a:t>10/27/2023</a:t>
+              <a:t>10/30/2023</a:t>
             </a:fld>
             <a:endParaRPr lang="en-US"/>
           </a:p>
@@ -1660,7 +1660,7 @@
           <a:p>
             <a:fld id="{DF0DA02A-3D36-4521-B995-F6A931B35345}" type="datetimeFigureOut">
               <a:rPr lang="en-US" smtClean="0"/>
-              <a:t>10/27/2023</a:t>
+              <a:t>10/30/2023</a:t>
             </a:fld>
             <a:endParaRPr lang="en-US"/>
           </a:p>
@@ -2069,7 +2069,7 @@
           <a:p>
             <a:fld id="{DF0DA02A-3D36-4521-B995-F6A931B35345}" type="datetimeFigureOut">
               <a:rPr lang="en-US" smtClean="0"/>
-              <a:t>10/27/2023</a:t>
+              <a:t>10/30/2023</a:t>
             </a:fld>
             <a:endParaRPr lang="en-US"/>
           </a:p>
@@ -2187,7 +2187,7 @@
           <a:p>
             <a:fld id="{DF0DA02A-3D36-4521-B995-F6A931B35345}" type="datetimeFigureOut">
               <a:rPr lang="en-US" smtClean="0"/>
-              <a:t>10/27/2023</a:t>
+              <a:t>10/30/2023</a:t>
             </a:fld>
             <a:endParaRPr lang="en-US"/>
           </a:p>
@@ -2358,7 +2358,7 @@
           <a:p>
             <a:fld id="{DF0DA02A-3D36-4521-B995-F6A931B35345}" type="datetimeFigureOut">
               <a:rPr lang="en-US" smtClean="0"/>
-              <a:t>10/27/2023</a:t>
+              <a:t>10/30/2023</a:t>
             </a:fld>
             <a:endParaRPr lang="en-US"/>
           </a:p>
@@ -2727,7 +2727,7 @@
           <a:p>
             <a:fld id="{DF0DA02A-3D36-4521-B995-F6A931B35345}" type="datetimeFigureOut">
               <a:rPr lang="en-US" smtClean="0"/>
-              <a:t>10/27/2023</a:t>
+              <a:t>10/30/2023</a:t>
             </a:fld>
             <a:endParaRPr lang="en-US"/>
           </a:p>
@@ -3104,7 +3104,7 @@
           <a:p>
             <a:fld id="{DF0DA02A-3D36-4521-B995-F6A931B35345}" type="datetimeFigureOut">
               <a:rPr lang="en-US" smtClean="0"/>
-              <a:t>10/27/2023</a:t>
+              <a:t>10/30/2023</a:t>
             </a:fld>
             <a:endParaRPr lang="en-US"/>
           </a:p>
@@ -3391,7 +3391,7 @@
           <a:p>
             <a:fld id="{DF0DA02A-3D36-4521-B995-F6A931B35345}" type="datetimeFigureOut">
               <a:rPr lang="en-US" smtClean="0"/>
-              <a:t>10/27/2023</a:t>
+              <a:t>10/30/2023</a:t>
             </a:fld>
             <a:endParaRPr lang="en-US"/>
           </a:p>

--- a/LectureSlides/09Design3.pptx
+++ b/LectureSlides/09Design3.pptx
@@ -363,7 +363,7 @@
           <a:p>
             <a:fld id="{DF0DA02A-3D36-4521-B995-F6A931B35345}" type="datetimeFigureOut">
               <a:rPr lang="en-US" smtClean="0"/>
-              <a:t>10/30/2023</a:t>
+              <a:t>10/14/2024</a:t>
             </a:fld>
             <a:endParaRPr lang="en-US"/>
           </a:p>
@@ -571,7 +571,7 @@
           <a:p>
             <a:fld id="{DF0DA02A-3D36-4521-B995-F6A931B35345}" type="datetimeFigureOut">
               <a:rPr lang="en-US" smtClean="0"/>
-              <a:t>10/30/2023</a:t>
+              <a:t>10/14/2024</a:t>
             </a:fld>
             <a:endParaRPr lang="en-US"/>
           </a:p>
@@ -827,7 +827,7 @@
           <a:p>
             <a:fld id="{DF0DA02A-3D36-4521-B995-F6A931B35345}" type="datetimeFigureOut">
               <a:rPr lang="en-US" smtClean="0"/>
-              <a:t>10/30/2023</a:t>
+              <a:t>10/14/2024</a:t>
             </a:fld>
             <a:endParaRPr lang="en-US"/>
           </a:p>
@@ -1012,7 +1012,7 @@
           <a:p>
             <a:fld id="{DF0DA02A-3D36-4521-B995-F6A931B35345}" type="datetimeFigureOut">
               <a:rPr lang="en-US" smtClean="0"/>
-              <a:t>10/30/2023</a:t>
+              <a:t>10/14/2024</a:t>
             </a:fld>
             <a:endParaRPr lang="en-US"/>
           </a:p>
@@ -1355,7 +1355,7 @@
           <a:p>
             <a:fld id="{DF0DA02A-3D36-4521-B995-F6A931B35345}" type="datetimeFigureOut">
               <a:rPr lang="en-US" smtClean="0"/>
-              <a:t>10/30/2023</a:t>
+              <a:t>10/14/2024</a:t>
             </a:fld>
             <a:endParaRPr lang="en-US"/>
           </a:p>
@@ -1660,7 +1660,7 @@
           <a:p>
             <a:fld id="{DF0DA02A-3D36-4521-B995-F6A931B35345}" type="datetimeFigureOut">
               <a:rPr lang="en-US" smtClean="0"/>
-              <a:t>10/30/2023</a:t>
+              <a:t>10/14/2024</a:t>
             </a:fld>
             <a:endParaRPr lang="en-US"/>
           </a:p>
@@ -2069,7 +2069,7 @@
           <a:p>
             <a:fld id="{DF0DA02A-3D36-4521-B995-F6A931B35345}" type="datetimeFigureOut">
               <a:rPr lang="en-US" smtClean="0"/>
-              <a:t>10/30/2023</a:t>
+              <a:t>10/14/2024</a:t>
             </a:fld>
             <a:endParaRPr lang="en-US"/>
           </a:p>
@@ -2187,7 +2187,7 @@
           <a:p>
             <a:fld id="{DF0DA02A-3D36-4521-B995-F6A931B35345}" type="datetimeFigureOut">
               <a:rPr lang="en-US" smtClean="0"/>
-              <a:t>10/30/2023</a:t>
+              <a:t>10/14/2024</a:t>
             </a:fld>
             <a:endParaRPr lang="en-US"/>
           </a:p>
@@ -2358,7 +2358,7 @@
           <a:p>
             <a:fld id="{DF0DA02A-3D36-4521-B995-F6A931B35345}" type="datetimeFigureOut">
               <a:rPr lang="en-US" smtClean="0"/>
-              <a:t>10/30/2023</a:t>
+              <a:t>10/14/2024</a:t>
             </a:fld>
             <a:endParaRPr lang="en-US"/>
           </a:p>
@@ -2727,7 +2727,7 @@
           <a:p>
             <a:fld id="{DF0DA02A-3D36-4521-B995-F6A931B35345}" type="datetimeFigureOut">
               <a:rPr lang="en-US" smtClean="0"/>
-              <a:t>10/30/2023</a:t>
+              <a:t>10/14/2024</a:t>
             </a:fld>
             <a:endParaRPr lang="en-US"/>
           </a:p>
@@ -3104,7 +3104,7 @@
           <a:p>
             <a:fld id="{DF0DA02A-3D36-4521-B995-F6A931B35345}" type="datetimeFigureOut">
               <a:rPr lang="en-US" smtClean="0"/>
-              <a:t>10/30/2023</a:t>
+              <a:t>10/14/2024</a:t>
             </a:fld>
             <a:endParaRPr lang="en-US"/>
           </a:p>
@@ -3391,7 +3391,7 @@
           <a:p>
             <a:fld id="{DF0DA02A-3D36-4521-B995-F6A931B35345}" type="datetimeFigureOut">
               <a:rPr lang="en-US" smtClean="0"/>
-              <a:t>10/30/2023</a:t>
+              <a:t>10/14/2024</a:t>
             </a:fld>
             <a:endParaRPr lang="en-US"/>
           </a:p>
@@ -3966,15 +3966,23 @@
           <a:p>
             <a:r>
               <a:rPr lang="en-US" dirty="0"/>
-              <a:t>Slides  ©2023 Rose </a:t>
+              <a:t>Slides  </a:t>
+            </a:r>
+            <a:r>
+              <a:rPr lang="en-US"/>
+              <a:t>©2024 </a:t>
+            </a:r>
+            <a:r>
+              <a:rPr lang="en-US" dirty="0"/>
+              <a:t>Rose </a:t>
             </a:r>
             <a:r>
               <a:rPr lang="en-US" dirty="0" err="1"/>
-              <a:t>bohrer</a:t>
-            </a:r>
-            <a:r>
-              <a:rPr lang="en-US" dirty="0"/>
-              <a:t>, used for cs 4536/536 at </a:t>
+              <a:t>bohrer,</a:t>
+            </a:r>
+            <a:r>
+              <a:rPr lang="en-US" dirty="0"/>
+              <a:t> used for cs 4536/536 at </a:t>
             </a:r>
             <a:r>
               <a:rPr lang="en-US" dirty="0" err="1"/>

--- a/LectureSlides/09Design3.pptx
+++ b/LectureSlides/09Design3.pptx
@@ -5,34 +5,35 @@
     <p:sldMasterId id="2147483696" r:id="rId1"/>
   </p:sldMasterIdLst>
   <p:sldIdLst>
-    <p:sldId id="256" r:id="rId2"/>
-    <p:sldId id="257" r:id="rId3"/>
-    <p:sldId id="272" r:id="rId4"/>
-    <p:sldId id="258" r:id="rId5"/>
-    <p:sldId id="261" r:id="rId6"/>
-    <p:sldId id="269" r:id="rId7"/>
-    <p:sldId id="270" r:id="rId8"/>
-    <p:sldId id="271" r:id="rId9"/>
-    <p:sldId id="260" r:id="rId10"/>
-    <p:sldId id="266" r:id="rId11"/>
-    <p:sldId id="273" r:id="rId12"/>
-    <p:sldId id="274" r:id="rId13"/>
-    <p:sldId id="275" r:id="rId14"/>
-    <p:sldId id="276" r:id="rId15"/>
-    <p:sldId id="277" r:id="rId16"/>
-    <p:sldId id="278" r:id="rId17"/>
-    <p:sldId id="279" r:id="rId18"/>
-    <p:sldId id="280" r:id="rId19"/>
-    <p:sldId id="281" r:id="rId20"/>
-    <p:sldId id="282" r:id="rId21"/>
-    <p:sldId id="283" r:id="rId22"/>
-    <p:sldId id="284" r:id="rId23"/>
-    <p:sldId id="268" r:id="rId24"/>
-    <p:sldId id="259" r:id="rId25"/>
-    <p:sldId id="262" r:id="rId26"/>
-    <p:sldId id="263" r:id="rId27"/>
-    <p:sldId id="264" r:id="rId28"/>
-    <p:sldId id="265" r:id="rId29"/>
+    <p:sldId id="285" r:id="rId2"/>
+    <p:sldId id="256" r:id="rId3"/>
+    <p:sldId id="257" r:id="rId4"/>
+    <p:sldId id="272" r:id="rId5"/>
+    <p:sldId id="258" r:id="rId6"/>
+    <p:sldId id="261" r:id="rId7"/>
+    <p:sldId id="269" r:id="rId8"/>
+    <p:sldId id="270" r:id="rId9"/>
+    <p:sldId id="271" r:id="rId10"/>
+    <p:sldId id="260" r:id="rId11"/>
+    <p:sldId id="266" r:id="rId12"/>
+    <p:sldId id="273" r:id="rId13"/>
+    <p:sldId id="274" r:id="rId14"/>
+    <p:sldId id="275" r:id="rId15"/>
+    <p:sldId id="276" r:id="rId16"/>
+    <p:sldId id="277" r:id="rId17"/>
+    <p:sldId id="278" r:id="rId18"/>
+    <p:sldId id="279" r:id="rId19"/>
+    <p:sldId id="280" r:id="rId20"/>
+    <p:sldId id="281" r:id="rId21"/>
+    <p:sldId id="282" r:id="rId22"/>
+    <p:sldId id="283" r:id="rId23"/>
+    <p:sldId id="284" r:id="rId24"/>
+    <p:sldId id="268" r:id="rId25"/>
+    <p:sldId id="259" r:id="rId26"/>
+    <p:sldId id="262" r:id="rId27"/>
+    <p:sldId id="263" r:id="rId28"/>
+    <p:sldId id="264" r:id="rId29"/>
+    <p:sldId id="265" r:id="rId30"/>
   </p:sldIdLst>
   <p:sldSz cx="12192000" cy="6858000"/>
   <p:notesSz cx="6858000" cy="9144000"/>
@@ -363,7 +364,7 @@
           <a:p>
             <a:fld id="{DF0DA02A-3D36-4521-B995-F6A931B35345}" type="datetimeFigureOut">
               <a:rPr lang="en-US" smtClean="0"/>
-              <a:t>10/14/2024</a:t>
+              <a:t>11/18/2024</a:t>
             </a:fld>
             <a:endParaRPr lang="en-US"/>
           </a:p>
@@ -571,7 +572,7 @@
           <a:p>
             <a:fld id="{DF0DA02A-3D36-4521-B995-F6A931B35345}" type="datetimeFigureOut">
               <a:rPr lang="en-US" smtClean="0"/>
-              <a:t>10/14/2024</a:t>
+              <a:t>11/18/2024</a:t>
             </a:fld>
             <a:endParaRPr lang="en-US"/>
           </a:p>
@@ -827,7 +828,7 @@
           <a:p>
             <a:fld id="{DF0DA02A-3D36-4521-B995-F6A931B35345}" type="datetimeFigureOut">
               <a:rPr lang="en-US" smtClean="0"/>
-              <a:t>10/14/2024</a:t>
+              <a:t>11/18/2024</a:t>
             </a:fld>
             <a:endParaRPr lang="en-US"/>
           </a:p>
@@ -1012,7 +1013,7 @@
           <a:p>
             <a:fld id="{DF0DA02A-3D36-4521-B995-F6A931B35345}" type="datetimeFigureOut">
               <a:rPr lang="en-US" smtClean="0"/>
-              <a:t>10/14/2024</a:t>
+              <a:t>11/18/2024</a:t>
             </a:fld>
             <a:endParaRPr lang="en-US"/>
           </a:p>
@@ -1355,7 +1356,7 @@
           <a:p>
             <a:fld id="{DF0DA02A-3D36-4521-B995-F6A931B35345}" type="datetimeFigureOut">
               <a:rPr lang="en-US" smtClean="0"/>
-              <a:t>10/14/2024</a:t>
+              <a:t>11/18/2024</a:t>
             </a:fld>
             <a:endParaRPr lang="en-US"/>
           </a:p>
@@ -1660,7 +1661,7 @@
           <a:p>
             <a:fld id="{DF0DA02A-3D36-4521-B995-F6A931B35345}" type="datetimeFigureOut">
               <a:rPr lang="en-US" smtClean="0"/>
-              <a:t>10/14/2024</a:t>
+              <a:t>11/18/2024</a:t>
             </a:fld>
             <a:endParaRPr lang="en-US"/>
           </a:p>
@@ -2069,7 +2070,7 @@
           <a:p>
             <a:fld id="{DF0DA02A-3D36-4521-B995-F6A931B35345}" type="datetimeFigureOut">
               <a:rPr lang="en-US" smtClean="0"/>
-              <a:t>10/14/2024</a:t>
+              <a:t>11/18/2024</a:t>
             </a:fld>
             <a:endParaRPr lang="en-US"/>
           </a:p>
@@ -2187,7 +2188,7 @@
           <a:p>
             <a:fld id="{DF0DA02A-3D36-4521-B995-F6A931B35345}" type="datetimeFigureOut">
               <a:rPr lang="en-US" smtClean="0"/>
-              <a:t>10/14/2024</a:t>
+              <a:t>11/18/2024</a:t>
             </a:fld>
             <a:endParaRPr lang="en-US"/>
           </a:p>
@@ -2358,7 +2359,7 @@
           <a:p>
             <a:fld id="{DF0DA02A-3D36-4521-B995-F6A931B35345}" type="datetimeFigureOut">
               <a:rPr lang="en-US" smtClean="0"/>
-              <a:t>10/14/2024</a:t>
+              <a:t>11/18/2024</a:t>
             </a:fld>
             <a:endParaRPr lang="en-US"/>
           </a:p>
@@ -2727,7 +2728,7 @@
           <a:p>
             <a:fld id="{DF0DA02A-3D36-4521-B995-F6A931B35345}" type="datetimeFigureOut">
               <a:rPr lang="en-US" smtClean="0"/>
-              <a:t>10/14/2024</a:t>
+              <a:t>11/18/2024</a:t>
             </a:fld>
             <a:endParaRPr lang="en-US"/>
           </a:p>
@@ -3104,7 +3105,7 @@
           <a:p>
             <a:fld id="{DF0DA02A-3D36-4521-B995-F6A931B35345}" type="datetimeFigureOut">
               <a:rPr lang="en-US" smtClean="0"/>
-              <a:t>10/14/2024</a:t>
+              <a:t>11/18/2024</a:t>
             </a:fld>
             <a:endParaRPr lang="en-US"/>
           </a:p>
@@ -3391,7 +3392,7 @@
           <a:p>
             <a:fld id="{DF0DA02A-3D36-4521-B995-F6A931B35345}" type="datetimeFigureOut">
               <a:rPr lang="en-US" smtClean="0"/>
-              <a:t>10/14/2024</a:t>
+              <a:t>11/18/2024</a:t>
             </a:fld>
             <a:endParaRPr lang="en-US"/>
           </a:p>
@@ -3920,15 +3921,15 @@
           <p:cNvPr id="2" name="Title 1">
             <a:extLst>
               <a:ext uri="{FF2B5EF4-FFF2-40B4-BE49-F238E27FC236}">
-                <a16:creationId xmlns:a16="http://schemas.microsoft.com/office/drawing/2014/main" id="{18D7AA46-D914-99EE-6EC8-D02B82086F7A}"/>
-              </a:ext>
-            </a:extLst>
-          </p:cNvPr>
-          <p:cNvSpPr>
-            <a:spLocks noGrp="1"/>
-          </p:cNvSpPr>
-          <p:nvPr>
-            <p:ph type="ctrTitle"/>
+                <a16:creationId xmlns:a16="http://schemas.microsoft.com/office/drawing/2014/main" id="{5F1153EC-0F8E-59C7-DF46-129CB985C3CF}"/>
+              </a:ext>
+            </a:extLst>
+          </p:cNvPr>
+          <p:cNvSpPr>
+            <a:spLocks noGrp="1"/>
+          </p:cNvSpPr>
+          <p:nvPr>
+            <p:ph type="title"/>
           </p:nvPr>
         </p:nvSpPr>
         <p:spPr/>
@@ -3938,25 +3939,25 @@
           <a:p>
             <a:r>
               <a:rPr lang="en-US" dirty="0"/>
-              <a:t>09+ Human-Computer Interaction Part 3</a:t>
-            </a:r>
-          </a:p>
-        </p:txBody>
-      </p:sp>
-      <p:sp>
-        <p:nvSpPr>
-          <p:cNvPr id="3" name="Subtitle 2">
-            <a:extLst>
-              <a:ext uri="{FF2B5EF4-FFF2-40B4-BE49-F238E27FC236}">
-                <a16:creationId xmlns:a16="http://schemas.microsoft.com/office/drawing/2014/main" id="{35A49C19-AEFA-AAD5-F5EA-F352E2795D7D}"/>
-              </a:ext>
-            </a:extLst>
-          </p:cNvPr>
-          <p:cNvSpPr>
-            <a:spLocks noGrp="1"/>
-          </p:cNvSpPr>
-          <p:nvPr>
-            <p:ph type="subTitle" idx="1"/>
+              <a:t>Note to CS 4536 Students</a:t>
+            </a:r>
+          </a:p>
+        </p:txBody>
+      </p:sp>
+      <p:sp>
+        <p:nvSpPr>
+          <p:cNvPr id="3" name="Content Placeholder 2">
+            <a:extLst>
+              <a:ext uri="{FF2B5EF4-FFF2-40B4-BE49-F238E27FC236}">
+                <a16:creationId xmlns:a16="http://schemas.microsoft.com/office/drawing/2014/main" id="{9D654576-5878-7D6F-CB68-2E084694B9AF}"/>
+              </a:ext>
+            </a:extLst>
+          </p:cNvPr>
+          <p:cNvSpPr>
+            <a:spLocks noGrp="1"/>
+          </p:cNvSpPr>
+          <p:nvPr>
+            <p:ph idx="1"/>
           </p:nvPr>
         </p:nvSpPr>
         <p:spPr/>
@@ -3966,38 +3967,17 @@
           <a:p>
             <a:r>
               <a:rPr lang="en-US" dirty="0"/>
-              <a:t>Slides  </a:t>
+              <a:t>These slides are not presented during lecture in CS 4536, only CS 536.</a:t>
+            </a:r>
+          </a:p>
+          <a:p>
+            <a:r>
+              <a:rPr lang="en-US" dirty="0"/>
+              <a:t>However, these slides include details of how to apply different qualitative research methods, and are helpful if you want extra material to prepare for user studies or to help perform analysis afterward when preparing the </a:t>
             </a:r>
             <a:r>
               <a:rPr lang="en-US"/>
-              <a:t>©2024 </a:t>
-            </a:r>
-            <a:r>
-              <a:rPr lang="en-US" dirty="0"/>
-              <a:t>Rose </a:t>
-            </a:r>
-            <a:r>
-              <a:rPr lang="en-US" dirty="0" err="1"/>
-              <a:t>bohrer,</a:t>
-            </a:r>
-            <a:r>
-              <a:rPr lang="en-US" dirty="0"/>
-              <a:t> used for cs 4536/536 at </a:t>
-            </a:r>
-            <a:r>
-              <a:rPr lang="en-US" dirty="0" err="1"/>
-              <a:t>wpi</a:t>
-            </a:r>
-            <a:r>
-              <a:rPr lang="en-US" dirty="0"/>
-              <a:t>.</a:t>
-            </a:r>
-            <a:br>
-              <a:rPr lang="en-US" dirty="0"/>
-            </a:br>
-            <a:r>
-              <a:rPr lang="en-US" dirty="0"/>
-              <a:t>Educational Reuse permitted with credit </a:t>
+              <a:t>HW5 submission.</a:t>
             </a:r>
           </a:p>
         </p:txBody>
@@ -4005,7 +3985,7 @@
     </p:spTree>
     <p:extLst>
       <p:ext uri="{BB962C8B-B14F-4D97-AF65-F5344CB8AC3E}">
-        <p14:creationId xmlns:p14="http://schemas.microsoft.com/office/powerpoint/2010/main" val="1551773837"/>
+        <p14:creationId xmlns:p14="http://schemas.microsoft.com/office/powerpoint/2010/main" val="1947898755"/>
       </p:ext>
     </p:extLst>
   </p:cSld>
@@ -4037,7 +4017,7 @@
           <p:cNvPr id="2" name="Title 1">
             <a:extLst>
               <a:ext uri="{FF2B5EF4-FFF2-40B4-BE49-F238E27FC236}">
-                <a16:creationId xmlns:a16="http://schemas.microsoft.com/office/drawing/2014/main" id="{8F44466F-E98E-BF18-7202-5BA0DF7FBA46}"/>
+                <a16:creationId xmlns:a16="http://schemas.microsoft.com/office/drawing/2014/main" id="{93340A0C-EAC1-42AA-32D7-0F0485DF424E}"/>
               </a:ext>
             </a:extLst>
           </p:cNvPr>
@@ -4055,7 +4035,7 @@
           <a:p>
             <a:r>
               <a:rPr lang="en-US" dirty="0"/>
-              <a:t>Thematic Analysis Steps</a:t>
+              <a:t>Interpreting Qualitative Data</a:t>
             </a:r>
           </a:p>
         </p:txBody>
@@ -4065,7 +4045,7 @@
           <p:cNvPr id="3" name="Content Placeholder 2">
             <a:extLst>
               <a:ext uri="{FF2B5EF4-FFF2-40B4-BE49-F238E27FC236}">
-                <a16:creationId xmlns:a16="http://schemas.microsoft.com/office/drawing/2014/main" id="{7AFB4AA9-AA24-8B29-E4F7-CF1D5B165F4B}"/>
+                <a16:creationId xmlns:a16="http://schemas.microsoft.com/office/drawing/2014/main" id="{39257BD6-EA54-3978-EFDB-AB707C5FEE2B}"/>
               </a:ext>
             </a:extLst>
           </p:cNvPr>
@@ -4078,22 +4058,36 @@
         </p:nvSpPr>
         <p:spPr/>
         <p:txBody>
-          <a:bodyPr/>
-          <a:lstStyle/>
+          <a:bodyPr>
+            <a:normAutofit/>
+          </a:bodyPr>
+          <a:lstStyle/>
+          <a:p>
+            <a:r>
+              <a:rPr lang="en-US" b="1" dirty="0"/>
+              <a:t>Challenge:</a:t>
+            </a:r>
+            <a:r>
+              <a:rPr lang="en-US" dirty="0"/>
+              <a:t> Interpreting qualitative data is always subjective. How do we deal with this challenge in an intellectually serious way?</a:t>
+            </a:r>
+          </a:p>
+          <a:p>
+            <a:r>
+              <a:rPr lang="en-US" b="1" dirty="0"/>
+              <a:t>Two answers:</a:t>
+            </a:r>
+            <a:endParaRPr lang="en-US" dirty="0"/>
+          </a:p>
           <a:p>
             <a:pPr marL="514350" indent="-514350">
               <a:buFont typeface="+mj-lt"/>
               <a:buAutoNum type="arabicPeriod"/>
             </a:pPr>
             <a:r>
-              <a:rPr lang="en-US" b="1" dirty="0"/>
-              <a:t>Familiarize</a:t>
-            </a:r>
-            <a:r>
-              <a:rPr lang="en-US" dirty="0"/>
-              <a:t> yourself with the data</a:t>
-            </a:r>
-            <a:endParaRPr lang="en-US" b="1" dirty="0"/>
+              <a:rPr lang="en-US" dirty="0"/>
+              <a:t>“little-q qualitative”: Ensure that the analysis is reproducible</a:t>
+            </a:r>
           </a:p>
           <a:p>
             <a:pPr marL="514350" indent="-514350">
@@ -4101,76 +4095,69 @@
               <a:buAutoNum type="arabicPeriod"/>
             </a:pPr>
             <a:r>
+              <a:rPr lang="en-US" dirty="0"/>
+              <a:t>“Big-Q Qualitative”: Embrace subjectivity, communicate it well</a:t>
+            </a:r>
+          </a:p>
+          <a:p>
+            <a:r>
+              <a:rPr lang="en-US" dirty="0"/>
+              <a:t>Two main methods, </a:t>
+            </a:r>
+            <a:r>
               <a:rPr lang="en-US" b="1" dirty="0"/>
-              <a:t>Code</a:t>
-            </a:r>
-            <a:r>
-              <a:rPr lang="en-US" dirty="0"/>
-              <a:t> the data</a:t>
-            </a:r>
-          </a:p>
-          <a:p>
-            <a:pPr marL="514350" indent="-514350">
-              <a:buFont typeface="+mj-lt"/>
-              <a:buAutoNum type="arabicPeriod"/>
+              <a:t>grounded theory </a:t>
+            </a:r>
+            <a:r>
+              <a:rPr lang="en-US" dirty="0"/>
+              <a:t>and </a:t>
+            </a:r>
+            <a:r>
+              <a:rPr lang="en-US" b="1" dirty="0"/>
+              <a:t>thematic analysis</a:t>
+            </a:r>
+            <a:r>
+              <a:rPr lang="en-US" dirty="0"/>
+              <a:t>, share:</a:t>
+            </a:r>
+          </a:p>
+          <a:p>
+            <a:pPr lvl="1"/>
+            <a:r>
+              <a:rPr lang="en-US" dirty="0"/>
+              <a:t>Annotate insightful data in a process called </a:t>
+            </a:r>
+            <a:r>
+              <a:rPr lang="en-US" b="1" dirty="0"/>
+              <a:t>coding</a:t>
+            </a:r>
+            <a:endParaRPr lang="en-US" dirty="0"/>
+          </a:p>
+          <a:p>
+            <a:pPr lvl="1"/>
+            <a:r>
+              <a:rPr lang="en-US" dirty="0"/>
+              <a:t>Iteratively collect codes together to form your conclusions</a:t>
+            </a:r>
+          </a:p>
+          <a:p>
+            <a:pPr marL="0" indent="0">
+              <a:buNone/>
             </a:pPr>
-            <a:r>
-              <a:rPr lang="en-US" b="1" dirty="0"/>
-              <a:t>Search</a:t>
-            </a:r>
-            <a:r>
-              <a:rPr lang="en-US" dirty="0"/>
-              <a:t> for themes in the code</a:t>
-            </a:r>
-          </a:p>
-          <a:p>
-            <a:pPr marL="514350" indent="-514350">
-              <a:buFont typeface="+mj-lt"/>
-              <a:buAutoNum type="arabicPeriod"/>
+            <a:endParaRPr lang="en-US" dirty="0"/>
+          </a:p>
+          <a:p>
+            <a:pPr marL="0" indent="0">
+              <a:buNone/>
             </a:pPr>
-            <a:r>
-              <a:rPr lang="en-US" b="1" dirty="0"/>
-              <a:t>Revise</a:t>
-            </a:r>
-            <a:r>
-              <a:rPr lang="en-US" dirty="0"/>
-              <a:t> the themes</a:t>
-            </a:r>
-          </a:p>
-          <a:p>
-            <a:pPr marL="514350" indent="-514350">
-              <a:buFont typeface="+mj-lt"/>
-              <a:buAutoNum type="arabicPeriod"/>
-            </a:pPr>
-            <a:r>
-              <a:rPr lang="en-US" b="1" dirty="0"/>
-              <a:t>Define</a:t>
-            </a:r>
-            <a:r>
-              <a:rPr lang="en-US" dirty="0"/>
-              <a:t> the themes</a:t>
-            </a:r>
-          </a:p>
-          <a:p>
-            <a:pPr marL="514350" indent="-514350">
-              <a:buFont typeface="+mj-lt"/>
-              <a:buAutoNum type="arabicPeriod"/>
-            </a:pPr>
-            <a:r>
-              <a:rPr lang="en-US" b="1" dirty="0"/>
-              <a:t>Write</a:t>
-            </a:r>
-            <a:r>
-              <a:rPr lang="en-US" dirty="0"/>
-              <a:t> a report</a:t>
-            </a:r>
+            <a:endParaRPr lang="en-US" dirty="0"/>
           </a:p>
         </p:txBody>
       </p:sp>
     </p:spTree>
     <p:extLst>
       <p:ext uri="{BB962C8B-B14F-4D97-AF65-F5344CB8AC3E}">
-        <p14:creationId xmlns:p14="http://schemas.microsoft.com/office/powerpoint/2010/main" val="4197185827"/>
+        <p14:creationId xmlns:p14="http://schemas.microsoft.com/office/powerpoint/2010/main" val="2852547438"/>
       </p:ext>
     </p:extLst>
   </p:cSld>
@@ -4202,6 +4189,171 @@
           <p:cNvPr id="2" name="Title 1">
             <a:extLst>
               <a:ext uri="{FF2B5EF4-FFF2-40B4-BE49-F238E27FC236}">
+                <a16:creationId xmlns:a16="http://schemas.microsoft.com/office/drawing/2014/main" id="{8F44466F-E98E-BF18-7202-5BA0DF7FBA46}"/>
+              </a:ext>
+            </a:extLst>
+          </p:cNvPr>
+          <p:cNvSpPr>
+            <a:spLocks noGrp="1"/>
+          </p:cNvSpPr>
+          <p:nvPr>
+            <p:ph type="title"/>
+          </p:nvPr>
+        </p:nvSpPr>
+        <p:spPr/>
+        <p:txBody>
+          <a:bodyPr/>
+          <a:lstStyle/>
+          <a:p>
+            <a:r>
+              <a:rPr lang="en-US" dirty="0"/>
+              <a:t>Thematic Analysis Steps</a:t>
+            </a:r>
+          </a:p>
+        </p:txBody>
+      </p:sp>
+      <p:sp>
+        <p:nvSpPr>
+          <p:cNvPr id="3" name="Content Placeholder 2">
+            <a:extLst>
+              <a:ext uri="{FF2B5EF4-FFF2-40B4-BE49-F238E27FC236}">
+                <a16:creationId xmlns:a16="http://schemas.microsoft.com/office/drawing/2014/main" id="{7AFB4AA9-AA24-8B29-E4F7-CF1D5B165F4B}"/>
+              </a:ext>
+            </a:extLst>
+          </p:cNvPr>
+          <p:cNvSpPr>
+            <a:spLocks noGrp="1"/>
+          </p:cNvSpPr>
+          <p:nvPr>
+            <p:ph idx="1"/>
+          </p:nvPr>
+        </p:nvSpPr>
+        <p:spPr/>
+        <p:txBody>
+          <a:bodyPr/>
+          <a:lstStyle/>
+          <a:p>
+            <a:pPr marL="514350" indent="-514350">
+              <a:buFont typeface="+mj-lt"/>
+              <a:buAutoNum type="arabicPeriod"/>
+            </a:pPr>
+            <a:r>
+              <a:rPr lang="en-US" b="1" dirty="0"/>
+              <a:t>Familiarize</a:t>
+            </a:r>
+            <a:r>
+              <a:rPr lang="en-US" dirty="0"/>
+              <a:t> yourself with the data</a:t>
+            </a:r>
+            <a:endParaRPr lang="en-US" b="1" dirty="0"/>
+          </a:p>
+          <a:p>
+            <a:pPr marL="514350" indent="-514350">
+              <a:buFont typeface="+mj-lt"/>
+              <a:buAutoNum type="arabicPeriod"/>
+            </a:pPr>
+            <a:r>
+              <a:rPr lang="en-US" b="1" dirty="0"/>
+              <a:t>Code</a:t>
+            </a:r>
+            <a:r>
+              <a:rPr lang="en-US" dirty="0"/>
+              <a:t> the data</a:t>
+            </a:r>
+          </a:p>
+          <a:p>
+            <a:pPr marL="514350" indent="-514350">
+              <a:buFont typeface="+mj-lt"/>
+              <a:buAutoNum type="arabicPeriod"/>
+            </a:pPr>
+            <a:r>
+              <a:rPr lang="en-US" b="1" dirty="0"/>
+              <a:t>Search</a:t>
+            </a:r>
+            <a:r>
+              <a:rPr lang="en-US" dirty="0"/>
+              <a:t> for themes in the code</a:t>
+            </a:r>
+          </a:p>
+          <a:p>
+            <a:pPr marL="514350" indent="-514350">
+              <a:buFont typeface="+mj-lt"/>
+              <a:buAutoNum type="arabicPeriod"/>
+            </a:pPr>
+            <a:r>
+              <a:rPr lang="en-US" b="1" dirty="0"/>
+              <a:t>Revise</a:t>
+            </a:r>
+            <a:r>
+              <a:rPr lang="en-US" dirty="0"/>
+              <a:t> the themes</a:t>
+            </a:r>
+          </a:p>
+          <a:p>
+            <a:pPr marL="514350" indent="-514350">
+              <a:buFont typeface="+mj-lt"/>
+              <a:buAutoNum type="arabicPeriod"/>
+            </a:pPr>
+            <a:r>
+              <a:rPr lang="en-US" b="1" dirty="0"/>
+              <a:t>Define</a:t>
+            </a:r>
+            <a:r>
+              <a:rPr lang="en-US" dirty="0"/>
+              <a:t> the themes</a:t>
+            </a:r>
+          </a:p>
+          <a:p>
+            <a:pPr marL="514350" indent="-514350">
+              <a:buFont typeface="+mj-lt"/>
+              <a:buAutoNum type="arabicPeriod"/>
+            </a:pPr>
+            <a:r>
+              <a:rPr lang="en-US" b="1" dirty="0"/>
+              <a:t>Write</a:t>
+            </a:r>
+            <a:r>
+              <a:rPr lang="en-US" dirty="0"/>
+              <a:t> a report</a:t>
+            </a:r>
+          </a:p>
+        </p:txBody>
+      </p:sp>
+    </p:spTree>
+    <p:extLst>
+      <p:ext uri="{BB962C8B-B14F-4D97-AF65-F5344CB8AC3E}">
+        <p14:creationId xmlns:p14="http://schemas.microsoft.com/office/powerpoint/2010/main" val="4197185827"/>
+      </p:ext>
+    </p:extLst>
+  </p:cSld>
+  <p:clrMapOvr>
+    <a:masterClrMapping/>
+  </p:clrMapOvr>
+</p:sld>
+</file>
+
+<file path=ppt/slides/slide12.xml><?xml version="1.0" encoding="utf-8"?>
+<p:sld xmlns:a="http://schemas.openxmlformats.org/drawingml/2006/main" xmlns:r="http://schemas.openxmlformats.org/officeDocument/2006/relationships" xmlns:p="http://schemas.openxmlformats.org/presentationml/2006/main">
+  <p:cSld>
+    <p:spTree>
+      <p:nvGrpSpPr>
+        <p:cNvPr id="1" name=""/>
+        <p:cNvGrpSpPr/>
+        <p:nvPr/>
+      </p:nvGrpSpPr>
+      <p:grpSpPr>
+        <a:xfrm>
+          <a:off x="0" y="0"/>
+          <a:ext cx="0" cy="0"/>
+          <a:chOff x="0" y="0"/>
+          <a:chExt cx="0" cy="0"/>
+        </a:xfrm>
+      </p:grpSpPr>
+      <p:sp>
+        <p:nvSpPr>
+          <p:cNvPr id="2" name="Title 1">
+            <a:extLst>
+              <a:ext uri="{FF2B5EF4-FFF2-40B4-BE49-F238E27FC236}">
                 <a16:creationId xmlns:a16="http://schemas.microsoft.com/office/drawing/2014/main" id="{1E0BC2F4-4561-A8A0-906E-7B88043A03E6}"/>
               </a:ext>
             </a:extLst>
@@ -4284,7 +4436,7 @@
 </p:sld>
 </file>
 
-<file path=ppt/slides/slide12.xml><?xml version="1.0" encoding="utf-8"?>
+<file path=ppt/slides/slide13.xml><?xml version="1.0" encoding="utf-8"?>
 <p:sld xmlns:a="http://schemas.openxmlformats.org/drawingml/2006/main" xmlns:r="http://schemas.openxmlformats.org/officeDocument/2006/relationships" xmlns:p="http://schemas.openxmlformats.org/presentationml/2006/main">
   <p:cSld>
     <p:spTree>
@@ -4703,7 +4855,7 @@
 </p:sld>
 </file>
 
-<file path=ppt/slides/slide13.xml><?xml version="1.0" encoding="utf-8"?>
+<file path=ppt/slides/slide14.xml><?xml version="1.0" encoding="utf-8"?>
 <p:sld xmlns:a="http://schemas.openxmlformats.org/drawingml/2006/main" xmlns:r="http://schemas.openxmlformats.org/officeDocument/2006/relationships" xmlns:p="http://schemas.openxmlformats.org/presentationml/2006/main">
   <p:cSld>
     <p:spTree>
@@ -5104,1058 +5256,6 @@
 </p:sld>
 </file>
 
-<file path=ppt/slides/slide14.xml><?xml version="1.0" encoding="utf-8"?>
-<p:sld xmlns:a="http://schemas.openxmlformats.org/drawingml/2006/main" xmlns:r="http://schemas.openxmlformats.org/officeDocument/2006/relationships" xmlns:p="http://schemas.openxmlformats.org/presentationml/2006/main">
-  <p:cSld>
-    <p:spTree>
-      <p:nvGrpSpPr>
-        <p:cNvPr id="1" name=""/>
-        <p:cNvGrpSpPr/>
-        <p:nvPr/>
-      </p:nvGrpSpPr>
-      <p:grpSpPr>
-        <a:xfrm>
-          <a:off x="0" y="0"/>
-          <a:ext cx="0" cy="0"/>
-          <a:chOff x="0" y="0"/>
-          <a:chExt cx="0" cy="0"/>
-        </a:xfrm>
-      </p:grpSpPr>
-      <p:sp>
-        <p:nvSpPr>
-          <p:cNvPr id="2" name="Title 1">
-            <a:extLst>
-              <a:ext uri="{FF2B5EF4-FFF2-40B4-BE49-F238E27FC236}">
-                <a16:creationId xmlns:a16="http://schemas.microsoft.com/office/drawing/2014/main" id="{1E0BC2F4-4561-A8A0-906E-7B88043A03E6}"/>
-              </a:ext>
-            </a:extLst>
-          </p:cNvPr>
-          <p:cNvSpPr>
-            <a:spLocks noGrp="1"/>
-          </p:cNvSpPr>
-          <p:nvPr>
-            <p:ph type="title"/>
-          </p:nvPr>
-        </p:nvSpPr>
-        <p:spPr/>
-        <p:txBody>
-          <a:bodyPr/>
-          <a:lstStyle/>
-          <a:p>
-            <a:r>
-              <a:rPr lang="en-US" dirty="0"/>
-              <a:t>Worked Example: Coding</a:t>
-            </a:r>
-          </a:p>
-        </p:txBody>
-      </p:sp>
-      <p:sp>
-        <p:nvSpPr>
-          <p:cNvPr id="3" name="Content Placeholder 2">
-            <a:extLst>
-              <a:ext uri="{FF2B5EF4-FFF2-40B4-BE49-F238E27FC236}">
-                <a16:creationId xmlns:a16="http://schemas.microsoft.com/office/drawing/2014/main" id="{B898F582-7A65-0861-FC36-373332E8FB0E}"/>
-              </a:ext>
-            </a:extLst>
-          </p:cNvPr>
-          <p:cNvSpPr>
-            <a:spLocks noGrp="1"/>
-          </p:cNvSpPr>
-          <p:nvPr>
-            <p:ph idx="1"/>
-          </p:nvPr>
-        </p:nvSpPr>
-        <p:spPr>
-          <a:xfrm>
-            <a:off x="317633" y="1845734"/>
-            <a:ext cx="7055318" cy="4023360"/>
-          </a:xfrm>
-        </p:spPr>
-        <p:txBody>
-          <a:bodyPr>
-            <a:normAutofit fontScale="92500" lnSpcReduction="10000"/>
-          </a:bodyPr>
-          <a:lstStyle/>
-          <a:p>
-            <a:r>
-              <a:rPr lang="en-US" sz="3000" b="1" dirty="0"/>
-              <a:t>Data</a:t>
-            </a:r>
-            <a:r>
-              <a:rPr lang="en-US" sz="3000" dirty="0"/>
-              <a:t> (Example responses to example interview):</a:t>
-            </a:r>
-            <a:br>
-              <a:rPr lang="en-US" dirty="0"/>
-            </a:br>
-            <a:r>
-              <a:rPr lang="en-US" dirty="0"/>
-              <a:t>“In my life, I want to use programming for something productive, to help people make things. Maybe engineering software or productivity software. I want to know how a programmer should think about performance day-to-day. I know about common optimizations, but I also know they aren’t always needed in real life. If I knew this, I would be able to ensure that productivity software scale to the large projects that happen when engineers are trying to develop new things in the real world, whether it’s roads or movies.” </a:t>
-            </a:r>
-          </a:p>
-        </p:txBody>
-      </p:sp>
-      <p:sp>
-        <p:nvSpPr>
-          <p:cNvPr id="5" name="TextBox 4">
-            <a:extLst>
-              <a:ext uri="{FF2B5EF4-FFF2-40B4-BE49-F238E27FC236}">
-                <a16:creationId xmlns:a16="http://schemas.microsoft.com/office/drawing/2014/main" id="{A8491B79-7632-84D3-4DA8-29194D46F36E}"/>
-              </a:ext>
-            </a:extLst>
-          </p:cNvPr>
-          <p:cNvSpPr txBox="1"/>
-          <p:nvPr/>
-        </p:nvSpPr>
-        <p:spPr>
-          <a:xfrm>
-            <a:off x="8209258" y="2521820"/>
-            <a:ext cx="1703864" cy="369332"/>
-          </a:xfrm>
-          <a:prstGeom prst="rect">
-            <a:avLst/>
-          </a:prstGeom>
-          <a:noFill/>
-        </p:spPr>
-        <p:txBody>
-          <a:bodyPr wrap="none" rtlCol="0">
-            <a:spAutoFit/>
-          </a:bodyPr>
-          <a:lstStyle/>
-          <a:p>
-            <a:r>
-              <a:rPr lang="en-US" dirty="0"/>
-              <a:t>“Desire to Help”</a:t>
-            </a:r>
-          </a:p>
-        </p:txBody>
-      </p:sp>
-      <p:sp>
-        <p:nvSpPr>
-          <p:cNvPr id="6" name="TextBox 5">
-            <a:extLst>
-              <a:ext uri="{FF2B5EF4-FFF2-40B4-BE49-F238E27FC236}">
-                <a16:creationId xmlns:a16="http://schemas.microsoft.com/office/drawing/2014/main" id="{23E63D90-4ED8-73C6-4832-DBC9DE2B441F}"/>
-              </a:ext>
-            </a:extLst>
-          </p:cNvPr>
-          <p:cNvSpPr txBox="1"/>
-          <p:nvPr/>
-        </p:nvSpPr>
-        <p:spPr>
-          <a:xfrm>
-            <a:off x="8422105" y="1737360"/>
-            <a:ext cx="1181990" cy="523220"/>
-          </a:xfrm>
-          <a:prstGeom prst="rect">
-            <a:avLst/>
-          </a:prstGeom>
-          <a:noFill/>
-        </p:spPr>
-        <p:txBody>
-          <a:bodyPr wrap="none" rtlCol="0">
-            <a:spAutoFit/>
-          </a:bodyPr>
-          <a:lstStyle/>
-          <a:p>
-            <a:r>
-              <a:rPr lang="en-US" sz="2800" b="1" dirty="0"/>
-              <a:t>CODES</a:t>
-            </a:r>
-          </a:p>
-        </p:txBody>
-      </p:sp>
-      <p:sp>
-        <p:nvSpPr>
-          <p:cNvPr id="7" name="TextBox 6">
-            <a:extLst>
-              <a:ext uri="{FF2B5EF4-FFF2-40B4-BE49-F238E27FC236}">
-                <a16:creationId xmlns:a16="http://schemas.microsoft.com/office/drawing/2014/main" id="{DC58D5FF-A3C2-38CE-6EA6-B8D0F03145A9}"/>
-              </a:ext>
-            </a:extLst>
-          </p:cNvPr>
-          <p:cNvSpPr txBox="1"/>
-          <p:nvPr/>
-        </p:nvSpPr>
-        <p:spPr>
-          <a:xfrm>
-            <a:off x="8183858" y="2845181"/>
-            <a:ext cx="2288896" cy="369332"/>
-          </a:xfrm>
-          <a:prstGeom prst="rect">
-            <a:avLst/>
-          </a:prstGeom>
-          <a:noFill/>
-        </p:spPr>
-        <p:txBody>
-          <a:bodyPr wrap="none" rtlCol="0">
-            <a:spAutoFit/>
-          </a:bodyPr>
-          <a:lstStyle/>
-          <a:p>
-            <a:r>
-              <a:rPr lang="en-US" dirty="0"/>
-              <a:t>“Productivity-minded”</a:t>
-            </a:r>
-          </a:p>
-        </p:txBody>
-      </p:sp>
-      <p:sp>
-        <p:nvSpPr>
-          <p:cNvPr id="8" name="TextBox 7">
-            <a:extLst>
-              <a:ext uri="{FF2B5EF4-FFF2-40B4-BE49-F238E27FC236}">
-                <a16:creationId xmlns:a16="http://schemas.microsoft.com/office/drawing/2014/main" id="{E819E907-837F-C757-F4EC-96F55B1AC89C}"/>
-              </a:ext>
-            </a:extLst>
-          </p:cNvPr>
-          <p:cNvSpPr txBox="1"/>
-          <p:nvPr/>
-        </p:nvSpPr>
-        <p:spPr>
-          <a:xfrm>
-            <a:off x="8230147" y="4548864"/>
-            <a:ext cx="2288896" cy="369332"/>
-          </a:xfrm>
-          <a:prstGeom prst="rect">
-            <a:avLst/>
-          </a:prstGeom>
-          <a:noFill/>
-        </p:spPr>
-        <p:txBody>
-          <a:bodyPr wrap="none" rtlCol="0">
-            <a:spAutoFit/>
-          </a:bodyPr>
-          <a:lstStyle/>
-          <a:p>
-            <a:r>
-              <a:rPr lang="en-US" dirty="0"/>
-              <a:t>“Productivity-minded”</a:t>
-            </a:r>
-          </a:p>
-        </p:txBody>
-      </p:sp>
-      <p:sp>
-        <p:nvSpPr>
-          <p:cNvPr id="9" name="TextBox 8">
-            <a:extLst>
-              <a:ext uri="{FF2B5EF4-FFF2-40B4-BE49-F238E27FC236}">
-                <a16:creationId xmlns:a16="http://schemas.microsoft.com/office/drawing/2014/main" id="{931D0ED5-8A64-A19E-AB7B-1B5ECAC4B04A}"/>
-              </a:ext>
-            </a:extLst>
-          </p:cNvPr>
-          <p:cNvSpPr txBox="1"/>
-          <p:nvPr/>
-        </p:nvSpPr>
-        <p:spPr>
-          <a:xfrm>
-            <a:off x="8270863" y="5338516"/>
-            <a:ext cx="2207464" cy="369332"/>
-          </a:xfrm>
-          <a:prstGeom prst="rect">
-            <a:avLst/>
-          </a:prstGeom>
-          <a:noFill/>
-        </p:spPr>
-        <p:txBody>
-          <a:bodyPr wrap="none" rtlCol="0">
-            <a:spAutoFit/>
-          </a:bodyPr>
-          <a:lstStyle/>
-          <a:p>
-            <a:r>
-              <a:rPr lang="en-US" dirty="0"/>
-              <a:t>“Applications matter”</a:t>
-            </a:r>
-          </a:p>
-        </p:txBody>
-      </p:sp>
-      <p:sp>
-        <p:nvSpPr>
-          <p:cNvPr id="11" name="TextBox 10">
-            <a:extLst>
-              <a:ext uri="{FF2B5EF4-FFF2-40B4-BE49-F238E27FC236}">
-                <a16:creationId xmlns:a16="http://schemas.microsoft.com/office/drawing/2014/main" id="{DF4700D9-A2D2-1FAC-5E6E-16D083C26207}"/>
-              </a:ext>
-            </a:extLst>
-          </p:cNvPr>
-          <p:cNvSpPr txBox="1"/>
-          <p:nvPr/>
-        </p:nvSpPr>
-        <p:spPr>
-          <a:xfrm>
-            <a:off x="8209257" y="4248273"/>
-            <a:ext cx="1957331" cy="369332"/>
-          </a:xfrm>
-          <a:prstGeom prst="rect">
-            <a:avLst/>
-          </a:prstGeom>
-          <a:noFill/>
-        </p:spPr>
-        <p:txBody>
-          <a:bodyPr wrap="none" rtlCol="0">
-            <a:spAutoFit/>
-          </a:bodyPr>
-          <a:lstStyle/>
-          <a:p>
-            <a:r>
-              <a:rPr lang="en-US" dirty="0"/>
-              <a:t>“Practical-minded”</a:t>
-            </a:r>
-          </a:p>
-        </p:txBody>
-      </p:sp>
-      <p:sp>
-        <p:nvSpPr>
-          <p:cNvPr id="12" name="TextBox 11">
-            <a:extLst>
-              <a:ext uri="{FF2B5EF4-FFF2-40B4-BE49-F238E27FC236}">
-                <a16:creationId xmlns:a16="http://schemas.microsoft.com/office/drawing/2014/main" id="{7F991E9D-E6D4-2300-1541-BFB17D8FD45A}"/>
-              </a:ext>
-            </a:extLst>
-          </p:cNvPr>
-          <p:cNvSpPr txBox="1"/>
-          <p:nvPr/>
-        </p:nvSpPr>
-        <p:spPr>
-          <a:xfrm>
-            <a:off x="8209258" y="3567758"/>
-            <a:ext cx="1957331" cy="369332"/>
-          </a:xfrm>
-          <a:prstGeom prst="rect">
-            <a:avLst/>
-          </a:prstGeom>
-          <a:noFill/>
-        </p:spPr>
-        <p:txBody>
-          <a:bodyPr wrap="none" rtlCol="0">
-            <a:spAutoFit/>
-          </a:bodyPr>
-          <a:lstStyle/>
-          <a:p>
-            <a:r>
-              <a:rPr lang="en-US" dirty="0"/>
-              <a:t>“Practical-minded”</a:t>
-            </a:r>
-          </a:p>
-        </p:txBody>
-      </p:sp>
-      <p:cxnSp>
-        <p:nvCxnSpPr>
-          <p:cNvPr id="14" name="Straight Connector 13">
-            <a:extLst>
-              <a:ext uri="{FF2B5EF4-FFF2-40B4-BE49-F238E27FC236}">
-                <a16:creationId xmlns:a16="http://schemas.microsoft.com/office/drawing/2014/main" id="{A984B22D-D617-B8C6-4AE7-75C667A6FC7C}"/>
-              </a:ext>
-            </a:extLst>
-          </p:cNvPr>
-          <p:cNvCxnSpPr/>
-          <p:nvPr/>
-        </p:nvCxnSpPr>
-        <p:spPr>
-          <a:xfrm>
-            <a:off x="3907857" y="2845181"/>
-            <a:ext cx="3311090" cy="0"/>
-          </a:xfrm>
-          <a:prstGeom prst="line">
-            <a:avLst/>
-          </a:prstGeom>
-          <a:ln w="38100"/>
-        </p:spPr>
-        <p:style>
-          <a:lnRef idx="1">
-            <a:schemeClr val="dk1"/>
-          </a:lnRef>
-          <a:fillRef idx="0">
-            <a:schemeClr val="dk1"/>
-          </a:fillRef>
-          <a:effectRef idx="0">
-            <a:schemeClr val="dk1"/>
-          </a:effectRef>
-          <a:fontRef idx="minor">
-            <a:schemeClr val="tx1"/>
-          </a:fontRef>
-        </p:style>
-      </p:cxnSp>
-      <p:cxnSp>
-        <p:nvCxnSpPr>
-          <p:cNvPr id="15" name="Straight Connector 14">
-            <a:extLst>
-              <a:ext uri="{FF2B5EF4-FFF2-40B4-BE49-F238E27FC236}">
-                <a16:creationId xmlns:a16="http://schemas.microsoft.com/office/drawing/2014/main" id="{77371B62-93F7-C5CB-2AE8-A318BB524F38}"/>
-              </a:ext>
-            </a:extLst>
-          </p:cNvPr>
-          <p:cNvCxnSpPr>
-            <a:cxnSpLocks/>
-          </p:cNvCxnSpPr>
-          <p:nvPr/>
-        </p:nvCxnSpPr>
-        <p:spPr>
-          <a:xfrm>
-            <a:off x="4705149" y="3214513"/>
-            <a:ext cx="1647525" cy="0"/>
-          </a:xfrm>
-          <a:prstGeom prst="line">
-            <a:avLst/>
-          </a:prstGeom>
-          <a:ln w="38100"/>
-        </p:spPr>
-        <p:style>
-          <a:lnRef idx="1">
-            <a:schemeClr val="dk1"/>
-          </a:lnRef>
-          <a:fillRef idx="0">
-            <a:schemeClr val="dk1"/>
-          </a:fillRef>
-          <a:effectRef idx="0">
-            <a:schemeClr val="dk1"/>
-          </a:effectRef>
-          <a:fontRef idx="minor">
-            <a:schemeClr val="tx1"/>
-          </a:fontRef>
-        </p:style>
-      </p:cxnSp>
-      <p:cxnSp>
-        <p:nvCxnSpPr>
-          <p:cNvPr id="17" name="Straight Connector 16">
-            <a:extLst>
-              <a:ext uri="{FF2B5EF4-FFF2-40B4-BE49-F238E27FC236}">
-                <a16:creationId xmlns:a16="http://schemas.microsoft.com/office/drawing/2014/main" id="{642481F0-D73E-723A-6D31-A129F38167E9}"/>
-              </a:ext>
-            </a:extLst>
-          </p:cNvPr>
-          <p:cNvCxnSpPr>
-            <a:cxnSpLocks/>
-          </p:cNvCxnSpPr>
-          <p:nvPr/>
-        </p:nvCxnSpPr>
-        <p:spPr>
-          <a:xfrm>
-            <a:off x="3808395" y="3819301"/>
-            <a:ext cx="1561410" cy="0"/>
-          </a:xfrm>
-          <a:prstGeom prst="line">
-            <a:avLst/>
-          </a:prstGeom>
-          <a:ln w="38100"/>
-        </p:spPr>
-        <p:style>
-          <a:lnRef idx="1">
-            <a:schemeClr val="dk1"/>
-          </a:lnRef>
-          <a:fillRef idx="0">
-            <a:schemeClr val="dk1"/>
-          </a:fillRef>
-          <a:effectRef idx="0">
-            <a:schemeClr val="dk1"/>
-          </a:effectRef>
-          <a:fontRef idx="minor">
-            <a:schemeClr val="tx1"/>
-          </a:fontRef>
-        </p:style>
-      </p:cxnSp>
-      <p:cxnSp>
-        <p:nvCxnSpPr>
-          <p:cNvPr id="18" name="Straight Connector 17">
-            <a:extLst>
-              <a:ext uri="{FF2B5EF4-FFF2-40B4-BE49-F238E27FC236}">
-                <a16:creationId xmlns:a16="http://schemas.microsoft.com/office/drawing/2014/main" id="{0783490F-579A-BB83-3C13-BC3B8830916A}"/>
-              </a:ext>
-            </a:extLst>
-          </p:cNvPr>
-          <p:cNvCxnSpPr>
-            <a:cxnSpLocks/>
-          </p:cNvCxnSpPr>
-          <p:nvPr/>
-        </p:nvCxnSpPr>
-        <p:spPr>
-          <a:xfrm>
-            <a:off x="1382829" y="4426283"/>
-            <a:ext cx="2425566" cy="0"/>
-          </a:xfrm>
-          <a:prstGeom prst="line">
-            <a:avLst/>
-          </a:prstGeom>
-          <a:ln w="38100"/>
-        </p:spPr>
-        <p:style>
-          <a:lnRef idx="1">
-            <a:schemeClr val="dk1"/>
-          </a:lnRef>
-          <a:fillRef idx="0">
-            <a:schemeClr val="dk1"/>
-          </a:fillRef>
-          <a:effectRef idx="0">
-            <a:schemeClr val="dk1"/>
-          </a:effectRef>
-          <a:fontRef idx="minor">
-            <a:schemeClr val="tx1"/>
-          </a:fontRef>
-        </p:style>
-      </p:cxnSp>
-      <p:cxnSp>
-        <p:nvCxnSpPr>
-          <p:cNvPr id="20" name="Straight Connector 19">
-            <a:extLst>
-              <a:ext uri="{FF2B5EF4-FFF2-40B4-BE49-F238E27FC236}">
-                <a16:creationId xmlns:a16="http://schemas.microsoft.com/office/drawing/2014/main" id="{60884885-1D47-8E29-E5A4-44329EC299B4}"/>
-              </a:ext>
-            </a:extLst>
-          </p:cNvPr>
-          <p:cNvCxnSpPr>
-            <a:cxnSpLocks/>
-          </p:cNvCxnSpPr>
-          <p:nvPr/>
-        </p:nvCxnSpPr>
-        <p:spPr>
-          <a:xfrm>
-            <a:off x="3095568" y="4781866"/>
-            <a:ext cx="2833037" cy="11554"/>
-          </a:xfrm>
-          <a:prstGeom prst="line">
-            <a:avLst/>
-          </a:prstGeom>
-          <a:ln w="38100"/>
-        </p:spPr>
-        <p:style>
-          <a:lnRef idx="1">
-            <a:schemeClr val="dk1"/>
-          </a:lnRef>
-          <a:fillRef idx="0">
-            <a:schemeClr val="dk1"/>
-          </a:fillRef>
-          <a:effectRef idx="0">
-            <a:schemeClr val="dk1"/>
-          </a:effectRef>
-          <a:fontRef idx="minor">
-            <a:schemeClr val="tx1"/>
-          </a:fontRef>
-        </p:style>
-      </p:cxnSp>
-      <p:cxnSp>
-        <p:nvCxnSpPr>
-          <p:cNvPr id="22" name="Straight Connector 21">
-            <a:extLst>
-              <a:ext uri="{FF2B5EF4-FFF2-40B4-BE49-F238E27FC236}">
-                <a16:creationId xmlns:a16="http://schemas.microsoft.com/office/drawing/2014/main" id="{F0E6EC13-BC6F-FFD4-D1CC-D54FBB771FCA}"/>
-              </a:ext>
-            </a:extLst>
-          </p:cNvPr>
-          <p:cNvCxnSpPr>
-            <a:cxnSpLocks/>
-          </p:cNvCxnSpPr>
-          <p:nvPr/>
-        </p:nvCxnSpPr>
-        <p:spPr>
-          <a:xfrm>
-            <a:off x="2037347" y="5718036"/>
-            <a:ext cx="2398294" cy="0"/>
-          </a:xfrm>
-          <a:prstGeom prst="line">
-            <a:avLst/>
-          </a:prstGeom>
-          <a:ln w="38100"/>
-        </p:spPr>
-        <p:style>
-          <a:lnRef idx="1">
-            <a:schemeClr val="dk1"/>
-          </a:lnRef>
-          <a:fillRef idx="0">
-            <a:schemeClr val="dk1"/>
-          </a:fillRef>
-          <a:effectRef idx="0">
-            <a:schemeClr val="dk1"/>
-          </a:effectRef>
-          <a:fontRef idx="minor">
-            <a:schemeClr val="tx1"/>
-          </a:fontRef>
-        </p:style>
-      </p:cxnSp>
-      <p:cxnSp>
-        <p:nvCxnSpPr>
-          <p:cNvPr id="24" name="Straight Connector 23">
-            <a:extLst>
-              <a:ext uri="{FF2B5EF4-FFF2-40B4-BE49-F238E27FC236}">
-                <a16:creationId xmlns:a16="http://schemas.microsoft.com/office/drawing/2014/main" id="{D30E62BF-7F98-78CB-EB7A-6C75D83BD29E}"/>
-              </a:ext>
-            </a:extLst>
-          </p:cNvPr>
-          <p:cNvCxnSpPr>
-            <a:cxnSpLocks/>
-          </p:cNvCxnSpPr>
-          <p:nvPr/>
-        </p:nvCxnSpPr>
-        <p:spPr>
-          <a:xfrm>
-            <a:off x="7211305" y="2532821"/>
-            <a:ext cx="0" cy="312360"/>
-          </a:xfrm>
-          <a:prstGeom prst="line">
-            <a:avLst/>
-          </a:prstGeom>
-          <a:ln w="38100"/>
-        </p:spPr>
-        <p:style>
-          <a:lnRef idx="1">
-            <a:schemeClr val="dk1"/>
-          </a:lnRef>
-          <a:fillRef idx="0">
-            <a:schemeClr val="dk1"/>
-          </a:fillRef>
-          <a:effectRef idx="0">
-            <a:schemeClr val="dk1"/>
-          </a:effectRef>
-          <a:fontRef idx="minor">
-            <a:schemeClr val="tx1"/>
-          </a:fontRef>
-        </p:style>
-      </p:cxnSp>
-      <p:cxnSp>
-        <p:nvCxnSpPr>
-          <p:cNvPr id="26" name="Straight Connector 25">
-            <a:extLst>
-              <a:ext uri="{FF2B5EF4-FFF2-40B4-BE49-F238E27FC236}">
-                <a16:creationId xmlns:a16="http://schemas.microsoft.com/office/drawing/2014/main" id="{27C7074B-D9A0-59CA-6DE8-211F15A0B2F8}"/>
-              </a:ext>
-            </a:extLst>
-          </p:cNvPr>
-          <p:cNvCxnSpPr>
-            <a:cxnSpLocks/>
-          </p:cNvCxnSpPr>
-          <p:nvPr/>
-        </p:nvCxnSpPr>
-        <p:spPr>
-          <a:xfrm>
-            <a:off x="6352674" y="2902153"/>
-            <a:ext cx="0" cy="312360"/>
-          </a:xfrm>
-          <a:prstGeom prst="line">
-            <a:avLst/>
-          </a:prstGeom>
-          <a:ln w="38100"/>
-        </p:spPr>
-        <p:style>
-          <a:lnRef idx="1">
-            <a:schemeClr val="dk1"/>
-          </a:lnRef>
-          <a:fillRef idx="0">
-            <a:schemeClr val="dk1"/>
-          </a:fillRef>
-          <a:effectRef idx="0">
-            <a:schemeClr val="dk1"/>
-          </a:effectRef>
-          <a:fontRef idx="minor">
-            <a:schemeClr val="tx1"/>
-          </a:fontRef>
-        </p:style>
-      </p:cxnSp>
-      <p:cxnSp>
-        <p:nvCxnSpPr>
-          <p:cNvPr id="27" name="Straight Connector 26">
-            <a:extLst>
-              <a:ext uri="{FF2B5EF4-FFF2-40B4-BE49-F238E27FC236}">
-                <a16:creationId xmlns:a16="http://schemas.microsoft.com/office/drawing/2014/main" id="{2C302F44-5FD7-5A3C-DA9A-5AE5AF51626C}"/>
-              </a:ext>
-            </a:extLst>
-          </p:cNvPr>
-          <p:cNvCxnSpPr>
-            <a:cxnSpLocks/>
-          </p:cNvCxnSpPr>
-          <p:nvPr/>
-        </p:nvCxnSpPr>
-        <p:spPr>
-          <a:xfrm>
-            <a:off x="5369805" y="3506941"/>
-            <a:ext cx="0" cy="312360"/>
-          </a:xfrm>
-          <a:prstGeom prst="line">
-            <a:avLst/>
-          </a:prstGeom>
-          <a:ln w="38100"/>
-        </p:spPr>
-        <p:style>
-          <a:lnRef idx="1">
-            <a:schemeClr val="dk1"/>
-          </a:lnRef>
-          <a:fillRef idx="0">
-            <a:schemeClr val="dk1"/>
-          </a:fillRef>
-          <a:effectRef idx="0">
-            <a:schemeClr val="dk1"/>
-          </a:effectRef>
-          <a:fontRef idx="minor">
-            <a:schemeClr val="tx1"/>
-          </a:fontRef>
-        </p:style>
-      </p:cxnSp>
-      <p:cxnSp>
-        <p:nvCxnSpPr>
-          <p:cNvPr id="29" name="Straight Connector 28">
-            <a:extLst>
-              <a:ext uri="{FF2B5EF4-FFF2-40B4-BE49-F238E27FC236}">
-                <a16:creationId xmlns:a16="http://schemas.microsoft.com/office/drawing/2014/main" id="{C70B7A7B-F182-806E-B624-E9BF41782525}"/>
-              </a:ext>
-            </a:extLst>
-          </p:cNvPr>
-          <p:cNvCxnSpPr>
-            <a:cxnSpLocks/>
-          </p:cNvCxnSpPr>
-          <p:nvPr/>
-        </p:nvCxnSpPr>
-        <p:spPr>
-          <a:xfrm>
-            <a:off x="3808395" y="4135103"/>
-            <a:ext cx="0" cy="312360"/>
-          </a:xfrm>
-          <a:prstGeom prst="line">
-            <a:avLst/>
-          </a:prstGeom>
-          <a:ln w="38100"/>
-        </p:spPr>
-        <p:style>
-          <a:lnRef idx="1">
-            <a:schemeClr val="dk1"/>
-          </a:lnRef>
-          <a:fillRef idx="0">
-            <a:schemeClr val="dk1"/>
-          </a:fillRef>
-          <a:effectRef idx="0">
-            <a:schemeClr val="dk1"/>
-          </a:effectRef>
-          <a:fontRef idx="minor">
-            <a:schemeClr val="tx1"/>
-          </a:fontRef>
-        </p:style>
-      </p:cxnSp>
-      <p:cxnSp>
-        <p:nvCxnSpPr>
-          <p:cNvPr id="30" name="Straight Connector 29">
-            <a:extLst>
-              <a:ext uri="{FF2B5EF4-FFF2-40B4-BE49-F238E27FC236}">
-                <a16:creationId xmlns:a16="http://schemas.microsoft.com/office/drawing/2014/main" id="{ED11DEF5-6DF9-D14B-AADD-A93F57593A47}"/>
-              </a:ext>
-            </a:extLst>
-          </p:cNvPr>
-          <p:cNvCxnSpPr>
-            <a:cxnSpLocks/>
-          </p:cNvCxnSpPr>
-          <p:nvPr/>
-        </p:nvCxnSpPr>
-        <p:spPr>
-          <a:xfrm>
-            <a:off x="5928605" y="4504435"/>
-            <a:ext cx="0" cy="312360"/>
-          </a:xfrm>
-          <a:prstGeom prst="line">
-            <a:avLst/>
-          </a:prstGeom>
-          <a:ln w="38100"/>
-        </p:spPr>
-        <p:style>
-          <a:lnRef idx="1">
-            <a:schemeClr val="dk1"/>
-          </a:lnRef>
-          <a:fillRef idx="0">
-            <a:schemeClr val="dk1"/>
-          </a:fillRef>
-          <a:effectRef idx="0">
-            <a:schemeClr val="dk1"/>
-          </a:effectRef>
-          <a:fontRef idx="minor">
-            <a:schemeClr val="tx1"/>
-          </a:fontRef>
-        </p:style>
-      </p:cxnSp>
-      <p:cxnSp>
-        <p:nvCxnSpPr>
-          <p:cNvPr id="31" name="Straight Connector 30">
-            <a:extLst>
-              <a:ext uri="{FF2B5EF4-FFF2-40B4-BE49-F238E27FC236}">
-                <a16:creationId xmlns:a16="http://schemas.microsoft.com/office/drawing/2014/main" id="{EBCC55E4-4F53-A7CA-2A41-BBFF75B03639}"/>
-              </a:ext>
-            </a:extLst>
-          </p:cNvPr>
-          <p:cNvCxnSpPr>
-            <a:cxnSpLocks/>
-          </p:cNvCxnSpPr>
-          <p:nvPr/>
-        </p:nvCxnSpPr>
-        <p:spPr>
-          <a:xfrm>
-            <a:off x="4414296" y="5405676"/>
-            <a:ext cx="0" cy="312360"/>
-          </a:xfrm>
-          <a:prstGeom prst="line">
-            <a:avLst/>
-          </a:prstGeom>
-          <a:ln w="38100"/>
-        </p:spPr>
-        <p:style>
-          <a:lnRef idx="1">
-            <a:schemeClr val="dk1"/>
-          </a:lnRef>
-          <a:fillRef idx="0">
-            <a:schemeClr val="dk1"/>
-          </a:fillRef>
-          <a:effectRef idx="0">
-            <a:schemeClr val="dk1"/>
-          </a:effectRef>
-          <a:fontRef idx="minor">
-            <a:schemeClr val="tx1"/>
-          </a:fontRef>
-        </p:style>
-      </p:cxnSp>
-      <p:cxnSp>
-        <p:nvCxnSpPr>
-          <p:cNvPr id="32" name="Straight Connector 31">
-            <a:extLst>
-              <a:ext uri="{FF2B5EF4-FFF2-40B4-BE49-F238E27FC236}">
-                <a16:creationId xmlns:a16="http://schemas.microsoft.com/office/drawing/2014/main" id="{E42E43F1-E6B3-D88B-9B45-6A2560AD9C5F}"/>
-              </a:ext>
-            </a:extLst>
-          </p:cNvPr>
-          <p:cNvCxnSpPr>
-            <a:cxnSpLocks/>
-            <a:endCxn id="5" idx="1"/>
-          </p:cNvCxnSpPr>
-          <p:nvPr/>
-        </p:nvCxnSpPr>
-        <p:spPr>
-          <a:xfrm>
-            <a:off x="7211305" y="2705651"/>
-            <a:ext cx="997953" cy="835"/>
-          </a:xfrm>
-          <a:prstGeom prst="line">
-            <a:avLst/>
-          </a:prstGeom>
-          <a:ln w="12700"/>
-        </p:spPr>
-        <p:style>
-          <a:lnRef idx="1">
-            <a:schemeClr val="dk1"/>
-          </a:lnRef>
-          <a:fillRef idx="0">
-            <a:schemeClr val="dk1"/>
-          </a:fillRef>
-          <a:effectRef idx="0">
-            <a:schemeClr val="dk1"/>
-          </a:effectRef>
-          <a:fontRef idx="minor">
-            <a:schemeClr val="tx1"/>
-          </a:fontRef>
-        </p:style>
-      </p:cxnSp>
-      <p:cxnSp>
-        <p:nvCxnSpPr>
-          <p:cNvPr id="36" name="Straight Connector 35">
-            <a:extLst>
-              <a:ext uri="{FF2B5EF4-FFF2-40B4-BE49-F238E27FC236}">
-                <a16:creationId xmlns:a16="http://schemas.microsoft.com/office/drawing/2014/main" id="{558C2967-E598-3DC3-8FE5-E8C187C13131}"/>
-              </a:ext>
-            </a:extLst>
-          </p:cNvPr>
-          <p:cNvCxnSpPr>
-            <a:cxnSpLocks/>
-            <a:endCxn id="7" idx="1"/>
-          </p:cNvCxnSpPr>
-          <p:nvPr/>
-        </p:nvCxnSpPr>
-        <p:spPr>
-          <a:xfrm>
-            <a:off x="6327274" y="3029847"/>
-            <a:ext cx="1856584" cy="0"/>
-          </a:xfrm>
-          <a:prstGeom prst="line">
-            <a:avLst/>
-          </a:prstGeom>
-          <a:ln w="12700"/>
-        </p:spPr>
-        <p:style>
-          <a:lnRef idx="1">
-            <a:schemeClr val="dk1"/>
-          </a:lnRef>
-          <a:fillRef idx="0">
-            <a:schemeClr val="dk1"/>
-          </a:fillRef>
-          <a:effectRef idx="0">
-            <a:schemeClr val="dk1"/>
-          </a:effectRef>
-          <a:fontRef idx="minor">
-            <a:schemeClr val="tx1"/>
-          </a:fontRef>
-        </p:style>
-      </p:cxnSp>
-      <p:cxnSp>
-        <p:nvCxnSpPr>
-          <p:cNvPr id="39" name="Straight Connector 38">
-            <a:extLst>
-              <a:ext uri="{FF2B5EF4-FFF2-40B4-BE49-F238E27FC236}">
-                <a16:creationId xmlns:a16="http://schemas.microsoft.com/office/drawing/2014/main" id="{48A1CBB5-3DFD-F439-8BAC-72603B889536}"/>
-              </a:ext>
-            </a:extLst>
-          </p:cNvPr>
-          <p:cNvCxnSpPr>
-            <a:cxnSpLocks/>
-          </p:cNvCxnSpPr>
-          <p:nvPr/>
-        </p:nvCxnSpPr>
-        <p:spPr>
-          <a:xfrm>
-            <a:off x="5395406" y="3752424"/>
-            <a:ext cx="2875457" cy="0"/>
-          </a:xfrm>
-          <a:prstGeom prst="line">
-            <a:avLst/>
-          </a:prstGeom>
-          <a:ln w="12700"/>
-        </p:spPr>
-        <p:style>
-          <a:lnRef idx="1">
-            <a:schemeClr val="dk1"/>
-          </a:lnRef>
-          <a:fillRef idx="0">
-            <a:schemeClr val="dk1"/>
-          </a:fillRef>
-          <a:effectRef idx="0">
-            <a:schemeClr val="dk1"/>
-          </a:effectRef>
-          <a:fontRef idx="minor">
-            <a:schemeClr val="tx1"/>
-          </a:fontRef>
-        </p:style>
-      </p:cxnSp>
-      <p:cxnSp>
-        <p:nvCxnSpPr>
-          <p:cNvPr id="41" name="Straight Connector 40">
-            <a:extLst>
-              <a:ext uri="{FF2B5EF4-FFF2-40B4-BE49-F238E27FC236}">
-                <a16:creationId xmlns:a16="http://schemas.microsoft.com/office/drawing/2014/main" id="{71C803A5-8CFA-B93A-0A42-655281487FD3}"/>
-              </a:ext>
-            </a:extLst>
-          </p:cNvPr>
-          <p:cNvCxnSpPr>
-            <a:cxnSpLocks/>
-          </p:cNvCxnSpPr>
-          <p:nvPr/>
-        </p:nvCxnSpPr>
-        <p:spPr>
-          <a:xfrm>
-            <a:off x="3833996" y="4412534"/>
-            <a:ext cx="4396151" cy="19024"/>
-          </a:xfrm>
-          <a:prstGeom prst="line">
-            <a:avLst/>
-          </a:prstGeom>
-          <a:ln w="12700"/>
-        </p:spPr>
-        <p:style>
-          <a:lnRef idx="1">
-            <a:schemeClr val="dk1"/>
-          </a:lnRef>
-          <a:fillRef idx="0">
-            <a:schemeClr val="dk1"/>
-          </a:fillRef>
-          <a:effectRef idx="0">
-            <a:schemeClr val="dk1"/>
-          </a:effectRef>
-          <a:fontRef idx="minor">
-            <a:schemeClr val="tx1"/>
-          </a:fontRef>
-        </p:style>
-      </p:cxnSp>
-      <p:cxnSp>
-        <p:nvCxnSpPr>
-          <p:cNvPr id="43" name="Straight Connector 42">
-            <a:extLst>
-              <a:ext uri="{FF2B5EF4-FFF2-40B4-BE49-F238E27FC236}">
-                <a16:creationId xmlns:a16="http://schemas.microsoft.com/office/drawing/2014/main" id="{A1AFC982-B827-FFA3-4483-DB5418F176F7}"/>
-              </a:ext>
-            </a:extLst>
-          </p:cNvPr>
-          <p:cNvCxnSpPr>
-            <a:cxnSpLocks/>
-          </p:cNvCxnSpPr>
-          <p:nvPr/>
-        </p:nvCxnSpPr>
-        <p:spPr>
-          <a:xfrm>
-            <a:off x="5928605" y="4726741"/>
-            <a:ext cx="2280653" cy="0"/>
-          </a:xfrm>
-          <a:prstGeom prst="line">
-            <a:avLst/>
-          </a:prstGeom>
-          <a:ln w="12700"/>
-        </p:spPr>
-        <p:style>
-          <a:lnRef idx="1">
-            <a:schemeClr val="dk1"/>
-          </a:lnRef>
-          <a:fillRef idx="0">
-            <a:schemeClr val="dk1"/>
-          </a:fillRef>
-          <a:effectRef idx="0">
-            <a:schemeClr val="dk1"/>
-          </a:effectRef>
-          <a:fontRef idx="minor">
-            <a:schemeClr val="tx1"/>
-          </a:fontRef>
-        </p:style>
-      </p:cxnSp>
-      <p:cxnSp>
-        <p:nvCxnSpPr>
-          <p:cNvPr id="47" name="Straight Connector 46">
-            <a:extLst>
-              <a:ext uri="{FF2B5EF4-FFF2-40B4-BE49-F238E27FC236}">
-                <a16:creationId xmlns:a16="http://schemas.microsoft.com/office/drawing/2014/main" id="{2552B461-8514-78A1-943F-3F1EDB1947D1}"/>
-              </a:ext>
-            </a:extLst>
-          </p:cNvPr>
-          <p:cNvCxnSpPr>
-            <a:cxnSpLocks/>
-            <a:endCxn id="9" idx="1"/>
-          </p:cNvCxnSpPr>
-          <p:nvPr/>
-        </p:nvCxnSpPr>
-        <p:spPr>
-          <a:xfrm flipV="1">
-            <a:off x="4414296" y="5523182"/>
-            <a:ext cx="3856567" cy="43797"/>
-          </a:xfrm>
-          <a:prstGeom prst="line">
-            <a:avLst/>
-          </a:prstGeom>
-          <a:ln w="12700"/>
-        </p:spPr>
-        <p:style>
-          <a:lnRef idx="1">
-            <a:schemeClr val="dk1"/>
-          </a:lnRef>
-          <a:fillRef idx="0">
-            <a:schemeClr val="dk1"/>
-          </a:fillRef>
-          <a:effectRef idx="0">
-            <a:schemeClr val="dk1"/>
-          </a:effectRef>
-          <a:fontRef idx="minor">
-            <a:schemeClr val="tx1"/>
-          </a:fontRef>
-        </p:style>
-      </p:cxnSp>
-    </p:spTree>
-    <p:extLst>
-      <p:ext uri="{BB962C8B-B14F-4D97-AF65-F5344CB8AC3E}">
-        <p14:creationId xmlns:p14="http://schemas.microsoft.com/office/powerpoint/2010/main" val="337894678"/>
-      </p:ext>
-    </p:extLst>
-  </p:cSld>
-  <p:clrMapOvr>
-    <a:masterClrMapping/>
-  </p:clrMapOvr>
-</p:sld>
-</file>
-
 <file path=ppt/slides/slide15.xml><?xml version="1.0" encoding="utf-8"?>
 <p:sld xmlns:a="http://schemas.openxmlformats.org/drawingml/2006/main" xmlns:r="http://schemas.openxmlformats.org/officeDocument/2006/relationships" xmlns:p="http://schemas.openxmlformats.org/presentationml/2006/main">
   <p:cSld>
@@ -6196,11 +5296,7 @@
           <a:p>
             <a:r>
               <a:rPr lang="en-US" dirty="0"/>
-              <a:t>Worked Example: Coding </a:t>
-            </a:r>
-            <a:r>
-              <a:rPr lang="en-US" sz="4000" dirty="0"/>
-              <a:t>(with goal)</a:t>
+              <a:t>Worked Example: Coding</a:t>
             </a:r>
           </a:p>
         </p:txBody>
@@ -6266,7 +5362,7 @@
         <p:spPr>
           <a:xfrm>
             <a:off x="8209258" y="2521820"/>
-            <a:ext cx="2689454" cy="369332"/>
+            <a:ext cx="1703864" cy="369332"/>
           </a:xfrm>
           <a:prstGeom prst="rect">
             <a:avLst/>
@@ -6281,7 +5377,7 @@
           <a:p>
             <a:r>
               <a:rPr lang="en-US" dirty="0"/>
-              <a:t>“Implementation-focused”</a:t>
+              <a:t>“Desire to Help”</a:t>
             </a:r>
           </a:p>
         </p:txBody>
@@ -6336,7 +5432,7 @@
         <p:spPr>
           <a:xfrm>
             <a:off x="8183858" y="2845181"/>
-            <a:ext cx="1920141" cy="369332"/>
+            <a:ext cx="2288896" cy="369332"/>
           </a:xfrm>
           <a:prstGeom prst="rect">
             <a:avLst/>
@@ -6351,7 +5447,7 @@
           <a:p>
             <a:r>
               <a:rPr lang="en-US" dirty="0"/>
-              <a:t>“Large codebases”</a:t>
+              <a:t>“Productivity-minded”</a:t>
             </a:r>
           </a:p>
         </p:txBody>
@@ -6371,7 +5467,7 @@
         <p:spPr>
           <a:xfrm>
             <a:off x="8230147" y="4548864"/>
-            <a:ext cx="2103140" cy="369332"/>
+            <a:ext cx="2288896" cy="369332"/>
           </a:xfrm>
           <a:prstGeom prst="rect">
             <a:avLst/>
@@ -6386,17 +5482,17 @@
           <a:p>
             <a:r>
               <a:rPr lang="en-US" dirty="0"/>
-              <a:t>“Scalability-minded”</a:t>
-            </a:r>
-          </a:p>
-        </p:txBody>
-      </p:sp>
-      <p:sp>
-        <p:nvSpPr>
-          <p:cNvPr id="12" name="TextBox 11">
-            <a:extLst>
-              <a:ext uri="{FF2B5EF4-FFF2-40B4-BE49-F238E27FC236}">
-                <a16:creationId xmlns:a16="http://schemas.microsoft.com/office/drawing/2014/main" id="{7F991E9D-E6D4-2300-1541-BFB17D8FD45A}"/>
+              <a:t>“Productivity-minded”</a:t>
+            </a:r>
+          </a:p>
+        </p:txBody>
+      </p:sp>
+      <p:sp>
+        <p:nvSpPr>
+          <p:cNvPr id="9" name="TextBox 8">
+            <a:extLst>
+              <a:ext uri="{FF2B5EF4-FFF2-40B4-BE49-F238E27FC236}">
+                <a16:creationId xmlns:a16="http://schemas.microsoft.com/office/drawing/2014/main" id="{931D0ED5-8A64-A19E-AB7B-1B5ECAC4B04A}"/>
               </a:ext>
             </a:extLst>
           </p:cNvPr>
@@ -6405,8 +5501,8 @@
         </p:nvSpPr>
         <p:spPr>
           <a:xfrm>
-            <a:off x="8209258" y="3567758"/>
-            <a:ext cx="2372894" cy="369332"/>
+            <a:off x="8270863" y="5338516"/>
+            <a:ext cx="2207464" cy="369332"/>
           </a:xfrm>
           <a:prstGeom prst="rect">
             <a:avLst/>
@@ -6421,7 +5517,77 @@
           <a:p>
             <a:r>
               <a:rPr lang="en-US" dirty="0"/>
-              <a:t>“Performance-minded”</a:t>
+              <a:t>“Applications matter”</a:t>
+            </a:r>
+          </a:p>
+        </p:txBody>
+      </p:sp>
+      <p:sp>
+        <p:nvSpPr>
+          <p:cNvPr id="11" name="TextBox 10">
+            <a:extLst>
+              <a:ext uri="{FF2B5EF4-FFF2-40B4-BE49-F238E27FC236}">
+                <a16:creationId xmlns:a16="http://schemas.microsoft.com/office/drawing/2014/main" id="{DF4700D9-A2D2-1FAC-5E6E-16D083C26207}"/>
+              </a:ext>
+            </a:extLst>
+          </p:cNvPr>
+          <p:cNvSpPr txBox="1"/>
+          <p:nvPr/>
+        </p:nvSpPr>
+        <p:spPr>
+          <a:xfrm>
+            <a:off x="8209257" y="4248273"/>
+            <a:ext cx="1957331" cy="369332"/>
+          </a:xfrm>
+          <a:prstGeom prst="rect">
+            <a:avLst/>
+          </a:prstGeom>
+          <a:noFill/>
+        </p:spPr>
+        <p:txBody>
+          <a:bodyPr wrap="none" rtlCol="0">
+            <a:spAutoFit/>
+          </a:bodyPr>
+          <a:lstStyle/>
+          <a:p>
+            <a:r>
+              <a:rPr lang="en-US" dirty="0"/>
+              <a:t>“Practical-minded”</a:t>
+            </a:r>
+          </a:p>
+        </p:txBody>
+      </p:sp>
+      <p:sp>
+        <p:nvSpPr>
+          <p:cNvPr id="12" name="TextBox 11">
+            <a:extLst>
+              <a:ext uri="{FF2B5EF4-FFF2-40B4-BE49-F238E27FC236}">
+                <a16:creationId xmlns:a16="http://schemas.microsoft.com/office/drawing/2014/main" id="{7F991E9D-E6D4-2300-1541-BFB17D8FD45A}"/>
+              </a:ext>
+            </a:extLst>
+          </p:cNvPr>
+          <p:cNvSpPr txBox="1"/>
+          <p:nvPr/>
+        </p:nvSpPr>
+        <p:spPr>
+          <a:xfrm>
+            <a:off x="8209258" y="3567758"/>
+            <a:ext cx="1957331" cy="369332"/>
+          </a:xfrm>
+          <a:prstGeom prst="rect">
+            <a:avLst/>
+          </a:prstGeom>
+          <a:noFill/>
+        </p:spPr>
+        <p:txBody>
+          <a:bodyPr wrap="none" rtlCol="0">
+            <a:spAutoFit/>
+          </a:bodyPr>
+          <a:lstStyle/>
+          <a:p>
+            <a:r>
+              <a:rPr lang="en-US" dirty="0"/>
+              <a:t>“Practical-minded”</a:t>
             </a:r>
           </a:p>
         </p:txBody>
@@ -6435,15 +5601,13 @@
               </a:ext>
             </a:extLst>
           </p:cNvPr>
-          <p:cNvCxnSpPr>
-            <a:cxnSpLocks/>
-          </p:cNvCxnSpPr>
+          <p:cNvCxnSpPr/>
           <p:nvPr/>
         </p:nvCxnSpPr>
         <p:spPr>
           <a:xfrm>
-            <a:off x="3845292" y="2845181"/>
-            <a:ext cx="3373655" cy="0"/>
+            <a:off x="3907857" y="2845181"/>
+            <a:ext cx="3311090" cy="0"/>
           </a:xfrm>
           <a:prstGeom prst="line">
             <a:avLst/>
@@ -6520,8 +5684,47 @@
         </p:nvCxnSpPr>
         <p:spPr>
           <a:xfrm>
-            <a:off x="419100" y="3819301"/>
-            <a:ext cx="4950705" cy="0"/>
+            <a:off x="3808395" y="3819301"/>
+            <a:ext cx="1561410" cy="0"/>
+          </a:xfrm>
+          <a:prstGeom prst="line">
+            <a:avLst/>
+          </a:prstGeom>
+          <a:ln w="38100"/>
+        </p:spPr>
+        <p:style>
+          <a:lnRef idx="1">
+            <a:schemeClr val="dk1"/>
+          </a:lnRef>
+          <a:fillRef idx="0">
+            <a:schemeClr val="dk1"/>
+          </a:fillRef>
+          <a:effectRef idx="0">
+            <a:schemeClr val="dk1"/>
+          </a:effectRef>
+          <a:fontRef idx="minor">
+            <a:schemeClr val="tx1"/>
+          </a:fontRef>
+        </p:style>
+      </p:cxnSp>
+      <p:cxnSp>
+        <p:nvCxnSpPr>
+          <p:cNvPr id="18" name="Straight Connector 17">
+            <a:extLst>
+              <a:ext uri="{FF2B5EF4-FFF2-40B4-BE49-F238E27FC236}">
+                <a16:creationId xmlns:a16="http://schemas.microsoft.com/office/drawing/2014/main" id="{0783490F-579A-BB83-3C13-BC3B8830916A}"/>
+              </a:ext>
+            </a:extLst>
+          </p:cNvPr>
+          <p:cNvCxnSpPr>
+            <a:cxnSpLocks/>
+          </p:cNvCxnSpPr>
+          <p:nvPr/>
+        </p:nvCxnSpPr>
+        <p:spPr>
+          <a:xfrm>
+            <a:off x="1382829" y="4426283"/>
+            <a:ext cx="2425566" cy="0"/>
           </a:xfrm>
           <a:prstGeom prst="line">
             <a:avLst/>
@@ -6558,9 +5761,48 @@
           <p:nvPr/>
         </p:nvCxnSpPr>
         <p:spPr>
-          <a:xfrm flipV="1">
-            <a:off x="3095568" y="4762891"/>
-            <a:ext cx="3600687" cy="18975"/>
+          <a:xfrm>
+            <a:off x="3095568" y="4781866"/>
+            <a:ext cx="2833037" cy="11554"/>
+          </a:xfrm>
+          <a:prstGeom prst="line">
+            <a:avLst/>
+          </a:prstGeom>
+          <a:ln w="38100"/>
+        </p:spPr>
+        <p:style>
+          <a:lnRef idx="1">
+            <a:schemeClr val="dk1"/>
+          </a:lnRef>
+          <a:fillRef idx="0">
+            <a:schemeClr val="dk1"/>
+          </a:fillRef>
+          <a:effectRef idx="0">
+            <a:schemeClr val="dk1"/>
+          </a:effectRef>
+          <a:fontRef idx="minor">
+            <a:schemeClr val="tx1"/>
+          </a:fontRef>
+        </p:style>
+      </p:cxnSp>
+      <p:cxnSp>
+        <p:nvCxnSpPr>
+          <p:cNvPr id="22" name="Straight Connector 21">
+            <a:extLst>
+              <a:ext uri="{FF2B5EF4-FFF2-40B4-BE49-F238E27FC236}">
+                <a16:creationId xmlns:a16="http://schemas.microsoft.com/office/drawing/2014/main" id="{F0E6EC13-BC6F-FFD4-D1CC-D54FBB771FCA}"/>
+              </a:ext>
+            </a:extLst>
+          </p:cNvPr>
+          <p:cNvCxnSpPr>
+            <a:cxnSpLocks/>
+          </p:cNvCxnSpPr>
+          <p:nvPr/>
+        </p:nvCxnSpPr>
+        <p:spPr>
+          <a:xfrm>
+            <a:off x="2037347" y="5718036"/>
+            <a:ext cx="2398294" cy="0"/>
           </a:xfrm>
           <a:prstGeom prst="line">
             <a:avLst/>
@@ -6701,10 +5943,10 @@
       </p:cxnSp>
       <p:cxnSp>
         <p:nvCxnSpPr>
-          <p:cNvPr id="30" name="Straight Connector 29">
-            <a:extLst>
-              <a:ext uri="{FF2B5EF4-FFF2-40B4-BE49-F238E27FC236}">
-                <a16:creationId xmlns:a16="http://schemas.microsoft.com/office/drawing/2014/main" id="{ED11DEF5-6DF9-D14B-AADD-A93F57593A47}"/>
+          <p:cNvPr id="29" name="Straight Connector 28">
+            <a:extLst>
+              <a:ext uri="{FF2B5EF4-FFF2-40B4-BE49-F238E27FC236}">
+                <a16:creationId xmlns:a16="http://schemas.microsoft.com/office/drawing/2014/main" id="{C70B7A7B-F182-806E-B624-E9BF41782525}"/>
               </a:ext>
             </a:extLst>
           </p:cNvPr>
@@ -6715,7 +5957,85 @@
         </p:nvCxnSpPr>
         <p:spPr>
           <a:xfrm>
-            <a:off x="6675365" y="4481060"/>
+            <a:off x="3808395" y="4135103"/>
+            <a:ext cx="0" cy="312360"/>
+          </a:xfrm>
+          <a:prstGeom prst="line">
+            <a:avLst/>
+          </a:prstGeom>
+          <a:ln w="38100"/>
+        </p:spPr>
+        <p:style>
+          <a:lnRef idx="1">
+            <a:schemeClr val="dk1"/>
+          </a:lnRef>
+          <a:fillRef idx="0">
+            <a:schemeClr val="dk1"/>
+          </a:fillRef>
+          <a:effectRef idx="0">
+            <a:schemeClr val="dk1"/>
+          </a:effectRef>
+          <a:fontRef idx="minor">
+            <a:schemeClr val="tx1"/>
+          </a:fontRef>
+        </p:style>
+      </p:cxnSp>
+      <p:cxnSp>
+        <p:nvCxnSpPr>
+          <p:cNvPr id="30" name="Straight Connector 29">
+            <a:extLst>
+              <a:ext uri="{FF2B5EF4-FFF2-40B4-BE49-F238E27FC236}">
+                <a16:creationId xmlns:a16="http://schemas.microsoft.com/office/drawing/2014/main" id="{ED11DEF5-6DF9-D14B-AADD-A93F57593A47}"/>
+              </a:ext>
+            </a:extLst>
+          </p:cNvPr>
+          <p:cNvCxnSpPr>
+            <a:cxnSpLocks/>
+          </p:cNvCxnSpPr>
+          <p:nvPr/>
+        </p:nvCxnSpPr>
+        <p:spPr>
+          <a:xfrm>
+            <a:off x="5928605" y="4504435"/>
+            <a:ext cx="0" cy="312360"/>
+          </a:xfrm>
+          <a:prstGeom prst="line">
+            <a:avLst/>
+          </a:prstGeom>
+          <a:ln w="38100"/>
+        </p:spPr>
+        <p:style>
+          <a:lnRef idx="1">
+            <a:schemeClr val="dk1"/>
+          </a:lnRef>
+          <a:fillRef idx="0">
+            <a:schemeClr val="dk1"/>
+          </a:fillRef>
+          <a:effectRef idx="0">
+            <a:schemeClr val="dk1"/>
+          </a:effectRef>
+          <a:fontRef idx="minor">
+            <a:schemeClr val="tx1"/>
+          </a:fontRef>
+        </p:style>
+      </p:cxnSp>
+      <p:cxnSp>
+        <p:nvCxnSpPr>
+          <p:cNvPr id="31" name="Straight Connector 30">
+            <a:extLst>
+              <a:ext uri="{FF2B5EF4-FFF2-40B4-BE49-F238E27FC236}">
+                <a16:creationId xmlns:a16="http://schemas.microsoft.com/office/drawing/2014/main" id="{EBCC55E4-4F53-A7CA-2A41-BBFF75B03639}"/>
+              </a:ext>
+            </a:extLst>
+          </p:cNvPr>
+          <p:cNvCxnSpPr>
+            <a:cxnSpLocks/>
+          </p:cNvCxnSpPr>
+          <p:nvPr/>
+        </p:nvCxnSpPr>
+        <p:spPr>
+          <a:xfrm>
+            <a:off x="4414296" y="5405676"/>
             <a:ext cx="0" cy="312360"/>
           </a:xfrm>
           <a:prstGeom prst="line">
@@ -6859,10 +6179,10 @@
       </p:cxnSp>
       <p:cxnSp>
         <p:nvCxnSpPr>
-          <p:cNvPr id="43" name="Straight Connector 42">
-            <a:extLst>
-              <a:ext uri="{FF2B5EF4-FFF2-40B4-BE49-F238E27FC236}">
-                <a16:creationId xmlns:a16="http://schemas.microsoft.com/office/drawing/2014/main" id="{A1AFC982-B827-FFA3-4483-DB5418F176F7}"/>
+          <p:cNvPr id="41" name="Straight Connector 40">
+            <a:extLst>
+              <a:ext uri="{FF2B5EF4-FFF2-40B4-BE49-F238E27FC236}">
+                <a16:creationId xmlns:a16="http://schemas.microsoft.com/office/drawing/2014/main" id="{71C803A5-8CFA-B93A-0A42-655281487FD3}"/>
               </a:ext>
             </a:extLst>
           </p:cNvPr>
@@ -6872,9 +6192,9 @@
           <p:nvPr/>
         </p:nvCxnSpPr>
         <p:spPr>
-          <a:xfrm flipV="1">
-            <a:off x="6705600" y="4726741"/>
-            <a:ext cx="1503658" cy="6789"/>
+          <a:xfrm>
+            <a:off x="3833996" y="4412534"/>
+            <a:ext cx="4396151" cy="19024"/>
           </a:xfrm>
           <a:prstGeom prst="line">
             <a:avLst/>
@@ -6896,45 +6216,89 @@
           </a:fontRef>
         </p:style>
       </p:cxnSp>
-      <p:sp>
-        <p:nvSpPr>
-          <p:cNvPr id="4" name="TextBox 3">
-            <a:extLst>
-              <a:ext uri="{FF2B5EF4-FFF2-40B4-BE49-F238E27FC236}">
-                <a16:creationId xmlns:a16="http://schemas.microsoft.com/office/drawing/2014/main" id="{C89C2948-EC21-B7B1-FB87-72459935D44A}"/>
-              </a:ext>
-            </a:extLst>
-          </p:cNvPr>
-          <p:cNvSpPr txBox="1"/>
+      <p:cxnSp>
+        <p:nvCxnSpPr>
+          <p:cNvPr id="43" name="Straight Connector 42">
+            <a:extLst>
+              <a:ext uri="{FF2B5EF4-FFF2-40B4-BE49-F238E27FC236}">
+                <a16:creationId xmlns:a16="http://schemas.microsoft.com/office/drawing/2014/main" id="{A1AFC982-B827-FFA3-4483-DB5418F176F7}"/>
+              </a:ext>
+            </a:extLst>
+          </p:cNvPr>
+          <p:cNvCxnSpPr>
+            <a:cxnSpLocks/>
+          </p:cNvCxnSpPr>
           <p:nvPr/>
-        </p:nvSpPr>
-        <p:spPr>
-          <a:xfrm>
-            <a:off x="519237" y="5756192"/>
-            <a:ext cx="10268965" cy="584775"/>
-          </a:xfrm>
-          <a:prstGeom prst="rect">
+        </p:nvCxnSpPr>
+        <p:spPr>
+          <a:xfrm>
+            <a:off x="5928605" y="4726741"/>
+            <a:ext cx="2280653" cy="0"/>
+          </a:xfrm>
+          <a:prstGeom prst="line">
             <a:avLst/>
           </a:prstGeom>
-          <a:noFill/>
-        </p:spPr>
-        <p:txBody>
-          <a:bodyPr wrap="none" rtlCol="0">
-            <a:spAutoFit/>
-          </a:bodyPr>
-          <a:lstStyle/>
-          <a:p>
-            <a:r>
-              <a:rPr lang="en-US" sz="3200" dirty="0"/>
-              <a:t>Goal: Assess which classroom topics the subject cares about </a:t>
-            </a:r>
-          </a:p>
-        </p:txBody>
-      </p:sp>
+          <a:ln w="12700"/>
+        </p:spPr>
+        <p:style>
+          <a:lnRef idx="1">
+            <a:schemeClr val="dk1"/>
+          </a:lnRef>
+          <a:fillRef idx="0">
+            <a:schemeClr val="dk1"/>
+          </a:fillRef>
+          <a:effectRef idx="0">
+            <a:schemeClr val="dk1"/>
+          </a:effectRef>
+          <a:fontRef idx="minor">
+            <a:schemeClr val="tx1"/>
+          </a:fontRef>
+        </p:style>
+      </p:cxnSp>
+      <p:cxnSp>
+        <p:nvCxnSpPr>
+          <p:cNvPr id="47" name="Straight Connector 46">
+            <a:extLst>
+              <a:ext uri="{FF2B5EF4-FFF2-40B4-BE49-F238E27FC236}">
+                <a16:creationId xmlns:a16="http://schemas.microsoft.com/office/drawing/2014/main" id="{2552B461-8514-78A1-943F-3F1EDB1947D1}"/>
+              </a:ext>
+            </a:extLst>
+          </p:cNvPr>
+          <p:cNvCxnSpPr>
+            <a:cxnSpLocks/>
+            <a:endCxn id="9" idx="1"/>
+          </p:cNvCxnSpPr>
+          <p:nvPr/>
+        </p:nvCxnSpPr>
+        <p:spPr>
+          <a:xfrm flipV="1">
+            <a:off x="4414296" y="5523182"/>
+            <a:ext cx="3856567" cy="43797"/>
+          </a:xfrm>
+          <a:prstGeom prst="line">
+            <a:avLst/>
+          </a:prstGeom>
+          <a:ln w="12700"/>
+        </p:spPr>
+        <p:style>
+          <a:lnRef idx="1">
+            <a:schemeClr val="dk1"/>
+          </a:lnRef>
+          <a:fillRef idx="0">
+            <a:schemeClr val="dk1"/>
+          </a:fillRef>
+          <a:effectRef idx="0">
+            <a:schemeClr val="dk1"/>
+          </a:effectRef>
+          <a:fontRef idx="minor">
+            <a:schemeClr val="tx1"/>
+          </a:fontRef>
+        </p:style>
+      </p:cxnSp>
     </p:spTree>
     <p:extLst>
       <p:ext uri="{BB962C8B-B14F-4D97-AF65-F5344CB8AC3E}">
-        <p14:creationId xmlns:p14="http://schemas.microsoft.com/office/powerpoint/2010/main" val="3148361236"/>
+        <p14:creationId xmlns:p14="http://schemas.microsoft.com/office/powerpoint/2010/main" val="337894678"/>
       </p:ext>
     </p:extLst>
   </p:cSld>
@@ -6988,7 +6352,7 @@
             </a:r>
             <a:r>
               <a:rPr lang="en-US" sz="4000" dirty="0"/>
-              <a:t>(Are You Done?)</a:t>
+              <a:t>(with goal)</a:t>
             </a:r>
           </a:p>
         </p:txBody>
@@ -7699,7 +7063,7 @@
         <p:spPr>
           <a:xfrm>
             <a:off x="519237" y="5756192"/>
-            <a:ext cx="11355130" cy="584775"/>
+            <a:ext cx="10268965" cy="584775"/>
           </a:xfrm>
           <a:prstGeom prst="rect">
             <a:avLst/>
@@ -7707,18 +7071,14 @@
           <a:noFill/>
         </p:spPr>
         <p:txBody>
-          <a:bodyPr wrap="square" rtlCol="0">
+          <a:bodyPr wrap="none" rtlCol="0">
             <a:spAutoFit/>
           </a:bodyPr>
           <a:lstStyle/>
           <a:p>
             <a:r>
-              <a:rPr lang="en-US" sz="3200" b="1" dirty="0"/>
-              <a:t>“Take-away-the-data” test:</a:t>
-            </a:r>
-            <a:r>
               <a:rPr lang="en-US" sz="3200" dirty="0"/>
-              <a:t> If I delete data, can I finish analysis?</a:t>
+              <a:t>Goal: Assess which classroom topics the subject cares about </a:t>
             </a:r>
           </a:p>
         </p:txBody>
@@ -7726,7 +7086,7 @@
     </p:spTree>
     <p:extLst>
       <p:ext uri="{BB962C8B-B14F-4D97-AF65-F5344CB8AC3E}">
-        <p14:creationId xmlns:p14="http://schemas.microsoft.com/office/powerpoint/2010/main" val="1722511196"/>
+        <p14:creationId xmlns:p14="http://schemas.microsoft.com/office/powerpoint/2010/main" val="3148361236"/>
       </p:ext>
     </p:extLst>
   </p:cSld>
@@ -7776,9 +7136,12 @@
           <a:p>
             <a:r>
               <a:rPr lang="en-US" dirty="0"/>
-              <a:t>Worked Example: Searching</a:t>
-            </a:r>
-            <a:endParaRPr lang="en-US" sz="4000" dirty="0"/>
+              <a:t>Worked Example: Coding </a:t>
+            </a:r>
+            <a:r>
+              <a:rPr lang="en-US" sz="4000" dirty="0"/>
+              <a:t>(Are You Done?)</a:t>
+            </a:r>
           </a:p>
         </p:txBody>
       </p:sp>
@@ -7801,16 +7164,30 @@
         <p:spPr>
           <a:xfrm>
             <a:off x="317633" y="1845734"/>
-            <a:ext cx="7055318" cy="3448793"/>
+            <a:ext cx="7055318" cy="4023360"/>
           </a:xfrm>
         </p:spPr>
         <p:txBody>
           <a:bodyPr>
-            <a:normAutofit/>
+            <a:normAutofit fontScale="92500" lnSpcReduction="10000"/>
           </a:bodyPr>
           <a:lstStyle/>
           <a:p>
-            <a:endParaRPr lang="en-US" dirty="0"/>
+            <a:r>
+              <a:rPr lang="en-US" sz="3000" b="1" dirty="0"/>
+              <a:t>Data</a:t>
+            </a:r>
+            <a:r>
+              <a:rPr lang="en-US" sz="3000" dirty="0"/>
+              <a:t> (Example responses to example interview):</a:t>
+            </a:r>
+            <a:br>
+              <a:rPr lang="en-US" dirty="0"/>
+            </a:br>
+            <a:r>
+              <a:rPr lang="en-US" dirty="0"/>
+              <a:t>“In my life, I want to use programming for something productive, to help people make things. Maybe engineering software or productivity software. I want to know how a programmer should think about performance day-to-day. I know about common optimizations, but I also know they aren’t always needed in real life. If I knew this, I would be able to ensure that productivity software scale to the large projects that happen when engineers are trying to develop new things in the real world, whether it’s roads or movies.” </a:t>
+            </a:r>
           </a:p>
         </p:txBody>
       </p:sp>
@@ -7989,6 +7366,476 @@
           </a:p>
         </p:txBody>
       </p:sp>
+      <p:cxnSp>
+        <p:nvCxnSpPr>
+          <p:cNvPr id="14" name="Straight Connector 13">
+            <a:extLst>
+              <a:ext uri="{FF2B5EF4-FFF2-40B4-BE49-F238E27FC236}">
+                <a16:creationId xmlns:a16="http://schemas.microsoft.com/office/drawing/2014/main" id="{A984B22D-D617-B8C6-4AE7-75C667A6FC7C}"/>
+              </a:ext>
+            </a:extLst>
+          </p:cNvPr>
+          <p:cNvCxnSpPr>
+            <a:cxnSpLocks/>
+          </p:cNvCxnSpPr>
+          <p:nvPr/>
+        </p:nvCxnSpPr>
+        <p:spPr>
+          <a:xfrm>
+            <a:off x="3845292" y="2845181"/>
+            <a:ext cx="3373655" cy="0"/>
+          </a:xfrm>
+          <a:prstGeom prst="line">
+            <a:avLst/>
+          </a:prstGeom>
+          <a:ln w="38100"/>
+        </p:spPr>
+        <p:style>
+          <a:lnRef idx="1">
+            <a:schemeClr val="dk1"/>
+          </a:lnRef>
+          <a:fillRef idx="0">
+            <a:schemeClr val="dk1"/>
+          </a:fillRef>
+          <a:effectRef idx="0">
+            <a:schemeClr val="dk1"/>
+          </a:effectRef>
+          <a:fontRef idx="minor">
+            <a:schemeClr val="tx1"/>
+          </a:fontRef>
+        </p:style>
+      </p:cxnSp>
+      <p:cxnSp>
+        <p:nvCxnSpPr>
+          <p:cNvPr id="15" name="Straight Connector 14">
+            <a:extLst>
+              <a:ext uri="{FF2B5EF4-FFF2-40B4-BE49-F238E27FC236}">
+                <a16:creationId xmlns:a16="http://schemas.microsoft.com/office/drawing/2014/main" id="{77371B62-93F7-C5CB-2AE8-A318BB524F38}"/>
+              </a:ext>
+            </a:extLst>
+          </p:cNvPr>
+          <p:cNvCxnSpPr>
+            <a:cxnSpLocks/>
+          </p:cNvCxnSpPr>
+          <p:nvPr/>
+        </p:nvCxnSpPr>
+        <p:spPr>
+          <a:xfrm>
+            <a:off x="4705149" y="3214513"/>
+            <a:ext cx="1647525" cy="0"/>
+          </a:xfrm>
+          <a:prstGeom prst="line">
+            <a:avLst/>
+          </a:prstGeom>
+          <a:ln w="38100"/>
+        </p:spPr>
+        <p:style>
+          <a:lnRef idx="1">
+            <a:schemeClr val="dk1"/>
+          </a:lnRef>
+          <a:fillRef idx="0">
+            <a:schemeClr val="dk1"/>
+          </a:fillRef>
+          <a:effectRef idx="0">
+            <a:schemeClr val="dk1"/>
+          </a:effectRef>
+          <a:fontRef idx="minor">
+            <a:schemeClr val="tx1"/>
+          </a:fontRef>
+        </p:style>
+      </p:cxnSp>
+      <p:cxnSp>
+        <p:nvCxnSpPr>
+          <p:cNvPr id="17" name="Straight Connector 16">
+            <a:extLst>
+              <a:ext uri="{FF2B5EF4-FFF2-40B4-BE49-F238E27FC236}">
+                <a16:creationId xmlns:a16="http://schemas.microsoft.com/office/drawing/2014/main" id="{642481F0-D73E-723A-6D31-A129F38167E9}"/>
+              </a:ext>
+            </a:extLst>
+          </p:cNvPr>
+          <p:cNvCxnSpPr>
+            <a:cxnSpLocks/>
+          </p:cNvCxnSpPr>
+          <p:nvPr/>
+        </p:nvCxnSpPr>
+        <p:spPr>
+          <a:xfrm>
+            <a:off x="419100" y="3819301"/>
+            <a:ext cx="4950705" cy="0"/>
+          </a:xfrm>
+          <a:prstGeom prst="line">
+            <a:avLst/>
+          </a:prstGeom>
+          <a:ln w="38100"/>
+        </p:spPr>
+        <p:style>
+          <a:lnRef idx="1">
+            <a:schemeClr val="dk1"/>
+          </a:lnRef>
+          <a:fillRef idx="0">
+            <a:schemeClr val="dk1"/>
+          </a:fillRef>
+          <a:effectRef idx="0">
+            <a:schemeClr val="dk1"/>
+          </a:effectRef>
+          <a:fontRef idx="minor">
+            <a:schemeClr val="tx1"/>
+          </a:fontRef>
+        </p:style>
+      </p:cxnSp>
+      <p:cxnSp>
+        <p:nvCxnSpPr>
+          <p:cNvPr id="20" name="Straight Connector 19">
+            <a:extLst>
+              <a:ext uri="{FF2B5EF4-FFF2-40B4-BE49-F238E27FC236}">
+                <a16:creationId xmlns:a16="http://schemas.microsoft.com/office/drawing/2014/main" id="{60884885-1D47-8E29-E5A4-44329EC299B4}"/>
+              </a:ext>
+            </a:extLst>
+          </p:cNvPr>
+          <p:cNvCxnSpPr>
+            <a:cxnSpLocks/>
+          </p:cNvCxnSpPr>
+          <p:nvPr/>
+        </p:nvCxnSpPr>
+        <p:spPr>
+          <a:xfrm flipV="1">
+            <a:off x="3095568" y="4762891"/>
+            <a:ext cx="3600687" cy="18975"/>
+          </a:xfrm>
+          <a:prstGeom prst="line">
+            <a:avLst/>
+          </a:prstGeom>
+          <a:ln w="38100"/>
+        </p:spPr>
+        <p:style>
+          <a:lnRef idx="1">
+            <a:schemeClr val="dk1"/>
+          </a:lnRef>
+          <a:fillRef idx="0">
+            <a:schemeClr val="dk1"/>
+          </a:fillRef>
+          <a:effectRef idx="0">
+            <a:schemeClr val="dk1"/>
+          </a:effectRef>
+          <a:fontRef idx="minor">
+            <a:schemeClr val="tx1"/>
+          </a:fontRef>
+        </p:style>
+      </p:cxnSp>
+      <p:cxnSp>
+        <p:nvCxnSpPr>
+          <p:cNvPr id="24" name="Straight Connector 23">
+            <a:extLst>
+              <a:ext uri="{FF2B5EF4-FFF2-40B4-BE49-F238E27FC236}">
+                <a16:creationId xmlns:a16="http://schemas.microsoft.com/office/drawing/2014/main" id="{D30E62BF-7F98-78CB-EB7A-6C75D83BD29E}"/>
+              </a:ext>
+            </a:extLst>
+          </p:cNvPr>
+          <p:cNvCxnSpPr>
+            <a:cxnSpLocks/>
+          </p:cNvCxnSpPr>
+          <p:nvPr/>
+        </p:nvCxnSpPr>
+        <p:spPr>
+          <a:xfrm>
+            <a:off x="7211305" y="2532821"/>
+            <a:ext cx="0" cy="312360"/>
+          </a:xfrm>
+          <a:prstGeom prst="line">
+            <a:avLst/>
+          </a:prstGeom>
+          <a:ln w="38100"/>
+        </p:spPr>
+        <p:style>
+          <a:lnRef idx="1">
+            <a:schemeClr val="dk1"/>
+          </a:lnRef>
+          <a:fillRef idx="0">
+            <a:schemeClr val="dk1"/>
+          </a:fillRef>
+          <a:effectRef idx="0">
+            <a:schemeClr val="dk1"/>
+          </a:effectRef>
+          <a:fontRef idx="minor">
+            <a:schemeClr val="tx1"/>
+          </a:fontRef>
+        </p:style>
+      </p:cxnSp>
+      <p:cxnSp>
+        <p:nvCxnSpPr>
+          <p:cNvPr id="26" name="Straight Connector 25">
+            <a:extLst>
+              <a:ext uri="{FF2B5EF4-FFF2-40B4-BE49-F238E27FC236}">
+                <a16:creationId xmlns:a16="http://schemas.microsoft.com/office/drawing/2014/main" id="{27C7074B-D9A0-59CA-6DE8-211F15A0B2F8}"/>
+              </a:ext>
+            </a:extLst>
+          </p:cNvPr>
+          <p:cNvCxnSpPr>
+            <a:cxnSpLocks/>
+          </p:cNvCxnSpPr>
+          <p:nvPr/>
+        </p:nvCxnSpPr>
+        <p:spPr>
+          <a:xfrm>
+            <a:off x="6352674" y="2902153"/>
+            <a:ext cx="0" cy="312360"/>
+          </a:xfrm>
+          <a:prstGeom prst="line">
+            <a:avLst/>
+          </a:prstGeom>
+          <a:ln w="38100"/>
+        </p:spPr>
+        <p:style>
+          <a:lnRef idx="1">
+            <a:schemeClr val="dk1"/>
+          </a:lnRef>
+          <a:fillRef idx="0">
+            <a:schemeClr val="dk1"/>
+          </a:fillRef>
+          <a:effectRef idx="0">
+            <a:schemeClr val="dk1"/>
+          </a:effectRef>
+          <a:fontRef idx="minor">
+            <a:schemeClr val="tx1"/>
+          </a:fontRef>
+        </p:style>
+      </p:cxnSp>
+      <p:cxnSp>
+        <p:nvCxnSpPr>
+          <p:cNvPr id="27" name="Straight Connector 26">
+            <a:extLst>
+              <a:ext uri="{FF2B5EF4-FFF2-40B4-BE49-F238E27FC236}">
+                <a16:creationId xmlns:a16="http://schemas.microsoft.com/office/drawing/2014/main" id="{2C302F44-5FD7-5A3C-DA9A-5AE5AF51626C}"/>
+              </a:ext>
+            </a:extLst>
+          </p:cNvPr>
+          <p:cNvCxnSpPr>
+            <a:cxnSpLocks/>
+          </p:cNvCxnSpPr>
+          <p:nvPr/>
+        </p:nvCxnSpPr>
+        <p:spPr>
+          <a:xfrm>
+            <a:off x="5369805" y="3506941"/>
+            <a:ext cx="0" cy="312360"/>
+          </a:xfrm>
+          <a:prstGeom prst="line">
+            <a:avLst/>
+          </a:prstGeom>
+          <a:ln w="38100"/>
+        </p:spPr>
+        <p:style>
+          <a:lnRef idx="1">
+            <a:schemeClr val="dk1"/>
+          </a:lnRef>
+          <a:fillRef idx="0">
+            <a:schemeClr val="dk1"/>
+          </a:fillRef>
+          <a:effectRef idx="0">
+            <a:schemeClr val="dk1"/>
+          </a:effectRef>
+          <a:fontRef idx="minor">
+            <a:schemeClr val="tx1"/>
+          </a:fontRef>
+        </p:style>
+      </p:cxnSp>
+      <p:cxnSp>
+        <p:nvCxnSpPr>
+          <p:cNvPr id="30" name="Straight Connector 29">
+            <a:extLst>
+              <a:ext uri="{FF2B5EF4-FFF2-40B4-BE49-F238E27FC236}">
+                <a16:creationId xmlns:a16="http://schemas.microsoft.com/office/drawing/2014/main" id="{ED11DEF5-6DF9-D14B-AADD-A93F57593A47}"/>
+              </a:ext>
+            </a:extLst>
+          </p:cNvPr>
+          <p:cNvCxnSpPr>
+            <a:cxnSpLocks/>
+          </p:cNvCxnSpPr>
+          <p:nvPr/>
+        </p:nvCxnSpPr>
+        <p:spPr>
+          <a:xfrm>
+            <a:off x="6675365" y="4481060"/>
+            <a:ext cx="0" cy="312360"/>
+          </a:xfrm>
+          <a:prstGeom prst="line">
+            <a:avLst/>
+          </a:prstGeom>
+          <a:ln w="38100"/>
+        </p:spPr>
+        <p:style>
+          <a:lnRef idx="1">
+            <a:schemeClr val="dk1"/>
+          </a:lnRef>
+          <a:fillRef idx="0">
+            <a:schemeClr val="dk1"/>
+          </a:fillRef>
+          <a:effectRef idx="0">
+            <a:schemeClr val="dk1"/>
+          </a:effectRef>
+          <a:fontRef idx="minor">
+            <a:schemeClr val="tx1"/>
+          </a:fontRef>
+        </p:style>
+      </p:cxnSp>
+      <p:cxnSp>
+        <p:nvCxnSpPr>
+          <p:cNvPr id="32" name="Straight Connector 31">
+            <a:extLst>
+              <a:ext uri="{FF2B5EF4-FFF2-40B4-BE49-F238E27FC236}">
+                <a16:creationId xmlns:a16="http://schemas.microsoft.com/office/drawing/2014/main" id="{E42E43F1-E6B3-D88B-9B45-6A2560AD9C5F}"/>
+              </a:ext>
+            </a:extLst>
+          </p:cNvPr>
+          <p:cNvCxnSpPr>
+            <a:cxnSpLocks/>
+            <a:endCxn id="5" idx="1"/>
+          </p:cNvCxnSpPr>
+          <p:nvPr/>
+        </p:nvCxnSpPr>
+        <p:spPr>
+          <a:xfrm>
+            <a:off x="7211305" y="2705651"/>
+            <a:ext cx="997953" cy="835"/>
+          </a:xfrm>
+          <a:prstGeom prst="line">
+            <a:avLst/>
+          </a:prstGeom>
+          <a:ln w="12700"/>
+        </p:spPr>
+        <p:style>
+          <a:lnRef idx="1">
+            <a:schemeClr val="dk1"/>
+          </a:lnRef>
+          <a:fillRef idx="0">
+            <a:schemeClr val="dk1"/>
+          </a:fillRef>
+          <a:effectRef idx="0">
+            <a:schemeClr val="dk1"/>
+          </a:effectRef>
+          <a:fontRef idx="minor">
+            <a:schemeClr val="tx1"/>
+          </a:fontRef>
+        </p:style>
+      </p:cxnSp>
+      <p:cxnSp>
+        <p:nvCxnSpPr>
+          <p:cNvPr id="36" name="Straight Connector 35">
+            <a:extLst>
+              <a:ext uri="{FF2B5EF4-FFF2-40B4-BE49-F238E27FC236}">
+                <a16:creationId xmlns:a16="http://schemas.microsoft.com/office/drawing/2014/main" id="{558C2967-E598-3DC3-8FE5-E8C187C13131}"/>
+              </a:ext>
+            </a:extLst>
+          </p:cNvPr>
+          <p:cNvCxnSpPr>
+            <a:cxnSpLocks/>
+            <a:endCxn id="7" idx="1"/>
+          </p:cNvCxnSpPr>
+          <p:nvPr/>
+        </p:nvCxnSpPr>
+        <p:spPr>
+          <a:xfrm>
+            <a:off x="6327274" y="3029847"/>
+            <a:ext cx="1856584" cy="0"/>
+          </a:xfrm>
+          <a:prstGeom prst="line">
+            <a:avLst/>
+          </a:prstGeom>
+          <a:ln w="12700"/>
+        </p:spPr>
+        <p:style>
+          <a:lnRef idx="1">
+            <a:schemeClr val="dk1"/>
+          </a:lnRef>
+          <a:fillRef idx="0">
+            <a:schemeClr val="dk1"/>
+          </a:fillRef>
+          <a:effectRef idx="0">
+            <a:schemeClr val="dk1"/>
+          </a:effectRef>
+          <a:fontRef idx="minor">
+            <a:schemeClr val="tx1"/>
+          </a:fontRef>
+        </p:style>
+      </p:cxnSp>
+      <p:cxnSp>
+        <p:nvCxnSpPr>
+          <p:cNvPr id="39" name="Straight Connector 38">
+            <a:extLst>
+              <a:ext uri="{FF2B5EF4-FFF2-40B4-BE49-F238E27FC236}">
+                <a16:creationId xmlns:a16="http://schemas.microsoft.com/office/drawing/2014/main" id="{48A1CBB5-3DFD-F439-8BAC-72603B889536}"/>
+              </a:ext>
+            </a:extLst>
+          </p:cNvPr>
+          <p:cNvCxnSpPr>
+            <a:cxnSpLocks/>
+          </p:cNvCxnSpPr>
+          <p:nvPr/>
+        </p:nvCxnSpPr>
+        <p:spPr>
+          <a:xfrm>
+            <a:off x="5395406" y="3752424"/>
+            <a:ext cx="2875457" cy="0"/>
+          </a:xfrm>
+          <a:prstGeom prst="line">
+            <a:avLst/>
+          </a:prstGeom>
+          <a:ln w="12700"/>
+        </p:spPr>
+        <p:style>
+          <a:lnRef idx="1">
+            <a:schemeClr val="dk1"/>
+          </a:lnRef>
+          <a:fillRef idx="0">
+            <a:schemeClr val="dk1"/>
+          </a:fillRef>
+          <a:effectRef idx="0">
+            <a:schemeClr val="dk1"/>
+          </a:effectRef>
+          <a:fontRef idx="minor">
+            <a:schemeClr val="tx1"/>
+          </a:fontRef>
+        </p:style>
+      </p:cxnSp>
+      <p:cxnSp>
+        <p:nvCxnSpPr>
+          <p:cNvPr id="43" name="Straight Connector 42">
+            <a:extLst>
+              <a:ext uri="{FF2B5EF4-FFF2-40B4-BE49-F238E27FC236}">
+                <a16:creationId xmlns:a16="http://schemas.microsoft.com/office/drawing/2014/main" id="{A1AFC982-B827-FFA3-4483-DB5418F176F7}"/>
+              </a:ext>
+            </a:extLst>
+          </p:cNvPr>
+          <p:cNvCxnSpPr>
+            <a:cxnSpLocks/>
+          </p:cNvCxnSpPr>
+          <p:nvPr/>
+        </p:nvCxnSpPr>
+        <p:spPr>
+          <a:xfrm flipV="1">
+            <a:off x="6705600" y="4726741"/>
+            <a:ext cx="1503658" cy="6789"/>
+          </a:xfrm>
+          <a:prstGeom prst="line">
+            <a:avLst/>
+          </a:prstGeom>
+          <a:ln w="12700"/>
+        </p:spPr>
+        <p:style>
+          <a:lnRef idx="1">
+            <a:schemeClr val="dk1"/>
+          </a:lnRef>
+          <a:fillRef idx="0">
+            <a:schemeClr val="dk1"/>
+          </a:fillRef>
+          <a:effectRef idx="0">
+            <a:schemeClr val="dk1"/>
+          </a:effectRef>
+          <a:fontRef idx="minor">
+            <a:schemeClr val="tx1"/>
+          </a:fontRef>
+        </p:style>
+      </p:cxnSp>
       <p:sp>
         <p:nvSpPr>
           <p:cNvPr id="4" name="TextBox 3">
@@ -8019,43 +7866,11 @@
           <a:p>
             <a:r>
               <a:rPr lang="en-US" sz="3200" b="1" dirty="0"/>
-              <a:t>Based on codes + goal, identify initial list of themes</a:t>
-            </a:r>
-            <a:endParaRPr lang="en-US" sz="3200" dirty="0"/>
-          </a:p>
-        </p:txBody>
-      </p:sp>
-      <p:sp>
-        <p:nvSpPr>
-          <p:cNvPr id="9" name="TextBox 8">
-            <a:extLst>
-              <a:ext uri="{FF2B5EF4-FFF2-40B4-BE49-F238E27FC236}">
-                <a16:creationId xmlns:a16="http://schemas.microsoft.com/office/drawing/2014/main" id="{5A0586AD-91BC-08C9-523D-96DEAA90AE63}"/>
-              </a:ext>
-            </a:extLst>
-          </p:cNvPr>
-          <p:cNvSpPr txBox="1"/>
-          <p:nvPr/>
-        </p:nvSpPr>
-        <p:spPr>
-          <a:xfrm>
-            <a:off x="519237" y="5294527"/>
-            <a:ext cx="7731475" cy="461665"/>
-          </a:xfrm>
-          <a:prstGeom prst="rect">
-            <a:avLst/>
-          </a:prstGeom>
-          <a:noFill/>
-        </p:spPr>
-        <p:txBody>
-          <a:bodyPr wrap="none" rtlCol="0">
-            <a:spAutoFit/>
-          </a:bodyPr>
-          <a:lstStyle/>
-          <a:p>
-            <a:r>
-              <a:rPr lang="en-US" sz="2400" dirty="0"/>
-              <a:t>Goal: Assess which classroom topics the subject cares about </a:t>
+              <a:t>“Take-away-the-data” test:</a:t>
+            </a:r>
+            <a:r>
+              <a:rPr lang="en-US" sz="3200" dirty="0"/>
+              <a:t> If I delete data, can I finish analysis?</a:t>
             </a:r>
           </a:p>
         </p:txBody>
@@ -8063,7 +7878,7 @@
     </p:spTree>
     <p:extLst>
       <p:ext uri="{BB962C8B-B14F-4D97-AF65-F5344CB8AC3E}">
-        <p14:creationId xmlns:p14="http://schemas.microsoft.com/office/powerpoint/2010/main" val="10769803"/>
+        <p14:creationId xmlns:p14="http://schemas.microsoft.com/office/powerpoint/2010/main" val="1722511196"/>
       </p:ext>
     </p:extLst>
   </p:cSld>
@@ -8147,39 +7962,7 @@
           </a:bodyPr>
           <a:lstStyle/>
           <a:p>
-            <a:pPr lvl="1"/>
-            <a:r>
-              <a:rPr lang="en-US" dirty="0"/>
-              <a:t>The subject’s highest priority is to learn implementation skills as opposed to theory</a:t>
-            </a:r>
-          </a:p>
-          <a:p>
-            <a:pPr lvl="1"/>
-            <a:r>
-              <a:rPr lang="en-US" dirty="0"/>
-              <a:t>This includes programming in the large</a:t>
-            </a:r>
-          </a:p>
-          <a:p>
-            <a:pPr lvl="1"/>
-            <a:r>
-              <a:rPr lang="en-US" dirty="0"/>
-              <a:t>It should be efficient</a:t>
-            </a:r>
-          </a:p>
-          <a:p>
-            <a:pPr lvl="1"/>
-            <a:r>
-              <a:rPr lang="en-US" dirty="0"/>
-              <a:t>It should scale to large datasets</a:t>
-            </a:r>
-          </a:p>
-          <a:p>
-            <a:pPr lvl="1"/>
-            <a:r>
-              <a:rPr lang="en-US" dirty="0"/>
-              <a:t>Correctness is not essential</a:t>
-            </a:r>
+            <a:endParaRPr lang="en-US" dirty="0"/>
           </a:p>
         </p:txBody>
       </p:sp>
@@ -8432,7 +8215,7 @@
     </p:spTree>
     <p:extLst>
       <p:ext uri="{BB962C8B-B14F-4D97-AF65-F5344CB8AC3E}">
-        <p14:creationId xmlns:p14="http://schemas.microsoft.com/office/powerpoint/2010/main" val="1131108537"/>
+        <p14:creationId xmlns:p14="http://schemas.microsoft.com/office/powerpoint/2010/main" val="10769803"/>
       </p:ext>
     </p:extLst>
   </p:cSld>
@@ -8482,7 +8265,7 @@
           <a:p>
             <a:r>
               <a:rPr lang="en-US" dirty="0"/>
-              <a:t>Worked Example: Revising</a:t>
+              <a:t>Worked Example: Searching</a:t>
             </a:r>
             <a:endParaRPr lang="en-US" sz="4000" dirty="0"/>
           </a:p>
@@ -8526,31 +8309,29 @@
             <a:pPr lvl="1"/>
             <a:r>
               <a:rPr lang="en-US" dirty="0"/>
-              <a:t>Within implementation skills, scalability is a priority, broadly defined.</a:t>
+              <a:t>This includes programming in the large</a:t>
             </a:r>
           </a:p>
           <a:p>
             <a:pPr lvl="1"/>
             <a:r>
               <a:rPr lang="en-US" dirty="0"/>
-              <a:t>Performance is a priority</a:t>
+              <a:t>It should be efficient</a:t>
             </a:r>
           </a:p>
           <a:p>
             <a:pPr lvl="1"/>
-            <a:endParaRPr lang="en-US" dirty="0"/>
+            <a:r>
+              <a:rPr lang="en-US" dirty="0"/>
+              <a:t>It should scale to large datasets</a:t>
+            </a:r>
           </a:p>
           <a:p>
             <a:pPr lvl="1"/>
             <a:r>
-              <a:rPr lang="en-US" b="1" dirty="0"/>
-              <a:t>Note: </a:t>
-            </a:r>
-            <a:r>
-              <a:rPr lang="en-US" dirty="0"/>
-              <a:t>Ideally, themes unite multiple data points. In very small data sets (i.e., exercises), sometimes a single data point becomes a theme</a:t>
-            </a:r>
-            <a:endParaRPr lang="en-US" b="1" dirty="0"/>
+              <a:rPr lang="en-US" dirty="0"/>
+              <a:t>Correctness is not essential</a:t>
+            </a:r>
           </a:p>
         </p:txBody>
       </p:sp>
@@ -8744,7 +8525,7 @@
         <p:spPr>
           <a:xfrm>
             <a:off x="519237" y="5756192"/>
-            <a:ext cx="11355130" cy="523220"/>
+            <a:ext cx="11355130" cy="584775"/>
           </a:xfrm>
           <a:prstGeom prst="rect">
             <a:avLst/>
@@ -8758,13 +8539,10 @@
           <a:lstStyle/>
           <a:p>
             <a:r>
-              <a:rPr lang="en-US" sz="2800" b="1" dirty="0"/>
-              <a:t>Check: </a:t>
-            </a:r>
-            <a:r>
-              <a:rPr lang="en-US" sz="2800" dirty="0"/>
-              <a:t>Supported by data? Redundant? Clear description + relations?</a:t>
-            </a:r>
+              <a:rPr lang="en-US" sz="3200" b="1" dirty="0"/>
+              <a:t>Based on codes + goal, identify initial list of themes</a:t>
+            </a:r>
+            <a:endParaRPr lang="en-US" sz="3200" dirty="0"/>
           </a:p>
         </p:txBody>
       </p:sp>
@@ -8806,7 +8584,7 @@
     </p:spTree>
     <p:extLst>
       <p:ext uri="{BB962C8B-B14F-4D97-AF65-F5344CB8AC3E}">
-        <p14:creationId xmlns:p14="http://schemas.microsoft.com/office/powerpoint/2010/main" val="1406481208"/>
+        <p14:creationId xmlns:p14="http://schemas.microsoft.com/office/powerpoint/2010/main" val="1131108537"/>
       </p:ext>
     </p:extLst>
   </p:cSld>
@@ -8838,15 +8616,15 @@
           <p:cNvPr id="2" name="Title 1">
             <a:extLst>
               <a:ext uri="{FF2B5EF4-FFF2-40B4-BE49-F238E27FC236}">
-                <a16:creationId xmlns:a16="http://schemas.microsoft.com/office/drawing/2014/main" id="{A9B3E2A0-E408-4151-98B8-DAB549BC5516}"/>
-              </a:ext>
-            </a:extLst>
-          </p:cNvPr>
-          <p:cNvSpPr>
-            <a:spLocks noGrp="1"/>
-          </p:cNvSpPr>
-          <p:nvPr>
-            <p:ph type="title"/>
+                <a16:creationId xmlns:a16="http://schemas.microsoft.com/office/drawing/2014/main" id="{18D7AA46-D914-99EE-6EC8-D02B82086F7A}"/>
+              </a:ext>
+            </a:extLst>
+          </p:cNvPr>
+          <p:cNvSpPr>
+            <a:spLocks noGrp="1"/>
+          </p:cNvSpPr>
+          <p:nvPr>
+            <p:ph type="ctrTitle"/>
           </p:nvPr>
         </p:nvSpPr>
         <p:spPr/>
@@ -8856,25 +8634,25 @@
           <a:p>
             <a:r>
               <a:rPr lang="en-US" dirty="0"/>
-              <a:t>Outline: Qualitative Methods</a:t>
-            </a:r>
-          </a:p>
-        </p:txBody>
-      </p:sp>
-      <p:sp>
-        <p:nvSpPr>
-          <p:cNvPr id="3" name="Content Placeholder 2">
-            <a:extLst>
-              <a:ext uri="{FF2B5EF4-FFF2-40B4-BE49-F238E27FC236}">
-                <a16:creationId xmlns:a16="http://schemas.microsoft.com/office/drawing/2014/main" id="{4C039A2E-ED0D-C689-85DB-452D49E78617}"/>
-              </a:ext>
-            </a:extLst>
-          </p:cNvPr>
-          <p:cNvSpPr>
-            <a:spLocks noGrp="1"/>
-          </p:cNvSpPr>
-          <p:nvPr>
-            <p:ph idx="1"/>
+              <a:t>09+ Human-Computer Interaction Part 3</a:t>
+            </a:r>
+          </a:p>
+        </p:txBody>
+      </p:sp>
+      <p:sp>
+        <p:nvSpPr>
+          <p:cNvPr id="3" name="Subtitle 2">
+            <a:extLst>
+              <a:ext uri="{FF2B5EF4-FFF2-40B4-BE49-F238E27FC236}">
+                <a16:creationId xmlns:a16="http://schemas.microsoft.com/office/drawing/2014/main" id="{35A49C19-AEFA-AAD5-F5EA-F352E2795D7D}"/>
+              </a:ext>
+            </a:extLst>
+          </p:cNvPr>
+          <p:cNvSpPr>
+            <a:spLocks noGrp="1"/>
+          </p:cNvSpPr>
+          <p:nvPr>
+            <p:ph type="subTitle" idx="1"/>
           </p:nvPr>
         </p:nvSpPr>
         <p:spPr/>
@@ -8883,55 +8661,47 @@
           <a:lstStyle/>
           <a:p>
             <a:r>
-              <a:rPr lang="en-US" b="1" dirty="0"/>
-              <a:t>Interviews:</a:t>
-            </a:r>
-            <a:r>
-              <a:rPr lang="en-US" dirty="0"/>
-              <a:t> Collecting Data</a:t>
-            </a:r>
-          </a:p>
-          <a:p>
-            <a:r>
-              <a:rPr lang="en-US" b="1" dirty="0"/>
-              <a:t>Thematic Analysis:</a:t>
-            </a:r>
-            <a:r>
-              <a:rPr lang="en-US" dirty="0"/>
-              <a:t> Interpreting Qualitative Data</a:t>
-            </a:r>
-          </a:p>
-          <a:p>
-            <a:r>
-              <a:rPr lang="en-US" b="1" dirty="0"/>
-              <a:t>Appendix</a:t>
-            </a:r>
-            <a:r>
-              <a:rPr lang="en-US" b="1" dirty="0">
-                <a:sym typeface="Wingdings" panose="05000000000000000000" pitchFamily="2" charset="2"/>
-              </a:rPr>
-              <a:t>:</a:t>
-            </a:r>
-            <a:r>
-              <a:rPr lang="en-US" dirty="0">
-                <a:sym typeface="Wingdings" panose="05000000000000000000" pitchFamily="2" charset="2"/>
-              </a:rPr>
-              <a:t> </a:t>
-            </a:r>
-            <a:r>
-              <a:rPr lang="en-US" dirty="0"/>
-              <a:t>Observational Studies</a:t>
-            </a:r>
-          </a:p>
-          <a:p>
-            <a:endParaRPr lang="en-US" dirty="0"/>
+              <a:rPr lang="en-US" dirty="0"/>
+              <a:t>Slides  </a:t>
+            </a:r>
+            <a:r>
+              <a:rPr lang="en-US"/>
+              <a:t>©2024 </a:t>
+            </a:r>
+            <a:r>
+              <a:rPr lang="en-US" dirty="0"/>
+              <a:t>Rose </a:t>
+            </a:r>
+            <a:r>
+              <a:rPr lang="en-US" dirty="0" err="1"/>
+              <a:t>bohrer,</a:t>
+            </a:r>
+            <a:r>
+              <a:rPr lang="en-US" dirty="0"/>
+              <a:t> used for cs 4536/536 at </a:t>
+            </a:r>
+            <a:r>
+              <a:rPr lang="en-US" dirty="0" err="1"/>
+              <a:t>wpi</a:t>
+            </a:r>
+            <a:r>
+              <a:rPr lang="en-US" dirty="0"/>
+              <a:t>.</a:t>
+            </a:r>
+            <a:br>
+              <a:rPr lang="en-US" dirty="0"/>
+            </a:br>
+            <a:r>
+              <a:rPr lang="en-US" dirty="0"/>
+              <a:t>Educational Reuse permitted with credit </a:t>
+            </a:r>
           </a:p>
         </p:txBody>
       </p:sp>
     </p:spTree>
     <p:extLst>
       <p:ext uri="{BB962C8B-B14F-4D97-AF65-F5344CB8AC3E}">
-        <p14:creationId xmlns:p14="http://schemas.microsoft.com/office/powerpoint/2010/main" val="3028605644"/>
+        <p14:creationId xmlns:p14="http://schemas.microsoft.com/office/powerpoint/2010/main" val="1551773837"/>
       </p:ext>
     </p:extLst>
   </p:cSld>
@@ -8981,7 +8751,7 @@
           <a:p>
             <a:r>
               <a:rPr lang="en-US" dirty="0"/>
-              <a:t>Worked Example: Defining</a:t>
+              <a:t>Worked Example: Revising</a:t>
             </a:r>
             <a:endParaRPr lang="en-US" sz="4000" dirty="0"/>
           </a:p>
@@ -9018,21 +8788,36 @@
             <a:pPr lvl="1"/>
             <a:r>
               <a:rPr lang="en-US" dirty="0"/>
-              <a:t>“Implementation”: The subject’s highest priority is to learn implementation skills as opposed to theory.</a:t>
+              <a:t>The subject’s highest priority is to learn implementation skills as opposed to theory</a:t>
             </a:r>
           </a:p>
           <a:p>
             <a:pPr lvl="1"/>
             <a:r>
               <a:rPr lang="en-US" dirty="0"/>
-              <a:t>“Scalability”: Within implementation skills, scalability is a priority. Here, scalability ranges from supporting large codebases to supporting large inputs.</a:t>
+              <a:t>Within implementation skills, scalability is a priority, broadly defined.</a:t>
             </a:r>
           </a:p>
           <a:p>
             <a:pPr lvl="1"/>
             <a:r>
               <a:rPr lang="en-US" dirty="0"/>
-              <a:t>“Performance”: Performance is a priority, specifically observed performance in a practical use context, as opposed to best-case theoretical performance.</a:t>
+              <a:t>Performance is a priority</a:t>
+            </a:r>
+          </a:p>
+          <a:p>
+            <a:pPr lvl="1"/>
+            <a:endParaRPr lang="en-US" dirty="0"/>
+          </a:p>
+          <a:p>
+            <a:pPr lvl="1"/>
+            <a:r>
+              <a:rPr lang="en-US" b="1" dirty="0"/>
+              <a:t>Note: </a:t>
+            </a:r>
+            <a:r>
+              <a:rPr lang="en-US" dirty="0"/>
+              <a:t>Ideally, themes unite multiple data points. In very small data sets (i.e., exercises), sometimes a single data point becomes a theme</a:t>
             </a:r>
             <a:endParaRPr lang="en-US" b="1" dirty="0"/>
           </a:p>
@@ -9247,7 +9032,7 @@
             </a:r>
             <a:r>
               <a:rPr lang="en-US" sz="2800" dirty="0"/>
-              <a:t>Supported by codes? Descriptive and insightful?</a:t>
+              <a:t>Supported by data? Redundant? Clear description + relations?</a:t>
             </a:r>
           </a:p>
         </p:txBody>
@@ -9290,7 +9075,7 @@
     </p:spTree>
     <p:extLst>
       <p:ext uri="{BB962C8B-B14F-4D97-AF65-F5344CB8AC3E}">
-        <p14:creationId xmlns:p14="http://schemas.microsoft.com/office/powerpoint/2010/main" val="1823764612"/>
+        <p14:creationId xmlns:p14="http://schemas.microsoft.com/office/powerpoint/2010/main" val="1406481208"/>
       </p:ext>
     </p:extLst>
   </p:cSld>
@@ -9340,6 +9125,365 @@
           <a:p>
             <a:r>
               <a:rPr lang="en-US" dirty="0"/>
+              <a:t>Worked Example: Defining</a:t>
+            </a:r>
+            <a:endParaRPr lang="en-US" sz="4000" dirty="0"/>
+          </a:p>
+        </p:txBody>
+      </p:sp>
+      <p:sp>
+        <p:nvSpPr>
+          <p:cNvPr id="3" name="Content Placeholder 2">
+            <a:extLst>
+              <a:ext uri="{FF2B5EF4-FFF2-40B4-BE49-F238E27FC236}">
+                <a16:creationId xmlns:a16="http://schemas.microsoft.com/office/drawing/2014/main" id="{B898F582-7A65-0861-FC36-373332E8FB0E}"/>
+              </a:ext>
+            </a:extLst>
+          </p:cNvPr>
+          <p:cNvSpPr>
+            <a:spLocks noGrp="1"/>
+          </p:cNvSpPr>
+          <p:nvPr>
+            <p:ph idx="1"/>
+          </p:nvPr>
+        </p:nvSpPr>
+        <p:spPr>
+          <a:xfrm>
+            <a:off x="317633" y="1845734"/>
+            <a:ext cx="7055318" cy="3448793"/>
+          </a:xfrm>
+        </p:spPr>
+        <p:txBody>
+          <a:bodyPr>
+            <a:normAutofit/>
+          </a:bodyPr>
+          <a:lstStyle/>
+          <a:p>
+            <a:pPr lvl="1"/>
+            <a:r>
+              <a:rPr lang="en-US" dirty="0"/>
+              <a:t>“Implementation”: The subject’s highest priority is to learn implementation skills as opposed to theory.</a:t>
+            </a:r>
+          </a:p>
+          <a:p>
+            <a:pPr lvl="1"/>
+            <a:r>
+              <a:rPr lang="en-US" dirty="0"/>
+              <a:t>“Scalability”: Within implementation skills, scalability is a priority. Here, scalability ranges from supporting large codebases to supporting large inputs.</a:t>
+            </a:r>
+          </a:p>
+          <a:p>
+            <a:pPr lvl="1"/>
+            <a:r>
+              <a:rPr lang="en-US" dirty="0"/>
+              <a:t>“Performance”: Performance is a priority, specifically observed performance in a practical use context, as opposed to best-case theoretical performance.</a:t>
+            </a:r>
+            <a:endParaRPr lang="en-US" b="1" dirty="0"/>
+          </a:p>
+        </p:txBody>
+      </p:sp>
+      <p:sp>
+        <p:nvSpPr>
+          <p:cNvPr id="5" name="TextBox 4">
+            <a:extLst>
+              <a:ext uri="{FF2B5EF4-FFF2-40B4-BE49-F238E27FC236}">
+                <a16:creationId xmlns:a16="http://schemas.microsoft.com/office/drawing/2014/main" id="{A8491B79-7632-84D3-4DA8-29194D46F36E}"/>
+              </a:ext>
+            </a:extLst>
+          </p:cNvPr>
+          <p:cNvSpPr txBox="1"/>
+          <p:nvPr/>
+        </p:nvSpPr>
+        <p:spPr>
+          <a:xfrm>
+            <a:off x="8209258" y="2521820"/>
+            <a:ext cx="2689454" cy="369332"/>
+          </a:xfrm>
+          <a:prstGeom prst="rect">
+            <a:avLst/>
+          </a:prstGeom>
+          <a:noFill/>
+        </p:spPr>
+        <p:txBody>
+          <a:bodyPr wrap="none" rtlCol="0">
+            <a:spAutoFit/>
+          </a:bodyPr>
+          <a:lstStyle/>
+          <a:p>
+            <a:r>
+              <a:rPr lang="en-US" dirty="0"/>
+              <a:t>“Implementation-focused”</a:t>
+            </a:r>
+          </a:p>
+        </p:txBody>
+      </p:sp>
+      <p:sp>
+        <p:nvSpPr>
+          <p:cNvPr id="6" name="TextBox 5">
+            <a:extLst>
+              <a:ext uri="{FF2B5EF4-FFF2-40B4-BE49-F238E27FC236}">
+                <a16:creationId xmlns:a16="http://schemas.microsoft.com/office/drawing/2014/main" id="{23E63D90-4ED8-73C6-4832-DBC9DE2B441F}"/>
+              </a:ext>
+            </a:extLst>
+          </p:cNvPr>
+          <p:cNvSpPr txBox="1"/>
+          <p:nvPr/>
+        </p:nvSpPr>
+        <p:spPr>
+          <a:xfrm>
+            <a:off x="8422105" y="1737360"/>
+            <a:ext cx="1181990" cy="523220"/>
+          </a:xfrm>
+          <a:prstGeom prst="rect">
+            <a:avLst/>
+          </a:prstGeom>
+          <a:noFill/>
+        </p:spPr>
+        <p:txBody>
+          <a:bodyPr wrap="none" rtlCol="0">
+            <a:spAutoFit/>
+          </a:bodyPr>
+          <a:lstStyle/>
+          <a:p>
+            <a:r>
+              <a:rPr lang="en-US" sz="2800" b="1" dirty="0"/>
+              <a:t>CODES</a:t>
+            </a:r>
+          </a:p>
+        </p:txBody>
+      </p:sp>
+      <p:sp>
+        <p:nvSpPr>
+          <p:cNvPr id="7" name="TextBox 6">
+            <a:extLst>
+              <a:ext uri="{FF2B5EF4-FFF2-40B4-BE49-F238E27FC236}">
+                <a16:creationId xmlns:a16="http://schemas.microsoft.com/office/drawing/2014/main" id="{DC58D5FF-A3C2-38CE-6EA6-B8D0F03145A9}"/>
+              </a:ext>
+            </a:extLst>
+          </p:cNvPr>
+          <p:cNvSpPr txBox="1"/>
+          <p:nvPr/>
+        </p:nvSpPr>
+        <p:spPr>
+          <a:xfrm>
+            <a:off x="8183858" y="2845181"/>
+            <a:ext cx="1920141" cy="369332"/>
+          </a:xfrm>
+          <a:prstGeom prst="rect">
+            <a:avLst/>
+          </a:prstGeom>
+          <a:noFill/>
+        </p:spPr>
+        <p:txBody>
+          <a:bodyPr wrap="none" rtlCol="0">
+            <a:spAutoFit/>
+          </a:bodyPr>
+          <a:lstStyle/>
+          <a:p>
+            <a:r>
+              <a:rPr lang="en-US" dirty="0"/>
+              <a:t>“Large codebases”</a:t>
+            </a:r>
+          </a:p>
+        </p:txBody>
+      </p:sp>
+      <p:sp>
+        <p:nvSpPr>
+          <p:cNvPr id="8" name="TextBox 7">
+            <a:extLst>
+              <a:ext uri="{FF2B5EF4-FFF2-40B4-BE49-F238E27FC236}">
+                <a16:creationId xmlns:a16="http://schemas.microsoft.com/office/drawing/2014/main" id="{E819E907-837F-C757-F4EC-96F55B1AC89C}"/>
+              </a:ext>
+            </a:extLst>
+          </p:cNvPr>
+          <p:cNvSpPr txBox="1"/>
+          <p:nvPr/>
+        </p:nvSpPr>
+        <p:spPr>
+          <a:xfrm>
+            <a:off x="8230147" y="4548864"/>
+            <a:ext cx="2103140" cy="369332"/>
+          </a:xfrm>
+          <a:prstGeom prst="rect">
+            <a:avLst/>
+          </a:prstGeom>
+          <a:noFill/>
+        </p:spPr>
+        <p:txBody>
+          <a:bodyPr wrap="none" rtlCol="0">
+            <a:spAutoFit/>
+          </a:bodyPr>
+          <a:lstStyle/>
+          <a:p>
+            <a:r>
+              <a:rPr lang="en-US" dirty="0"/>
+              <a:t>“Scalability-minded”</a:t>
+            </a:r>
+          </a:p>
+        </p:txBody>
+      </p:sp>
+      <p:sp>
+        <p:nvSpPr>
+          <p:cNvPr id="12" name="TextBox 11">
+            <a:extLst>
+              <a:ext uri="{FF2B5EF4-FFF2-40B4-BE49-F238E27FC236}">
+                <a16:creationId xmlns:a16="http://schemas.microsoft.com/office/drawing/2014/main" id="{7F991E9D-E6D4-2300-1541-BFB17D8FD45A}"/>
+              </a:ext>
+            </a:extLst>
+          </p:cNvPr>
+          <p:cNvSpPr txBox="1"/>
+          <p:nvPr/>
+        </p:nvSpPr>
+        <p:spPr>
+          <a:xfrm>
+            <a:off x="8209258" y="3567758"/>
+            <a:ext cx="2372894" cy="369332"/>
+          </a:xfrm>
+          <a:prstGeom prst="rect">
+            <a:avLst/>
+          </a:prstGeom>
+          <a:noFill/>
+        </p:spPr>
+        <p:txBody>
+          <a:bodyPr wrap="none" rtlCol="0">
+            <a:spAutoFit/>
+          </a:bodyPr>
+          <a:lstStyle/>
+          <a:p>
+            <a:r>
+              <a:rPr lang="en-US" dirty="0"/>
+              <a:t>“Performance-minded”</a:t>
+            </a:r>
+          </a:p>
+        </p:txBody>
+      </p:sp>
+      <p:sp>
+        <p:nvSpPr>
+          <p:cNvPr id="4" name="TextBox 3">
+            <a:extLst>
+              <a:ext uri="{FF2B5EF4-FFF2-40B4-BE49-F238E27FC236}">
+                <a16:creationId xmlns:a16="http://schemas.microsoft.com/office/drawing/2014/main" id="{C89C2948-EC21-B7B1-FB87-72459935D44A}"/>
+              </a:ext>
+            </a:extLst>
+          </p:cNvPr>
+          <p:cNvSpPr txBox="1"/>
+          <p:nvPr/>
+        </p:nvSpPr>
+        <p:spPr>
+          <a:xfrm>
+            <a:off x="519237" y="5756192"/>
+            <a:ext cx="11355130" cy="523220"/>
+          </a:xfrm>
+          <a:prstGeom prst="rect">
+            <a:avLst/>
+          </a:prstGeom>
+          <a:noFill/>
+        </p:spPr>
+        <p:txBody>
+          <a:bodyPr wrap="square" rtlCol="0">
+            <a:spAutoFit/>
+          </a:bodyPr>
+          <a:lstStyle/>
+          <a:p>
+            <a:r>
+              <a:rPr lang="en-US" sz="2800" b="1" dirty="0"/>
+              <a:t>Check: </a:t>
+            </a:r>
+            <a:r>
+              <a:rPr lang="en-US" sz="2800" dirty="0"/>
+              <a:t>Supported by codes? Descriptive and insightful?</a:t>
+            </a:r>
+          </a:p>
+        </p:txBody>
+      </p:sp>
+      <p:sp>
+        <p:nvSpPr>
+          <p:cNvPr id="9" name="TextBox 8">
+            <a:extLst>
+              <a:ext uri="{FF2B5EF4-FFF2-40B4-BE49-F238E27FC236}">
+                <a16:creationId xmlns:a16="http://schemas.microsoft.com/office/drawing/2014/main" id="{5A0586AD-91BC-08C9-523D-96DEAA90AE63}"/>
+              </a:ext>
+            </a:extLst>
+          </p:cNvPr>
+          <p:cNvSpPr txBox="1"/>
+          <p:nvPr/>
+        </p:nvSpPr>
+        <p:spPr>
+          <a:xfrm>
+            <a:off x="519237" y="5294527"/>
+            <a:ext cx="7731475" cy="461665"/>
+          </a:xfrm>
+          <a:prstGeom prst="rect">
+            <a:avLst/>
+          </a:prstGeom>
+          <a:noFill/>
+        </p:spPr>
+        <p:txBody>
+          <a:bodyPr wrap="none" rtlCol="0">
+            <a:spAutoFit/>
+          </a:bodyPr>
+          <a:lstStyle/>
+          <a:p>
+            <a:r>
+              <a:rPr lang="en-US" sz="2400" dirty="0"/>
+              <a:t>Goal: Assess which classroom topics the subject cares about </a:t>
+            </a:r>
+          </a:p>
+        </p:txBody>
+      </p:sp>
+    </p:spTree>
+    <p:extLst>
+      <p:ext uri="{BB962C8B-B14F-4D97-AF65-F5344CB8AC3E}">
+        <p14:creationId xmlns:p14="http://schemas.microsoft.com/office/powerpoint/2010/main" val="1823764612"/>
+      </p:ext>
+    </p:extLst>
+  </p:cSld>
+  <p:clrMapOvr>
+    <a:masterClrMapping/>
+  </p:clrMapOvr>
+</p:sld>
+</file>
+
+<file path=ppt/slides/slide22.xml><?xml version="1.0" encoding="utf-8"?>
+<p:sld xmlns:a="http://schemas.openxmlformats.org/drawingml/2006/main" xmlns:r="http://schemas.openxmlformats.org/officeDocument/2006/relationships" xmlns:p="http://schemas.openxmlformats.org/presentationml/2006/main">
+  <p:cSld>
+    <p:spTree>
+      <p:nvGrpSpPr>
+        <p:cNvPr id="1" name=""/>
+        <p:cNvGrpSpPr/>
+        <p:nvPr/>
+      </p:nvGrpSpPr>
+      <p:grpSpPr>
+        <a:xfrm>
+          <a:off x="0" y="0"/>
+          <a:ext cx="0" cy="0"/>
+          <a:chOff x="0" y="0"/>
+          <a:chExt cx="0" cy="0"/>
+        </a:xfrm>
+      </p:grpSpPr>
+      <p:sp>
+        <p:nvSpPr>
+          <p:cNvPr id="2" name="Title 1">
+            <a:extLst>
+              <a:ext uri="{FF2B5EF4-FFF2-40B4-BE49-F238E27FC236}">
+                <a16:creationId xmlns:a16="http://schemas.microsoft.com/office/drawing/2014/main" id="{1E0BC2F4-4561-A8A0-906E-7B88043A03E6}"/>
+              </a:ext>
+            </a:extLst>
+          </p:cNvPr>
+          <p:cNvSpPr>
+            <a:spLocks noGrp="1"/>
+          </p:cNvSpPr>
+          <p:nvPr>
+            <p:ph type="title"/>
+          </p:nvPr>
+        </p:nvSpPr>
+        <p:spPr/>
+        <p:txBody>
+          <a:bodyPr/>
+          <a:lstStyle/>
+          <a:p>
+            <a:r>
+              <a:rPr lang="en-US" dirty="0"/>
               <a:t>Worked Example: Writing</a:t>
             </a:r>
             <a:endParaRPr lang="en-US" sz="4000" dirty="0"/>
@@ -9402,7 +9546,7 @@
 </p:sld>
 </file>
 
-<file path=ppt/slides/slide22.xml><?xml version="1.0" encoding="utf-8"?>
+<file path=ppt/slides/slide23.xml><?xml version="1.0" encoding="utf-8"?>
 <p:sld xmlns:a="http://schemas.openxmlformats.org/drawingml/2006/main" xmlns:r="http://schemas.openxmlformats.org/officeDocument/2006/relationships" xmlns:p="http://schemas.openxmlformats.org/presentationml/2006/main">
   <p:cSld>
     <p:spTree>
@@ -9864,89 +10008,6 @@
 </p:sld>
 </file>
 
-<file path=ppt/slides/slide23.xml><?xml version="1.0" encoding="utf-8"?>
-<p:sld xmlns:a="http://schemas.openxmlformats.org/drawingml/2006/main" xmlns:r="http://schemas.openxmlformats.org/officeDocument/2006/relationships" xmlns:p="http://schemas.openxmlformats.org/presentationml/2006/main">
-  <p:cSld>
-    <p:spTree>
-      <p:nvGrpSpPr>
-        <p:cNvPr id="1" name=""/>
-        <p:cNvGrpSpPr/>
-        <p:nvPr/>
-      </p:nvGrpSpPr>
-      <p:grpSpPr>
-        <a:xfrm>
-          <a:off x="0" y="0"/>
-          <a:ext cx="0" cy="0"/>
-          <a:chOff x="0" y="0"/>
-          <a:chExt cx="0" cy="0"/>
-        </a:xfrm>
-      </p:grpSpPr>
-      <p:sp>
-        <p:nvSpPr>
-          <p:cNvPr id="2" name="Title 1">
-            <a:extLst>
-              <a:ext uri="{FF2B5EF4-FFF2-40B4-BE49-F238E27FC236}">
-                <a16:creationId xmlns:a16="http://schemas.microsoft.com/office/drawing/2014/main" id="{16E7A34B-9465-F9ED-68E8-96CA855969EC}"/>
-              </a:ext>
-            </a:extLst>
-          </p:cNvPr>
-          <p:cNvSpPr>
-            <a:spLocks noGrp="1"/>
-          </p:cNvSpPr>
-          <p:nvPr>
-            <p:ph type="title"/>
-          </p:nvPr>
-        </p:nvSpPr>
-        <p:spPr/>
-        <p:txBody>
-          <a:bodyPr/>
-          <a:lstStyle/>
-          <a:p>
-            <a:r>
-              <a:rPr lang="en-US" dirty="0"/>
-              <a:t>Appendix: Observational Studies</a:t>
-            </a:r>
-          </a:p>
-        </p:txBody>
-      </p:sp>
-      <p:sp>
-        <p:nvSpPr>
-          <p:cNvPr id="3" name="Content Placeholder 2">
-            <a:extLst>
-              <a:ext uri="{FF2B5EF4-FFF2-40B4-BE49-F238E27FC236}">
-                <a16:creationId xmlns:a16="http://schemas.microsoft.com/office/drawing/2014/main" id="{284BA00F-FCE2-15B0-230E-45292EB50586}"/>
-              </a:ext>
-            </a:extLst>
-          </p:cNvPr>
-          <p:cNvSpPr>
-            <a:spLocks noGrp="1"/>
-          </p:cNvSpPr>
-          <p:nvPr>
-            <p:ph idx="1"/>
-          </p:nvPr>
-        </p:nvSpPr>
-        <p:spPr/>
-        <p:txBody>
-          <a:bodyPr/>
-          <a:lstStyle/>
-          <a:p>
-            <a:endParaRPr lang="en-US"/>
-          </a:p>
-        </p:txBody>
-      </p:sp>
-    </p:spTree>
-    <p:extLst>
-      <p:ext uri="{BB962C8B-B14F-4D97-AF65-F5344CB8AC3E}">
-        <p14:creationId xmlns:p14="http://schemas.microsoft.com/office/powerpoint/2010/main" val="3558445904"/>
-      </p:ext>
-    </p:extLst>
-  </p:cSld>
-  <p:clrMapOvr>
-    <a:masterClrMapping/>
-  </p:clrMapOvr>
-</p:sld>
-</file>
-
 <file path=ppt/slides/slide24.xml><?xml version="1.0" encoding="utf-8"?>
 <p:sld xmlns:a="http://schemas.openxmlformats.org/drawingml/2006/main" xmlns:r="http://schemas.openxmlformats.org/officeDocument/2006/relationships" xmlns:p="http://schemas.openxmlformats.org/presentationml/2006/main">
   <p:cSld>
@@ -9969,7 +10030,7 @@
           <p:cNvPr id="2" name="Title 1">
             <a:extLst>
               <a:ext uri="{FF2B5EF4-FFF2-40B4-BE49-F238E27FC236}">
-                <a16:creationId xmlns:a16="http://schemas.microsoft.com/office/drawing/2014/main" id="{E701A159-51CF-CD79-4764-F45ECDB43046}"/>
+                <a16:creationId xmlns:a16="http://schemas.microsoft.com/office/drawing/2014/main" id="{16E7A34B-9465-F9ED-68E8-96CA855969EC}"/>
               </a:ext>
             </a:extLst>
           </p:cNvPr>
@@ -9987,7 +10048,7 @@
           <a:p>
             <a:r>
               <a:rPr lang="en-US" dirty="0"/>
-              <a:t>Observational Studies</a:t>
+              <a:t>Appendix: Observational Studies</a:t>
             </a:r>
           </a:p>
         </p:txBody>
@@ -9997,7 +10058,7 @@
           <p:cNvPr id="3" name="Content Placeholder 2">
             <a:extLst>
               <a:ext uri="{FF2B5EF4-FFF2-40B4-BE49-F238E27FC236}">
-                <a16:creationId xmlns:a16="http://schemas.microsoft.com/office/drawing/2014/main" id="{96AD5048-D149-BE65-3C2E-C963187B9F87}"/>
+                <a16:creationId xmlns:a16="http://schemas.microsoft.com/office/drawing/2014/main" id="{284BA00F-FCE2-15B0-230E-45292EB50586}"/>
               </a:ext>
             </a:extLst>
           </p:cNvPr>
@@ -10013,42 +10074,14 @@
           <a:bodyPr/>
           <a:lstStyle/>
           <a:p>
-            <a:r>
-              <a:rPr lang="en-US" b="1" dirty="0"/>
-              <a:t>Often not an “experiment”:</a:t>
-            </a:r>
-            <a:r>
-              <a:rPr lang="en-US" dirty="0"/>
-              <a:t> Usually, the setting is not completely controlled and you are not looking for a single exact outcome</a:t>
-            </a:r>
-          </a:p>
-          <a:p>
-            <a:r>
-              <a:rPr lang="en-US" b="1" dirty="0"/>
-              <a:t>Usually: </a:t>
-            </a:r>
-            <a:r>
-              <a:rPr lang="en-US" dirty="0"/>
-              <a:t>Give the participant a task, watch them do it, analyze that</a:t>
-            </a:r>
-          </a:p>
-          <a:p>
-            <a:r>
-              <a:rPr lang="en-US" b="1" dirty="0"/>
-              <a:t>Open-ended </a:t>
-            </a:r>
-            <a:r>
-              <a:rPr lang="en-US" dirty="0"/>
-              <a:t>with potentially unpredictable results</a:t>
-            </a:r>
-            <a:endParaRPr lang="en-US" b="1" dirty="0"/>
+            <a:endParaRPr lang="en-US"/>
           </a:p>
         </p:txBody>
       </p:sp>
     </p:spTree>
     <p:extLst>
       <p:ext uri="{BB962C8B-B14F-4D97-AF65-F5344CB8AC3E}">
-        <p14:creationId xmlns:p14="http://schemas.microsoft.com/office/powerpoint/2010/main" val="588804053"/>
+        <p14:creationId xmlns:p14="http://schemas.microsoft.com/office/powerpoint/2010/main" val="3558445904"/>
       </p:ext>
     </p:extLst>
   </p:cSld>
@@ -10080,7 +10113,7 @@
           <p:cNvPr id="2" name="Title 1">
             <a:extLst>
               <a:ext uri="{FF2B5EF4-FFF2-40B4-BE49-F238E27FC236}">
-                <a16:creationId xmlns:a16="http://schemas.microsoft.com/office/drawing/2014/main" id="{C35FF6FE-BB46-C5C3-DBFB-E1088F623ABF}"/>
+                <a16:creationId xmlns:a16="http://schemas.microsoft.com/office/drawing/2014/main" id="{E701A159-51CF-CD79-4764-F45ECDB43046}"/>
               </a:ext>
             </a:extLst>
           </p:cNvPr>
@@ -10098,7 +10131,7 @@
           <a:p>
             <a:r>
               <a:rPr lang="en-US" dirty="0"/>
-              <a:t>Picking Tasks</a:t>
+              <a:t>Observational Studies</a:t>
             </a:r>
           </a:p>
         </p:txBody>
@@ -10108,7 +10141,7 @@
           <p:cNvPr id="3" name="Content Placeholder 2">
             <a:extLst>
               <a:ext uri="{FF2B5EF4-FFF2-40B4-BE49-F238E27FC236}">
-                <a16:creationId xmlns:a16="http://schemas.microsoft.com/office/drawing/2014/main" id="{0AE8E94D-D76E-A59D-1144-89630539B6F4}"/>
+                <a16:creationId xmlns:a16="http://schemas.microsoft.com/office/drawing/2014/main" id="{96AD5048-D149-BE65-3C2E-C963187B9F87}"/>
               </a:ext>
             </a:extLst>
           </p:cNvPr>
@@ -10121,64 +10154,45 @@
         </p:nvSpPr>
         <p:spPr/>
         <p:txBody>
-          <a:bodyPr>
-            <a:normAutofit/>
-          </a:bodyPr>
-          <a:lstStyle/>
-          <a:p>
-            <a:r>
-              <a:rPr lang="en-US" dirty="0"/>
-              <a:t>Let your research questions guide you. Let yourself iterate. Try tasks for yourself and revise. Examples:</a:t>
-            </a:r>
-          </a:p>
-          <a:p>
-            <a:pPr lvl="1"/>
-            <a:r>
-              <a:rPr lang="en-US" dirty="0"/>
-              <a:t>“Write a program that satisfies this specification”</a:t>
-            </a:r>
-          </a:p>
-          <a:p>
-            <a:pPr lvl="1"/>
-            <a:r>
-              <a:rPr lang="en-US" dirty="0"/>
-              <a:t>“Fill in the missing code to satisfy the specification”</a:t>
-            </a:r>
-          </a:p>
-          <a:p>
-            <a:pPr lvl="1"/>
-            <a:r>
-              <a:rPr lang="en-US" dirty="0"/>
-              <a:t>“Read this code. Are there bugs? If so, which?”</a:t>
-            </a:r>
-          </a:p>
-          <a:p>
-            <a:pPr lvl="1"/>
-            <a:r>
-              <a:rPr lang="en-US" dirty="0"/>
-              <a:t>“Here is a debugger. Debug this code”</a:t>
-            </a:r>
-          </a:p>
-          <a:p>
-            <a:pPr lvl="1"/>
-            <a:r>
-              <a:rPr lang="en-US" dirty="0"/>
-              <a:t>“This code does not compile. Modify it so that it compiles”</a:t>
-            </a:r>
-          </a:p>
-          <a:p>
-            <a:pPr lvl="1"/>
-            <a:r>
-              <a:rPr lang="en-US" dirty="0"/>
-              <a:t>Parsons problems: Given these code snippets, put them in right order.</a:t>
-            </a:r>
+          <a:bodyPr/>
+          <a:lstStyle/>
+          <a:p>
+            <a:r>
+              <a:rPr lang="en-US" b="1" dirty="0"/>
+              <a:t>Often not an “experiment”:</a:t>
+            </a:r>
+            <a:r>
+              <a:rPr lang="en-US" dirty="0"/>
+              <a:t> Usually, the setting is not completely controlled and you are not looking for a single exact outcome</a:t>
+            </a:r>
+          </a:p>
+          <a:p>
+            <a:r>
+              <a:rPr lang="en-US" b="1" dirty="0"/>
+              <a:t>Usually: </a:t>
+            </a:r>
+            <a:r>
+              <a:rPr lang="en-US" dirty="0"/>
+              <a:t>Give the participant a task, watch them do it, analyze that</a:t>
+            </a:r>
+          </a:p>
+          <a:p>
+            <a:r>
+              <a:rPr lang="en-US" b="1" dirty="0"/>
+              <a:t>Open-ended </a:t>
+            </a:r>
+            <a:r>
+              <a:rPr lang="en-US" dirty="0"/>
+              <a:t>with potentially unpredictable results</a:t>
+            </a:r>
+            <a:endParaRPr lang="en-US" b="1" dirty="0"/>
           </a:p>
         </p:txBody>
       </p:sp>
     </p:spTree>
     <p:extLst>
       <p:ext uri="{BB962C8B-B14F-4D97-AF65-F5344CB8AC3E}">
-        <p14:creationId xmlns:p14="http://schemas.microsoft.com/office/powerpoint/2010/main" val="1220207834"/>
+        <p14:creationId xmlns:p14="http://schemas.microsoft.com/office/powerpoint/2010/main" val="588804053"/>
       </p:ext>
     </p:extLst>
   </p:cSld>
@@ -10210,7 +10224,7 @@
           <p:cNvPr id="2" name="Title 1">
             <a:extLst>
               <a:ext uri="{FF2B5EF4-FFF2-40B4-BE49-F238E27FC236}">
-                <a16:creationId xmlns:a16="http://schemas.microsoft.com/office/drawing/2014/main" id="{EC7988C5-BDA2-5EC0-FE31-DEDEBAF7F3E1}"/>
+                <a16:creationId xmlns:a16="http://schemas.microsoft.com/office/drawing/2014/main" id="{C35FF6FE-BB46-C5C3-DBFB-E1088F623ABF}"/>
               </a:ext>
             </a:extLst>
           </p:cNvPr>
@@ -10228,7 +10242,7 @@
           <a:p>
             <a:r>
               <a:rPr lang="en-US" dirty="0"/>
-              <a:t>Participant Preparation</a:t>
+              <a:t>Picking Tasks</a:t>
             </a:r>
           </a:p>
         </p:txBody>
@@ -10238,7 +10252,7 @@
           <p:cNvPr id="3" name="Content Placeholder 2">
             <a:extLst>
               <a:ext uri="{FF2B5EF4-FFF2-40B4-BE49-F238E27FC236}">
-                <a16:creationId xmlns:a16="http://schemas.microsoft.com/office/drawing/2014/main" id="{18B91967-E981-402C-E815-D8D129C9492C}"/>
+                <a16:creationId xmlns:a16="http://schemas.microsoft.com/office/drawing/2014/main" id="{0AE8E94D-D76E-A59D-1144-89630539B6F4}"/>
               </a:ext>
             </a:extLst>
           </p:cNvPr>
@@ -10256,45 +10270,51 @@
           </a:bodyPr>
           <a:lstStyle/>
           <a:p>
+            <a:r>
+              <a:rPr lang="en-US" dirty="0"/>
+              <a:t>Let your research questions guide you. Let yourself iterate. Try tasks for yourself and revise. Examples:</a:t>
+            </a:r>
+          </a:p>
+          <a:p>
             <a:pPr lvl="1"/>
             <a:r>
               <a:rPr lang="en-US" dirty="0"/>
-              <a:t>Do they need training? What kind?</a:t>
+              <a:t>“Write a program that satisfies this specification”</a:t>
             </a:r>
           </a:p>
           <a:p>
             <a:pPr lvl="1"/>
             <a:r>
               <a:rPr lang="en-US" dirty="0"/>
-              <a:t>What tools (physical + software) are needed? Simulate code on paper?</a:t>
+              <a:t>“Fill in the missing code to satisfy the specification”</a:t>
             </a:r>
           </a:p>
           <a:p>
             <a:pPr lvl="1"/>
             <a:r>
               <a:rPr lang="en-US" dirty="0"/>
-              <a:t>Know how much information and help you’re willing to provide, in very clear terms, before you start.</a:t>
+              <a:t>“Read this code. Are there bugs? If so, which?”</a:t>
             </a:r>
           </a:p>
           <a:p>
             <a:pPr lvl="1"/>
             <a:r>
               <a:rPr lang="en-US" dirty="0"/>
-              <a:t>Rehearse interviewing best-practices such as using probe questions, asking one question at a time, speaking in clear, simple terms, and providing adequate time to answer.</a:t>
+              <a:t>“Here is a debugger. Debug this code”</a:t>
             </a:r>
           </a:p>
           <a:p>
             <a:pPr lvl="1"/>
             <a:r>
               <a:rPr lang="en-US" dirty="0"/>
-              <a:t>Bring a notetaking device in addition to any recordings, so that you can go through the recordings “as-needed” rather than in their entirety.</a:t>
+              <a:t>“This code does not compile. Modify it so that it compiles”</a:t>
             </a:r>
           </a:p>
           <a:p>
             <a:pPr lvl="1"/>
             <a:r>
               <a:rPr lang="en-US" dirty="0"/>
-              <a:t>Keep a timer/clock in view so that you can record timestamps in your notes</a:t>
+              <a:t>Parsons problems: Given these code snippets, put them in right order.</a:t>
             </a:r>
           </a:p>
         </p:txBody>
@@ -10302,7 +10322,7 @@
     </p:spTree>
     <p:extLst>
       <p:ext uri="{BB962C8B-B14F-4D97-AF65-F5344CB8AC3E}">
-        <p14:creationId xmlns:p14="http://schemas.microsoft.com/office/powerpoint/2010/main" val="1565108819"/>
+        <p14:creationId xmlns:p14="http://schemas.microsoft.com/office/powerpoint/2010/main" val="1220207834"/>
       </p:ext>
     </p:extLst>
   </p:cSld>
@@ -10334,6 +10354,130 @@
           <p:cNvPr id="2" name="Title 1">
             <a:extLst>
               <a:ext uri="{FF2B5EF4-FFF2-40B4-BE49-F238E27FC236}">
+                <a16:creationId xmlns:a16="http://schemas.microsoft.com/office/drawing/2014/main" id="{EC7988C5-BDA2-5EC0-FE31-DEDEBAF7F3E1}"/>
+              </a:ext>
+            </a:extLst>
+          </p:cNvPr>
+          <p:cNvSpPr>
+            <a:spLocks noGrp="1"/>
+          </p:cNvSpPr>
+          <p:nvPr>
+            <p:ph type="title"/>
+          </p:nvPr>
+        </p:nvSpPr>
+        <p:spPr/>
+        <p:txBody>
+          <a:bodyPr/>
+          <a:lstStyle/>
+          <a:p>
+            <a:r>
+              <a:rPr lang="en-US" dirty="0"/>
+              <a:t>Participant Preparation</a:t>
+            </a:r>
+          </a:p>
+        </p:txBody>
+      </p:sp>
+      <p:sp>
+        <p:nvSpPr>
+          <p:cNvPr id="3" name="Content Placeholder 2">
+            <a:extLst>
+              <a:ext uri="{FF2B5EF4-FFF2-40B4-BE49-F238E27FC236}">
+                <a16:creationId xmlns:a16="http://schemas.microsoft.com/office/drawing/2014/main" id="{18B91967-E981-402C-E815-D8D129C9492C}"/>
+              </a:ext>
+            </a:extLst>
+          </p:cNvPr>
+          <p:cNvSpPr>
+            <a:spLocks noGrp="1"/>
+          </p:cNvSpPr>
+          <p:nvPr>
+            <p:ph idx="1"/>
+          </p:nvPr>
+        </p:nvSpPr>
+        <p:spPr/>
+        <p:txBody>
+          <a:bodyPr>
+            <a:normAutofit/>
+          </a:bodyPr>
+          <a:lstStyle/>
+          <a:p>
+            <a:pPr lvl="1"/>
+            <a:r>
+              <a:rPr lang="en-US" dirty="0"/>
+              <a:t>Do they need training? What kind?</a:t>
+            </a:r>
+          </a:p>
+          <a:p>
+            <a:pPr lvl="1"/>
+            <a:r>
+              <a:rPr lang="en-US" dirty="0"/>
+              <a:t>What tools (physical + software) are needed? Simulate code on paper?</a:t>
+            </a:r>
+          </a:p>
+          <a:p>
+            <a:pPr lvl="1"/>
+            <a:r>
+              <a:rPr lang="en-US" dirty="0"/>
+              <a:t>Know how much information and help you’re willing to provide, in very clear terms, before you start.</a:t>
+            </a:r>
+          </a:p>
+          <a:p>
+            <a:pPr lvl="1"/>
+            <a:r>
+              <a:rPr lang="en-US" dirty="0"/>
+              <a:t>Rehearse interviewing best-practices such as using probe questions, asking one question at a time, speaking in clear, simple terms, and providing adequate time to answer.</a:t>
+            </a:r>
+          </a:p>
+          <a:p>
+            <a:pPr lvl="1"/>
+            <a:r>
+              <a:rPr lang="en-US" dirty="0"/>
+              <a:t>Bring a notetaking device in addition to any recordings, so that you can go through the recordings “as-needed” rather than in their entirety.</a:t>
+            </a:r>
+          </a:p>
+          <a:p>
+            <a:pPr lvl="1"/>
+            <a:r>
+              <a:rPr lang="en-US" dirty="0"/>
+              <a:t>Keep a timer/clock in view so that you can record timestamps in your notes</a:t>
+            </a:r>
+          </a:p>
+        </p:txBody>
+      </p:sp>
+    </p:spTree>
+    <p:extLst>
+      <p:ext uri="{BB962C8B-B14F-4D97-AF65-F5344CB8AC3E}">
+        <p14:creationId xmlns:p14="http://schemas.microsoft.com/office/powerpoint/2010/main" val="1565108819"/>
+      </p:ext>
+    </p:extLst>
+  </p:cSld>
+  <p:clrMapOvr>
+    <a:masterClrMapping/>
+  </p:clrMapOvr>
+</p:sld>
+</file>
+
+<file path=ppt/slides/slide28.xml><?xml version="1.0" encoding="utf-8"?>
+<p:sld xmlns:a="http://schemas.openxmlformats.org/drawingml/2006/main" xmlns:r="http://schemas.openxmlformats.org/officeDocument/2006/relationships" xmlns:p="http://schemas.openxmlformats.org/presentationml/2006/main">
+  <p:cSld>
+    <p:spTree>
+      <p:nvGrpSpPr>
+        <p:cNvPr id="1" name=""/>
+        <p:cNvGrpSpPr/>
+        <p:nvPr/>
+      </p:nvGrpSpPr>
+      <p:grpSpPr>
+        <a:xfrm>
+          <a:off x="0" y="0"/>
+          <a:ext cx="0" cy="0"/>
+          <a:chOff x="0" y="0"/>
+          <a:chExt cx="0" cy="0"/>
+        </a:xfrm>
+      </p:grpSpPr>
+      <p:sp>
+        <p:nvSpPr>
+          <p:cNvPr id="2" name="Title 1">
+            <a:extLst>
+              <a:ext uri="{FF2B5EF4-FFF2-40B4-BE49-F238E27FC236}">
                 <a16:creationId xmlns:a16="http://schemas.microsoft.com/office/drawing/2014/main" id="{0E1EC217-6780-E308-3E63-94C782165039}"/>
               </a:ext>
             </a:extLst>
@@ -10436,7 +10580,7 @@
 </p:sld>
 </file>
 
-<file path=ppt/slides/slide28.xml><?xml version="1.0" encoding="utf-8"?>
+<file path=ppt/slides/slide29.xml><?xml version="1.0" encoding="utf-8"?>
 <p:sld xmlns:a="http://schemas.openxmlformats.org/drawingml/2006/main" xmlns:r="http://schemas.openxmlformats.org/officeDocument/2006/relationships" xmlns:p="http://schemas.openxmlformats.org/presentationml/2006/main">
   <p:cSld>
     <p:spTree>
@@ -10573,7 +10717,7 @@
           <p:cNvPr id="2" name="Title 1">
             <a:extLst>
               <a:ext uri="{FF2B5EF4-FFF2-40B4-BE49-F238E27FC236}">
-                <a16:creationId xmlns:a16="http://schemas.microsoft.com/office/drawing/2014/main" id="{18D7A3D8-5D0E-72E1-9708-0CEE8A72672F}"/>
+                <a16:creationId xmlns:a16="http://schemas.microsoft.com/office/drawing/2014/main" id="{A9B3E2A0-E408-4151-98B8-DAB549BC5516}"/>
               </a:ext>
             </a:extLst>
           </p:cNvPr>
@@ -10591,7 +10735,7 @@
           <a:p>
             <a:r>
               <a:rPr lang="en-US" dirty="0"/>
-              <a:t>Section: Interviews</a:t>
+              <a:t>Outline: Qualitative Methods</a:t>
             </a:r>
           </a:p>
         </p:txBody>
@@ -10601,7 +10745,7 @@
           <p:cNvPr id="3" name="Content Placeholder 2">
             <a:extLst>
               <a:ext uri="{FF2B5EF4-FFF2-40B4-BE49-F238E27FC236}">
-                <a16:creationId xmlns:a16="http://schemas.microsoft.com/office/drawing/2014/main" id="{8E1AA787-51AF-25B1-E8B9-2FE7925F1ED9}"/>
+                <a16:creationId xmlns:a16="http://schemas.microsoft.com/office/drawing/2014/main" id="{4C039A2E-ED0D-C689-85DB-452D49E78617}"/>
               </a:ext>
             </a:extLst>
           </p:cNvPr>
@@ -10616,6 +10760,48 @@
         <p:txBody>
           <a:bodyPr/>
           <a:lstStyle/>
+          <a:p>
+            <a:r>
+              <a:rPr lang="en-US" b="1" dirty="0"/>
+              <a:t>Interviews:</a:t>
+            </a:r>
+            <a:r>
+              <a:rPr lang="en-US" dirty="0"/>
+              <a:t> Collecting Data</a:t>
+            </a:r>
+          </a:p>
+          <a:p>
+            <a:r>
+              <a:rPr lang="en-US" b="1" dirty="0"/>
+              <a:t>Thematic Analysis:</a:t>
+            </a:r>
+            <a:r>
+              <a:rPr lang="en-US" dirty="0"/>
+              <a:t> Interpreting Qualitative Data</a:t>
+            </a:r>
+          </a:p>
+          <a:p>
+            <a:r>
+              <a:rPr lang="en-US" b="1" dirty="0"/>
+              <a:t>Appendix</a:t>
+            </a:r>
+            <a:r>
+              <a:rPr lang="en-US" b="1" dirty="0">
+                <a:sym typeface="Wingdings" panose="05000000000000000000" pitchFamily="2" charset="2"/>
+              </a:rPr>
+              <a:t>:</a:t>
+            </a:r>
+            <a:r>
+              <a:rPr lang="en-US" dirty="0">
+                <a:sym typeface="Wingdings" panose="05000000000000000000" pitchFamily="2" charset="2"/>
+              </a:rPr>
+              <a:t> </a:t>
+            </a:r>
+            <a:r>
+              <a:rPr lang="en-US" dirty="0"/>
+              <a:t>Observational Studies</a:t>
+            </a:r>
+          </a:p>
           <a:p>
             <a:endParaRPr lang="en-US" dirty="0"/>
           </a:p>
@@ -10624,7 +10810,7 @@
     </p:spTree>
     <p:extLst>
       <p:ext uri="{BB962C8B-B14F-4D97-AF65-F5344CB8AC3E}">
-        <p14:creationId xmlns:p14="http://schemas.microsoft.com/office/powerpoint/2010/main" val="1826470612"/>
+        <p14:creationId xmlns:p14="http://schemas.microsoft.com/office/powerpoint/2010/main" val="3028605644"/>
       </p:ext>
     </p:extLst>
   </p:cSld>
@@ -10656,7 +10842,7 @@
           <p:cNvPr id="2" name="Title 1">
             <a:extLst>
               <a:ext uri="{FF2B5EF4-FFF2-40B4-BE49-F238E27FC236}">
-                <a16:creationId xmlns:a16="http://schemas.microsoft.com/office/drawing/2014/main" id="{3C0C9D27-1DBE-217D-2D9B-D86B541001D9}"/>
+                <a16:creationId xmlns:a16="http://schemas.microsoft.com/office/drawing/2014/main" id="{18D7A3D8-5D0E-72E1-9708-0CEE8A72672F}"/>
               </a:ext>
             </a:extLst>
           </p:cNvPr>
@@ -10674,7 +10860,7 @@
           <a:p>
             <a:r>
               <a:rPr lang="en-US" dirty="0"/>
-              <a:t>Interviews</a:t>
+              <a:t>Section: Interviews</a:t>
             </a:r>
           </a:p>
         </p:txBody>
@@ -10684,7 +10870,7 @@
           <p:cNvPr id="3" name="Content Placeholder 2">
             <a:extLst>
               <a:ext uri="{FF2B5EF4-FFF2-40B4-BE49-F238E27FC236}">
-                <a16:creationId xmlns:a16="http://schemas.microsoft.com/office/drawing/2014/main" id="{E3BAD25D-EE33-D401-E0D6-E4063DAF840F}"/>
+                <a16:creationId xmlns:a16="http://schemas.microsoft.com/office/drawing/2014/main" id="{8E1AA787-51AF-25B1-E8B9-2FE7925F1ED9}"/>
               </a:ext>
             </a:extLst>
           </p:cNvPr>
@@ -10697,70 +10883,17 @@
         </p:nvSpPr>
         <p:spPr/>
         <p:txBody>
-          <a:bodyPr>
-            <a:normAutofit lnSpcReduction="10000"/>
-          </a:bodyPr>
-          <a:lstStyle/>
-          <a:p>
-            <a:r>
-              <a:rPr lang="en-US" dirty="0"/>
-              <a:t>Common tool for collecting qualitative data from subjects</a:t>
-            </a:r>
-          </a:p>
-          <a:p>
-            <a:r>
-              <a:rPr lang="en-US" b="1" dirty="0"/>
-              <a:t>Pro:</a:t>
-            </a:r>
-            <a:r>
-              <a:rPr lang="en-US" dirty="0"/>
-              <a:t> Provides greater flexibility than a survey. You can ask follow-up questions, clarify, etc.</a:t>
-            </a:r>
-          </a:p>
-          <a:p>
-            <a:r>
-              <a:rPr lang="en-US" b="1" dirty="0"/>
-              <a:t>Con: </a:t>
-            </a:r>
-            <a:r>
-              <a:rPr lang="en-US" dirty="0"/>
-              <a:t>Takes more time to perform and to analyze that survey</a:t>
-            </a:r>
-          </a:p>
-          <a:p>
-            <a:r>
-              <a:rPr lang="en-US" b="1" dirty="0"/>
-              <a:t>Preparing for an Interview:</a:t>
-            </a:r>
-          </a:p>
-          <a:p>
-            <a:pPr lvl="1"/>
-            <a:r>
-              <a:rPr lang="en-US" b="1" dirty="0"/>
-              <a:t>Write a script</a:t>
-            </a:r>
+          <a:bodyPr/>
+          <a:lstStyle/>
+          <a:p>
             <a:endParaRPr lang="en-US" dirty="0"/>
-          </a:p>
-          <a:p>
-            <a:pPr lvl="1"/>
-            <a:r>
-              <a:rPr lang="en-US" dirty="0"/>
-              <a:t>Understand how you will use the script</a:t>
-            </a:r>
-          </a:p>
-          <a:p>
-            <a:pPr lvl="1"/>
-            <a:r>
-              <a:rPr lang="en-US" dirty="0"/>
-              <a:t>Consider a semi-structured interview, where some deviation from the script is allowed</a:t>
-            </a:r>
           </a:p>
         </p:txBody>
       </p:sp>
     </p:spTree>
     <p:extLst>
       <p:ext uri="{BB962C8B-B14F-4D97-AF65-F5344CB8AC3E}">
-        <p14:creationId xmlns:p14="http://schemas.microsoft.com/office/powerpoint/2010/main" val="941542469"/>
+        <p14:creationId xmlns:p14="http://schemas.microsoft.com/office/powerpoint/2010/main" val="1826470612"/>
       </p:ext>
     </p:extLst>
   </p:cSld>
@@ -10792,7 +10925,7 @@
           <p:cNvPr id="2" name="Title 1">
             <a:extLst>
               <a:ext uri="{FF2B5EF4-FFF2-40B4-BE49-F238E27FC236}">
-                <a16:creationId xmlns:a16="http://schemas.microsoft.com/office/drawing/2014/main" id="{C98F40F6-8C2E-0AA6-5CAD-E496626B1D0D}"/>
+                <a16:creationId xmlns:a16="http://schemas.microsoft.com/office/drawing/2014/main" id="{3C0C9D27-1DBE-217D-2D9B-D86B541001D9}"/>
               </a:ext>
             </a:extLst>
           </p:cNvPr>
@@ -10810,7 +10943,7 @@
           <a:p>
             <a:r>
               <a:rPr lang="en-US" dirty="0"/>
-              <a:t>Writing an Interview Script</a:t>
+              <a:t>Interviews</a:t>
             </a:r>
           </a:p>
         </p:txBody>
@@ -10820,7 +10953,7 @@
           <p:cNvPr id="3" name="Content Placeholder 2">
             <a:extLst>
               <a:ext uri="{FF2B5EF4-FFF2-40B4-BE49-F238E27FC236}">
-                <a16:creationId xmlns:a16="http://schemas.microsoft.com/office/drawing/2014/main" id="{0DBF1762-6FB7-A770-0AE5-CCE1A6FA785F}"/>
+                <a16:creationId xmlns:a16="http://schemas.microsoft.com/office/drawing/2014/main" id="{E3BAD25D-EE33-D401-E0D6-E4063DAF840F}"/>
               </a:ext>
             </a:extLst>
           </p:cNvPr>
@@ -10834,93 +10967,69 @@
         <p:spPr/>
         <p:txBody>
           <a:bodyPr>
-            <a:normAutofit fontScale="92500" lnSpcReduction="10000"/>
+            <a:normAutofit lnSpcReduction="10000"/>
           </a:bodyPr>
           <a:lstStyle/>
           <a:p>
             <a:r>
               <a:rPr lang="en-US" dirty="0"/>
-              <a:t>1. First question: Do they consent to recording the interview?</a:t>
+              <a:t>Common tool for collecting qualitative data from subjects</a:t>
+            </a:r>
+          </a:p>
+          <a:p>
+            <a:r>
+              <a:rPr lang="en-US" b="1" dirty="0"/>
+              <a:t>Pro:</a:t>
+            </a:r>
+            <a:r>
+              <a:rPr lang="en-US" dirty="0"/>
+              <a:t> Provides greater flexibility than a survey. You can ask follow-up questions, clarify, etc.</a:t>
+            </a:r>
+          </a:p>
+          <a:p>
+            <a:r>
+              <a:rPr lang="en-US" b="1" dirty="0"/>
+              <a:t>Con: </a:t>
+            </a:r>
+            <a:r>
+              <a:rPr lang="en-US" dirty="0"/>
+              <a:t>Takes more time to perform and to analyze that survey</a:t>
+            </a:r>
+          </a:p>
+          <a:p>
+            <a:r>
+              <a:rPr lang="en-US" b="1" dirty="0"/>
+              <a:t>Preparing for an Interview:</a:t>
             </a:r>
           </a:p>
           <a:p>
             <a:pPr lvl="1"/>
             <a:r>
-              <a:rPr lang="en-US" dirty="0"/>
-              <a:t>Recording is a helpful standard practice, so you need not rely on written notes</a:t>
-            </a:r>
-          </a:p>
-          <a:p>
-            <a:r>
-              <a:rPr lang="en-US" dirty="0"/>
-              <a:t>2. Write your core questions</a:t>
-            </a:r>
+              <a:rPr lang="en-US" b="1" dirty="0"/>
+              <a:t>Write a script</a:t>
+            </a:r>
+            <a:endParaRPr lang="en-US" dirty="0"/>
           </a:p>
           <a:p>
             <a:pPr lvl="1"/>
             <a:r>
               <a:rPr lang="en-US" dirty="0"/>
-              <a:t>What are the core research questions you want to answer? How?</a:t>
-            </a:r>
-          </a:p>
-          <a:p>
-            <a:r>
-              <a:rPr lang="en-US" dirty="0"/>
-              <a:t>3. Write follow-ups, including probes</a:t>
+              <a:t>Understand how you will use the script</a:t>
             </a:r>
           </a:p>
           <a:p>
             <a:pPr lvl="1"/>
             <a:r>
               <a:rPr lang="en-US" dirty="0"/>
-              <a:t>“How do you mean that?”</a:t>
-            </a:r>
-          </a:p>
-          <a:p>
-            <a:pPr lvl="1"/>
-            <a:r>
-              <a:rPr lang="en-US" dirty="0"/>
-              <a:t>“Tell me more about that”</a:t>
-            </a:r>
-          </a:p>
-          <a:p>
-            <a:pPr lvl="1"/>
-            <a:r>
-              <a:rPr lang="en-US" dirty="0"/>
-              <a:t>“Anything else?”</a:t>
-            </a:r>
-          </a:p>
-          <a:p>
-            <a:r>
-              <a:rPr lang="en-US" dirty="0"/>
-              <a:t>Probe sometimes gets </a:t>
-            </a:r>
-            <a:r>
-              <a:rPr lang="en-US" b="1" dirty="0"/>
-              <a:t>more </a:t>
-            </a:r>
-            <a:r>
-              <a:rPr lang="en-US" dirty="0"/>
-              <a:t>answers than original</a:t>
-            </a:r>
-            <a:br>
-              <a:rPr lang="en-US" dirty="0"/>
-            </a:br>
-            <a:r>
-              <a:rPr lang="en-US" dirty="0"/>
-              <a:t>Use neutral tone, no leading questions</a:t>
-            </a:r>
-          </a:p>
-          <a:p>
-            <a:pPr lvl="1"/>
-            <a:endParaRPr lang="en-US" dirty="0"/>
+              <a:t>Consider a semi-structured interview, where some deviation from the script is allowed</a:t>
+            </a:r>
           </a:p>
         </p:txBody>
       </p:sp>
     </p:spTree>
     <p:extLst>
       <p:ext uri="{BB962C8B-B14F-4D97-AF65-F5344CB8AC3E}">
-        <p14:creationId xmlns:p14="http://schemas.microsoft.com/office/powerpoint/2010/main" val="2262986844"/>
+        <p14:creationId xmlns:p14="http://schemas.microsoft.com/office/powerpoint/2010/main" val="941542469"/>
       </p:ext>
     </p:extLst>
   </p:cSld>
@@ -10952,7 +11061,7 @@
           <p:cNvPr id="2" name="Title 1">
             <a:extLst>
               <a:ext uri="{FF2B5EF4-FFF2-40B4-BE49-F238E27FC236}">
-                <a16:creationId xmlns:a16="http://schemas.microsoft.com/office/drawing/2014/main" id="{EE028824-4C65-2559-2FDD-DABC57BE0ECA}"/>
+                <a16:creationId xmlns:a16="http://schemas.microsoft.com/office/drawing/2014/main" id="{C98F40F6-8C2E-0AA6-5CAD-E496626B1D0D}"/>
               </a:ext>
             </a:extLst>
           </p:cNvPr>
@@ -10970,7 +11079,7 @@
           <a:p>
             <a:r>
               <a:rPr lang="en-US" dirty="0"/>
-              <a:t>Example Interview Script: Motivation</a:t>
+              <a:t>Writing an Interview Script</a:t>
             </a:r>
           </a:p>
         </p:txBody>
@@ -10980,7 +11089,7 @@
           <p:cNvPr id="3" name="Content Placeholder 2">
             <a:extLst>
               <a:ext uri="{FF2B5EF4-FFF2-40B4-BE49-F238E27FC236}">
-                <a16:creationId xmlns:a16="http://schemas.microsoft.com/office/drawing/2014/main" id="{14925CDB-C4C2-B684-5317-9E3C7B3BD76C}"/>
+                <a16:creationId xmlns:a16="http://schemas.microsoft.com/office/drawing/2014/main" id="{0DBF1762-6FB7-A770-0AE5-CCE1A6FA785F}"/>
               </a:ext>
             </a:extLst>
           </p:cNvPr>
@@ -10993,53 +11102,94 @@
         </p:nvSpPr>
         <p:spPr/>
         <p:txBody>
-          <a:bodyPr/>
-          <a:lstStyle/>
-          <a:p>
-            <a:pPr marL="514350" indent="-514350">
-              <a:buFont typeface="+mj-lt"/>
-              <a:buAutoNum type="arabicPeriod"/>
-            </a:pPr>
-            <a:r>
-              <a:rPr lang="en-US" dirty="0"/>
-              <a:t>How do you (want to) use programming as a tool in your life?</a:t>
-            </a:r>
-          </a:p>
-          <a:p>
-            <a:pPr marL="514350" indent="-514350">
-              <a:buFont typeface="+mj-lt"/>
-              <a:buAutoNum type="arabicPeriod"/>
-            </a:pPr>
-            <a:r>
-              <a:rPr lang="en-US" dirty="0"/>
-              <a:t>What do you most want to learn about your tools?</a:t>
-            </a:r>
-          </a:p>
-          <a:p>
-            <a:pPr marL="514350" indent="-514350">
-              <a:buFont typeface="+mj-lt"/>
-              <a:buAutoNum type="arabicPeriod"/>
-            </a:pPr>
-            <a:r>
-              <a:rPr lang="en-US" dirty="0"/>
-              <a:t>How would learning that help you?</a:t>
-            </a:r>
-          </a:p>
-          <a:p>
-            <a:pPr marL="0" indent="0">
-              <a:buNone/>
-            </a:pPr>
-            <a:r>
-              <a:rPr lang="en-US" dirty="0"/>
-              <a:t>In addition to the scripted questions, you will ask probe questions (e.g., “tell me more,” “what do you mean by that?”) and other follow-up questions when appropriate.</a:t>
-            </a:r>
+          <a:bodyPr>
+            <a:normAutofit fontScale="92500" lnSpcReduction="10000"/>
+          </a:bodyPr>
+          <a:lstStyle/>
+          <a:p>
+            <a:r>
+              <a:rPr lang="en-US" dirty="0"/>
+              <a:t>1. First question: Do they consent to recording the interview?</a:t>
+            </a:r>
+          </a:p>
+          <a:p>
+            <a:pPr lvl="1"/>
+            <a:r>
+              <a:rPr lang="en-US" dirty="0"/>
+              <a:t>Recording is a helpful standard practice, so you need not rely on written notes</a:t>
+            </a:r>
+          </a:p>
+          <a:p>
+            <a:r>
+              <a:rPr lang="en-US" dirty="0"/>
+              <a:t>2. Write your core questions</a:t>
+            </a:r>
+          </a:p>
+          <a:p>
+            <a:pPr lvl="1"/>
+            <a:r>
+              <a:rPr lang="en-US" dirty="0"/>
+              <a:t>What are the core research questions you want to answer? How?</a:t>
+            </a:r>
+          </a:p>
+          <a:p>
+            <a:r>
+              <a:rPr lang="en-US" dirty="0"/>
+              <a:t>3. Write follow-ups, including probes</a:t>
+            </a:r>
+          </a:p>
+          <a:p>
+            <a:pPr lvl="1"/>
+            <a:r>
+              <a:rPr lang="en-US" dirty="0"/>
+              <a:t>“How do you mean that?”</a:t>
+            </a:r>
+          </a:p>
+          <a:p>
+            <a:pPr lvl="1"/>
+            <a:r>
+              <a:rPr lang="en-US" dirty="0"/>
+              <a:t>“Tell me more about that”</a:t>
+            </a:r>
+          </a:p>
+          <a:p>
+            <a:pPr lvl="1"/>
+            <a:r>
+              <a:rPr lang="en-US" dirty="0"/>
+              <a:t>“Anything else?”</a:t>
+            </a:r>
+          </a:p>
+          <a:p>
+            <a:r>
+              <a:rPr lang="en-US" dirty="0"/>
+              <a:t>Probe sometimes gets </a:t>
+            </a:r>
+            <a:r>
+              <a:rPr lang="en-US" b="1" dirty="0"/>
+              <a:t>more </a:t>
+            </a:r>
+            <a:r>
+              <a:rPr lang="en-US" dirty="0"/>
+              <a:t>answers than original</a:t>
+            </a:r>
+            <a:br>
+              <a:rPr lang="en-US" dirty="0"/>
+            </a:br>
+            <a:r>
+              <a:rPr lang="en-US" dirty="0"/>
+              <a:t>Use neutral tone, no leading questions</a:t>
+            </a:r>
+          </a:p>
+          <a:p>
+            <a:pPr lvl="1"/>
+            <a:endParaRPr lang="en-US" dirty="0"/>
           </a:p>
         </p:txBody>
       </p:sp>
     </p:spTree>
     <p:extLst>
       <p:ext uri="{BB962C8B-B14F-4D97-AF65-F5344CB8AC3E}">
-        <p14:creationId xmlns:p14="http://schemas.microsoft.com/office/powerpoint/2010/main" val="2694330910"/>
+        <p14:creationId xmlns:p14="http://schemas.microsoft.com/office/powerpoint/2010/main" val="2262986844"/>
       </p:ext>
     </p:extLst>
   </p:cSld>
@@ -11089,17 +11239,8 @@
           <a:p>
             <a:r>
               <a:rPr lang="en-US" dirty="0"/>
-              <a:t>Interview </a:t>
-            </a:r>
-            <a:r>
-              <a:rPr lang="en-US" b="1" dirty="0"/>
-              <a:t>Activity</a:t>
-            </a:r>
-            <a:r>
-              <a:rPr lang="en-US" dirty="0"/>
-              <a:t> (5-10 mins)</a:t>
-            </a:r>
-            <a:endParaRPr lang="en-US" b="1" dirty="0"/>
+              <a:t>Example Interview Script: Motivation</a:t>
+            </a:r>
           </a:p>
         </p:txBody>
       </p:sp>
@@ -11159,16 +11300,7 @@
             </a:pPr>
             <a:r>
               <a:rPr lang="en-US" dirty="0"/>
-              <a:t>Form pairs. Interview your partner, then switch. Ask &gt;= 1 follow-up.</a:t>
-            </a:r>
-          </a:p>
-          <a:p>
-            <a:pPr marL="0" indent="0">
-              <a:buNone/>
-            </a:pPr>
-            <a:r>
-              <a:rPr lang="en-US" b="1" dirty="0"/>
-              <a:t>Take notes from your interview, we will use them later in lecture</a:t>
+              <a:t>In addition to the scripted questions, you will ask probe questions (e.g., “tell me more,” “what do you mean by that?”) and other follow-up questions when appropriate.</a:t>
             </a:r>
           </a:p>
         </p:txBody>
@@ -11176,7 +11308,7 @@
     </p:spTree>
     <p:extLst>
       <p:ext uri="{BB962C8B-B14F-4D97-AF65-F5344CB8AC3E}">
-        <p14:creationId xmlns:p14="http://schemas.microsoft.com/office/powerpoint/2010/main" val="20345408"/>
+        <p14:creationId xmlns:p14="http://schemas.microsoft.com/office/powerpoint/2010/main" val="2694330910"/>
       </p:ext>
     </p:extLst>
   </p:cSld>
@@ -11226,7 +11358,15 @@
           <a:p>
             <a:r>
               <a:rPr lang="en-US" dirty="0"/>
-              <a:t>Section: Thematic Analysis</a:t>
+              <a:t>Interview </a:t>
+            </a:r>
+            <a:r>
+              <a:rPr lang="en-US" b="1" dirty="0"/>
+              <a:t>Activity</a:t>
+            </a:r>
+            <a:r>
+              <a:rPr lang="en-US" dirty="0"/>
+              <a:t> (5-10 mins)</a:t>
             </a:r>
             <a:endParaRPr lang="en-US" b="1" dirty="0"/>
           </a:p>
@@ -11234,10 +11374,10 @@
       </p:sp>
       <p:sp>
         <p:nvSpPr>
-          <p:cNvPr id="5" name="Content Placeholder 4">
-            <a:extLst>
-              <a:ext uri="{FF2B5EF4-FFF2-40B4-BE49-F238E27FC236}">
-                <a16:creationId xmlns:a16="http://schemas.microsoft.com/office/drawing/2014/main" id="{B1435148-2020-49A6-8FB6-D53B80C99769}"/>
+          <p:cNvPr id="3" name="Content Placeholder 2">
+            <a:extLst>
+              <a:ext uri="{FF2B5EF4-FFF2-40B4-BE49-F238E27FC236}">
+                <a16:creationId xmlns:a16="http://schemas.microsoft.com/office/drawing/2014/main" id="{14925CDB-C4C2-B684-5317-9E3C7B3BD76C}"/>
               </a:ext>
             </a:extLst>
           </p:cNvPr>
@@ -11253,14 +11393,59 @@
           <a:bodyPr/>
           <a:lstStyle/>
           <a:p>
-            <a:endParaRPr lang="en-US"/>
+            <a:pPr marL="514350" indent="-514350">
+              <a:buFont typeface="+mj-lt"/>
+              <a:buAutoNum type="arabicPeriod"/>
+            </a:pPr>
+            <a:r>
+              <a:rPr lang="en-US" dirty="0"/>
+              <a:t>How do you (want to) use programming as a tool in your life?</a:t>
+            </a:r>
+          </a:p>
+          <a:p>
+            <a:pPr marL="514350" indent="-514350">
+              <a:buFont typeface="+mj-lt"/>
+              <a:buAutoNum type="arabicPeriod"/>
+            </a:pPr>
+            <a:r>
+              <a:rPr lang="en-US" dirty="0"/>
+              <a:t>What do you most want to learn about your tools?</a:t>
+            </a:r>
+          </a:p>
+          <a:p>
+            <a:pPr marL="514350" indent="-514350">
+              <a:buFont typeface="+mj-lt"/>
+              <a:buAutoNum type="arabicPeriod"/>
+            </a:pPr>
+            <a:r>
+              <a:rPr lang="en-US" dirty="0"/>
+              <a:t>How would learning that help you?</a:t>
+            </a:r>
+          </a:p>
+          <a:p>
+            <a:pPr marL="0" indent="0">
+              <a:buNone/>
+            </a:pPr>
+            <a:r>
+              <a:rPr lang="en-US" dirty="0"/>
+              <a:t>Form pairs. Interview your partner, then switch. Ask &gt;= 1 follow-up.</a:t>
+            </a:r>
+          </a:p>
+          <a:p>
+            <a:pPr marL="0" indent="0">
+              <a:buNone/>
+            </a:pPr>
+            <a:r>
+              <a:rPr lang="en-US" b="1" dirty="0"/>
+              <a:t>Take notes from your interview, we will use them later in lecture</a:t>
+            </a:r>
           </a:p>
         </p:txBody>
       </p:sp>
     </p:spTree>
     <p:extLst>
       <p:ext uri="{BB962C8B-B14F-4D97-AF65-F5344CB8AC3E}">
-        <p14:creationId xmlns:p14="http://schemas.microsoft.com/office/powerpoint/2010/main" val="4256077874"/>
+        <p14:creationId xmlns:p14="http://schemas.microsoft.com/office/powerpoint/2010/main" val="20345408"/>
       </p:ext>
     </p:extLst>
   </p:cSld>
@@ -11292,7 +11477,7 @@
           <p:cNvPr id="2" name="Title 1">
             <a:extLst>
               <a:ext uri="{FF2B5EF4-FFF2-40B4-BE49-F238E27FC236}">
-                <a16:creationId xmlns:a16="http://schemas.microsoft.com/office/drawing/2014/main" id="{93340A0C-EAC1-42AA-32D7-0F0485DF424E}"/>
+                <a16:creationId xmlns:a16="http://schemas.microsoft.com/office/drawing/2014/main" id="{EE028824-4C65-2559-2FDD-DABC57BE0ECA}"/>
               </a:ext>
             </a:extLst>
           </p:cNvPr>
@@ -11310,17 +11495,18 @@
           <a:p>
             <a:r>
               <a:rPr lang="en-US" dirty="0"/>
-              <a:t>Interpreting Qualitative Data</a:t>
-            </a:r>
-          </a:p>
-        </p:txBody>
-      </p:sp>
-      <p:sp>
-        <p:nvSpPr>
-          <p:cNvPr id="3" name="Content Placeholder 2">
-            <a:extLst>
-              <a:ext uri="{FF2B5EF4-FFF2-40B4-BE49-F238E27FC236}">
-                <a16:creationId xmlns:a16="http://schemas.microsoft.com/office/drawing/2014/main" id="{39257BD6-EA54-3978-EFDB-AB707C5FEE2B}"/>
+              <a:t>Section: Thematic Analysis</a:t>
+            </a:r>
+            <a:endParaRPr lang="en-US" b="1" dirty="0"/>
+          </a:p>
+        </p:txBody>
+      </p:sp>
+      <p:sp>
+        <p:nvSpPr>
+          <p:cNvPr id="5" name="Content Placeholder 4">
+            <a:extLst>
+              <a:ext uri="{FF2B5EF4-FFF2-40B4-BE49-F238E27FC236}">
+                <a16:creationId xmlns:a16="http://schemas.microsoft.com/office/drawing/2014/main" id="{B1435148-2020-49A6-8FB6-D53B80C99769}"/>
               </a:ext>
             </a:extLst>
           </p:cNvPr>
@@ -11333,106 +11519,17 @@
         </p:nvSpPr>
         <p:spPr/>
         <p:txBody>
-          <a:bodyPr>
-            <a:normAutofit/>
-          </a:bodyPr>
-          <a:lstStyle/>
-          <a:p>
-            <a:r>
-              <a:rPr lang="en-US" b="1" dirty="0"/>
-              <a:t>Challenge:</a:t>
-            </a:r>
-            <a:r>
-              <a:rPr lang="en-US" dirty="0"/>
-              <a:t> Interpreting qualitative data is always subjective. How do we deal with this challenge in an intellectually serious way?</a:t>
-            </a:r>
-          </a:p>
-          <a:p>
-            <a:r>
-              <a:rPr lang="en-US" b="1" dirty="0"/>
-              <a:t>Two answers:</a:t>
-            </a:r>
-            <a:endParaRPr lang="en-US" dirty="0"/>
-          </a:p>
-          <a:p>
-            <a:pPr marL="514350" indent="-514350">
-              <a:buFont typeface="+mj-lt"/>
-              <a:buAutoNum type="arabicPeriod"/>
-            </a:pPr>
-            <a:r>
-              <a:rPr lang="en-US" dirty="0"/>
-              <a:t>“little-q qualitative”: Ensure that the analysis is reproducible</a:t>
-            </a:r>
-          </a:p>
-          <a:p>
-            <a:pPr marL="514350" indent="-514350">
-              <a:buFont typeface="+mj-lt"/>
-              <a:buAutoNum type="arabicPeriod"/>
-            </a:pPr>
-            <a:r>
-              <a:rPr lang="en-US" dirty="0"/>
-              <a:t>“Big-Q Qualitative”: Embrace subjectivity, communicate it well</a:t>
-            </a:r>
-          </a:p>
-          <a:p>
-            <a:r>
-              <a:rPr lang="en-US" dirty="0"/>
-              <a:t>Two main methods, </a:t>
-            </a:r>
-            <a:r>
-              <a:rPr lang="en-US" b="1" dirty="0"/>
-              <a:t>grounded theory </a:t>
-            </a:r>
-            <a:r>
-              <a:rPr lang="en-US" dirty="0"/>
-              <a:t>and </a:t>
-            </a:r>
-            <a:r>
-              <a:rPr lang="en-US" b="1" dirty="0"/>
-              <a:t>thematic analysis</a:t>
-            </a:r>
-            <a:r>
-              <a:rPr lang="en-US" dirty="0"/>
-              <a:t>, share:</a:t>
-            </a:r>
-          </a:p>
-          <a:p>
-            <a:pPr lvl="1"/>
-            <a:r>
-              <a:rPr lang="en-US" dirty="0"/>
-              <a:t>Annotate insightful data in a process called </a:t>
-            </a:r>
-            <a:r>
-              <a:rPr lang="en-US" b="1" dirty="0"/>
-              <a:t>coding</a:t>
-            </a:r>
-            <a:endParaRPr lang="en-US" dirty="0"/>
-          </a:p>
-          <a:p>
-            <a:pPr lvl="1"/>
-            <a:r>
-              <a:rPr lang="en-US" dirty="0"/>
-              <a:t>Iteratively collect codes together to form your conclusions</a:t>
-            </a:r>
-          </a:p>
-          <a:p>
-            <a:pPr marL="0" indent="0">
-              <a:buNone/>
-            </a:pPr>
-            <a:endParaRPr lang="en-US" dirty="0"/>
-          </a:p>
-          <a:p>
-            <a:pPr marL="0" indent="0">
-              <a:buNone/>
-            </a:pPr>
-            <a:endParaRPr lang="en-US" dirty="0"/>
+          <a:bodyPr/>
+          <a:lstStyle/>
+          <a:p>
+            <a:endParaRPr lang="en-US"/>
           </a:p>
         </p:txBody>
       </p:sp>
     </p:spTree>
     <p:extLst>
       <p:ext uri="{BB962C8B-B14F-4D97-AF65-F5344CB8AC3E}">
-        <p14:creationId xmlns:p14="http://schemas.microsoft.com/office/powerpoint/2010/main" val="2852547438"/>
+        <p14:creationId xmlns:p14="http://schemas.microsoft.com/office/powerpoint/2010/main" val="4256077874"/>
       </p:ext>
     </p:extLst>
   </p:cSld>
